--- a/Documentation/TSBB15prez.pptx
+++ b/Documentation/TSBB15prez.pptx
@@ -243,7 +243,7 @@
           <a:p>
             <a:fld id="{2D3CB711-9C12-4B13-9C7A-61DE322E86FC}" type="datetimeFigureOut">
               <a:rPr lang="sv-SE" smtClean="0"/>
-              <a:t>2013-04-04</a:t>
+              <a:t>2013-04-05</a:t>
             </a:fld>
             <a:endParaRPr lang="sv-SE"/>
           </a:p>
@@ -570,7 +570,7 @@
             <a:fld id="{8C5ACF3F-8D59-47DC-851F-E1BB6DFB0347}" type="datetimeFigureOut">
               <a:rPr lang="en-US" smtClean="0"/>
               <a:pPr/>
-              <a:t>4/4/2013</a:t>
+              <a:t>4/5/2013</a:t>
             </a:fld>
             <a:endParaRPr lang="en-US"/>
           </a:p>
@@ -795,7 +795,7 @@
             <a:fld id="{8C5ACF3F-8D59-47DC-851F-E1BB6DFB0347}" type="datetimeFigureOut">
               <a:rPr lang="en-US" smtClean="0"/>
               <a:pPr/>
-              <a:t>4/4/2013</a:t>
+              <a:t>4/5/2013</a:t>
             </a:fld>
             <a:endParaRPr lang="en-US"/>
           </a:p>
@@ -1077,7 +1077,7 @@
             <a:fld id="{8C5ACF3F-8D59-47DC-851F-E1BB6DFB0347}" type="datetimeFigureOut">
               <a:rPr lang="en-US" smtClean="0"/>
               <a:pPr/>
-              <a:t>4/4/2013</a:t>
+              <a:t>4/5/2013</a:t>
             </a:fld>
             <a:endParaRPr lang="en-US"/>
           </a:p>
@@ -1258,7 +1258,7 @@
             <a:fld id="{8C5ACF3F-8D59-47DC-851F-E1BB6DFB0347}" type="datetimeFigureOut">
               <a:rPr lang="en-US" smtClean="0"/>
               <a:pPr/>
-              <a:t>4/4/2013</a:t>
+              <a:t>4/5/2013</a:t>
             </a:fld>
             <a:endParaRPr lang="en-US"/>
           </a:p>
@@ -1613,7 +1613,7 @@
             <a:fld id="{8C5ACF3F-8D59-47DC-851F-E1BB6DFB0347}" type="datetimeFigureOut">
               <a:rPr lang="en-US" smtClean="0"/>
               <a:pPr/>
-              <a:t>4/4/2013</a:t>
+              <a:t>4/5/2013</a:t>
             </a:fld>
             <a:endParaRPr lang="en-US"/>
           </a:p>
@@ -1902,7 +1902,7 @@
             <a:fld id="{8C5ACF3F-8D59-47DC-851F-E1BB6DFB0347}" type="datetimeFigureOut">
               <a:rPr lang="en-US" smtClean="0"/>
               <a:pPr/>
-              <a:t>4/4/2013</a:t>
+              <a:t>4/5/2013</a:t>
             </a:fld>
             <a:endParaRPr lang="en-US"/>
           </a:p>
@@ -2326,7 +2326,7 @@
             <a:fld id="{8C5ACF3F-8D59-47DC-851F-E1BB6DFB0347}" type="datetimeFigureOut">
               <a:rPr lang="en-US" smtClean="0"/>
               <a:pPr/>
-              <a:t>4/4/2013</a:t>
+              <a:t>4/5/2013</a:t>
             </a:fld>
             <a:endParaRPr lang="en-US"/>
           </a:p>
@@ -2443,7 +2443,7 @@
             <a:fld id="{8C5ACF3F-8D59-47DC-851F-E1BB6DFB0347}" type="datetimeFigureOut">
               <a:rPr lang="en-US" smtClean="0"/>
               <a:pPr/>
-              <a:t>4/4/2013</a:t>
+              <a:t>4/5/2013</a:t>
             </a:fld>
             <a:endParaRPr lang="en-US"/>
           </a:p>
@@ -2535,7 +2535,7 @@
             <a:fld id="{8C5ACF3F-8D59-47DC-851F-E1BB6DFB0347}" type="datetimeFigureOut">
               <a:rPr lang="en-US" smtClean="0"/>
               <a:pPr/>
-              <a:t>4/4/2013</a:t>
+              <a:t>4/5/2013</a:t>
             </a:fld>
             <a:endParaRPr lang="en-US"/>
           </a:p>
@@ -2815,7 +2815,7 @@
             <a:fld id="{8C5ACF3F-8D59-47DC-851F-E1BB6DFB0347}" type="datetimeFigureOut">
               <a:rPr lang="en-US" smtClean="0"/>
               <a:pPr/>
-              <a:t>4/4/2013</a:t>
+              <a:t>4/5/2013</a:t>
             </a:fld>
             <a:endParaRPr lang="en-US"/>
           </a:p>
@@ -3178,7 +3178,7 @@
             <a:fld id="{8C5ACF3F-8D59-47DC-851F-E1BB6DFB0347}" type="datetimeFigureOut">
               <a:rPr lang="en-US" smtClean="0"/>
               <a:pPr/>
-              <a:t>4/4/2013</a:t>
+              <a:t>4/5/2013</a:t>
             </a:fld>
             <a:endParaRPr lang="en-US"/>
           </a:p>
@@ -3634,7 +3634,7 @@
             <a:fld id="{8C5ACF3F-8D59-47DC-851F-E1BB6DFB0347}" type="datetimeFigureOut">
               <a:rPr lang="en-US" smtClean="0"/>
               <a:pPr/>
-              <a:t>4/4/2013</a:t>
+              <a:t>4/5/2013</a:t>
             </a:fld>
             <a:endParaRPr lang="en-US"/>
           </a:p>
@@ -6238,8 +6238,31 @@
           <a:p>
             <a:r>
               <a:rPr lang="en-US" dirty="0" smtClean="0"/>
-              <a:t>stuff</a:t>
-            </a:r>
+              <a:t>Uses a mixture of </a:t>
+            </a:r>
+            <a:r>
+              <a:rPr lang="en-US" dirty="0" err="1" smtClean="0"/>
+              <a:t>gaussian</a:t>
+            </a:r>
+            <a:r>
+              <a:rPr lang="en-US" dirty="0" smtClean="0"/>
+              <a:t> model described by Wood.</a:t>
+            </a:r>
+          </a:p>
+          <a:p>
+            <a:r>
+              <a:rPr lang="en-US" dirty="0" smtClean="0"/>
+              <a:t>Update procedure is slow... Close to 1 second per update on a larger image.</a:t>
+            </a:r>
+          </a:p>
+          <a:p>
+            <a:endParaRPr lang="en-US" dirty="0" smtClean="0"/>
+          </a:p>
+          <a:p>
+            <a:pPr marL="118872" indent="0">
+              <a:buNone/>
+            </a:pPr>
+            <a:endParaRPr lang="en-US" dirty="0" smtClean="0"/>
           </a:p>
           <a:p>
             <a:endParaRPr lang="en-US" dirty="0"/>
@@ -6319,15 +6342,106 @@
           <a:lstStyle/>
           <a:p>
             <a:r>
+              <a:rPr lang="sv-SE" dirty="0" err="1" smtClean="0"/>
+              <a:t>Noisy</a:t>
+            </a:r>
+            <a:r>
               <a:rPr lang="sv-SE" dirty="0" smtClean="0"/>
-              <a:t>Moar stuff		</a:t>
-            </a:r>
-          </a:p>
-          <a:p>
+              <a:t>, lots </a:t>
+            </a:r>
+            <a:r>
+              <a:rPr lang="sv-SE" dirty="0" err="1" smtClean="0"/>
+              <a:t>of</a:t>
+            </a:r>
+            <a:r>
+              <a:rPr lang="sv-SE" dirty="0" smtClean="0"/>
+              <a:t> </a:t>
+            </a:r>
+            <a:r>
+              <a:rPr lang="sv-SE" dirty="0" err="1" smtClean="0"/>
+              <a:t>false</a:t>
+            </a:r>
+            <a:r>
+              <a:rPr lang="sv-SE" dirty="0" smtClean="0"/>
+              <a:t> positives.</a:t>
+            </a:r>
+          </a:p>
+          <a:p>
+            <a:r>
+              <a:rPr lang="sv-SE" dirty="0" err="1" smtClean="0"/>
+              <a:t>False</a:t>
+            </a:r>
+            <a:r>
+              <a:rPr lang="sv-SE" dirty="0" smtClean="0"/>
+              <a:t> positives </a:t>
+            </a:r>
+            <a:r>
+              <a:rPr lang="sv-SE" dirty="0" err="1" smtClean="0"/>
+              <a:t>are</a:t>
+            </a:r>
+            <a:r>
+              <a:rPr lang="sv-SE" dirty="0" smtClean="0"/>
+              <a:t> </a:t>
+            </a:r>
+            <a:r>
+              <a:rPr lang="sv-SE" dirty="0" err="1" smtClean="0"/>
+              <a:t>mostly</a:t>
+            </a:r>
+            <a:r>
+              <a:rPr lang="sv-SE" dirty="0" smtClean="0"/>
+              <a:t> isolated.</a:t>
+            </a:r>
             <a:endParaRPr lang="sv-SE" dirty="0" smtClean="0"/>
           </a:p>
           <a:p>
+            <a:r>
+              <a:rPr lang="sv-SE" dirty="0" err="1" smtClean="0"/>
+              <a:t>Easy</a:t>
+            </a:r>
+            <a:r>
+              <a:rPr lang="sv-SE" dirty="0" smtClean="0"/>
+              <a:t> </a:t>
+            </a:r>
+            <a:r>
+              <a:rPr lang="sv-SE" dirty="0" err="1" smtClean="0"/>
+              <a:t>to</a:t>
+            </a:r>
+            <a:r>
+              <a:rPr lang="sv-SE" dirty="0" smtClean="0"/>
+              <a:t> </a:t>
+            </a:r>
+            <a:r>
+              <a:rPr lang="sv-SE" dirty="0" err="1" smtClean="0"/>
+              <a:t>handle</a:t>
+            </a:r>
+            <a:r>
+              <a:rPr lang="sv-SE" dirty="0" smtClean="0"/>
+              <a:t> </a:t>
+            </a:r>
+            <a:r>
+              <a:rPr lang="sv-SE" dirty="0" err="1" smtClean="0"/>
+              <a:t>with</a:t>
+            </a:r>
+            <a:r>
+              <a:rPr lang="sv-SE" dirty="0" smtClean="0"/>
+              <a:t> later </a:t>
+            </a:r>
+            <a:r>
+              <a:rPr lang="sv-SE" dirty="0" err="1" smtClean="0"/>
+              <a:t>processing</a:t>
+            </a:r>
+            <a:r>
+              <a:rPr lang="sv-SE" dirty="0" smtClean="0"/>
+              <a:t> </a:t>
+            </a:r>
+            <a:r>
+              <a:rPr lang="sv-SE" smtClean="0"/>
+              <a:t>steps.</a:t>
+            </a:r>
             <a:endParaRPr lang="sv-SE" dirty="0"/>
+          </a:p>
+          <a:p>
+            <a:endParaRPr lang="sv-SE" dirty="0" smtClean="0"/>
           </a:p>
         </p:txBody>
       </p:sp>

--- a/Documentation/TSBB15prez.pptx
+++ b/Documentation/TSBB15prez.pptx
@@ -4425,6 +4425,13 @@
   <p:clrMapOvr>
     <a:masterClrMapping/>
   </p:clrMapOvr>
+  <p:timing>
+    <p:tnLst>
+      <p:par>
+        <p:cTn id="1" dur="indefinite" restart="never" nodeType="tmRoot"/>
+      </p:par>
+    </p:tnLst>
+  </p:timing>
 </p:sld>
 </file>
 
@@ -4830,8 +4837,56 @@
           <a:p>
             <a:r>
               <a:rPr lang="sv-SE" dirty="0" smtClean="0"/>
-              <a:t>How do i algorithm 8.1??!?</a:t>
-            </a:r>
+              <a:t>Why Kalman?</a:t>
+            </a:r>
+          </a:p>
+          <a:p>
+            <a:endParaRPr lang="sv-SE" dirty="0" smtClean="0"/>
+          </a:p>
+          <a:p>
+            <a:r>
+              <a:rPr lang="sv-SE" dirty="0" smtClean="0"/>
+              <a:t>How Kalman?</a:t>
+            </a:r>
+          </a:p>
+          <a:p>
+            <a:pPr lvl="1"/>
+            <a:r>
+              <a:rPr lang="sv-SE" dirty="0" smtClean="0"/>
+              <a:t>Two phases</a:t>
+            </a:r>
+          </a:p>
+          <a:p>
+            <a:pPr lvl="2"/>
+            <a:r>
+              <a:rPr lang="sv-SE" dirty="0" smtClean="0"/>
+              <a:t>Measurement Update</a:t>
+            </a:r>
+          </a:p>
+          <a:p>
+            <a:pPr lvl="2"/>
+            <a:r>
+              <a:rPr lang="sv-SE" dirty="0" smtClean="0"/>
+              <a:t>Time Update</a:t>
+            </a:r>
+          </a:p>
+          <a:p>
+            <a:endParaRPr lang="sv-SE" dirty="0"/>
+          </a:p>
+          <a:p>
+            <a:r>
+              <a:rPr lang="sv-SE" dirty="0" smtClean="0"/>
+              <a:t>Difficulties</a:t>
+            </a:r>
+          </a:p>
+          <a:p>
+            <a:pPr lvl="1"/>
+            <a:r>
+              <a:rPr lang="sv-SE" dirty="0" smtClean="0"/>
+              <a:t>Smoothing</a:t>
+            </a:r>
+          </a:p>
+          <a:p>
             <a:endParaRPr lang="sv-SE" dirty="0"/>
           </a:p>
         </p:txBody>
@@ -4891,52 +4946,266 @@
           </a:p>
         </p:txBody>
       </p:sp>
-      <p:sp>
-        <p:nvSpPr>
-          <p:cNvPr id="3" name="Content Placeholder 2"/>
-          <p:cNvSpPr>
-            <a:spLocks noGrp="1"/>
-          </p:cNvSpPr>
-          <p:nvPr>
-            <p:ph idx="1"/>
-          </p:nvPr>
-        </p:nvSpPr>
-        <p:spPr/>
-        <p:txBody>
-          <a:bodyPr/>
-          <a:lstStyle/>
-          <a:p>
-            <a:r>
-              <a:rPr lang="en-US" dirty="0" smtClean="0"/>
-              <a:t>Evaluate THIS!</a:t>
-            </a:r>
-          </a:p>
-        </p:txBody>
-      </p:sp>
-      <p:pic>
-        <p:nvPicPr>
-          <p:cNvPr id="4" name="Picture 3" descr="Bild 4.JPG"/>
-          <p:cNvPicPr>
-            <a:picLocks noChangeAspect="1"/>
-          </p:cNvPicPr>
-          <p:nvPr/>
-        </p:nvPicPr>
-        <p:blipFill>
-          <a:blip r:embed="rId2" cstate="print"/>
-          <a:stretch>
-            <a:fillRect/>
-          </a:stretch>
-        </p:blipFill>
-        <p:spPr>
-          <a:xfrm>
-            <a:off x="5181600" y="2819400"/>
-            <a:ext cx="3549600" cy="3886200"/>
-          </a:xfrm>
-          <a:prstGeom prst="rect">
-            <a:avLst/>
-          </a:prstGeom>
-        </p:spPr>
-      </p:pic>
+      <mc:AlternateContent xmlns:mc="http://schemas.openxmlformats.org/markup-compatibility/2006">
+        <mc:Choice xmlns:a14="http://schemas.microsoft.com/office/drawing/2010/main" Requires="a14">
+          <p:sp>
+            <p:nvSpPr>
+              <p:cNvPr id="3" name="Content Placeholder 2"/>
+              <p:cNvSpPr>
+                <a:spLocks noGrp="1"/>
+              </p:cNvSpPr>
+              <p:nvPr>
+                <p:ph idx="1"/>
+              </p:nvPr>
+            </p:nvSpPr>
+            <p:spPr/>
+            <p:txBody>
+              <a:bodyPr>
+                <a:normAutofit/>
+              </a:bodyPr>
+              <a:lstStyle/>
+              <a:p>
+                <a:r>
+                  <a:rPr lang="en-US" dirty="0" smtClean="0"/>
+                  <a:t>Why MOTA &amp; MOTP?</a:t>
+                </a:r>
+              </a:p>
+              <a:p>
+                <a:pPr marL="118872" indent="0">
+                  <a:buNone/>
+                </a:pPr>
+                <a:endParaRPr lang="en-US" dirty="0" smtClean="0"/>
+              </a:p>
+              <a:p>
+                <a:r>
+                  <a:rPr lang="en-US" dirty="0" smtClean="0"/>
+                  <a:t>How MOTA?</a:t>
+                </a:r>
+              </a:p>
+              <a:p>
+                <a:pPr lvl="1"/>
+                <a14:m>
+                  <m:oMath xmlns:m="http://schemas.openxmlformats.org/officeDocument/2006/math">
+                    <m:r>
+                      <a:rPr lang="sv-SE" b="0" i="1" smtClean="0">
+                        <a:latin typeface="Cambria Math"/>
+                      </a:rPr>
+                      <m:t>𝑀𝑂𝑇𝐴</m:t>
+                    </m:r>
+                    <m:r>
+                      <a:rPr lang="sv-SE" b="0" i="1" smtClean="0">
+                        <a:latin typeface="Cambria Math"/>
+                      </a:rPr>
+                      <m:t>=</m:t>
+                    </m:r>
+                    <m:f>
+                      <m:fPr>
+                        <m:ctrlPr>
+                          <a:rPr lang="sv-SE" b="0" i="1" smtClean="0">
+                            <a:latin typeface="Cambria Math"/>
+                          </a:rPr>
+                        </m:ctrlPr>
+                      </m:fPr>
+                      <m:num>
+                        <m:nary>
+                          <m:naryPr>
+                            <m:chr m:val="∑"/>
+                            <m:subHide m:val="on"/>
+                            <m:supHide m:val="on"/>
+                            <m:ctrlPr>
+                              <a:rPr lang="sv-SE" b="0" i="1" smtClean="0">
+                                <a:latin typeface="Cambria Math"/>
+                              </a:rPr>
+                            </m:ctrlPr>
+                          </m:naryPr>
+                          <m:sub/>
+                          <m:sup/>
+                          <m:e>
+                            <m:r>
+                              <a:rPr lang="sv-SE" b="0" i="1" smtClean="0">
+                                <a:latin typeface="Cambria Math"/>
+                              </a:rPr>
+                              <m:t>𝑚𝑖𝑠𝑠𝑒𝑠</m:t>
+                            </m:r>
+                            <m:r>
+                              <a:rPr lang="sv-SE" b="0" i="1" smtClean="0">
+                                <a:latin typeface="Cambria Math"/>
+                              </a:rPr>
+                              <m:t>+</m:t>
+                            </m:r>
+                            <m:r>
+                              <a:rPr lang="sv-SE" b="0" i="1" smtClean="0">
+                                <a:latin typeface="Cambria Math"/>
+                              </a:rPr>
+                              <m:t>𝑓𝑎𝑙𝑠𝑒𝑃𝑜𝑠𝑖𝑡𝑖𝑣𝑒</m:t>
+                            </m:r>
+                            <m:r>
+                              <a:rPr lang="sv-SE" b="0" i="1" smtClean="0">
+                                <a:latin typeface="Cambria Math"/>
+                              </a:rPr>
+                              <m:t>+</m:t>
+                            </m:r>
+                            <m:r>
+                              <a:rPr lang="sv-SE" b="0" i="1" smtClean="0">
+                                <a:latin typeface="Cambria Math"/>
+                              </a:rPr>
+                              <m:t>𝑚𝑖𝑠𝑚𝑎𝑡𝑐h𝑒𝑠</m:t>
+                            </m:r>
+                          </m:e>
+                        </m:nary>
+                      </m:num>
+                      <m:den>
+                        <m:nary>
+                          <m:naryPr>
+                            <m:chr m:val="∑"/>
+                            <m:subHide m:val="on"/>
+                            <m:supHide m:val="on"/>
+                            <m:ctrlPr>
+                              <a:rPr lang="sv-SE" b="0" i="1" smtClean="0">
+                                <a:latin typeface="Cambria Math"/>
+                              </a:rPr>
+                            </m:ctrlPr>
+                          </m:naryPr>
+                          <m:sub/>
+                          <m:sup/>
+                          <m:e>
+                            <m:r>
+                              <a:rPr lang="sv-SE" b="0" i="1" smtClean="0">
+                                <a:latin typeface="Cambria Math"/>
+                              </a:rPr>
+                              <m:t>𝑜𝑏𝑗𝑒𝑐𝑡𝑠</m:t>
+                            </m:r>
+                          </m:e>
+                        </m:nary>
+                      </m:den>
+                    </m:f>
+                  </m:oMath>
+                </a14:m>
+                <a:endParaRPr lang="en-US" dirty="0" smtClean="0"/>
+              </a:p>
+              <a:p>
+                <a:endParaRPr lang="en-US" dirty="0" smtClean="0"/>
+              </a:p>
+              <a:p>
+                <a:r>
+                  <a:rPr lang="en-US" dirty="0" smtClean="0"/>
+                  <a:t>How MOTP?</a:t>
+                </a:r>
+              </a:p>
+              <a:p>
+                <a:pPr lvl="1"/>
+                <a14:m>
+                  <m:oMath xmlns:m="http://schemas.openxmlformats.org/officeDocument/2006/math">
+                    <m:r>
+                      <a:rPr lang="sv-SE" b="0" i="1" smtClean="0">
+                        <a:latin typeface="Cambria Math"/>
+                      </a:rPr>
+                      <m:t>𝑀𝑂𝑇𝑃</m:t>
+                    </m:r>
+                    <m:r>
+                      <a:rPr lang="sv-SE" b="0" i="1" smtClean="0">
+                        <a:latin typeface="Cambria Math"/>
+                      </a:rPr>
+                      <m:t>=</m:t>
+                    </m:r>
+                    <m:f>
+                      <m:fPr>
+                        <m:ctrlPr>
+                          <a:rPr lang="sv-SE" b="0" i="1" smtClean="0">
+                            <a:latin typeface="Cambria Math"/>
+                          </a:rPr>
+                        </m:ctrlPr>
+                      </m:fPr>
+                      <m:num>
+                        <m:nary>
+                          <m:naryPr>
+                            <m:chr m:val="∑"/>
+                            <m:subHide m:val="on"/>
+                            <m:supHide m:val="on"/>
+                            <m:ctrlPr>
+                              <a:rPr lang="sv-SE" b="0" i="1" smtClean="0">
+                                <a:latin typeface="Cambria Math"/>
+                              </a:rPr>
+                            </m:ctrlPr>
+                          </m:naryPr>
+                          <m:sub/>
+                          <m:sup/>
+                          <m:e>
+                            <m:r>
+                              <a:rPr lang="sv-SE" b="0" i="1" smtClean="0">
+                                <a:latin typeface="Cambria Math"/>
+                              </a:rPr>
+                              <m:t>𝑑𝑖𝑠𝑡𝑎𝑛𝑐𝑒</m:t>
+                            </m:r>
+                          </m:e>
+                        </m:nary>
+                      </m:num>
+                      <m:den>
+                        <m:nary>
+                          <m:naryPr>
+                            <m:chr m:val="∑"/>
+                            <m:subHide m:val="on"/>
+                            <m:supHide m:val="on"/>
+                            <m:ctrlPr>
+                              <a:rPr lang="sv-SE" b="0" i="1" smtClean="0">
+                                <a:latin typeface="Cambria Math"/>
+                              </a:rPr>
+                            </m:ctrlPr>
+                          </m:naryPr>
+                          <m:sub/>
+                          <m:sup/>
+                          <m:e>
+                            <m:r>
+                              <a:rPr lang="sv-SE" b="0" i="1" smtClean="0">
+                                <a:latin typeface="Cambria Math"/>
+                              </a:rPr>
+                              <m:t>𝑜𝑏𝑗𝑒𝑐𝑡𝑠</m:t>
+                            </m:r>
+                          </m:e>
+                        </m:nary>
+                      </m:den>
+                    </m:f>
+                  </m:oMath>
+                </a14:m>
+                <a:endParaRPr lang="en-US" dirty="0"/>
+              </a:p>
+            </p:txBody>
+          </p:sp>
+        </mc:Choice>
+        <mc:Fallback>
+          <p:sp>
+            <p:nvSpPr>
+              <p:cNvPr id="3" name="Content Placeholder 2"/>
+              <p:cNvSpPr>
+                <a:spLocks noGrp="1" noRot="1" noChangeAspect="1" noMove="1" noResize="1" noEditPoints="1" noAdjustHandles="1" noChangeArrowheads="1" noChangeShapeType="1" noTextEdit="1"/>
+              </p:cNvSpPr>
+              <p:nvPr>
+                <p:ph idx="1"/>
+              </p:nvPr>
+            </p:nvSpPr>
+            <p:spPr>
+              <a:blipFill rotWithShape="1">
+                <a:blip r:embed="rId2"/>
+                <a:stretch>
+                  <a:fillRect t="-659"/>
+                </a:stretch>
+              </a:blipFill>
+            </p:spPr>
+            <p:txBody>
+              <a:bodyPr/>
+              <a:lstStyle/>
+              <a:p>
+                <a:r>
+                  <a:rPr lang="en-GB">
+                    <a:noFill/>
+                  </a:rPr>
+                  <a:t> </a:t>
+                </a:r>
+              </a:p>
+            </p:txBody>
+          </p:sp>
+        </mc:Fallback>
+      </mc:AlternateContent>
     </p:spTree>
   </p:cSld>
   <p:clrMapOvr>
@@ -6391,7 +6660,6 @@
               <a:rPr lang="sv-SE" dirty="0" smtClean="0"/>
               <a:t> isolated.</a:t>
             </a:r>
-            <a:endParaRPr lang="sv-SE" dirty="0" smtClean="0"/>
           </a:p>
           <a:p>
             <a:r>
@@ -6831,6 +7099,13 @@
   <p:clrMapOvr>
     <a:masterClrMapping/>
   </p:clrMapOvr>
+  <p:timing>
+    <p:tnLst>
+      <p:par>
+        <p:cTn id="1" dur="indefinite" restart="never" nodeType="tmRoot"/>
+      </p:par>
+    </p:tnLst>
+  </p:timing>
 </p:sld>
 </file>
 

--- a/Documentation/TSBB15prez.pptx
+++ b/Documentation/TSBB15prez.pptx
@@ -4946,8 +4946,8 @@
           </a:p>
         </p:txBody>
       </p:sp>
-      <mc:AlternateContent xmlns:mc="http://schemas.openxmlformats.org/markup-compatibility/2006">
-        <mc:Choice xmlns:a14="http://schemas.microsoft.com/office/drawing/2010/main" Requires="a14">
+      <mc:AlternateContent xmlns:mc="http://schemas.openxmlformats.org/markup-compatibility/2006" xmlns:a14="http://schemas.microsoft.com/office/drawing/2010/main">
+        <mc:Choice Requires="a14">
           <p:sp>
             <p:nvSpPr>
               <p:cNvPr id="3" name="Content Placeholder 2"/>
@@ -5172,7 +5172,7 @@
             </p:txBody>
           </p:sp>
         </mc:Choice>
-        <mc:Fallback>
+        <mc:Fallback xmlns="">
           <p:sp>
             <p:nvSpPr>
               <p:cNvPr id="3" name="Content Placeholder 2"/>
@@ -6510,12 +6510,12 @@
               <a:t>Uses a mixture of </a:t>
             </a:r>
             <a:r>
-              <a:rPr lang="en-US" dirty="0" err="1" smtClean="0"/>
-              <a:t>gaussian</a:t>
-            </a:r>
-            <a:r>
-              <a:rPr lang="en-US" dirty="0" smtClean="0"/>
-              <a:t> model described by Wood.</a:t>
+              <a:rPr lang="en-US" dirty="0" smtClean="0"/>
+              <a:t>Gaussian </a:t>
+            </a:r>
+            <a:r>
+              <a:rPr lang="en-US" dirty="0" smtClean="0"/>
+              <a:t>model described by Wood.</a:t>
             </a:r>
           </a:p>
           <a:p>
@@ -7071,8 +7071,8 @@
         </p:blipFill>
         <p:spPr bwMode="auto">
           <a:xfrm>
-            <a:off x="-3282950" y="-1181100"/>
-            <a:ext cx="13677900" cy="10972800"/>
+            <a:off x="-838200" y="-1162703"/>
+            <a:ext cx="9982199" cy="8008003"/>
           </a:xfrm>
           <a:prstGeom prst="rect">
             <a:avLst/>

--- a/Documentation/TSBB15prez.pptx
+++ b/Documentation/TSBB15prez.pptx
@@ -4,8 +4,11 @@
   <p:sldMasterIdLst>
     <p:sldMasterId id="2147483684" r:id="rId1"/>
   </p:sldMasterIdLst>
+  <p:notesMasterIdLst>
+    <p:notesMasterId r:id="rId23"/>
+  </p:notesMasterIdLst>
   <p:handoutMasterIdLst>
-    <p:handoutMasterId r:id="rId23"/>
+    <p:handoutMasterId r:id="rId24"/>
   </p:handoutMasterIdLst>
   <p:sldIdLst>
     <p:sldId id="256" r:id="rId2"/>
@@ -129,7 +132,7 @@
   </p:defaultTextStyle>
   <p:extLst>
     <p:ext uri="{521415D9-36F7-43E2-AB2F-B90AF26B5E84}">
-      <p14:sectionLst xmlns:p14="http://schemas.microsoft.com/office/powerpoint/2010/main">
+      <p14:sectionLst xmlns:p14="http://schemas.microsoft.com/office/powerpoint/2010/main" xmlns="">
         <p14:section name="Default Section" id="{6B2E225A-503A-42C3-B852-21DEA826B244}">
           <p14:sldIdLst>
             <p14:sldId id="256"/>
@@ -243,7 +246,8 @@
           <a:p>
             <a:fld id="{2D3CB711-9C12-4B13-9C7A-61DE322E86FC}" type="datetimeFigureOut">
               <a:rPr lang="sv-SE" smtClean="0"/>
-              <a:t>2013-04-05</a:t>
+              <a:pPr/>
+              <a:t>2013-04-08</a:t>
             </a:fld>
             <a:endParaRPr lang="sv-SE"/>
           </a:p>
@@ -309,6 +313,7 @@
           <a:p>
             <a:fld id="{BC486F0E-EBE3-4D23-8FD1-0946D1A0F1F7}" type="slidenum">
               <a:rPr lang="sv-SE" smtClean="0"/>
+              <a:pPr/>
               <a:t>‹#›</a:t>
             </a:fld>
             <a:endParaRPr lang="sv-SE"/>
@@ -318,12 +323,962 @@
     </p:spTree>
     <p:extLst>
       <p:ext uri="{BB962C8B-B14F-4D97-AF65-F5344CB8AC3E}">
-        <p14:creationId xmlns:p14="http://schemas.microsoft.com/office/powerpoint/2010/main" val="2752665355"/>
+        <p14:creationId xmlns:p14="http://schemas.microsoft.com/office/powerpoint/2010/main" xmlns="" val="2752665355"/>
       </p:ext>
     </p:extLst>
   </p:cSld>
   <p:clrMap bg1="lt1" tx1="dk1" bg2="lt2" tx2="dk2" accent1="accent1" accent2="accent2" accent3="accent3" accent4="accent4" accent5="accent5" accent6="accent6" hlink="hlink" folHlink="folHlink"/>
 </p:handoutMaster>
+</file>
+
+<file path=ppt/notesMasters/notesMaster1.xml><?xml version="1.0" encoding="utf-8"?>
+<p:notesMaster xmlns:a="http://schemas.openxmlformats.org/drawingml/2006/main" xmlns:r="http://schemas.openxmlformats.org/officeDocument/2006/relationships" xmlns:p="http://schemas.openxmlformats.org/presentationml/2006/main">
+  <p:cSld>
+    <p:bg>
+      <p:bgRef idx="1001">
+        <a:schemeClr val="bg1"/>
+      </p:bgRef>
+    </p:bg>
+    <p:spTree>
+      <p:nvGrpSpPr>
+        <p:cNvPr id="1" name=""/>
+        <p:cNvGrpSpPr/>
+        <p:nvPr/>
+      </p:nvGrpSpPr>
+      <p:grpSpPr>
+        <a:xfrm>
+          <a:off x="0" y="0"/>
+          <a:ext cx="0" cy="0"/>
+          <a:chOff x="0" y="0"/>
+          <a:chExt cx="0" cy="0"/>
+        </a:xfrm>
+      </p:grpSpPr>
+      <p:sp>
+        <p:nvSpPr>
+          <p:cNvPr id="2" name="Header Placeholder 1"/>
+          <p:cNvSpPr>
+            <a:spLocks noGrp="1"/>
+          </p:cNvSpPr>
+          <p:nvPr>
+            <p:ph type="hdr" sz="quarter"/>
+          </p:nvPr>
+        </p:nvSpPr>
+        <p:spPr>
+          <a:xfrm>
+            <a:off x="0" y="0"/>
+            <a:ext cx="2971800" cy="457200"/>
+          </a:xfrm>
+          <a:prstGeom prst="rect">
+            <a:avLst/>
+          </a:prstGeom>
+        </p:spPr>
+        <p:txBody>
+          <a:bodyPr vert="horz" lIns="91440" tIns="45720" rIns="91440" bIns="45720" rtlCol="0"/>
+          <a:lstStyle>
+            <a:lvl1pPr algn="l">
+              <a:defRPr sz="1200"/>
+            </a:lvl1pPr>
+          </a:lstStyle>
+          <a:p>
+            <a:endParaRPr lang="sv-SE"/>
+          </a:p>
+        </p:txBody>
+      </p:sp>
+      <p:sp>
+        <p:nvSpPr>
+          <p:cNvPr id="3" name="Date Placeholder 2"/>
+          <p:cNvSpPr>
+            <a:spLocks noGrp="1"/>
+          </p:cNvSpPr>
+          <p:nvPr>
+            <p:ph type="dt" idx="1"/>
+          </p:nvPr>
+        </p:nvSpPr>
+        <p:spPr>
+          <a:xfrm>
+            <a:off x="3884613" y="0"/>
+            <a:ext cx="2971800" cy="457200"/>
+          </a:xfrm>
+          <a:prstGeom prst="rect">
+            <a:avLst/>
+          </a:prstGeom>
+        </p:spPr>
+        <p:txBody>
+          <a:bodyPr vert="horz" lIns="91440" tIns="45720" rIns="91440" bIns="45720" rtlCol="0"/>
+          <a:lstStyle>
+            <a:lvl1pPr algn="r">
+              <a:defRPr sz="1200"/>
+            </a:lvl1pPr>
+          </a:lstStyle>
+          <a:p>
+            <a:fld id="{3D88544D-189B-42AA-99C2-D77A007B2558}" type="datetimeFigureOut">
+              <a:rPr lang="sv-SE" smtClean="0"/>
+              <a:t>2013-04-08</a:t>
+            </a:fld>
+            <a:endParaRPr lang="sv-SE"/>
+          </a:p>
+        </p:txBody>
+      </p:sp>
+      <p:sp>
+        <p:nvSpPr>
+          <p:cNvPr id="4" name="Slide Image Placeholder 3"/>
+          <p:cNvSpPr>
+            <a:spLocks noGrp="1" noRot="1" noChangeAspect="1"/>
+          </p:cNvSpPr>
+          <p:nvPr>
+            <p:ph type="sldImg" idx="2"/>
+          </p:nvPr>
+        </p:nvSpPr>
+        <p:spPr>
+          <a:xfrm>
+            <a:off x="1143000" y="685800"/>
+            <a:ext cx="4572000" cy="3429000"/>
+          </a:xfrm>
+          <a:prstGeom prst="rect">
+            <a:avLst/>
+          </a:prstGeom>
+          <a:noFill/>
+          <a:ln w="12700">
+            <a:solidFill>
+              <a:prstClr val="black"/>
+            </a:solidFill>
+          </a:ln>
+        </p:spPr>
+        <p:txBody>
+          <a:bodyPr vert="horz" lIns="91440" tIns="45720" rIns="91440" bIns="45720" rtlCol="0" anchor="ctr"/>
+          <a:lstStyle/>
+          <a:p>
+            <a:endParaRPr lang="sv-SE"/>
+          </a:p>
+        </p:txBody>
+      </p:sp>
+      <p:sp>
+        <p:nvSpPr>
+          <p:cNvPr id="5" name="Notes Placeholder 4"/>
+          <p:cNvSpPr>
+            <a:spLocks noGrp="1"/>
+          </p:cNvSpPr>
+          <p:nvPr>
+            <p:ph type="body" sz="quarter" idx="3"/>
+          </p:nvPr>
+        </p:nvSpPr>
+        <p:spPr>
+          <a:xfrm>
+            <a:off x="685800" y="4343400"/>
+            <a:ext cx="5486400" cy="4114800"/>
+          </a:xfrm>
+          <a:prstGeom prst="rect">
+            <a:avLst/>
+          </a:prstGeom>
+        </p:spPr>
+        <p:txBody>
+          <a:bodyPr vert="horz" lIns="91440" tIns="45720" rIns="91440" bIns="45720" rtlCol="0">
+            <a:normAutofit/>
+          </a:bodyPr>
+          <a:lstStyle/>
+          <a:p>
+            <a:pPr lvl="0"/>
+            <a:r>
+              <a:rPr lang="en-US" smtClean="0"/>
+              <a:t>Click to edit Master text styles</a:t>
+            </a:r>
+          </a:p>
+          <a:p>
+            <a:pPr lvl="1"/>
+            <a:r>
+              <a:rPr lang="en-US" smtClean="0"/>
+              <a:t>Second level</a:t>
+            </a:r>
+          </a:p>
+          <a:p>
+            <a:pPr lvl="2"/>
+            <a:r>
+              <a:rPr lang="en-US" smtClean="0"/>
+              <a:t>Third level</a:t>
+            </a:r>
+          </a:p>
+          <a:p>
+            <a:pPr lvl="3"/>
+            <a:r>
+              <a:rPr lang="en-US" smtClean="0"/>
+              <a:t>Fourth level</a:t>
+            </a:r>
+          </a:p>
+          <a:p>
+            <a:pPr lvl="4"/>
+            <a:r>
+              <a:rPr lang="en-US" smtClean="0"/>
+              <a:t>Fifth level</a:t>
+            </a:r>
+            <a:endParaRPr lang="sv-SE"/>
+          </a:p>
+        </p:txBody>
+      </p:sp>
+      <p:sp>
+        <p:nvSpPr>
+          <p:cNvPr id="6" name="Footer Placeholder 5"/>
+          <p:cNvSpPr>
+            <a:spLocks noGrp="1"/>
+          </p:cNvSpPr>
+          <p:nvPr>
+            <p:ph type="ftr" sz="quarter" idx="4"/>
+          </p:nvPr>
+        </p:nvSpPr>
+        <p:spPr>
+          <a:xfrm>
+            <a:off x="0" y="8685213"/>
+            <a:ext cx="2971800" cy="457200"/>
+          </a:xfrm>
+          <a:prstGeom prst="rect">
+            <a:avLst/>
+          </a:prstGeom>
+        </p:spPr>
+        <p:txBody>
+          <a:bodyPr vert="horz" lIns="91440" tIns="45720" rIns="91440" bIns="45720" rtlCol="0" anchor="b"/>
+          <a:lstStyle>
+            <a:lvl1pPr algn="l">
+              <a:defRPr sz="1200"/>
+            </a:lvl1pPr>
+          </a:lstStyle>
+          <a:p>
+            <a:endParaRPr lang="sv-SE"/>
+          </a:p>
+        </p:txBody>
+      </p:sp>
+      <p:sp>
+        <p:nvSpPr>
+          <p:cNvPr id="7" name="Slide Number Placeholder 6"/>
+          <p:cNvSpPr>
+            <a:spLocks noGrp="1"/>
+          </p:cNvSpPr>
+          <p:nvPr>
+            <p:ph type="sldNum" sz="quarter" idx="5"/>
+          </p:nvPr>
+        </p:nvSpPr>
+        <p:spPr>
+          <a:xfrm>
+            <a:off x="3884613" y="8685213"/>
+            <a:ext cx="2971800" cy="457200"/>
+          </a:xfrm>
+          <a:prstGeom prst="rect">
+            <a:avLst/>
+          </a:prstGeom>
+        </p:spPr>
+        <p:txBody>
+          <a:bodyPr vert="horz" lIns="91440" tIns="45720" rIns="91440" bIns="45720" rtlCol="0" anchor="b"/>
+          <a:lstStyle>
+            <a:lvl1pPr algn="r">
+              <a:defRPr sz="1200"/>
+            </a:lvl1pPr>
+          </a:lstStyle>
+          <a:p>
+            <a:fld id="{EE096677-960A-4D89-A544-37B88B173726}" type="slidenum">
+              <a:rPr lang="sv-SE" smtClean="0"/>
+              <a:t>‹#›</a:t>
+            </a:fld>
+            <a:endParaRPr lang="sv-SE"/>
+          </a:p>
+        </p:txBody>
+      </p:sp>
+    </p:spTree>
+  </p:cSld>
+  <p:clrMap bg1="lt1" tx1="dk1" bg2="lt2" tx2="dk2" accent1="accent1" accent2="accent2" accent3="accent3" accent4="accent4" accent5="accent5" accent6="accent6" hlink="hlink" folHlink="folHlink"/>
+  <p:notesStyle>
+    <a:lvl1pPr marL="0" algn="l" defTabSz="914400" rtl="0" eaLnBrk="1" latinLnBrk="0" hangingPunct="1">
+      <a:defRPr sz="1200" kern="1200">
+        <a:solidFill>
+          <a:schemeClr val="tx1"/>
+        </a:solidFill>
+        <a:latin typeface="+mn-lt"/>
+        <a:ea typeface="+mn-ea"/>
+        <a:cs typeface="+mn-cs"/>
+      </a:defRPr>
+    </a:lvl1pPr>
+    <a:lvl2pPr marL="457200" algn="l" defTabSz="914400" rtl="0" eaLnBrk="1" latinLnBrk="0" hangingPunct="1">
+      <a:defRPr sz="1200" kern="1200">
+        <a:solidFill>
+          <a:schemeClr val="tx1"/>
+        </a:solidFill>
+        <a:latin typeface="+mn-lt"/>
+        <a:ea typeface="+mn-ea"/>
+        <a:cs typeface="+mn-cs"/>
+      </a:defRPr>
+    </a:lvl2pPr>
+    <a:lvl3pPr marL="914400" algn="l" defTabSz="914400" rtl="0" eaLnBrk="1" latinLnBrk="0" hangingPunct="1">
+      <a:defRPr sz="1200" kern="1200">
+        <a:solidFill>
+          <a:schemeClr val="tx1"/>
+        </a:solidFill>
+        <a:latin typeface="+mn-lt"/>
+        <a:ea typeface="+mn-ea"/>
+        <a:cs typeface="+mn-cs"/>
+      </a:defRPr>
+    </a:lvl3pPr>
+    <a:lvl4pPr marL="1371600" algn="l" defTabSz="914400" rtl="0" eaLnBrk="1" latinLnBrk="0" hangingPunct="1">
+      <a:defRPr sz="1200" kern="1200">
+        <a:solidFill>
+          <a:schemeClr val="tx1"/>
+        </a:solidFill>
+        <a:latin typeface="+mn-lt"/>
+        <a:ea typeface="+mn-ea"/>
+        <a:cs typeface="+mn-cs"/>
+      </a:defRPr>
+    </a:lvl4pPr>
+    <a:lvl5pPr marL="1828800" algn="l" defTabSz="914400" rtl="0" eaLnBrk="1" latinLnBrk="0" hangingPunct="1">
+      <a:defRPr sz="1200" kern="1200">
+        <a:solidFill>
+          <a:schemeClr val="tx1"/>
+        </a:solidFill>
+        <a:latin typeface="+mn-lt"/>
+        <a:ea typeface="+mn-ea"/>
+        <a:cs typeface="+mn-cs"/>
+      </a:defRPr>
+    </a:lvl5pPr>
+    <a:lvl6pPr marL="2286000" algn="l" defTabSz="914400" rtl="0" eaLnBrk="1" latinLnBrk="0" hangingPunct="1">
+      <a:defRPr sz="1200" kern="1200">
+        <a:solidFill>
+          <a:schemeClr val="tx1"/>
+        </a:solidFill>
+        <a:latin typeface="+mn-lt"/>
+        <a:ea typeface="+mn-ea"/>
+        <a:cs typeface="+mn-cs"/>
+      </a:defRPr>
+    </a:lvl6pPr>
+    <a:lvl7pPr marL="2743200" algn="l" defTabSz="914400" rtl="0" eaLnBrk="1" latinLnBrk="0" hangingPunct="1">
+      <a:defRPr sz="1200" kern="1200">
+        <a:solidFill>
+          <a:schemeClr val="tx1"/>
+        </a:solidFill>
+        <a:latin typeface="+mn-lt"/>
+        <a:ea typeface="+mn-ea"/>
+        <a:cs typeface="+mn-cs"/>
+      </a:defRPr>
+    </a:lvl7pPr>
+    <a:lvl8pPr marL="3200400" algn="l" defTabSz="914400" rtl="0" eaLnBrk="1" latinLnBrk="0" hangingPunct="1">
+      <a:defRPr sz="1200" kern="1200">
+        <a:solidFill>
+          <a:schemeClr val="tx1"/>
+        </a:solidFill>
+        <a:latin typeface="+mn-lt"/>
+        <a:ea typeface="+mn-ea"/>
+        <a:cs typeface="+mn-cs"/>
+      </a:defRPr>
+    </a:lvl8pPr>
+    <a:lvl9pPr marL="3657600" algn="l" defTabSz="914400" rtl="0" eaLnBrk="1" latinLnBrk="0" hangingPunct="1">
+      <a:defRPr sz="1200" kern="1200">
+        <a:solidFill>
+          <a:schemeClr val="tx1"/>
+        </a:solidFill>
+        <a:latin typeface="+mn-lt"/>
+        <a:ea typeface="+mn-ea"/>
+        <a:cs typeface="+mn-cs"/>
+      </a:defRPr>
+    </a:lvl9pPr>
+  </p:notesStyle>
+</p:notesMaster>
+</file>
+
+<file path=ppt/notesSlides/notesSlide1.xml><?xml version="1.0" encoding="utf-8"?>
+<p:notes xmlns:a="http://schemas.openxmlformats.org/drawingml/2006/main" xmlns:r="http://schemas.openxmlformats.org/officeDocument/2006/relationships" xmlns:p="http://schemas.openxmlformats.org/presentationml/2006/main">
+  <p:cSld>
+    <p:spTree>
+      <p:nvGrpSpPr>
+        <p:cNvPr id="1" name=""/>
+        <p:cNvGrpSpPr/>
+        <p:nvPr/>
+      </p:nvGrpSpPr>
+      <p:grpSpPr>
+        <a:xfrm>
+          <a:off x="0" y="0"/>
+          <a:ext cx="0" cy="0"/>
+          <a:chOff x="0" y="0"/>
+          <a:chExt cx="0" cy="0"/>
+        </a:xfrm>
+      </p:grpSpPr>
+      <p:sp>
+        <p:nvSpPr>
+          <p:cNvPr id="2" name="Slide Image Placeholder 1"/>
+          <p:cNvSpPr>
+            <a:spLocks noGrp="1" noRot="1" noChangeAspect="1"/>
+          </p:cNvSpPr>
+          <p:nvPr>
+            <p:ph type="sldImg"/>
+          </p:nvPr>
+        </p:nvSpPr>
+        <p:spPr/>
+      </p:sp>
+      <p:sp>
+        <p:nvSpPr>
+          <p:cNvPr id="3" name="Notes Placeholder 2"/>
+          <p:cNvSpPr>
+            <a:spLocks noGrp="1"/>
+          </p:cNvSpPr>
+          <p:nvPr>
+            <p:ph type="body" idx="1"/>
+          </p:nvPr>
+        </p:nvSpPr>
+        <p:spPr/>
+        <p:txBody>
+          <a:bodyPr>
+            <a:normAutofit/>
+          </a:bodyPr>
+          <a:lstStyle/>
+          <a:p>
+            <a:r>
+              <a:rPr lang="sv-SE" dirty="0" smtClean="0"/>
+              <a:t>The system has a simple </a:t>
+            </a:r>
+            <a:r>
+              <a:rPr lang="sv-SE" dirty="0" err="1" smtClean="0"/>
+              <a:t>structure</a:t>
+            </a:r>
+            <a:r>
+              <a:rPr lang="sv-SE" dirty="0" smtClean="0"/>
+              <a:t> </a:t>
+            </a:r>
+            <a:r>
+              <a:rPr lang="sv-SE" dirty="0" err="1" smtClean="0"/>
+              <a:t>where</a:t>
+            </a:r>
+            <a:r>
+              <a:rPr lang="sv-SE" dirty="0" smtClean="0"/>
+              <a:t> </a:t>
+            </a:r>
+            <a:r>
+              <a:rPr lang="sv-SE" dirty="0" err="1" smtClean="0"/>
+              <a:t>each</a:t>
+            </a:r>
+            <a:r>
+              <a:rPr lang="sv-SE" dirty="0" smtClean="0"/>
+              <a:t> </a:t>
+            </a:r>
+            <a:r>
+              <a:rPr lang="sv-SE" dirty="0" err="1" smtClean="0"/>
+              <a:t>frame</a:t>
+            </a:r>
+            <a:r>
+              <a:rPr lang="sv-SE" dirty="0" smtClean="0"/>
+              <a:t> is stored in a </a:t>
+            </a:r>
+            <a:r>
+              <a:rPr lang="sv-SE" dirty="0" err="1" smtClean="0"/>
+              <a:t>frame</a:t>
+            </a:r>
+            <a:r>
+              <a:rPr lang="sv-SE" dirty="0" smtClean="0"/>
+              <a:t> list,.</a:t>
+            </a:r>
+          </a:p>
+          <a:p>
+            <a:endParaRPr lang="sv-SE" dirty="0" smtClean="0"/>
+          </a:p>
+          <a:p>
+            <a:r>
+              <a:rPr lang="sv-SE" dirty="0" smtClean="0"/>
+              <a:t>The </a:t>
+            </a:r>
+            <a:r>
+              <a:rPr lang="sv-SE" dirty="0" err="1" smtClean="0"/>
+              <a:t>framelist</a:t>
+            </a:r>
+            <a:r>
+              <a:rPr lang="sv-SE" dirty="0" smtClean="0"/>
+              <a:t> </a:t>
+            </a:r>
+            <a:r>
+              <a:rPr lang="sv-SE" dirty="0" err="1" smtClean="0"/>
+              <a:t>then</a:t>
+            </a:r>
+            <a:r>
+              <a:rPr lang="sv-SE" dirty="0" smtClean="0"/>
+              <a:t> gets passed on to </a:t>
+            </a:r>
+            <a:r>
+              <a:rPr lang="sv-SE" dirty="0" err="1" smtClean="0"/>
+              <a:t>each</a:t>
+            </a:r>
+            <a:r>
+              <a:rPr lang="sv-SE" dirty="0" smtClean="0"/>
+              <a:t> </a:t>
+            </a:r>
+            <a:r>
+              <a:rPr lang="sv-SE" dirty="0" err="1" smtClean="0"/>
+              <a:t>module</a:t>
+            </a:r>
+            <a:r>
+              <a:rPr lang="sv-SE" dirty="0" smtClean="0"/>
+              <a:t> , that </a:t>
+            </a:r>
+            <a:r>
+              <a:rPr lang="sv-SE" dirty="0" err="1" smtClean="0"/>
+              <a:t>updates</a:t>
+            </a:r>
+            <a:r>
+              <a:rPr lang="sv-SE" dirty="0" smtClean="0"/>
+              <a:t> it in </a:t>
+            </a:r>
+            <a:r>
+              <a:rPr lang="sv-SE" dirty="0" err="1" smtClean="0"/>
+              <a:t>turn</a:t>
+            </a:r>
+            <a:r>
+              <a:rPr lang="sv-SE" dirty="0" smtClean="0"/>
+              <a:t>.</a:t>
+            </a:r>
+          </a:p>
+        </p:txBody>
+      </p:sp>
+      <p:sp>
+        <p:nvSpPr>
+          <p:cNvPr id="4" name="Slide Number Placeholder 3"/>
+          <p:cNvSpPr>
+            <a:spLocks noGrp="1"/>
+          </p:cNvSpPr>
+          <p:nvPr>
+            <p:ph type="sldNum" sz="quarter" idx="10"/>
+          </p:nvPr>
+        </p:nvSpPr>
+        <p:spPr/>
+        <p:txBody>
+          <a:bodyPr/>
+          <a:lstStyle/>
+          <a:p>
+            <a:fld id="{EE096677-960A-4D89-A544-37B88B173726}" type="slidenum">
+              <a:rPr lang="sv-SE" smtClean="0"/>
+              <a:t>3</a:t>
+            </a:fld>
+            <a:endParaRPr lang="sv-SE"/>
+          </a:p>
+        </p:txBody>
+      </p:sp>
+    </p:spTree>
+  </p:cSld>
+  <p:clrMapOvr>
+    <a:masterClrMapping/>
+  </p:clrMapOvr>
+</p:notes>
+</file>
+
+<file path=ppt/notesSlides/notesSlide2.xml><?xml version="1.0" encoding="utf-8"?>
+<p:notes xmlns:a="http://schemas.openxmlformats.org/drawingml/2006/main" xmlns:r="http://schemas.openxmlformats.org/officeDocument/2006/relationships" xmlns:p="http://schemas.openxmlformats.org/presentationml/2006/main">
+  <p:cSld>
+    <p:spTree>
+      <p:nvGrpSpPr>
+        <p:cNvPr id="1" name=""/>
+        <p:cNvGrpSpPr/>
+        <p:nvPr/>
+      </p:nvGrpSpPr>
+      <p:grpSpPr>
+        <a:xfrm>
+          <a:off x="0" y="0"/>
+          <a:ext cx="0" cy="0"/>
+          <a:chOff x="0" y="0"/>
+          <a:chExt cx="0" cy="0"/>
+        </a:xfrm>
+      </p:grpSpPr>
+      <p:sp>
+        <p:nvSpPr>
+          <p:cNvPr id="2" name="Slide Image Placeholder 1"/>
+          <p:cNvSpPr>
+            <a:spLocks noGrp="1" noRot="1" noChangeAspect="1"/>
+          </p:cNvSpPr>
+          <p:nvPr>
+            <p:ph type="sldImg"/>
+          </p:nvPr>
+        </p:nvSpPr>
+        <p:spPr/>
+      </p:sp>
+      <p:sp>
+        <p:nvSpPr>
+          <p:cNvPr id="3" name="Notes Placeholder 2"/>
+          <p:cNvSpPr>
+            <a:spLocks noGrp="1"/>
+          </p:cNvSpPr>
+          <p:nvPr>
+            <p:ph type="body" idx="1"/>
+          </p:nvPr>
+        </p:nvSpPr>
+        <p:spPr/>
+        <p:txBody>
+          <a:bodyPr>
+            <a:normAutofit/>
+          </a:bodyPr>
+          <a:lstStyle/>
+          <a:p>
+            <a:endParaRPr lang="sv-SE" dirty="0"/>
+          </a:p>
+        </p:txBody>
+      </p:sp>
+      <p:sp>
+        <p:nvSpPr>
+          <p:cNvPr id="4" name="Slide Number Placeholder 3"/>
+          <p:cNvSpPr>
+            <a:spLocks noGrp="1"/>
+          </p:cNvSpPr>
+          <p:nvPr>
+            <p:ph type="sldNum" sz="quarter" idx="10"/>
+          </p:nvPr>
+        </p:nvSpPr>
+        <p:spPr/>
+        <p:txBody>
+          <a:bodyPr/>
+          <a:lstStyle/>
+          <a:p>
+            <a:fld id="{EE096677-960A-4D89-A544-37B88B173726}" type="slidenum">
+              <a:rPr lang="sv-SE" smtClean="0"/>
+              <a:t>4</a:t>
+            </a:fld>
+            <a:endParaRPr lang="sv-SE"/>
+          </a:p>
+        </p:txBody>
+      </p:sp>
+    </p:spTree>
+  </p:cSld>
+  <p:clrMapOvr>
+    <a:masterClrMapping/>
+  </p:clrMapOvr>
+</p:notes>
+</file>
+
+<file path=ppt/notesSlides/notesSlide3.xml><?xml version="1.0" encoding="utf-8"?>
+<p:notes xmlns:a="http://schemas.openxmlformats.org/drawingml/2006/main" xmlns:r="http://schemas.openxmlformats.org/officeDocument/2006/relationships" xmlns:p="http://schemas.openxmlformats.org/presentationml/2006/main">
+  <p:cSld>
+    <p:spTree>
+      <p:nvGrpSpPr>
+        <p:cNvPr id="1" name=""/>
+        <p:cNvGrpSpPr/>
+        <p:nvPr/>
+      </p:nvGrpSpPr>
+      <p:grpSpPr>
+        <a:xfrm>
+          <a:off x="0" y="0"/>
+          <a:ext cx="0" cy="0"/>
+          <a:chOff x="0" y="0"/>
+          <a:chExt cx="0" cy="0"/>
+        </a:xfrm>
+      </p:grpSpPr>
+      <p:sp>
+        <p:nvSpPr>
+          <p:cNvPr id="2" name="Slide Image Placeholder 1"/>
+          <p:cNvSpPr>
+            <a:spLocks noGrp="1" noRot="1" noChangeAspect="1"/>
+          </p:cNvSpPr>
+          <p:nvPr>
+            <p:ph type="sldImg"/>
+          </p:nvPr>
+        </p:nvSpPr>
+        <p:spPr/>
+      </p:sp>
+      <p:sp>
+        <p:nvSpPr>
+          <p:cNvPr id="3" name="Notes Placeholder 2"/>
+          <p:cNvSpPr>
+            <a:spLocks noGrp="1"/>
+          </p:cNvSpPr>
+          <p:nvPr>
+            <p:ph type="body" idx="1"/>
+          </p:nvPr>
+        </p:nvSpPr>
+        <p:spPr/>
+        <p:txBody>
+          <a:bodyPr>
+            <a:normAutofit/>
+          </a:bodyPr>
+          <a:lstStyle/>
+          <a:p>
+            <a:r>
+              <a:rPr lang="sv-SE" dirty="0" err="1" smtClean="0"/>
+              <a:t>Use</a:t>
+            </a:r>
+            <a:r>
+              <a:rPr lang="sv-SE" dirty="0" smtClean="0"/>
+              <a:t> </a:t>
+            </a:r>
+            <a:r>
+              <a:rPr lang="sv-SE" dirty="0" err="1" smtClean="0"/>
+              <a:t>mixture</a:t>
+            </a:r>
+            <a:r>
+              <a:rPr lang="sv-SE" dirty="0" smtClean="0"/>
+              <a:t> of </a:t>
+            </a:r>
+            <a:r>
+              <a:rPr lang="sv-SE" dirty="0" err="1" smtClean="0"/>
+              <a:t>gaussians</a:t>
+            </a:r>
+            <a:r>
+              <a:rPr lang="sv-SE" dirty="0" smtClean="0"/>
+              <a:t> </a:t>
+            </a:r>
+            <a:r>
+              <a:rPr lang="sv-SE" dirty="0" err="1" smtClean="0"/>
+              <a:t>model</a:t>
+            </a:r>
+            <a:r>
+              <a:rPr lang="sv-SE" dirty="0" smtClean="0"/>
+              <a:t>  for the </a:t>
+            </a:r>
+            <a:r>
+              <a:rPr lang="sv-SE" dirty="0" err="1" smtClean="0"/>
+              <a:t>background</a:t>
+            </a:r>
+            <a:r>
+              <a:rPr lang="sv-SE" dirty="0" smtClean="0"/>
+              <a:t>, </a:t>
+            </a:r>
+            <a:r>
+              <a:rPr lang="sv-SE" dirty="0" err="1" smtClean="0"/>
+              <a:t>described</a:t>
+            </a:r>
+            <a:r>
+              <a:rPr lang="sv-SE" dirty="0" smtClean="0"/>
+              <a:t> by Wood…</a:t>
+            </a:r>
+          </a:p>
+          <a:p>
+            <a:endParaRPr lang="sv-SE" dirty="0"/>
+          </a:p>
+          <a:p>
+            <a:r>
+              <a:rPr lang="sv-SE" dirty="0" smtClean="0"/>
+              <a:t>Can </a:t>
+            </a:r>
+            <a:r>
+              <a:rPr lang="sv-SE" dirty="0" err="1" smtClean="0"/>
+              <a:t>possibly</a:t>
+            </a:r>
+            <a:r>
+              <a:rPr lang="sv-SE" dirty="0" smtClean="0"/>
+              <a:t> </a:t>
+            </a:r>
+            <a:r>
+              <a:rPr lang="sv-SE" dirty="0" err="1" smtClean="0"/>
+              <a:t>generate</a:t>
+            </a:r>
+            <a:r>
+              <a:rPr lang="sv-SE" dirty="0" smtClean="0"/>
+              <a:t> a </a:t>
+            </a:r>
+            <a:r>
+              <a:rPr lang="sv-SE" dirty="0" err="1" smtClean="0"/>
+              <a:t>most</a:t>
+            </a:r>
+            <a:r>
+              <a:rPr lang="sv-SE" dirty="0" smtClean="0"/>
+              <a:t> </a:t>
+            </a:r>
+            <a:r>
+              <a:rPr lang="sv-SE" dirty="0" err="1" smtClean="0"/>
+              <a:t>likely</a:t>
+            </a:r>
+            <a:r>
+              <a:rPr lang="sv-SE" dirty="0" smtClean="0"/>
+              <a:t> </a:t>
+            </a:r>
+            <a:r>
+              <a:rPr lang="sv-SE" dirty="0" err="1" smtClean="0"/>
+              <a:t>background</a:t>
+            </a:r>
+            <a:r>
+              <a:rPr lang="sv-SE" dirty="0"/>
+              <a:t> </a:t>
+            </a:r>
+            <a:r>
+              <a:rPr lang="sv-SE" dirty="0" smtClean="0"/>
+              <a:t>for the </a:t>
+            </a:r>
+            <a:r>
+              <a:rPr lang="sv-SE" dirty="0" err="1" smtClean="0"/>
+              <a:t>shadow</a:t>
+            </a:r>
+            <a:r>
+              <a:rPr lang="sv-SE" dirty="0" smtClean="0"/>
+              <a:t> removal to </a:t>
+            </a:r>
+            <a:r>
+              <a:rPr lang="sv-SE" dirty="0" err="1" smtClean="0"/>
+              <a:t>compare</a:t>
+            </a:r>
+            <a:r>
+              <a:rPr lang="sv-SE" dirty="0" smtClean="0"/>
+              <a:t> </a:t>
+            </a:r>
+            <a:r>
+              <a:rPr lang="sv-SE" dirty="0" err="1" smtClean="0"/>
+              <a:t>against</a:t>
+            </a:r>
+            <a:r>
+              <a:rPr lang="sv-SE" dirty="0" smtClean="0"/>
+              <a:t>.</a:t>
+            </a:r>
+          </a:p>
+          <a:p>
+            <a:endParaRPr lang="sv-SE" dirty="0"/>
+          </a:p>
+          <a:p>
+            <a:endParaRPr lang="sv-SE" dirty="0"/>
+          </a:p>
+        </p:txBody>
+      </p:sp>
+      <p:sp>
+        <p:nvSpPr>
+          <p:cNvPr id="4" name="Slide Number Placeholder 3"/>
+          <p:cNvSpPr>
+            <a:spLocks noGrp="1"/>
+          </p:cNvSpPr>
+          <p:nvPr>
+            <p:ph type="sldNum" sz="quarter" idx="10"/>
+          </p:nvPr>
+        </p:nvSpPr>
+        <p:spPr/>
+        <p:txBody>
+          <a:bodyPr/>
+          <a:lstStyle/>
+          <a:p>
+            <a:fld id="{EE096677-960A-4D89-A544-37B88B173726}" type="slidenum">
+              <a:rPr lang="sv-SE" smtClean="0"/>
+              <a:t>5</a:t>
+            </a:fld>
+            <a:endParaRPr lang="sv-SE"/>
+          </a:p>
+        </p:txBody>
+      </p:sp>
+    </p:spTree>
+  </p:cSld>
+  <p:clrMapOvr>
+    <a:masterClrMapping/>
+  </p:clrMapOvr>
+</p:notes>
+</file>
+
+<file path=ppt/notesSlides/notesSlide4.xml><?xml version="1.0" encoding="utf-8"?>
+<p:notes xmlns:a="http://schemas.openxmlformats.org/drawingml/2006/main" xmlns:r="http://schemas.openxmlformats.org/officeDocument/2006/relationships" xmlns:p="http://schemas.openxmlformats.org/presentationml/2006/main">
+  <p:cSld>
+    <p:spTree>
+      <p:nvGrpSpPr>
+        <p:cNvPr id="1" name=""/>
+        <p:cNvGrpSpPr/>
+        <p:nvPr/>
+      </p:nvGrpSpPr>
+      <p:grpSpPr>
+        <a:xfrm>
+          <a:off x="0" y="0"/>
+          <a:ext cx="0" cy="0"/>
+          <a:chOff x="0" y="0"/>
+          <a:chExt cx="0" cy="0"/>
+        </a:xfrm>
+      </p:grpSpPr>
+      <p:sp>
+        <p:nvSpPr>
+          <p:cNvPr id="2" name="Slide Image Placeholder 1"/>
+          <p:cNvSpPr>
+            <a:spLocks noGrp="1" noRot="1" noChangeAspect="1"/>
+          </p:cNvSpPr>
+          <p:nvPr>
+            <p:ph type="sldImg"/>
+          </p:nvPr>
+        </p:nvSpPr>
+        <p:spPr/>
+      </p:sp>
+      <p:sp>
+        <p:nvSpPr>
+          <p:cNvPr id="3" name="Notes Placeholder 2"/>
+          <p:cNvSpPr>
+            <a:spLocks noGrp="1"/>
+          </p:cNvSpPr>
+          <p:nvPr>
+            <p:ph type="body" idx="1"/>
+          </p:nvPr>
+        </p:nvSpPr>
+        <p:spPr/>
+        <p:txBody>
+          <a:bodyPr>
+            <a:normAutofit/>
+          </a:bodyPr>
+          <a:lstStyle/>
+          <a:p>
+            <a:r>
+              <a:rPr lang="sv-SE" dirty="0" smtClean="0"/>
+              <a:t>The </a:t>
+            </a:r>
+            <a:r>
+              <a:rPr lang="sv-SE" dirty="0" err="1" smtClean="0"/>
+              <a:t>model</a:t>
+            </a:r>
+            <a:r>
+              <a:rPr lang="sv-SE" dirty="0" smtClean="0"/>
+              <a:t> </a:t>
+            </a:r>
+            <a:r>
+              <a:rPr lang="sv-SE" dirty="0" err="1" smtClean="0"/>
+              <a:t>contains</a:t>
+            </a:r>
+            <a:r>
+              <a:rPr lang="sv-SE" dirty="0" smtClean="0"/>
+              <a:t> lots of </a:t>
+            </a:r>
+            <a:r>
+              <a:rPr lang="sv-SE" dirty="0" err="1" smtClean="0"/>
+              <a:t>isolated</a:t>
+            </a:r>
+            <a:r>
+              <a:rPr lang="sv-SE" dirty="0" smtClean="0"/>
+              <a:t> pixels </a:t>
+            </a:r>
+            <a:r>
+              <a:rPr lang="sv-SE" dirty="0" err="1" smtClean="0"/>
+              <a:t>falsely</a:t>
+            </a:r>
+            <a:r>
+              <a:rPr lang="sv-SE" dirty="0" smtClean="0"/>
+              <a:t> marked as </a:t>
+            </a:r>
+            <a:r>
+              <a:rPr lang="sv-SE" dirty="0" err="1" smtClean="0"/>
+              <a:t>background</a:t>
+            </a:r>
+            <a:r>
+              <a:rPr lang="sv-SE" dirty="0" smtClean="0"/>
+              <a:t>.</a:t>
+            </a:r>
+          </a:p>
+          <a:p>
+            <a:endParaRPr lang="sv-SE" smtClean="0"/>
+          </a:p>
+          <a:p>
+            <a:endParaRPr lang="sv-SE"/>
+          </a:p>
+        </p:txBody>
+      </p:sp>
+      <p:sp>
+        <p:nvSpPr>
+          <p:cNvPr id="4" name="Slide Number Placeholder 3"/>
+          <p:cNvSpPr>
+            <a:spLocks noGrp="1"/>
+          </p:cNvSpPr>
+          <p:nvPr>
+            <p:ph type="sldNum" sz="quarter" idx="10"/>
+          </p:nvPr>
+        </p:nvSpPr>
+        <p:spPr/>
+        <p:txBody>
+          <a:bodyPr/>
+          <a:lstStyle/>
+          <a:p>
+            <a:fld id="{EE096677-960A-4D89-A544-37B88B173726}" type="slidenum">
+              <a:rPr lang="sv-SE" smtClean="0"/>
+              <a:t>6</a:t>
+            </a:fld>
+            <a:endParaRPr lang="sv-SE"/>
+          </a:p>
+        </p:txBody>
+      </p:sp>
+    </p:spTree>
+  </p:cSld>
+  <p:clrMapOvr>
+    <a:masterClrMapping/>
+  </p:clrMapOvr>
+</p:notes>
 </file>
 
 <file path=ppt/slideLayouts/slideLayout1.xml><?xml version="1.0" encoding="utf-8"?>
@@ -570,7 +1525,7 @@
             <a:fld id="{8C5ACF3F-8D59-47DC-851F-E1BB6DFB0347}" type="datetimeFigureOut">
               <a:rPr lang="en-US" smtClean="0"/>
               <a:pPr/>
-              <a:t>4/5/2013</a:t>
+              <a:t>4/8/2013</a:t>
             </a:fld>
             <a:endParaRPr lang="en-US"/>
           </a:p>
@@ -795,7 +1750,7 @@
             <a:fld id="{8C5ACF3F-8D59-47DC-851F-E1BB6DFB0347}" type="datetimeFigureOut">
               <a:rPr lang="en-US" smtClean="0"/>
               <a:pPr/>
-              <a:t>4/5/2013</a:t>
+              <a:t>4/8/2013</a:t>
             </a:fld>
             <a:endParaRPr lang="en-US"/>
           </a:p>
@@ -1077,7 +2032,7 @@
             <a:fld id="{8C5ACF3F-8D59-47DC-851F-E1BB6DFB0347}" type="datetimeFigureOut">
               <a:rPr lang="en-US" smtClean="0"/>
               <a:pPr/>
-              <a:t>4/5/2013</a:t>
+              <a:t>4/8/2013</a:t>
             </a:fld>
             <a:endParaRPr lang="en-US"/>
           </a:p>
@@ -1258,7 +2213,7 @@
             <a:fld id="{8C5ACF3F-8D59-47DC-851F-E1BB6DFB0347}" type="datetimeFigureOut">
               <a:rPr lang="en-US" smtClean="0"/>
               <a:pPr/>
-              <a:t>4/5/2013</a:t>
+              <a:t>4/8/2013</a:t>
             </a:fld>
             <a:endParaRPr lang="en-US"/>
           </a:p>
@@ -1613,7 +2568,7 @@
             <a:fld id="{8C5ACF3F-8D59-47DC-851F-E1BB6DFB0347}" type="datetimeFigureOut">
               <a:rPr lang="en-US" smtClean="0"/>
               <a:pPr/>
-              <a:t>4/5/2013</a:t>
+              <a:t>4/8/2013</a:t>
             </a:fld>
             <a:endParaRPr lang="en-US"/>
           </a:p>
@@ -1902,7 +2857,7 @@
             <a:fld id="{8C5ACF3F-8D59-47DC-851F-E1BB6DFB0347}" type="datetimeFigureOut">
               <a:rPr lang="en-US" smtClean="0"/>
               <a:pPr/>
-              <a:t>4/5/2013</a:t>
+              <a:t>4/8/2013</a:t>
             </a:fld>
             <a:endParaRPr lang="en-US"/>
           </a:p>
@@ -2326,7 +3281,7 @@
             <a:fld id="{8C5ACF3F-8D59-47DC-851F-E1BB6DFB0347}" type="datetimeFigureOut">
               <a:rPr lang="en-US" smtClean="0"/>
               <a:pPr/>
-              <a:t>4/5/2013</a:t>
+              <a:t>4/8/2013</a:t>
             </a:fld>
             <a:endParaRPr lang="en-US"/>
           </a:p>
@@ -2443,7 +3398,7 @@
             <a:fld id="{8C5ACF3F-8D59-47DC-851F-E1BB6DFB0347}" type="datetimeFigureOut">
               <a:rPr lang="en-US" smtClean="0"/>
               <a:pPr/>
-              <a:t>4/5/2013</a:t>
+              <a:t>4/8/2013</a:t>
             </a:fld>
             <a:endParaRPr lang="en-US"/>
           </a:p>
@@ -2535,7 +3490,7 @@
             <a:fld id="{8C5ACF3F-8D59-47DC-851F-E1BB6DFB0347}" type="datetimeFigureOut">
               <a:rPr lang="en-US" smtClean="0"/>
               <a:pPr/>
-              <a:t>4/5/2013</a:t>
+              <a:t>4/8/2013</a:t>
             </a:fld>
             <a:endParaRPr lang="en-US"/>
           </a:p>
@@ -2815,7 +3770,7 @@
             <a:fld id="{8C5ACF3F-8D59-47DC-851F-E1BB6DFB0347}" type="datetimeFigureOut">
               <a:rPr lang="en-US" smtClean="0"/>
               <a:pPr/>
-              <a:t>4/5/2013</a:t>
+              <a:t>4/8/2013</a:t>
             </a:fld>
             <a:endParaRPr lang="en-US"/>
           </a:p>
@@ -3178,7 +4133,7 @@
             <a:fld id="{8C5ACF3F-8D59-47DC-851F-E1BB6DFB0347}" type="datetimeFigureOut">
               <a:rPr lang="en-US" smtClean="0"/>
               <a:pPr/>
-              <a:t>4/5/2013</a:t>
+              <a:t>4/8/2013</a:t>
             </a:fld>
             <a:endParaRPr lang="en-US"/>
           </a:p>
@@ -3634,7 +4589,7 @@
             <a:fld id="{8C5ACF3F-8D59-47DC-851F-E1BB6DFB0347}" type="datetimeFigureOut">
               <a:rPr lang="en-US" smtClean="0"/>
               <a:pPr/>
-              <a:t>4/5/2013</a:t>
+              <a:t>4/8/2013</a:t>
             </a:fld>
             <a:endParaRPr lang="en-US"/>
           </a:p>
@@ -4112,10 +5067,10 @@
           <p:nvPr/>
         </p:nvPicPr>
         <p:blipFill>
-          <a:blip r:embed="rId2">
+          <a:blip r:embed="rId2" cstate="print">
             <a:extLst>
               <a:ext uri="{28A0092B-C50C-407E-A947-70E740481C1C}">
-                <a14:useLocalDpi xmlns:a14="http://schemas.microsoft.com/office/drawing/2010/main" val="0"/>
+                <a14:useLocalDpi xmlns:a14="http://schemas.microsoft.com/office/drawing/2010/main" xmlns="" val="0"/>
               </a:ext>
             </a:extLst>
           </a:blip>
@@ -4135,7 +5090,7 @@
           <a:noFill/>
           <a:extLst>
             <a:ext uri="{909E8E84-426E-40DD-AFC4-6F175D3DCCD1}">
-              <a14:hiddenFill xmlns:a14="http://schemas.microsoft.com/office/drawing/2010/main">
+              <a14:hiddenFill xmlns:a14="http://schemas.microsoft.com/office/drawing/2010/main" xmlns="">
                 <a:solidFill>
                   <a:srgbClr val="FFFFFF"/>
                 </a:solidFill>
@@ -4418,7 +5373,7 @@
     </p:spTree>
     <p:extLst>
       <p:ext uri="{BB962C8B-B14F-4D97-AF65-F5344CB8AC3E}">
-        <p14:creationId xmlns:p14="http://schemas.microsoft.com/office/powerpoint/2010/main" val="1676491376"/>
+        <p14:creationId xmlns:p14="http://schemas.microsoft.com/office/powerpoint/2010/main" xmlns="" val="1676491376"/>
       </p:ext>
     </p:extLst>
   </p:cSld>
@@ -4550,10 +5505,10 @@
           <p:nvPr/>
         </p:nvPicPr>
         <p:blipFill>
-          <a:blip r:embed="rId2">
+          <a:blip r:embed="rId2" cstate="print">
             <a:extLst>
               <a:ext uri="{28A0092B-C50C-407E-A947-70E740481C1C}">
-                <a14:useLocalDpi xmlns:a14="http://schemas.microsoft.com/office/drawing/2010/main" val="0"/>
+                <a14:useLocalDpi xmlns:a14="http://schemas.microsoft.com/office/drawing/2010/main" xmlns="" val="0"/>
               </a:ext>
             </a:extLst>
           </a:blip>
@@ -4577,14 +5532,14 @@
           <a:effectLst/>
           <a:extLst>
             <a:ext uri="{909E8E84-426E-40DD-AFC4-6F175D3DCCD1}">
-              <a14:hiddenFill xmlns:a14="http://schemas.microsoft.com/office/drawing/2010/main">
+              <a14:hiddenFill xmlns:a14="http://schemas.microsoft.com/office/drawing/2010/main" xmlns="">
                 <a:solidFill>
                   <a:schemeClr val="accent1"/>
                 </a:solidFill>
               </a14:hiddenFill>
             </a:ext>
             <a:ext uri="{91240B29-F687-4F45-9708-019B960494DF}">
-              <a14:hiddenLine xmlns:a14="http://schemas.microsoft.com/office/drawing/2010/main" w="9525">
+              <a14:hiddenLine xmlns:a14="http://schemas.microsoft.com/office/drawing/2010/main" xmlns="" w="9525">
                 <a:solidFill>
                   <a:schemeClr val="tx1"/>
                 </a:solidFill>
@@ -4594,7 +5549,7 @@
               </a14:hiddenLine>
             </a:ext>
             <a:ext uri="{AF507438-7753-43E0-B8FC-AC1667EBCBE1}">
-              <a14:hiddenEffects xmlns:a14="http://schemas.microsoft.com/office/drawing/2010/main">
+              <a14:hiddenEffects xmlns:a14="http://schemas.microsoft.com/office/drawing/2010/main" xmlns="">
                 <a:effectLst>
                   <a:outerShdw dist="35921" dir="2700000" algn="ctr" rotWithShape="0">
                     <a:schemeClr val="bg2"/>
@@ -4946,8 +5901,8 @@
           </a:p>
         </p:txBody>
       </p:sp>
-      <mc:AlternateContent xmlns:mc="http://schemas.openxmlformats.org/markup-compatibility/2006" xmlns:a14="http://schemas.microsoft.com/office/drawing/2010/main">
-        <mc:Choice Requires="a14">
+      <mc:AlternateContent xmlns:mc="http://schemas.openxmlformats.org/markup-compatibility/2006">
+        <mc:Choice xmlns:a14="http://schemas.microsoft.com/office/drawing/2010/main" xmlns="" Requires="a14">
           <p:sp>
             <p:nvSpPr>
               <p:cNvPr id="3" name="Content Placeholder 2"/>
@@ -5172,7 +6127,7 @@
             </p:txBody>
           </p:sp>
         </mc:Choice>
-        <mc:Fallback xmlns="">
+        <mc:Fallback>
           <p:sp>
             <p:nvSpPr>
               <p:cNvPr id="3" name="Content Placeholder 2"/>
@@ -5185,7 +6140,7 @@
             </p:nvSpPr>
             <p:spPr>
               <a:blipFill rotWithShape="1">
-                <a:blip r:embed="rId2"/>
+                <a:blip r:embed="rId2" cstate="print"/>
                 <a:stretch>
                   <a:fillRect t="-659"/>
                 </a:stretch>
@@ -6232,20 +7187,22 @@
           <a:lstStyle/>
           <a:p>
             <a:r>
-              <a:rPr lang="sv-SE" dirty="0" smtClean="0"/>
+              <a:rPr lang="sv-SE" dirty="0" err="1" smtClean="0"/>
+              <a:t>Framelist</a:t>
+            </a:r>
+            <a:endParaRPr lang="sv-SE" dirty="0" smtClean="0"/>
+          </a:p>
+          <a:p>
+            <a:r>
+              <a:rPr lang="sv-SE" dirty="0" err="1" smtClean="0"/>
+              <a:t>Frame</a:t>
+            </a:r>
+            <a:endParaRPr lang="sv-SE" dirty="0" smtClean="0"/>
+          </a:p>
+          <a:p>
+            <a:r>
+              <a:rPr lang="sv-SE" dirty="0" err="1" smtClean="0"/>
               <a:t>Object</a:t>
-            </a:r>
-          </a:p>
-          <a:p>
-            <a:r>
-              <a:rPr lang="sv-SE" dirty="0" smtClean="0"/>
-              <a:t>Frame</a:t>
-            </a:r>
-          </a:p>
-          <a:p>
-            <a:r>
-              <a:rPr lang="sv-SE" dirty="0" smtClean="0"/>
-              <a:t>Framelist</a:t>
             </a:r>
             <a:endParaRPr lang="en-US" dirty="0" smtClean="0"/>
           </a:p>
@@ -6272,10 +7229,10 @@
           <p:nvPr/>
         </p:nvPicPr>
         <p:blipFill>
-          <a:blip r:embed="rId2">
+          <a:blip r:embed="rId3" cstate="print">
             <a:extLst>
               <a:ext uri="{28A0092B-C50C-407E-A947-70E740481C1C}">
-                <a14:useLocalDpi xmlns:a14="http://schemas.microsoft.com/office/drawing/2010/main" val="0"/>
+                <a14:useLocalDpi xmlns:a14="http://schemas.microsoft.com/office/drawing/2010/main" xmlns="" val="0"/>
               </a:ext>
             </a:extLst>
           </a:blip>
@@ -6299,14 +7256,14 @@
           <a:effectLst/>
           <a:extLst>
             <a:ext uri="{909E8E84-426E-40DD-AFC4-6F175D3DCCD1}">
-              <a14:hiddenFill xmlns:a14="http://schemas.microsoft.com/office/drawing/2010/main">
+              <a14:hiddenFill xmlns:a14="http://schemas.microsoft.com/office/drawing/2010/main" xmlns="">
                 <a:solidFill>
                   <a:schemeClr val="accent1"/>
                 </a:solidFill>
               </a14:hiddenFill>
             </a:ext>
             <a:ext uri="{91240B29-F687-4F45-9708-019B960494DF}">
-              <a14:hiddenLine xmlns:a14="http://schemas.microsoft.com/office/drawing/2010/main" w="9525">
+              <a14:hiddenLine xmlns:a14="http://schemas.microsoft.com/office/drawing/2010/main" xmlns="" w="9525">
                 <a:solidFill>
                   <a:schemeClr val="tx1"/>
                 </a:solidFill>
@@ -6316,7 +7273,7 @@
               </a14:hiddenLine>
             </a:ext>
             <a:ext uri="{AF507438-7753-43E0-B8FC-AC1667EBCBE1}">
-              <a14:hiddenEffects xmlns:a14="http://schemas.microsoft.com/office/drawing/2010/main">
+              <a14:hiddenEffects xmlns:a14="http://schemas.microsoft.com/office/drawing/2010/main" xmlns="">
                 <a:effectLst>
                   <a:outerShdw dist="35921" dir="2700000" algn="ctr" rotWithShape="0">
                     <a:schemeClr val="bg2"/>
@@ -6507,22 +7464,22 @@
           <a:p>
             <a:r>
               <a:rPr lang="en-US" dirty="0" smtClean="0"/>
-              <a:t>Uses a mixture of </a:t>
+              <a:t>Uses a mixture of Gaussian model described by Wood</a:t>
             </a:r>
             <a:r>
               <a:rPr lang="en-US" dirty="0" smtClean="0"/>
-              <a:t>Gaussian </a:t>
-            </a:r>
+              <a:t>.</a:t>
+            </a:r>
+          </a:p>
+          <a:p>
+            <a:endParaRPr lang="en-US" dirty="0" smtClean="0"/>
+          </a:p>
+          <a:p>
             <a:r>
               <a:rPr lang="en-US" dirty="0" smtClean="0"/>
-              <a:t>model described by Wood.</a:t>
-            </a:r>
-          </a:p>
-          <a:p>
-            <a:r>
-              <a:rPr lang="en-US" dirty="0" smtClean="0"/>
-              <a:t>Update procedure is slow... Close to 1 second per update on a larger image.</a:t>
-            </a:r>
+              <a:t>Generates a most likely background, with possibility for two backgrounds for each pixel.</a:t>
+            </a:r>
+            <a:endParaRPr lang="en-US" dirty="0" smtClean="0"/>
           </a:p>
           <a:p>
             <a:endParaRPr lang="en-US" dirty="0" smtClean="0"/>
@@ -6587,7 +7544,11 @@
           <a:p>
             <a:r>
               <a:rPr lang="en-US" dirty="0" smtClean="0"/>
-              <a:t>Background Modeling</a:t>
+              <a:t>Background </a:t>
+            </a:r>
+            <a:r>
+              <a:rPr lang="en-US" dirty="0" smtClean="0"/>
+              <a:t>Modeling problems</a:t>
             </a:r>
             <a:endParaRPr lang="en-US" dirty="0"/>
           </a:p>
@@ -6610,17 +7571,41 @@
           </a:bodyPr>
           <a:lstStyle/>
           <a:p>
+            <a:pPr>
+              <a:buNone/>
+            </a:pPr>
+            <a:endParaRPr lang="sv-SE" dirty="0" smtClean="0"/>
+          </a:p>
+          <a:p>
             <a:r>
               <a:rPr lang="sv-SE" dirty="0" err="1" smtClean="0"/>
               <a:t>Noisy</a:t>
             </a:r>
             <a:r>
               <a:rPr lang="sv-SE" dirty="0" smtClean="0"/>
-              <a:t>, lots </a:t>
+              <a:t>, lots of </a:t>
             </a:r>
             <a:r>
               <a:rPr lang="sv-SE" dirty="0" err="1" smtClean="0"/>
-              <a:t>of</a:t>
+              <a:t>false</a:t>
+            </a:r>
+            <a:r>
+              <a:rPr lang="sv-SE" dirty="0" smtClean="0"/>
+              <a:t> positives.</a:t>
+            </a:r>
+          </a:p>
+          <a:p>
+            <a:r>
+              <a:rPr lang="sv-SE" dirty="0" err="1" smtClean="0"/>
+              <a:t>False</a:t>
+            </a:r>
+            <a:r>
+              <a:rPr lang="sv-SE" dirty="0" smtClean="0"/>
+              <a:t> positives </a:t>
+            </a:r>
+            <a:r>
+              <a:rPr lang="sv-SE" dirty="0" err="1" smtClean="0"/>
+              <a:t>are</a:t>
             </a:r>
             <a:r>
               <a:rPr lang="sv-SE" dirty="0" smtClean="0"/>
@@ -6628,25 +7613,46 @@
             </a:r>
             <a:r>
               <a:rPr lang="sv-SE" dirty="0" err="1" smtClean="0"/>
-              <a:t>false</a:t>
+              <a:t>mostly</a:t>
             </a:r>
             <a:r>
               <a:rPr lang="sv-SE" dirty="0" smtClean="0"/>
-              <a:t> positives.</a:t>
-            </a:r>
-          </a:p>
-          <a:p>
+              <a:t> isolated.</a:t>
+            </a:r>
+          </a:p>
+          <a:p>
+            <a:r>
+              <a:rPr lang="sv-SE" dirty="0" smtClean="0"/>
+              <a:t>Easy to </a:t>
+            </a:r>
             <a:r>
               <a:rPr lang="sv-SE" dirty="0" err="1" smtClean="0"/>
-              <a:t>False</a:t>
+              <a:t>handle</a:t>
             </a:r>
             <a:r>
               <a:rPr lang="sv-SE" dirty="0" smtClean="0"/>
-              <a:t> positives </a:t>
+              <a:t> with later </a:t>
             </a:r>
             <a:r>
               <a:rPr lang="sv-SE" dirty="0" err="1" smtClean="0"/>
-              <a:t>are</a:t>
+              <a:t>processing</a:t>
+            </a:r>
+            <a:r>
+              <a:rPr lang="sv-SE" dirty="0" smtClean="0"/>
+              <a:t> steps</a:t>
+            </a:r>
+            <a:r>
+              <a:rPr lang="sv-SE" dirty="0" smtClean="0"/>
+              <a:t>.</a:t>
+            </a:r>
+          </a:p>
+          <a:p>
+            <a:endParaRPr lang="sv-SE" dirty="0" smtClean="0"/>
+          </a:p>
+          <a:p>
+            <a:r>
+              <a:rPr lang="sv-SE" dirty="0" err="1" smtClean="0"/>
+              <a:t>Update</a:t>
             </a:r>
             <a:r>
               <a:rPr lang="sv-SE" dirty="0" smtClean="0"/>
@@ -6654,17 +7660,15 @@
             </a:r>
             <a:r>
               <a:rPr lang="sv-SE" dirty="0" err="1" smtClean="0"/>
-              <a:t>mostly</a:t>
+              <a:t>procedure</a:t>
             </a:r>
             <a:r>
               <a:rPr lang="sv-SE" dirty="0" smtClean="0"/>
-              <a:t> isolated.</a:t>
-            </a:r>
-          </a:p>
-          <a:p>
+              <a:t> is not </a:t>
+            </a:r>
             <a:r>
               <a:rPr lang="sv-SE" dirty="0" err="1" smtClean="0"/>
-              <a:t>Easy</a:t>
+              <a:t>optimally</a:t>
             </a:r>
             <a:r>
               <a:rPr lang="sv-SE" dirty="0" smtClean="0"/>
@@ -6672,39 +7676,11 @@
             </a:r>
             <a:r>
               <a:rPr lang="sv-SE" dirty="0" err="1" smtClean="0"/>
-              <a:t>to</a:t>
+              <a:t>implemented</a:t>
             </a:r>
             <a:r>
               <a:rPr lang="sv-SE" dirty="0" smtClean="0"/>
-              <a:t> </a:t>
-            </a:r>
-            <a:r>
-              <a:rPr lang="sv-SE" dirty="0" err="1" smtClean="0"/>
-              <a:t>handle</a:t>
-            </a:r>
-            <a:r>
-              <a:rPr lang="sv-SE" dirty="0" smtClean="0"/>
-              <a:t> </a:t>
-            </a:r>
-            <a:r>
-              <a:rPr lang="sv-SE" dirty="0" err="1" smtClean="0"/>
-              <a:t>with</a:t>
-            </a:r>
-            <a:r>
-              <a:rPr lang="sv-SE" dirty="0" smtClean="0"/>
-              <a:t> later </a:t>
-            </a:r>
-            <a:r>
-              <a:rPr lang="sv-SE" dirty="0" err="1" smtClean="0"/>
-              <a:t>processing</a:t>
-            </a:r>
-            <a:r>
-              <a:rPr lang="sv-SE" dirty="0" smtClean="0"/>
-              <a:t> </a:t>
-            </a:r>
-            <a:r>
-              <a:rPr lang="sv-SE" smtClean="0"/>
-              <a:t>steps.</a:t>
+              <a:t>.</a:t>
             </a:r>
             <a:endParaRPr lang="sv-SE" dirty="0"/>
           </a:p>
@@ -6946,10 +7922,10 @@
           <p:nvPr/>
         </p:nvPicPr>
         <p:blipFill>
-          <a:blip r:embed="rId2">
+          <a:blip r:embed="rId2" cstate="print">
             <a:extLst>
               <a:ext uri="{28A0092B-C50C-407E-A947-70E740481C1C}">
-                <a14:useLocalDpi xmlns:a14="http://schemas.microsoft.com/office/drawing/2010/main" val="0"/>
+                <a14:useLocalDpi xmlns:a14="http://schemas.microsoft.com/office/drawing/2010/main" xmlns="" val="0"/>
               </a:ext>
             </a:extLst>
           </a:blip>
@@ -6969,7 +7945,7 @@
           <a:noFill/>
           <a:extLst>
             <a:ext uri="{909E8E84-426E-40DD-AFC4-6F175D3DCCD1}">
-              <a14:hiddenFill xmlns:a14="http://schemas.microsoft.com/office/drawing/2010/main">
+              <a14:hiddenFill xmlns:a14="http://schemas.microsoft.com/office/drawing/2010/main" xmlns="">
                 <a:solidFill>
                   <a:srgbClr val="FFFFFF"/>
                 </a:solidFill>
@@ -7057,10 +8033,10 @@
           <p:nvPr/>
         </p:nvPicPr>
         <p:blipFill>
-          <a:blip r:embed="rId2">
+          <a:blip r:embed="rId2" cstate="print">
             <a:extLst>
               <a:ext uri="{28A0092B-C50C-407E-A947-70E740481C1C}">
-                <a14:useLocalDpi xmlns:a14="http://schemas.microsoft.com/office/drawing/2010/main" val="0"/>
+                <a14:useLocalDpi xmlns:a14="http://schemas.microsoft.com/office/drawing/2010/main" xmlns="" val="0"/>
               </a:ext>
             </a:extLst>
           </a:blip>
@@ -7080,7 +8056,7 @@
           <a:noFill/>
           <a:extLst>
             <a:ext uri="{909E8E84-426E-40DD-AFC4-6F175D3DCCD1}">
-              <a14:hiddenFill xmlns:a14="http://schemas.microsoft.com/office/drawing/2010/main">
+              <a14:hiddenFill xmlns:a14="http://schemas.microsoft.com/office/drawing/2010/main" xmlns="">
                 <a:solidFill>
                   <a:srgbClr val="FFFFFF"/>
                 </a:solidFill>
@@ -7092,7 +8068,7 @@
     </p:spTree>
     <p:extLst>
       <p:ext uri="{BB962C8B-B14F-4D97-AF65-F5344CB8AC3E}">
-        <p14:creationId xmlns:p14="http://schemas.microsoft.com/office/powerpoint/2010/main" val="869843183"/>
+        <p14:creationId xmlns:p14="http://schemas.microsoft.com/office/powerpoint/2010/main" xmlns="" val="869843183"/>
       </p:ext>
     </p:extLst>
   </p:cSld>
@@ -7673,4 +8649,287 @@
   <a:objectDefaults/>
   <a:extraClrSchemeLst/>
 </a:theme>
+</file>
+
+<file path=ppt/theme/theme3.xml><?xml version="1.0" encoding="utf-8"?>
+<a:theme xmlns:a="http://schemas.openxmlformats.org/drawingml/2006/main" name="Office Theme">
+  <a:themeElements>
+    <a:clrScheme name="Office">
+      <a:dk1>
+        <a:sysClr val="windowText" lastClr="000000"/>
+      </a:dk1>
+      <a:lt1>
+        <a:sysClr val="window" lastClr="FFFFFF"/>
+      </a:lt1>
+      <a:dk2>
+        <a:srgbClr val="1F497D"/>
+      </a:dk2>
+      <a:lt2>
+        <a:srgbClr val="EEECE1"/>
+      </a:lt2>
+      <a:accent1>
+        <a:srgbClr val="4F81BD"/>
+      </a:accent1>
+      <a:accent2>
+        <a:srgbClr val="C0504D"/>
+      </a:accent2>
+      <a:accent3>
+        <a:srgbClr val="9BBB59"/>
+      </a:accent3>
+      <a:accent4>
+        <a:srgbClr val="8064A2"/>
+      </a:accent4>
+      <a:accent5>
+        <a:srgbClr val="4BACC6"/>
+      </a:accent5>
+      <a:accent6>
+        <a:srgbClr val="F79646"/>
+      </a:accent6>
+      <a:hlink>
+        <a:srgbClr val="0000FF"/>
+      </a:hlink>
+      <a:folHlink>
+        <a:srgbClr val="800080"/>
+      </a:folHlink>
+    </a:clrScheme>
+    <a:fontScheme name="Office">
+      <a:majorFont>
+        <a:latin typeface="Calibri"/>
+        <a:ea typeface=""/>
+        <a:cs typeface=""/>
+        <a:font script="Jpan" typeface="ＭＳ Ｐゴシック"/>
+        <a:font script="Hang" typeface="맑은 고딕"/>
+        <a:font script="Hans" typeface="宋体"/>
+        <a:font script="Hant" typeface="新細明體"/>
+        <a:font script="Arab" typeface="Times New Roman"/>
+        <a:font script="Hebr" typeface="Times New Roman"/>
+        <a:font script="Thai" typeface="Angsana New"/>
+        <a:font script="Ethi" typeface="Nyala"/>
+        <a:font script="Beng" typeface="Vrinda"/>
+        <a:font script="Gujr" typeface="Shruti"/>
+        <a:font script="Khmr" typeface="MoolBoran"/>
+        <a:font script="Knda" typeface="Tunga"/>
+        <a:font script="Guru" typeface="Raavi"/>
+        <a:font script="Cans" typeface="Euphemia"/>
+        <a:font script="Cher" typeface="Plantagenet Cherokee"/>
+        <a:font script="Yiii" typeface="Microsoft Yi Baiti"/>
+        <a:font script="Tibt" typeface="Microsoft Himalaya"/>
+        <a:font script="Thaa" typeface="MV Boli"/>
+        <a:font script="Deva" typeface="Mangal"/>
+        <a:font script="Telu" typeface="Gautami"/>
+        <a:font script="Taml" typeface="Latha"/>
+        <a:font script="Syrc" typeface="Estrangelo Edessa"/>
+        <a:font script="Orya" typeface="Kalinga"/>
+        <a:font script="Mlym" typeface="Kartika"/>
+        <a:font script="Laoo" typeface="DokChampa"/>
+        <a:font script="Sinh" typeface="Iskoola Pota"/>
+        <a:font script="Mong" typeface="Mongolian Baiti"/>
+        <a:font script="Viet" typeface="Times New Roman"/>
+        <a:font script="Uigh" typeface="Microsoft Uighur"/>
+      </a:majorFont>
+      <a:minorFont>
+        <a:latin typeface="Calibri"/>
+        <a:ea typeface=""/>
+        <a:cs typeface=""/>
+        <a:font script="Jpan" typeface="ＭＳ Ｐゴシック"/>
+        <a:font script="Hang" typeface="맑은 고딕"/>
+        <a:font script="Hans" typeface="宋体"/>
+        <a:font script="Hant" typeface="新細明體"/>
+        <a:font script="Arab" typeface="Arial"/>
+        <a:font script="Hebr" typeface="Arial"/>
+        <a:font script="Thai" typeface="Cordia New"/>
+        <a:font script="Ethi" typeface="Nyala"/>
+        <a:font script="Beng" typeface="Vrinda"/>
+        <a:font script="Gujr" typeface="Shruti"/>
+        <a:font script="Khmr" typeface="DaunPenh"/>
+        <a:font script="Knda" typeface="Tunga"/>
+        <a:font script="Guru" typeface="Raavi"/>
+        <a:font script="Cans" typeface="Euphemia"/>
+        <a:font script="Cher" typeface="Plantagenet Cherokee"/>
+        <a:font script="Yiii" typeface="Microsoft Yi Baiti"/>
+        <a:font script="Tibt" typeface="Microsoft Himalaya"/>
+        <a:font script="Thaa" typeface="MV Boli"/>
+        <a:font script="Deva" typeface="Mangal"/>
+        <a:font script="Telu" typeface="Gautami"/>
+        <a:font script="Taml" typeface="Latha"/>
+        <a:font script="Syrc" typeface="Estrangelo Edessa"/>
+        <a:font script="Orya" typeface="Kalinga"/>
+        <a:font script="Mlym" typeface="Kartika"/>
+        <a:font script="Laoo" typeface="DokChampa"/>
+        <a:font script="Sinh" typeface="Iskoola Pota"/>
+        <a:font script="Mong" typeface="Mongolian Baiti"/>
+        <a:font script="Viet" typeface="Arial"/>
+        <a:font script="Uigh" typeface="Microsoft Uighur"/>
+      </a:minorFont>
+    </a:fontScheme>
+    <a:fmtScheme name="Office">
+      <a:fillStyleLst>
+        <a:solidFill>
+          <a:schemeClr val="phClr"/>
+        </a:solidFill>
+        <a:gradFill rotWithShape="1">
+          <a:gsLst>
+            <a:gs pos="0">
+              <a:schemeClr val="phClr">
+                <a:tint val="50000"/>
+                <a:satMod val="300000"/>
+              </a:schemeClr>
+            </a:gs>
+            <a:gs pos="35000">
+              <a:schemeClr val="phClr">
+                <a:tint val="37000"/>
+                <a:satMod val="300000"/>
+              </a:schemeClr>
+            </a:gs>
+            <a:gs pos="100000">
+              <a:schemeClr val="phClr">
+                <a:tint val="15000"/>
+                <a:satMod val="350000"/>
+              </a:schemeClr>
+            </a:gs>
+          </a:gsLst>
+          <a:lin ang="16200000" scaled="1"/>
+        </a:gradFill>
+        <a:gradFill rotWithShape="1">
+          <a:gsLst>
+            <a:gs pos="0">
+              <a:schemeClr val="phClr">
+                <a:shade val="51000"/>
+                <a:satMod val="130000"/>
+              </a:schemeClr>
+            </a:gs>
+            <a:gs pos="80000">
+              <a:schemeClr val="phClr">
+                <a:shade val="93000"/>
+                <a:satMod val="130000"/>
+              </a:schemeClr>
+            </a:gs>
+            <a:gs pos="100000">
+              <a:schemeClr val="phClr">
+                <a:shade val="94000"/>
+                <a:satMod val="135000"/>
+              </a:schemeClr>
+            </a:gs>
+          </a:gsLst>
+          <a:lin ang="16200000" scaled="0"/>
+        </a:gradFill>
+      </a:fillStyleLst>
+      <a:lnStyleLst>
+        <a:ln w="9525" cap="flat" cmpd="sng" algn="ctr">
+          <a:solidFill>
+            <a:schemeClr val="phClr">
+              <a:shade val="95000"/>
+              <a:satMod val="105000"/>
+            </a:schemeClr>
+          </a:solidFill>
+          <a:prstDash val="solid"/>
+        </a:ln>
+        <a:ln w="25400" cap="flat" cmpd="sng" algn="ctr">
+          <a:solidFill>
+            <a:schemeClr val="phClr"/>
+          </a:solidFill>
+          <a:prstDash val="solid"/>
+        </a:ln>
+        <a:ln w="38100" cap="flat" cmpd="sng" algn="ctr">
+          <a:solidFill>
+            <a:schemeClr val="phClr"/>
+          </a:solidFill>
+          <a:prstDash val="solid"/>
+        </a:ln>
+      </a:lnStyleLst>
+      <a:effectStyleLst>
+        <a:effectStyle>
+          <a:effectLst>
+            <a:outerShdw blurRad="40000" dist="20000" dir="5400000" rotWithShape="0">
+              <a:srgbClr val="000000">
+                <a:alpha val="38000"/>
+              </a:srgbClr>
+            </a:outerShdw>
+          </a:effectLst>
+        </a:effectStyle>
+        <a:effectStyle>
+          <a:effectLst>
+            <a:outerShdw blurRad="40000" dist="23000" dir="5400000" rotWithShape="0">
+              <a:srgbClr val="000000">
+                <a:alpha val="35000"/>
+              </a:srgbClr>
+            </a:outerShdw>
+          </a:effectLst>
+        </a:effectStyle>
+        <a:effectStyle>
+          <a:effectLst>
+            <a:outerShdw blurRad="40000" dist="23000" dir="5400000" rotWithShape="0">
+              <a:srgbClr val="000000">
+                <a:alpha val="35000"/>
+              </a:srgbClr>
+            </a:outerShdw>
+          </a:effectLst>
+          <a:scene3d>
+            <a:camera prst="orthographicFront">
+              <a:rot lat="0" lon="0" rev="0"/>
+            </a:camera>
+            <a:lightRig rig="threePt" dir="t">
+              <a:rot lat="0" lon="0" rev="1200000"/>
+            </a:lightRig>
+          </a:scene3d>
+          <a:sp3d>
+            <a:bevelT w="63500" h="25400"/>
+          </a:sp3d>
+        </a:effectStyle>
+      </a:effectStyleLst>
+      <a:bgFillStyleLst>
+        <a:solidFill>
+          <a:schemeClr val="phClr"/>
+        </a:solidFill>
+        <a:gradFill rotWithShape="1">
+          <a:gsLst>
+            <a:gs pos="0">
+              <a:schemeClr val="phClr">
+                <a:tint val="40000"/>
+                <a:satMod val="350000"/>
+              </a:schemeClr>
+            </a:gs>
+            <a:gs pos="40000">
+              <a:schemeClr val="phClr">
+                <a:tint val="45000"/>
+                <a:shade val="99000"/>
+                <a:satMod val="350000"/>
+              </a:schemeClr>
+            </a:gs>
+            <a:gs pos="100000">
+              <a:schemeClr val="phClr">
+                <a:shade val="20000"/>
+                <a:satMod val="255000"/>
+              </a:schemeClr>
+            </a:gs>
+          </a:gsLst>
+          <a:path path="circle">
+            <a:fillToRect l="50000" t="-80000" r="50000" b="180000"/>
+          </a:path>
+        </a:gradFill>
+        <a:gradFill rotWithShape="1">
+          <a:gsLst>
+            <a:gs pos="0">
+              <a:schemeClr val="phClr">
+                <a:tint val="80000"/>
+                <a:satMod val="300000"/>
+              </a:schemeClr>
+            </a:gs>
+            <a:gs pos="100000">
+              <a:schemeClr val="phClr">
+                <a:shade val="30000"/>
+                <a:satMod val="200000"/>
+              </a:schemeClr>
+            </a:gs>
+          </a:gsLst>
+          <a:path path="circle">
+            <a:fillToRect l="50000" t="50000" r="50000" b="50000"/>
+          </a:path>
+        </a:gradFill>
+      </a:bgFillStyleLst>
+    </a:fmtScheme>
+  </a:themeElements>
+  <a:objectDefaults/>
+  <a:extraClrSchemeLst/>
+</a:theme>
 </file>
--- a/Documentation/TSBB15prez.pptx
+++ b/Documentation/TSBB15prez.pptx
@@ -724,107 +724,7 @@
           </a:bodyPr>
           <a:lstStyle/>
           <a:p>
-            <a:r>
-              <a:rPr lang="sv-SE" dirty="0" smtClean="0"/>
-              <a:t>The system has a simple </a:t>
-            </a:r>
-            <a:r>
-              <a:rPr lang="sv-SE" dirty="0" err="1" smtClean="0"/>
-              <a:t>structure</a:t>
-            </a:r>
-            <a:r>
-              <a:rPr lang="sv-SE" dirty="0" smtClean="0"/>
-              <a:t> </a:t>
-            </a:r>
-            <a:r>
-              <a:rPr lang="sv-SE" dirty="0" err="1" smtClean="0"/>
-              <a:t>where</a:t>
-            </a:r>
-            <a:r>
-              <a:rPr lang="sv-SE" dirty="0" smtClean="0"/>
-              <a:t> </a:t>
-            </a:r>
-            <a:r>
-              <a:rPr lang="sv-SE" dirty="0" err="1" smtClean="0"/>
-              <a:t>each</a:t>
-            </a:r>
-            <a:r>
-              <a:rPr lang="sv-SE" dirty="0" smtClean="0"/>
-              <a:t> </a:t>
-            </a:r>
-            <a:r>
-              <a:rPr lang="sv-SE" dirty="0" err="1" smtClean="0"/>
-              <a:t>frame</a:t>
-            </a:r>
-            <a:r>
-              <a:rPr lang="sv-SE" dirty="0" smtClean="0"/>
-              <a:t> is stored in a </a:t>
-            </a:r>
-            <a:r>
-              <a:rPr lang="sv-SE" dirty="0" err="1" smtClean="0"/>
-              <a:t>frame</a:t>
-            </a:r>
-            <a:r>
-              <a:rPr lang="sv-SE" dirty="0" smtClean="0"/>
-              <a:t> list,.</a:t>
-            </a:r>
-          </a:p>
-          <a:p>
-            <a:endParaRPr lang="sv-SE" dirty="0" smtClean="0"/>
-          </a:p>
-          <a:p>
-            <a:r>
-              <a:rPr lang="sv-SE" dirty="0" smtClean="0"/>
-              <a:t>The </a:t>
-            </a:r>
-            <a:r>
-              <a:rPr lang="sv-SE" dirty="0" err="1" smtClean="0"/>
-              <a:t>framelist</a:t>
-            </a:r>
-            <a:r>
-              <a:rPr lang="sv-SE" dirty="0" smtClean="0"/>
-              <a:t> </a:t>
-            </a:r>
-            <a:r>
-              <a:rPr lang="sv-SE" dirty="0" err="1" smtClean="0"/>
-              <a:t>then</a:t>
-            </a:r>
-            <a:r>
-              <a:rPr lang="sv-SE" dirty="0" smtClean="0"/>
-              <a:t> gets passed on to </a:t>
-            </a:r>
-            <a:r>
-              <a:rPr lang="sv-SE" dirty="0" err="1" smtClean="0"/>
-              <a:t>each</a:t>
-            </a:r>
-            <a:r>
-              <a:rPr lang="sv-SE" dirty="0" smtClean="0"/>
-              <a:t> </a:t>
-            </a:r>
-            <a:r>
-              <a:rPr lang="sv-SE" dirty="0" err="1" smtClean="0"/>
-              <a:t>module</a:t>
-            </a:r>
-            <a:r>
-              <a:rPr lang="sv-SE" dirty="0" smtClean="0"/>
-              <a:t> , that </a:t>
-            </a:r>
-            <a:r>
-              <a:rPr lang="sv-SE" dirty="0" err="1" smtClean="0"/>
-              <a:t>updates</a:t>
-            </a:r>
-            <a:r>
-              <a:rPr lang="sv-SE" dirty="0" smtClean="0"/>
-              <a:t> it in </a:t>
-            </a:r>
-            <a:r>
-              <a:rPr lang="sv-SE" dirty="0" err="1" smtClean="0"/>
-              <a:t>turn</a:t>
-            </a:r>
-            <a:r>
-              <a:rPr lang="sv-SE" dirty="0" smtClean="0"/>
-              <a:t>.</a:t>
-            </a:r>
+            <a:endParaRPr lang="sv-SE"/>
           </a:p>
         </p:txBody>
       </p:sp>
@@ -845,7 +745,7 @@
           <a:p>
             <a:fld id="{EE096677-960A-4D89-A544-37B88B173726}" type="slidenum">
               <a:rPr lang="sv-SE" smtClean="0"/>
-              <a:t>3</a:t>
+              <a:t>1</a:t>
             </a:fld>
             <a:endParaRPr lang="sv-SE"/>
           </a:p>
@@ -905,7 +805,7 @@
           </a:bodyPr>
           <a:lstStyle/>
           <a:p>
-            <a:endParaRPr lang="sv-SE" dirty="0"/>
+            <a:endParaRPr lang="sv-SE"/>
           </a:p>
         </p:txBody>
       </p:sp>
@@ -926,7 +826,7 @@
           <a:p>
             <a:fld id="{EE096677-960A-4D89-A544-37B88B173726}" type="slidenum">
               <a:rPr lang="sv-SE" smtClean="0"/>
-              <a:t>4</a:t>
+              <a:t>2</a:t>
             </a:fld>
             <a:endParaRPr lang="sv-SE"/>
           </a:p>
@@ -987,8 +887,12 @@
           <a:lstStyle/>
           <a:p>
             <a:r>
+              <a:rPr lang="sv-SE" dirty="0" smtClean="0"/>
+              <a:t>The system has a simple </a:t>
+            </a:r>
+            <a:r>
               <a:rPr lang="sv-SE" dirty="0" err="1" smtClean="0"/>
-              <a:t>Use</a:t>
+              <a:t>structure</a:t>
             </a:r>
             <a:r>
               <a:rPr lang="sv-SE" dirty="0" smtClean="0"/>
@@ -996,15 +900,15 @@
             </a:r>
             <a:r>
               <a:rPr lang="sv-SE" dirty="0" err="1" smtClean="0"/>
-              <a:t>mixture</a:t>
-            </a:r>
-            <a:r>
-              <a:rPr lang="sv-SE" dirty="0" smtClean="0"/>
-              <a:t> of </a:t>
+              <a:t>where</a:t>
+            </a:r>
+            <a:r>
+              <a:rPr lang="sv-SE" dirty="0" smtClean="0"/>
+              <a:t> </a:t>
             </a:r>
             <a:r>
               <a:rPr lang="sv-SE" dirty="0" err="1" smtClean="0"/>
-              <a:t>gaussians</a:t>
+              <a:t>each</a:t>
             </a:r>
             <a:r>
               <a:rPr lang="sv-SE" dirty="0" smtClean="0"/>
@@ -1012,27 +916,60 @@
             </a:r>
             <a:r>
               <a:rPr lang="sv-SE" dirty="0" err="1" smtClean="0"/>
-              <a:t>model</a:t>
-            </a:r>
-            <a:r>
-              <a:rPr lang="sv-SE" dirty="0" smtClean="0"/>
-              <a:t>  for the </a:t>
+              <a:t>frame</a:t>
+            </a:r>
+            <a:r>
+              <a:rPr lang="sv-SE" dirty="0" smtClean="0"/>
+              <a:t> is stored in a </a:t>
             </a:r>
             <a:r>
               <a:rPr lang="sv-SE" dirty="0" err="1" smtClean="0"/>
-              <a:t>background</a:t>
-            </a:r>
-            <a:r>
-              <a:rPr lang="sv-SE" dirty="0" smtClean="0"/>
-              <a:t>, </a:t>
+              <a:t>frame</a:t>
+            </a:r>
+            <a:r>
+              <a:rPr lang="sv-SE" dirty="0" smtClean="0"/>
+              <a:t> list,.</a:t>
+            </a:r>
+          </a:p>
+          <a:p>
+            <a:endParaRPr lang="sv-SE" dirty="0" smtClean="0"/>
+          </a:p>
+          <a:p>
+            <a:r>
+              <a:rPr lang="sv-SE" dirty="0" smtClean="0"/>
+              <a:t>The </a:t>
             </a:r>
             <a:r>
               <a:rPr lang="sv-SE" dirty="0" err="1" smtClean="0"/>
-              <a:t>described</a:t>
-            </a:r>
-            <a:r>
-              <a:rPr lang="sv-SE" dirty="0" smtClean="0"/>
-              <a:t> by Wood…</a:t>
+              <a:t>framelist</a:t>
+            </a:r>
+            <a:r>
+              <a:rPr lang="sv-SE" dirty="0" smtClean="0"/>
+              <a:t> </a:t>
+            </a:r>
+            <a:r>
+              <a:rPr lang="sv-SE" dirty="0" err="1" smtClean="0"/>
+              <a:t>then</a:t>
+            </a:r>
+            <a:r>
+              <a:rPr lang="sv-SE" dirty="0" smtClean="0"/>
+              <a:t> gets passed on to </a:t>
+            </a:r>
+            <a:r>
+              <a:rPr lang="sv-SE" dirty="0" err="1" smtClean="0"/>
+              <a:t>each</a:t>
+            </a:r>
+            <a:r>
+              <a:rPr lang="sv-SE" dirty="0" smtClean="0"/>
+              <a:t> </a:t>
+            </a:r>
+            <a:r>
+              <a:rPr lang="sv-SE" dirty="0" err="1" smtClean="0"/>
+              <a:t>module</a:t>
+            </a:r>
+            <a:r>
+              <a:rPr lang="sv-SE" dirty="0" smtClean="0"/>
+              <a:t> .</a:t>
             </a:r>
           </a:p>
           <a:p>
@@ -1040,12 +977,24 @@
           </a:p>
           <a:p>
             <a:r>
-              <a:rPr lang="sv-SE" dirty="0" smtClean="0"/>
-              <a:t>Can </a:t>
-            </a:r>
-            <a:r>
               <a:rPr lang="sv-SE" dirty="0" err="1" smtClean="0"/>
-              <a:t>possibly</a:t>
+              <a:t>Once</a:t>
+            </a:r>
+            <a:r>
+              <a:rPr lang="sv-SE" dirty="0" smtClean="0"/>
+              <a:t> a </a:t>
+            </a:r>
+            <a:r>
+              <a:rPr lang="sv-SE" dirty="0" err="1" smtClean="0"/>
+              <a:t>frame</a:t>
+            </a:r>
+            <a:r>
+              <a:rPr lang="sv-SE" dirty="0" smtClean="0"/>
+              <a:t> has </a:t>
+            </a:r>
+            <a:r>
+              <a:rPr lang="sv-SE" dirty="0" err="1" smtClean="0"/>
+              <a:t>been</a:t>
             </a:r>
             <a:r>
               <a:rPr lang="sv-SE" dirty="0" smtClean="0"/>
@@ -1053,15 +1002,23 @@
             </a:r>
             <a:r>
               <a:rPr lang="sv-SE" dirty="0" err="1" smtClean="0"/>
-              <a:t>generate</a:t>
-            </a:r>
-            <a:r>
-              <a:rPr lang="sv-SE" dirty="0" smtClean="0"/>
-              <a:t> a </a:t>
+              <a:t>completely</a:t>
+            </a:r>
+            <a:r>
+              <a:rPr lang="sv-SE" dirty="0" smtClean="0"/>
+              <a:t> processed it </a:t>
             </a:r>
             <a:r>
               <a:rPr lang="sv-SE" dirty="0" err="1" smtClean="0"/>
-              <a:t>most</a:t>
+              <a:t>moves</a:t>
+            </a:r>
+            <a:r>
+              <a:rPr lang="sv-SE" dirty="0" smtClean="0"/>
+              <a:t> on to the </a:t>
+            </a:r>
+            <a:r>
+              <a:rPr lang="sv-SE" dirty="0" err="1" smtClean="0"/>
+              <a:t>next</a:t>
             </a:r>
             <a:r>
               <a:rPr lang="sv-SE" dirty="0" smtClean="0"/>
@@ -1069,51 +1026,13 @@
             </a:r>
             <a:r>
               <a:rPr lang="sv-SE" dirty="0" err="1" smtClean="0"/>
-              <a:t>likely</a:t>
-            </a:r>
-            <a:r>
-              <a:rPr lang="sv-SE" dirty="0" smtClean="0"/>
-              <a:t> </a:t>
-            </a:r>
-            <a:r>
-              <a:rPr lang="sv-SE" dirty="0" err="1" smtClean="0"/>
-              <a:t>background</a:t>
-            </a:r>
-            <a:r>
-              <a:rPr lang="sv-SE" dirty="0"/>
-              <a:t> </a:t>
-            </a:r>
-            <a:r>
-              <a:rPr lang="sv-SE" dirty="0" smtClean="0"/>
-              <a:t>for the </a:t>
-            </a:r>
-            <a:r>
-              <a:rPr lang="sv-SE" dirty="0" err="1" smtClean="0"/>
-              <a:t>shadow</a:t>
-            </a:r>
-            <a:r>
-              <a:rPr lang="sv-SE" dirty="0" smtClean="0"/>
-              <a:t> removal to </a:t>
-            </a:r>
-            <a:r>
-              <a:rPr lang="sv-SE" dirty="0" err="1" smtClean="0"/>
-              <a:t>compare</a:t>
-            </a:r>
-            <a:r>
-              <a:rPr lang="sv-SE" dirty="0" smtClean="0"/>
-              <a:t> </a:t>
-            </a:r>
-            <a:r>
-              <a:rPr lang="sv-SE" dirty="0" err="1" smtClean="0"/>
-              <a:t>against</a:t>
+              <a:t>one</a:t>
             </a:r>
             <a:r>
               <a:rPr lang="sv-SE" dirty="0" smtClean="0"/>
               <a:t>.</a:t>
             </a:r>
-          </a:p>
-          <a:p>
-            <a:endParaRPr lang="sv-SE" dirty="0"/>
+            <a:endParaRPr lang="sv-SE" dirty="0" smtClean="0"/>
           </a:p>
           <a:p>
             <a:endParaRPr lang="sv-SE" dirty="0"/>
@@ -1137,7 +1056,7 @@
           <a:p>
             <a:fld id="{EE096677-960A-4D89-A544-37B88B173726}" type="slidenum">
               <a:rPr lang="sv-SE" smtClean="0"/>
-              <a:t>5</a:t>
+              <a:t>3</a:t>
             </a:fld>
             <a:endParaRPr lang="sv-SE"/>
           </a:p>
@@ -1197,9 +1116,110 @@
           </a:bodyPr>
           <a:lstStyle/>
           <a:p>
-            <a:r>
-              <a:rPr lang="sv-SE" dirty="0" smtClean="0"/>
-              <a:t>The </a:t>
+            <a:endParaRPr lang="sv-SE" dirty="0"/>
+          </a:p>
+        </p:txBody>
+      </p:sp>
+      <p:sp>
+        <p:nvSpPr>
+          <p:cNvPr id="4" name="Slide Number Placeholder 3"/>
+          <p:cNvSpPr>
+            <a:spLocks noGrp="1"/>
+          </p:cNvSpPr>
+          <p:nvPr>
+            <p:ph type="sldNum" sz="quarter" idx="10"/>
+          </p:nvPr>
+        </p:nvSpPr>
+        <p:spPr/>
+        <p:txBody>
+          <a:bodyPr/>
+          <a:lstStyle/>
+          <a:p>
+            <a:fld id="{EE096677-960A-4D89-A544-37B88B173726}" type="slidenum">
+              <a:rPr lang="sv-SE" smtClean="0"/>
+              <a:t>4</a:t>
+            </a:fld>
+            <a:endParaRPr lang="sv-SE"/>
+          </a:p>
+        </p:txBody>
+      </p:sp>
+    </p:spTree>
+  </p:cSld>
+  <p:clrMapOvr>
+    <a:masterClrMapping/>
+  </p:clrMapOvr>
+</p:notes>
+</file>
+
+<file path=ppt/notesSlides/notesSlide5.xml><?xml version="1.0" encoding="utf-8"?>
+<p:notes xmlns:a="http://schemas.openxmlformats.org/drawingml/2006/main" xmlns:r="http://schemas.openxmlformats.org/officeDocument/2006/relationships" xmlns:p="http://schemas.openxmlformats.org/presentationml/2006/main">
+  <p:cSld>
+    <p:spTree>
+      <p:nvGrpSpPr>
+        <p:cNvPr id="1" name=""/>
+        <p:cNvGrpSpPr/>
+        <p:nvPr/>
+      </p:nvGrpSpPr>
+      <p:grpSpPr>
+        <a:xfrm>
+          <a:off x="0" y="0"/>
+          <a:ext cx="0" cy="0"/>
+          <a:chOff x="0" y="0"/>
+          <a:chExt cx="0" cy="0"/>
+        </a:xfrm>
+      </p:grpSpPr>
+      <p:sp>
+        <p:nvSpPr>
+          <p:cNvPr id="2" name="Slide Image Placeholder 1"/>
+          <p:cNvSpPr>
+            <a:spLocks noGrp="1" noRot="1" noChangeAspect="1"/>
+          </p:cNvSpPr>
+          <p:nvPr>
+            <p:ph type="sldImg"/>
+          </p:nvPr>
+        </p:nvSpPr>
+        <p:spPr/>
+      </p:sp>
+      <p:sp>
+        <p:nvSpPr>
+          <p:cNvPr id="3" name="Notes Placeholder 2"/>
+          <p:cNvSpPr>
+            <a:spLocks noGrp="1"/>
+          </p:cNvSpPr>
+          <p:nvPr>
+            <p:ph type="body" idx="1"/>
+          </p:nvPr>
+        </p:nvSpPr>
+        <p:spPr/>
+        <p:txBody>
+          <a:bodyPr>
+            <a:normAutofit/>
+          </a:bodyPr>
+          <a:lstStyle/>
+          <a:p>
+            <a:r>
+              <a:rPr lang="sv-SE" dirty="0" err="1" smtClean="0"/>
+              <a:t>Use</a:t>
+            </a:r>
+            <a:r>
+              <a:rPr lang="sv-SE" dirty="0" smtClean="0"/>
+              <a:t> </a:t>
+            </a:r>
+            <a:r>
+              <a:rPr lang="sv-SE" dirty="0" err="1" smtClean="0"/>
+              <a:t>mixture</a:t>
+            </a:r>
+            <a:r>
+              <a:rPr lang="sv-SE" dirty="0" smtClean="0"/>
+              <a:t> of </a:t>
+            </a:r>
+            <a:r>
+              <a:rPr lang="sv-SE" dirty="0" err="1" smtClean="0"/>
+              <a:t>gaussians</a:t>
+            </a:r>
+            <a:r>
+              <a:rPr lang="sv-SE" dirty="0" smtClean="0"/>
+              <a:t> </a:t>
             </a:r>
             <a:r>
               <a:rPr lang="sv-SE" dirty="0" err="1" smtClean="0"/>
@@ -1207,6 +1227,296 @@
             </a:r>
             <a:r>
               <a:rPr lang="sv-SE" dirty="0" smtClean="0"/>
+              <a:t>  for the </a:t>
+            </a:r>
+            <a:r>
+              <a:rPr lang="sv-SE" dirty="0" err="1" smtClean="0"/>
+              <a:t>background</a:t>
+            </a:r>
+            <a:r>
+              <a:rPr lang="sv-SE" dirty="0" smtClean="0"/>
+              <a:t>, </a:t>
+            </a:r>
+            <a:r>
+              <a:rPr lang="sv-SE" dirty="0" err="1" smtClean="0"/>
+              <a:t>described</a:t>
+            </a:r>
+            <a:r>
+              <a:rPr lang="sv-SE" dirty="0" smtClean="0"/>
+              <a:t> by Wood…</a:t>
+            </a:r>
+          </a:p>
+          <a:p>
+            <a:endParaRPr lang="sv-SE" dirty="0" smtClean="0"/>
+          </a:p>
+          <a:p>
+            <a:r>
+              <a:rPr lang="sv-SE" dirty="0" smtClean="0"/>
+              <a:t>First </a:t>
+            </a:r>
+            <a:r>
+              <a:rPr lang="sv-SE" dirty="0" err="1" smtClean="0"/>
+              <a:t>updates</a:t>
+            </a:r>
+            <a:r>
+              <a:rPr lang="sv-SE" dirty="0" smtClean="0"/>
+              <a:t> the </a:t>
+            </a:r>
+            <a:r>
+              <a:rPr lang="sv-SE" dirty="0" err="1" smtClean="0"/>
+              <a:t>model</a:t>
+            </a:r>
+            <a:r>
+              <a:rPr lang="sv-SE" dirty="0" smtClean="0"/>
+              <a:t>, </a:t>
+            </a:r>
+            <a:r>
+              <a:rPr lang="sv-SE" dirty="0" err="1" smtClean="0"/>
+              <a:t>using</a:t>
+            </a:r>
+            <a:r>
+              <a:rPr lang="sv-SE" dirty="0" smtClean="0"/>
+              <a:t> the </a:t>
+            </a:r>
+            <a:r>
+              <a:rPr lang="sv-SE" dirty="0" err="1" smtClean="0"/>
+              <a:t>incoming</a:t>
+            </a:r>
+            <a:r>
+              <a:rPr lang="sv-SE" dirty="0" smtClean="0"/>
+              <a:t> image, </a:t>
+            </a:r>
+            <a:r>
+              <a:rPr lang="sv-SE" dirty="0" err="1" smtClean="0"/>
+              <a:t>compares</a:t>
+            </a:r>
+            <a:r>
+              <a:rPr lang="sv-SE" dirty="0" smtClean="0"/>
+              <a:t> </a:t>
+            </a:r>
+            <a:r>
+              <a:rPr lang="sv-SE" dirty="0" err="1" smtClean="0"/>
+              <a:t>each</a:t>
+            </a:r>
+            <a:r>
+              <a:rPr lang="sv-SE" dirty="0" smtClean="0"/>
+              <a:t> pixel in the </a:t>
+            </a:r>
+            <a:r>
+              <a:rPr lang="sv-SE" dirty="0" err="1" smtClean="0"/>
+              <a:t>incoming</a:t>
+            </a:r>
+            <a:r>
+              <a:rPr lang="sv-SE" dirty="0" smtClean="0"/>
+              <a:t> image with the </a:t>
+            </a:r>
+            <a:r>
+              <a:rPr lang="sv-SE" dirty="0" err="1" smtClean="0"/>
+              <a:t>current</a:t>
+            </a:r>
+            <a:r>
+              <a:rPr lang="sv-SE" dirty="0" smtClean="0"/>
+              <a:t> </a:t>
+            </a:r>
+            <a:r>
+              <a:rPr lang="sv-SE" dirty="0" err="1" smtClean="0"/>
+              <a:t>model</a:t>
+            </a:r>
+            <a:r>
+              <a:rPr lang="sv-SE" dirty="0" smtClean="0"/>
+              <a:t>,.</a:t>
+            </a:r>
+            <a:endParaRPr lang="sv-SE" dirty="0"/>
+          </a:p>
+          <a:p>
+            <a:endParaRPr lang="sv-SE" dirty="0" smtClean="0"/>
+          </a:p>
+          <a:p>
+            <a:r>
+              <a:rPr lang="sv-SE" dirty="0" err="1" smtClean="0"/>
+              <a:t>Sufficently</a:t>
+            </a:r>
+            <a:r>
+              <a:rPr lang="sv-SE" dirty="0" smtClean="0"/>
+              <a:t> </a:t>
+            </a:r>
+            <a:r>
+              <a:rPr lang="sv-SE" dirty="0" err="1" smtClean="0"/>
+              <a:t>adaptable</a:t>
+            </a:r>
+            <a:r>
+              <a:rPr lang="sv-SE" dirty="0" smtClean="0"/>
+              <a:t> to </a:t>
+            </a:r>
+            <a:r>
+              <a:rPr lang="sv-SE" dirty="0" err="1" smtClean="0"/>
+              <a:t>handle</a:t>
+            </a:r>
+            <a:r>
+              <a:rPr lang="sv-SE" dirty="0" smtClean="0"/>
+              <a:t> simple </a:t>
+            </a:r>
+            <a:r>
+              <a:rPr lang="sv-SE" dirty="0" err="1" smtClean="0"/>
+              <a:t>outdoor</a:t>
+            </a:r>
+            <a:r>
+              <a:rPr lang="sv-SE" dirty="0" smtClean="0"/>
+              <a:t>  </a:t>
+            </a:r>
+            <a:r>
+              <a:rPr lang="sv-SE" dirty="0" err="1" smtClean="0"/>
+              <a:t>sequences</a:t>
+            </a:r>
+            <a:r>
+              <a:rPr lang="sv-SE" dirty="0" smtClean="0"/>
+              <a:t>.</a:t>
+            </a:r>
+            <a:endParaRPr lang="sv-SE" dirty="0"/>
+          </a:p>
+          <a:p>
+            <a:endParaRPr lang="sv-SE" dirty="0" smtClean="0"/>
+          </a:p>
+          <a:p>
+            <a:r>
+              <a:rPr lang="sv-SE" dirty="0" err="1" smtClean="0"/>
+              <a:t>Generates</a:t>
+            </a:r>
+            <a:r>
+              <a:rPr lang="sv-SE" dirty="0" smtClean="0"/>
+              <a:t> a </a:t>
+            </a:r>
+            <a:r>
+              <a:rPr lang="sv-SE" dirty="0" err="1" smtClean="0"/>
+              <a:t>most</a:t>
+            </a:r>
+            <a:r>
+              <a:rPr lang="sv-SE" dirty="0" smtClean="0"/>
+              <a:t> </a:t>
+            </a:r>
+            <a:r>
+              <a:rPr lang="sv-SE" dirty="0" err="1" smtClean="0"/>
+              <a:t>likely</a:t>
+            </a:r>
+            <a:r>
+              <a:rPr lang="sv-SE" dirty="0" smtClean="0"/>
+              <a:t> </a:t>
+            </a:r>
+            <a:r>
+              <a:rPr lang="sv-SE" dirty="0" err="1" smtClean="0"/>
+              <a:t>background</a:t>
+            </a:r>
+            <a:r>
+              <a:rPr lang="sv-SE" dirty="0" smtClean="0"/>
+              <a:t> image for the </a:t>
+            </a:r>
+            <a:r>
+              <a:rPr lang="sv-SE" dirty="0" err="1" smtClean="0"/>
+              <a:t>shadow</a:t>
+            </a:r>
+            <a:r>
+              <a:rPr lang="sv-SE" dirty="0" smtClean="0"/>
+              <a:t> removal to </a:t>
+            </a:r>
+            <a:r>
+              <a:rPr lang="sv-SE" dirty="0" err="1" smtClean="0"/>
+              <a:t>use</a:t>
+            </a:r>
+            <a:r>
+              <a:rPr lang="sv-SE" dirty="0" smtClean="0"/>
+              <a:t>.</a:t>
+            </a:r>
+            <a:endParaRPr lang="sv-SE" dirty="0"/>
+          </a:p>
+        </p:txBody>
+      </p:sp>
+      <p:sp>
+        <p:nvSpPr>
+          <p:cNvPr id="4" name="Slide Number Placeholder 3"/>
+          <p:cNvSpPr>
+            <a:spLocks noGrp="1"/>
+          </p:cNvSpPr>
+          <p:nvPr>
+            <p:ph type="sldNum" sz="quarter" idx="10"/>
+          </p:nvPr>
+        </p:nvSpPr>
+        <p:spPr/>
+        <p:txBody>
+          <a:bodyPr/>
+          <a:lstStyle/>
+          <a:p>
+            <a:fld id="{EE096677-960A-4D89-A544-37B88B173726}" type="slidenum">
+              <a:rPr lang="sv-SE" smtClean="0"/>
+              <a:t>5</a:t>
+            </a:fld>
+            <a:endParaRPr lang="sv-SE"/>
+          </a:p>
+        </p:txBody>
+      </p:sp>
+    </p:spTree>
+  </p:cSld>
+  <p:clrMapOvr>
+    <a:masterClrMapping/>
+  </p:clrMapOvr>
+</p:notes>
+</file>
+
+<file path=ppt/notesSlides/notesSlide6.xml><?xml version="1.0" encoding="utf-8"?>
+<p:notes xmlns:a="http://schemas.openxmlformats.org/drawingml/2006/main" xmlns:r="http://schemas.openxmlformats.org/officeDocument/2006/relationships" xmlns:p="http://schemas.openxmlformats.org/presentationml/2006/main">
+  <p:cSld>
+    <p:spTree>
+      <p:nvGrpSpPr>
+        <p:cNvPr id="1" name=""/>
+        <p:cNvGrpSpPr/>
+        <p:nvPr/>
+      </p:nvGrpSpPr>
+      <p:grpSpPr>
+        <a:xfrm>
+          <a:off x="0" y="0"/>
+          <a:ext cx="0" cy="0"/>
+          <a:chOff x="0" y="0"/>
+          <a:chExt cx="0" cy="0"/>
+        </a:xfrm>
+      </p:grpSpPr>
+      <p:sp>
+        <p:nvSpPr>
+          <p:cNvPr id="2" name="Slide Image Placeholder 1"/>
+          <p:cNvSpPr>
+            <a:spLocks noGrp="1" noRot="1" noChangeAspect="1"/>
+          </p:cNvSpPr>
+          <p:nvPr>
+            <p:ph type="sldImg"/>
+          </p:nvPr>
+        </p:nvSpPr>
+        <p:spPr/>
+      </p:sp>
+      <p:sp>
+        <p:nvSpPr>
+          <p:cNvPr id="3" name="Notes Placeholder 2"/>
+          <p:cNvSpPr>
+            <a:spLocks noGrp="1"/>
+          </p:cNvSpPr>
+          <p:nvPr>
+            <p:ph type="body" idx="1"/>
+          </p:nvPr>
+        </p:nvSpPr>
+        <p:spPr/>
+        <p:txBody>
+          <a:bodyPr>
+            <a:normAutofit/>
+          </a:bodyPr>
+          <a:lstStyle/>
+          <a:p>
+            <a:r>
+              <a:rPr lang="sv-SE" dirty="0" smtClean="0"/>
+              <a:t>The </a:t>
+            </a:r>
+            <a:r>
+              <a:rPr lang="sv-SE" dirty="0" err="1" smtClean="0"/>
+              <a:t>model</a:t>
+            </a:r>
+            <a:r>
+              <a:rPr lang="sv-SE" dirty="0" smtClean="0"/>
               <a:t> </a:t>
             </a:r>
             <a:r>
@@ -1243,10 +1553,133 @@
             </a:r>
           </a:p>
           <a:p>
-            <a:endParaRPr lang="sv-SE" smtClean="0"/>
-          </a:p>
-          <a:p>
-            <a:endParaRPr lang="sv-SE"/>
+            <a:r>
+              <a:rPr lang="sv-SE" dirty="0" smtClean="0"/>
+              <a:t>Handled later by the </a:t>
+            </a:r>
+            <a:r>
+              <a:rPr lang="sv-SE" dirty="0" err="1" smtClean="0"/>
+              <a:t>foreground</a:t>
+            </a:r>
+            <a:r>
+              <a:rPr lang="sv-SE" dirty="0" smtClean="0"/>
+              <a:t> </a:t>
+            </a:r>
+            <a:r>
+              <a:rPr lang="sv-SE" dirty="0" err="1" smtClean="0"/>
+              <a:t>segmentation</a:t>
+            </a:r>
+            <a:r>
+              <a:rPr lang="sv-SE" dirty="0" smtClean="0"/>
+              <a:t>.</a:t>
+            </a:r>
+          </a:p>
+          <a:p>
+            <a:endParaRPr lang="sv-SE" dirty="0"/>
+          </a:p>
+          <a:p>
+            <a:r>
+              <a:rPr lang="sv-SE" dirty="0" err="1" smtClean="0"/>
+              <a:t>Updating</a:t>
+            </a:r>
+            <a:r>
+              <a:rPr lang="sv-SE" dirty="0" smtClean="0"/>
+              <a:t> the </a:t>
+            </a:r>
+            <a:r>
+              <a:rPr lang="sv-SE" dirty="0" err="1" smtClean="0"/>
+              <a:t>background</a:t>
+            </a:r>
+            <a:r>
+              <a:rPr lang="sv-SE" dirty="0" smtClean="0"/>
+              <a:t> </a:t>
+            </a:r>
+            <a:r>
+              <a:rPr lang="sv-SE" dirty="0" err="1" smtClean="0"/>
+              <a:t>model</a:t>
+            </a:r>
+            <a:r>
+              <a:rPr lang="sv-SE" dirty="0" smtClean="0"/>
+              <a:t> is slow, so </a:t>
+            </a:r>
+            <a:r>
+              <a:rPr lang="sv-SE" dirty="0" err="1" smtClean="0"/>
+              <a:t>possibly</a:t>
+            </a:r>
+            <a:r>
+              <a:rPr lang="sv-SE" dirty="0" smtClean="0"/>
+              <a:t> </a:t>
+            </a:r>
+            <a:r>
+              <a:rPr lang="sv-SE" dirty="0" err="1" smtClean="0"/>
+              <a:t>avoid</a:t>
+            </a:r>
+            <a:r>
+              <a:rPr lang="sv-SE" dirty="0" smtClean="0"/>
+              <a:t> </a:t>
+            </a:r>
+            <a:r>
+              <a:rPr lang="sv-SE" dirty="0" err="1" smtClean="0"/>
+              <a:t>doing</a:t>
+            </a:r>
+            <a:r>
+              <a:rPr lang="sv-SE" dirty="0" smtClean="0"/>
+              <a:t> it </a:t>
+            </a:r>
+            <a:r>
+              <a:rPr lang="sv-SE" dirty="0" err="1" smtClean="0"/>
+              <a:t>every</a:t>
+            </a:r>
+            <a:r>
+              <a:rPr lang="sv-SE" dirty="0" smtClean="0"/>
+              <a:t> </a:t>
+            </a:r>
+            <a:r>
+              <a:rPr lang="sv-SE" dirty="0" err="1" smtClean="0"/>
+              <a:t>frame</a:t>
+            </a:r>
+            <a:r>
+              <a:rPr lang="sv-SE" dirty="0" smtClean="0"/>
+              <a:t>.</a:t>
+            </a:r>
+          </a:p>
+          <a:p>
+            <a:endParaRPr lang="sv-SE" dirty="0" smtClean="0"/>
+          </a:p>
+          <a:p>
+            <a:r>
+              <a:rPr lang="sv-SE" dirty="0" err="1" smtClean="0"/>
+              <a:t>Large</a:t>
+            </a:r>
+            <a:r>
+              <a:rPr lang="sv-SE" dirty="0" smtClean="0"/>
+              <a:t> </a:t>
+            </a:r>
+            <a:r>
+              <a:rPr lang="sv-SE" dirty="0" err="1" smtClean="0"/>
+              <a:t>number</a:t>
+            </a:r>
+            <a:r>
+              <a:rPr lang="sv-SE" dirty="0" smtClean="0"/>
+              <a:t> of </a:t>
+            </a:r>
+            <a:r>
+              <a:rPr lang="sv-SE" dirty="0" err="1" smtClean="0"/>
+              <a:t>paramaters</a:t>
+            </a:r>
+            <a:r>
+              <a:rPr lang="sv-SE" dirty="0" smtClean="0"/>
+              <a:t> to </a:t>
+            </a:r>
+            <a:r>
+              <a:rPr lang="sv-SE" dirty="0" err="1" smtClean="0"/>
+              <a:t>tune</a:t>
+            </a:r>
+            <a:r>
+              <a:rPr lang="sv-SE" dirty="0" smtClean="0"/>
+              <a:t>.</a:t>
+            </a:r>
+            <a:endParaRPr lang="sv-SE" dirty="0"/>
           </a:p>
         </p:txBody>
       </p:sp>
@@ -1268,6 +1701,87 @@
             <a:fld id="{EE096677-960A-4D89-A544-37B88B173726}" type="slidenum">
               <a:rPr lang="sv-SE" smtClean="0"/>
               <a:t>6</a:t>
+            </a:fld>
+            <a:endParaRPr lang="sv-SE"/>
+          </a:p>
+        </p:txBody>
+      </p:sp>
+    </p:spTree>
+  </p:cSld>
+  <p:clrMapOvr>
+    <a:masterClrMapping/>
+  </p:clrMapOvr>
+</p:notes>
+</file>
+
+<file path=ppt/notesSlides/notesSlide7.xml><?xml version="1.0" encoding="utf-8"?>
+<p:notes xmlns:a="http://schemas.openxmlformats.org/drawingml/2006/main" xmlns:r="http://schemas.openxmlformats.org/officeDocument/2006/relationships" xmlns:p="http://schemas.openxmlformats.org/presentationml/2006/main">
+  <p:cSld>
+    <p:spTree>
+      <p:nvGrpSpPr>
+        <p:cNvPr id="1" name=""/>
+        <p:cNvGrpSpPr/>
+        <p:nvPr/>
+      </p:nvGrpSpPr>
+      <p:grpSpPr>
+        <a:xfrm>
+          <a:off x="0" y="0"/>
+          <a:ext cx="0" cy="0"/>
+          <a:chOff x="0" y="0"/>
+          <a:chExt cx="0" cy="0"/>
+        </a:xfrm>
+      </p:grpSpPr>
+      <p:sp>
+        <p:nvSpPr>
+          <p:cNvPr id="2" name="Slide Image Placeholder 1"/>
+          <p:cNvSpPr>
+            <a:spLocks noGrp="1" noRot="1" noChangeAspect="1"/>
+          </p:cNvSpPr>
+          <p:nvPr>
+            <p:ph type="sldImg"/>
+          </p:nvPr>
+        </p:nvSpPr>
+        <p:spPr/>
+      </p:sp>
+      <p:sp>
+        <p:nvSpPr>
+          <p:cNvPr id="3" name="Notes Placeholder 2"/>
+          <p:cNvSpPr>
+            <a:spLocks noGrp="1"/>
+          </p:cNvSpPr>
+          <p:nvPr>
+            <p:ph type="body" idx="1"/>
+          </p:nvPr>
+        </p:nvSpPr>
+        <p:spPr/>
+        <p:txBody>
+          <a:bodyPr>
+            <a:normAutofit/>
+          </a:bodyPr>
+          <a:lstStyle/>
+          <a:p>
+            <a:endParaRPr lang="sv-SE"/>
+          </a:p>
+        </p:txBody>
+      </p:sp>
+      <p:sp>
+        <p:nvSpPr>
+          <p:cNvPr id="4" name="Slide Number Placeholder 3"/>
+          <p:cNvSpPr>
+            <a:spLocks noGrp="1"/>
+          </p:cNvSpPr>
+          <p:nvPr>
+            <p:ph type="sldNum" sz="quarter" idx="10"/>
+          </p:nvPr>
+        </p:nvSpPr>
+        <p:spPr/>
+        <p:txBody>
+          <a:bodyPr/>
+          <a:lstStyle/>
+          <a:p>
+            <a:fld id="{EE096677-960A-4D89-A544-37B88B173726}" type="slidenum">
+              <a:rPr lang="sv-SE" smtClean="0"/>
+              <a:t>7</a:t>
             </a:fld>
             <a:endParaRPr lang="sv-SE"/>
           </a:p>
@@ -5067,7 +5581,7 @@
           <p:nvPr/>
         </p:nvPicPr>
         <p:blipFill>
-          <a:blip r:embed="rId2" cstate="print">
+          <a:blip r:embed="rId3" cstate="print">
             <a:extLst>
               <a:ext uri="{28A0092B-C50C-407E-A947-70E740481C1C}">
                 <a14:useLocalDpi xmlns:a14="http://schemas.microsoft.com/office/drawing/2010/main" xmlns="" val="0"/>
@@ -6620,7 +7134,7 @@
           <p:nvPr/>
         </p:nvPicPr>
         <p:blipFill>
-          <a:blip r:embed="rId2" cstate="print"/>
+          <a:blip r:embed="rId3" cstate="print"/>
           <a:stretch>
             <a:fillRect/>
           </a:stretch>
@@ -7477,7 +7991,11 @@
           <a:p>
             <a:r>
               <a:rPr lang="en-US" dirty="0" smtClean="0"/>
-              <a:t>Generates a most likely background, with possibility for two backgrounds for each pixel.</a:t>
+              <a:t>Generates a most </a:t>
+            </a:r>
+            <a:r>
+              <a:rPr lang="en-US" smtClean="0"/>
+              <a:t>likely background.</a:t>
             </a:r>
             <a:endParaRPr lang="en-US" dirty="0" smtClean="0"/>
           </a:p>

--- a/Documentation/TSBB15prez.pptx
+++ b/Documentation/TSBB15prez.pptx
@@ -5,10 +5,10 @@
     <p:sldMasterId id="2147483684" r:id="rId1"/>
   </p:sldMasterIdLst>
   <p:notesMasterIdLst>
-    <p:notesMasterId r:id="rId23"/>
+    <p:notesMasterId r:id="rId25"/>
   </p:notesMasterIdLst>
   <p:handoutMasterIdLst>
-    <p:handoutMasterId r:id="rId24"/>
+    <p:handoutMasterId r:id="rId26"/>
   </p:handoutMasterIdLst>
   <p:sldIdLst>
     <p:sldId id="256" r:id="rId2"/>
@@ -25,13 +25,15 @@
     <p:sldId id="273" r:id="rId13"/>
     <p:sldId id="275" r:id="rId14"/>
     <p:sldId id="276" r:id="rId15"/>
-    <p:sldId id="277" r:id="rId16"/>
-    <p:sldId id="278" r:id="rId17"/>
-    <p:sldId id="279" r:id="rId18"/>
-    <p:sldId id="280" r:id="rId19"/>
-    <p:sldId id="261" r:id="rId20"/>
-    <p:sldId id="286" r:id="rId21"/>
-    <p:sldId id="258" r:id="rId22"/>
+    <p:sldId id="294" r:id="rId16"/>
+    <p:sldId id="293" r:id="rId17"/>
+    <p:sldId id="277" r:id="rId18"/>
+    <p:sldId id="278" r:id="rId19"/>
+    <p:sldId id="279" r:id="rId20"/>
+    <p:sldId id="280" r:id="rId21"/>
+    <p:sldId id="261" r:id="rId22"/>
+    <p:sldId id="286" r:id="rId23"/>
+    <p:sldId id="258" r:id="rId24"/>
   </p:sldIdLst>
   <p:sldSz cx="9144000" cy="6858000" type="screen4x3"/>
   <p:notesSz cx="6858000" cy="9144000"/>
@@ -132,7 +134,7 @@
   </p:defaultTextStyle>
   <p:extLst>
     <p:ext uri="{521415D9-36F7-43E2-AB2F-B90AF26B5E84}">
-      <p14:sectionLst xmlns:p14="http://schemas.microsoft.com/office/powerpoint/2010/main" xmlns="">
+      <p14:sectionLst xmlns:p14="http://schemas.microsoft.com/office/powerpoint/2010/main">
         <p14:section name="Default Section" id="{6B2E225A-503A-42C3-B852-21DEA826B244}">
           <p14:sldIdLst>
             <p14:sldId id="256"/>
@@ -149,6 +151,8 @@
             <p14:sldId id="273"/>
             <p14:sldId id="275"/>
             <p14:sldId id="276"/>
+            <p14:sldId id="294"/>
+            <p14:sldId id="293"/>
             <p14:sldId id="277"/>
             <p14:sldId id="278"/>
             <p14:sldId id="279"/>
@@ -323,7 +327,7 @@
     </p:spTree>
     <p:extLst>
       <p:ext uri="{BB962C8B-B14F-4D97-AF65-F5344CB8AC3E}">
-        <p14:creationId xmlns:p14="http://schemas.microsoft.com/office/powerpoint/2010/main" xmlns="" val="2752665355"/>
+        <p14:creationId xmlns:p14="http://schemas.microsoft.com/office/powerpoint/2010/main" val="2752665355"/>
       </p:ext>
     </p:extLst>
   </p:cSld>
@@ -581,6 +585,11 @@
         </p:txBody>
       </p:sp>
     </p:spTree>
+    <p:extLst>
+      <p:ext uri="{BB962C8B-B14F-4D97-AF65-F5344CB8AC3E}">
+        <p14:creationId xmlns:p14="http://schemas.microsoft.com/office/powerpoint/2010/main" val="2405052057"/>
+      </p:ext>
+    </p:extLst>
   </p:cSld>
   <p:clrMap bg1="lt1" tx1="dk1" bg2="lt2" tx2="dk2" accent1="accent1" accent2="accent2" accent3="accent3" accent4="accent4" accent5="accent5" accent6="accent6" hlink="hlink" folHlink="folHlink"/>
   <p:notesStyle>
@@ -1032,7 +1041,6 @@
               <a:rPr lang="sv-SE" dirty="0" smtClean="0"/>
               <a:t>.</a:t>
             </a:r>
-            <a:endParaRPr lang="sv-SE" dirty="0" smtClean="0"/>
           </a:p>
           <a:p>
             <a:endParaRPr lang="sv-SE" dirty="0"/>
@@ -5584,7 +5592,7 @@
           <a:blip r:embed="rId3" cstate="print">
             <a:extLst>
               <a:ext uri="{28A0092B-C50C-407E-A947-70E740481C1C}">
-                <a14:useLocalDpi xmlns:a14="http://schemas.microsoft.com/office/drawing/2010/main" xmlns="" val="0"/>
+                <a14:useLocalDpi xmlns:a14="http://schemas.microsoft.com/office/drawing/2010/main" val="0"/>
               </a:ext>
             </a:extLst>
           </a:blip>
@@ -5604,7 +5612,7 @@
           <a:noFill/>
           <a:extLst>
             <a:ext uri="{909E8E84-426E-40DD-AFC4-6F175D3DCCD1}">
-              <a14:hiddenFill xmlns:a14="http://schemas.microsoft.com/office/drawing/2010/main" xmlns="">
+              <a14:hiddenFill xmlns:a14="http://schemas.microsoft.com/office/drawing/2010/main">
                 <a:solidFill>
                   <a:srgbClr val="FFFFFF"/>
                 </a:solidFill>
@@ -5887,7 +5895,7 @@
     </p:spTree>
     <p:extLst>
       <p:ext uri="{BB962C8B-B14F-4D97-AF65-F5344CB8AC3E}">
-        <p14:creationId xmlns:p14="http://schemas.microsoft.com/office/powerpoint/2010/main" xmlns="" val="1676491376"/>
+        <p14:creationId xmlns:p14="http://schemas.microsoft.com/office/powerpoint/2010/main" val="1676491376"/>
       </p:ext>
     </p:extLst>
   </p:cSld>
@@ -6022,7 +6030,7 @@
           <a:blip r:embed="rId2" cstate="print">
             <a:extLst>
               <a:ext uri="{28A0092B-C50C-407E-A947-70E740481C1C}">
-                <a14:useLocalDpi xmlns:a14="http://schemas.microsoft.com/office/drawing/2010/main" xmlns="" val="0"/>
+                <a14:useLocalDpi xmlns:a14="http://schemas.microsoft.com/office/drawing/2010/main" val="0"/>
               </a:ext>
             </a:extLst>
           </a:blip>
@@ -6046,14 +6054,14 @@
           <a:effectLst/>
           <a:extLst>
             <a:ext uri="{909E8E84-426E-40DD-AFC4-6F175D3DCCD1}">
-              <a14:hiddenFill xmlns:a14="http://schemas.microsoft.com/office/drawing/2010/main" xmlns="">
+              <a14:hiddenFill xmlns:a14="http://schemas.microsoft.com/office/drawing/2010/main">
                 <a:solidFill>
                   <a:schemeClr val="accent1"/>
                 </a:solidFill>
               </a14:hiddenFill>
             </a:ext>
             <a:ext uri="{91240B29-F687-4F45-9708-019B960494DF}">
-              <a14:hiddenLine xmlns:a14="http://schemas.microsoft.com/office/drawing/2010/main" xmlns="" w="9525">
+              <a14:hiddenLine xmlns:a14="http://schemas.microsoft.com/office/drawing/2010/main" w="9525">
                 <a:solidFill>
                   <a:schemeClr val="tx1"/>
                 </a:solidFill>
@@ -6063,7 +6071,7 @@
               </a14:hiddenLine>
             </a:ext>
             <a:ext uri="{AF507438-7753-43E0-B8FC-AC1667EBCBE1}">
-              <a14:hiddenEffects xmlns:a14="http://schemas.microsoft.com/office/drawing/2010/main" xmlns="">
+              <a14:hiddenEffects xmlns:a14="http://schemas.microsoft.com/office/drawing/2010/main">
                 <a:effectLst>
                   <a:outerShdw dist="35921" dir="2700000" algn="ctr" rotWithShape="0">
                     <a:schemeClr val="bg2"/>
@@ -6131,7 +6139,7 @@
       </p:sp>
       <p:sp>
         <p:nvSpPr>
-          <p:cNvPr id="3" name="Content Placeholder 2"/>
+          <p:cNvPr id="5" name="Content Placeholder 2"/>
           <p:cNvSpPr>
             <a:spLocks noGrp="1"/>
           </p:cNvSpPr>
@@ -6139,16 +6147,76 @@
             <p:ph idx="1"/>
           </p:nvPr>
         </p:nvSpPr>
-        <p:spPr/>
-        <p:txBody>
-          <a:bodyPr/>
-          <a:lstStyle/>
-          <a:p>
-            <a:r>
-              <a:rPr lang="sv-SE" dirty="0" smtClean="0"/>
-              <a:t>Han har en stor kod, lång kraftig och tung...</a:t>
-            </a:r>
-            <a:endParaRPr lang="sv-SE" dirty="0"/>
+        <p:spPr>
+          <a:xfrm>
+            <a:off x="457200" y="1775191"/>
+            <a:ext cx="8229600" cy="4625609"/>
+          </a:xfrm>
+        </p:spPr>
+        <p:txBody>
+          <a:bodyPr>
+            <a:normAutofit/>
+          </a:bodyPr>
+          <a:lstStyle/>
+          <a:p>
+            <a:r>
+              <a:rPr lang="en-US" dirty="0" smtClean="0"/>
+              <a:t>Objectives</a:t>
+            </a:r>
+            <a:endParaRPr lang="en-US" dirty="0" smtClean="0"/>
+          </a:p>
+          <a:p>
+            <a:pPr lvl="1"/>
+            <a:r>
+              <a:rPr lang="en-US" dirty="0" smtClean="0"/>
+              <a:t>Assign unique ID’s to new objects</a:t>
+            </a:r>
+          </a:p>
+          <a:p>
+            <a:pPr lvl="1"/>
+            <a:r>
+              <a:rPr lang="en-US" dirty="0" smtClean="0"/>
+              <a:t>Judge if an object is new or not</a:t>
+            </a:r>
+          </a:p>
+          <a:p>
+            <a:pPr lvl="1"/>
+            <a:r>
+              <a:rPr lang="en-US" dirty="0" smtClean="0"/>
+              <a:t>Handle occlusion</a:t>
+            </a:r>
+          </a:p>
+          <a:p>
+            <a:pPr lvl="2"/>
+            <a:r>
+              <a:rPr lang="en-US" dirty="0" smtClean="0"/>
+              <a:t>Objects &lt;-&gt; Objects</a:t>
+            </a:r>
+          </a:p>
+          <a:p>
+            <a:pPr lvl="2"/>
+            <a:r>
+              <a:rPr lang="en-US" dirty="0" smtClean="0"/>
+              <a:t>Objects &lt;-&gt; Background</a:t>
+            </a:r>
+          </a:p>
+          <a:p>
+            <a:pPr lvl="1"/>
+            <a:r>
+              <a:rPr lang="en-US" dirty="0" smtClean="0"/>
+              <a:t>Forget objects that leav</a:t>
+            </a:r>
+            <a:r>
+              <a:rPr lang="en-US" dirty="0" smtClean="0"/>
+              <a:t>e the screen</a:t>
+            </a:r>
+            <a:endParaRPr lang="en-US" dirty="0" smtClean="0"/>
+          </a:p>
+          <a:p>
+            <a:endParaRPr lang="en-US" dirty="0" smtClean="0"/>
+          </a:p>
+          <a:p>
+            <a:endParaRPr lang="en-US" dirty="0"/>
           </a:p>
         </p:txBody>
       </p:sp>
@@ -6186,6 +6254,135 @@
       </p:grpSpPr>
       <p:sp>
         <p:nvSpPr>
+          <p:cNvPr id="24" name="Rectangle 23"/>
+          <p:cNvSpPr/>
+          <p:nvPr/>
+        </p:nvSpPr>
+        <p:spPr>
+          <a:xfrm>
+            <a:off x="7514193" y="3997151"/>
+            <a:ext cx="770996" cy="818744"/>
+          </a:xfrm>
+          <a:prstGeom prst="rect">
+            <a:avLst/>
+          </a:prstGeom>
+          <a:gradFill flip="none" rotWithShape="1">
+            <a:gsLst>
+              <a:gs pos="0">
+                <a:schemeClr val="accent1">
+                  <a:lumMod val="75000"/>
+                </a:schemeClr>
+              </a:gs>
+              <a:gs pos="100000">
+                <a:schemeClr val="bg2">
+                  <a:lumMod val="50000"/>
+                </a:schemeClr>
+              </a:gs>
+            </a:gsLst>
+            <a:lin ang="8100000" scaled="1"/>
+            <a:tileRect/>
+          </a:gradFill>
+          <a:ln w="19050" cmpd="sng">
+            <a:solidFill>
+              <a:schemeClr val="accent1">
+                <a:lumMod val="60000"/>
+                <a:lumOff val="40000"/>
+              </a:schemeClr>
+            </a:solidFill>
+            <a:prstDash val="solid"/>
+          </a:ln>
+        </p:spPr>
+        <p:style>
+          <a:lnRef idx="2">
+            <a:schemeClr val="accent1">
+              <a:shade val="50000"/>
+            </a:schemeClr>
+          </a:lnRef>
+          <a:fillRef idx="1">
+            <a:schemeClr val="accent1"/>
+          </a:fillRef>
+          <a:effectRef idx="0">
+            <a:schemeClr val="accent1"/>
+          </a:effectRef>
+          <a:fontRef idx="minor">
+            <a:schemeClr val="lt1"/>
+          </a:fontRef>
+        </p:style>
+        <p:txBody>
+          <a:bodyPr rtlCol="0" anchor="ctr"/>
+          <a:lstStyle/>
+          <a:p>
+            <a:pPr algn="ctr"/>
+            <a:endParaRPr lang="sv-SE"/>
+          </a:p>
+        </p:txBody>
+      </p:sp>
+      <p:sp>
+        <p:nvSpPr>
+          <p:cNvPr id="11" name="Rectangle 10"/>
+          <p:cNvSpPr/>
+          <p:nvPr/>
+        </p:nvSpPr>
+        <p:spPr>
+          <a:xfrm>
+            <a:off x="3250250" y="2329085"/>
+            <a:ext cx="439209" cy="687788"/>
+          </a:xfrm>
+          <a:prstGeom prst="rect">
+            <a:avLst/>
+          </a:prstGeom>
+          <a:gradFill flip="none" rotWithShape="1">
+            <a:gsLst>
+              <a:gs pos="0">
+                <a:schemeClr val="accent1">
+                  <a:lumMod val="75000"/>
+                </a:schemeClr>
+              </a:gs>
+              <a:gs pos="100000">
+                <a:schemeClr val="bg2">
+                  <a:lumMod val="50000"/>
+                </a:schemeClr>
+              </a:gs>
+            </a:gsLst>
+            <a:lin ang="8100000" scaled="1"/>
+            <a:tileRect/>
+          </a:gradFill>
+          <a:ln w="19050" cmpd="sng">
+            <a:solidFill>
+              <a:schemeClr val="accent1">
+                <a:lumMod val="60000"/>
+                <a:lumOff val="40000"/>
+              </a:schemeClr>
+            </a:solidFill>
+          </a:ln>
+        </p:spPr>
+        <p:style>
+          <a:lnRef idx="2">
+            <a:schemeClr val="accent1">
+              <a:shade val="50000"/>
+            </a:schemeClr>
+          </a:lnRef>
+          <a:fillRef idx="1">
+            <a:schemeClr val="accent1"/>
+          </a:fillRef>
+          <a:effectRef idx="0">
+            <a:schemeClr val="accent1"/>
+          </a:effectRef>
+          <a:fontRef idx="minor">
+            <a:schemeClr val="lt1"/>
+          </a:fontRef>
+        </p:style>
+        <p:txBody>
+          <a:bodyPr rtlCol="0" anchor="ctr"/>
+          <a:lstStyle/>
+          <a:p>
+            <a:pPr algn="ctr"/>
+            <a:endParaRPr lang="sv-SE"/>
+          </a:p>
+        </p:txBody>
+      </p:sp>
+      <p:sp>
+        <p:nvSpPr>
           <p:cNvPr id="2" name="Title 1"/>
           <p:cNvSpPr>
             <a:spLocks noGrp="1"/>
@@ -6201,7 +6398,7 @@
           <a:p>
             <a:r>
               <a:rPr lang="en-US" dirty="0" smtClean="0"/>
-              <a:t>Identification</a:t>
+              <a:t>Occlusion handling</a:t>
             </a:r>
             <a:endParaRPr lang="en-US" dirty="0"/>
           </a:p>
@@ -6209,24 +6406,2964 @@
       </p:sp>
       <p:sp>
         <p:nvSpPr>
-          <p:cNvPr id="3" name="Content Placeholder 2"/>
-          <p:cNvSpPr>
-            <a:spLocks noGrp="1"/>
-          </p:cNvSpPr>
-          <p:nvPr>
-            <p:ph idx="1"/>
-          </p:nvPr>
-        </p:nvSpPr>
-        <p:spPr/>
-        <p:txBody>
-          <a:bodyPr/>
-          <a:lstStyle/>
-          <a:p>
+          <p:cNvPr id="5" name="Rectangle 4"/>
+          <p:cNvSpPr/>
+          <p:nvPr/>
+        </p:nvSpPr>
+        <p:spPr>
+          <a:xfrm>
+            <a:off x="609600" y="2206699"/>
+            <a:ext cx="3429000" cy="1149331"/>
+          </a:xfrm>
+          <a:prstGeom prst="rect">
+            <a:avLst/>
+          </a:prstGeom>
+          <a:noFill/>
+          <a:ln w="25400" cmpd="sng">
+            <a:solidFill>
+              <a:schemeClr val="accent1">
+                <a:lumMod val="60000"/>
+                <a:lumOff val="40000"/>
+              </a:schemeClr>
+            </a:solidFill>
+          </a:ln>
+        </p:spPr>
+        <p:style>
+          <a:lnRef idx="2">
+            <a:schemeClr val="accent1">
+              <a:shade val="50000"/>
+            </a:schemeClr>
+          </a:lnRef>
+          <a:fillRef idx="1">
+            <a:schemeClr val="accent1"/>
+          </a:fillRef>
+          <a:effectRef idx="0">
+            <a:schemeClr val="accent1"/>
+          </a:effectRef>
+          <a:fontRef idx="minor">
+            <a:schemeClr val="lt1"/>
+          </a:fontRef>
+        </p:style>
+        <p:txBody>
+          <a:bodyPr rtlCol="0" anchor="ctr"/>
+          <a:lstStyle/>
+          <a:p>
+            <a:pPr algn="ctr"/>
+            <a:endParaRPr lang="sv-SE"/>
+          </a:p>
+        </p:txBody>
+      </p:sp>
+      <p:sp>
+        <p:nvSpPr>
+          <p:cNvPr id="6" name="Rectangle 5"/>
+          <p:cNvSpPr/>
+          <p:nvPr/>
+        </p:nvSpPr>
+        <p:spPr>
+          <a:xfrm>
+            <a:off x="663197" y="2257296"/>
+            <a:ext cx="1346906" cy="1053546"/>
+          </a:xfrm>
+          <a:prstGeom prst="rect">
+            <a:avLst/>
+          </a:prstGeom>
+          <a:noFill/>
+          <a:ln w="25400" cmpd="sng">
+            <a:solidFill>
+              <a:schemeClr val="accent1">
+                <a:lumMod val="60000"/>
+                <a:lumOff val="40000"/>
+              </a:schemeClr>
+            </a:solidFill>
+          </a:ln>
+        </p:spPr>
+        <p:style>
+          <a:lnRef idx="2">
+            <a:schemeClr val="accent1">
+              <a:shade val="50000"/>
+            </a:schemeClr>
+          </a:lnRef>
+          <a:fillRef idx="1">
+            <a:schemeClr val="accent1"/>
+          </a:fillRef>
+          <a:effectRef idx="0">
+            <a:schemeClr val="accent1"/>
+          </a:effectRef>
+          <a:fontRef idx="minor">
+            <a:schemeClr val="lt1"/>
+          </a:fontRef>
+        </p:style>
+        <p:txBody>
+          <a:bodyPr rtlCol="0" anchor="ctr"/>
+          <a:lstStyle/>
+          <a:p>
+            <a:pPr algn="ctr"/>
+            <a:endParaRPr lang="sv-SE"/>
+          </a:p>
+        </p:txBody>
+      </p:sp>
+      <p:sp>
+        <p:nvSpPr>
+          <p:cNvPr id="7" name="Rectangle 6"/>
+          <p:cNvSpPr/>
+          <p:nvPr/>
+        </p:nvSpPr>
+        <p:spPr>
+          <a:xfrm>
+            <a:off x="2632586" y="2257296"/>
+            <a:ext cx="1346906" cy="1053546"/>
+          </a:xfrm>
+          <a:prstGeom prst="rect">
+            <a:avLst/>
+          </a:prstGeom>
+          <a:noFill/>
+          <a:ln w="25400" cmpd="sng">
+            <a:solidFill>
+              <a:schemeClr val="accent1">
+                <a:lumMod val="60000"/>
+                <a:lumOff val="40000"/>
+              </a:schemeClr>
+            </a:solidFill>
+          </a:ln>
+        </p:spPr>
+        <p:style>
+          <a:lnRef idx="2">
+            <a:schemeClr val="accent1">
+              <a:shade val="50000"/>
+            </a:schemeClr>
+          </a:lnRef>
+          <a:fillRef idx="1">
+            <a:schemeClr val="accent1"/>
+          </a:fillRef>
+          <a:effectRef idx="0">
+            <a:schemeClr val="accent1"/>
+          </a:effectRef>
+          <a:fontRef idx="minor">
+            <a:schemeClr val="lt1"/>
+          </a:fontRef>
+        </p:style>
+        <p:txBody>
+          <a:bodyPr rtlCol="0" anchor="ctr"/>
+          <a:lstStyle/>
+          <a:p>
+            <a:pPr algn="ctr"/>
+            <a:endParaRPr lang="sv-SE"/>
+          </a:p>
+        </p:txBody>
+      </p:sp>
+      <p:sp>
+        <p:nvSpPr>
+          <p:cNvPr id="8" name="Right Arrow 7"/>
+          <p:cNvSpPr/>
+          <p:nvPr/>
+        </p:nvSpPr>
+        <p:spPr>
+          <a:xfrm>
+            <a:off x="2158823" y="2614975"/>
+            <a:ext cx="330553" cy="229032"/>
+          </a:xfrm>
+          <a:prstGeom prst="rightArrow">
+            <a:avLst/>
+          </a:prstGeom>
+          <a:solidFill>
+            <a:schemeClr val="accent1">
+              <a:lumMod val="60000"/>
+              <a:lumOff val="40000"/>
+            </a:schemeClr>
+          </a:solidFill>
+          <a:ln w="25400" cmpd="sng">
+            <a:solidFill>
+              <a:schemeClr val="accent1">
+                <a:lumMod val="60000"/>
+                <a:lumOff val="40000"/>
+              </a:schemeClr>
+            </a:solidFill>
+          </a:ln>
+        </p:spPr>
+        <p:style>
+          <a:lnRef idx="2">
+            <a:schemeClr val="accent1">
+              <a:shade val="50000"/>
+            </a:schemeClr>
+          </a:lnRef>
+          <a:fillRef idx="1">
+            <a:schemeClr val="accent1"/>
+          </a:fillRef>
+          <a:effectRef idx="0">
+            <a:schemeClr val="accent1"/>
+          </a:effectRef>
+          <a:fontRef idx="minor">
+            <a:schemeClr val="lt1"/>
+          </a:fontRef>
+        </p:style>
+        <p:txBody>
+          <a:bodyPr rtlCol="0" anchor="ctr"/>
+          <a:lstStyle/>
+          <a:p>
+            <a:pPr algn="ctr"/>
+            <a:endParaRPr lang="sv-SE"/>
+          </a:p>
+        </p:txBody>
+      </p:sp>
+      <p:sp>
+        <p:nvSpPr>
+          <p:cNvPr id="9" name="Rectangle 8"/>
+          <p:cNvSpPr/>
+          <p:nvPr/>
+        </p:nvSpPr>
+        <p:spPr>
+          <a:xfrm>
+            <a:off x="937129" y="2531401"/>
+            <a:ext cx="439209" cy="687788"/>
+          </a:xfrm>
+          <a:prstGeom prst="rect">
+            <a:avLst/>
+          </a:prstGeom>
+          <a:gradFill flip="none" rotWithShape="1">
+            <a:gsLst>
+              <a:gs pos="0">
+                <a:schemeClr val="accent1">
+                  <a:lumMod val="75000"/>
+                </a:schemeClr>
+              </a:gs>
+              <a:gs pos="100000">
+                <a:schemeClr val="bg2">
+                  <a:lumMod val="50000"/>
+                </a:schemeClr>
+              </a:gs>
+            </a:gsLst>
+            <a:lin ang="8100000" scaled="1"/>
+            <a:tileRect/>
+          </a:gradFill>
+          <a:ln w="19050" cmpd="sng">
+            <a:solidFill>
+              <a:schemeClr val="accent1">
+                <a:lumMod val="60000"/>
+                <a:lumOff val="40000"/>
+              </a:schemeClr>
+            </a:solidFill>
+          </a:ln>
+        </p:spPr>
+        <p:style>
+          <a:lnRef idx="2">
+            <a:schemeClr val="accent1">
+              <a:shade val="50000"/>
+            </a:schemeClr>
+          </a:lnRef>
+          <a:fillRef idx="1">
+            <a:schemeClr val="accent1"/>
+          </a:fillRef>
+          <a:effectRef idx="0">
+            <a:schemeClr val="accent1"/>
+          </a:effectRef>
+          <a:fontRef idx="minor">
+            <a:schemeClr val="lt1"/>
+          </a:fontRef>
+        </p:style>
+        <p:txBody>
+          <a:bodyPr rtlCol="0" anchor="ctr"/>
+          <a:lstStyle/>
+          <a:p>
+            <a:pPr algn="ctr"/>
+            <a:endParaRPr lang="sv-SE"/>
+          </a:p>
+        </p:txBody>
+      </p:sp>
+      <p:sp>
+        <p:nvSpPr>
+          <p:cNvPr id="10" name="Rectangle 9"/>
+          <p:cNvSpPr/>
+          <p:nvPr/>
+        </p:nvSpPr>
+        <p:spPr>
+          <a:xfrm>
+            <a:off x="1187601" y="2329085"/>
+            <a:ext cx="439209" cy="687788"/>
+          </a:xfrm>
+          <a:prstGeom prst="rect">
+            <a:avLst/>
+          </a:prstGeom>
+          <a:noFill/>
+          <a:ln w="19050" cmpd="sng">
+            <a:solidFill>
+              <a:schemeClr val="accent1">
+                <a:lumMod val="60000"/>
+                <a:lumOff val="40000"/>
+              </a:schemeClr>
+            </a:solidFill>
+            <a:prstDash val="sysDash"/>
+          </a:ln>
+        </p:spPr>
+        <p:style>
+          <a:lnRef idx="2">
+            <a:schemeClr val="accent1">
+              <a:shade val="50000"/>
+            </a:schemeClr>
+          </a:lnRef>
+          <a:fillRef idx="1">
+            <a:schemeClr val="accent1"/>
+          </a:fillRef>
+          <a:effectRef idx="0">
+            <a:schemeClr val="accent1"/>
+          </a:effectRef>
+          <a:fontRef idx="minor">
+            <a:schemeClr val="lt1"/>
+          </a:fontRef>
+        </p:style>
+        <p:txBody>
+          <a:bodyPr rtlCol="0" anchor="ctr"/>
+          <a:lstStyle/>
+          <a:p>
+            <a:pPr algn="ctr"/>
+            <a:endParaRPr lang="sv-SE"/>
+          </a:p>
+        </p:txBody>
+      </p:sp>
+      <p:sp>
+        <p:nvSpPr>
+          <p:cNvPr id="12" name="Rectangle 11"/>
+          <p:cNvSpPr/>
+          <p:nvPr/>
+        </p:nvSpPr>
+        <p:spPr>
+          <a:xfrm>
+            <a:off x="3030645" y="2531401"/>
+            <a:ext cx="439209" cy="687788"/>
+          </a:xfrm>
+          <a:prstGeom prst="rect">
+            <a:avLst/>
+          </a:prstGeom>
+          <a:noFill/>
+          <a:ln w="19050" cmpd="sng">
+            <a:solidFill>
+              <a:schemeClr val="accent1">
+                <a:lumMod val="60000"/>
+                <a:lumOff val="40000"/>
+              </a:schemeClr>
+            </a:solidFill>
+            <a:prstDash val="sysDash"/>
+          </a:ln>
+        </p:spPr>
+        <p:style>
+          <a:lnRef idx="2">
+            <a:schemeClr val="accent1">
+              <a:shade val="50000"/>
+            </a:schemeClr>
+          </a:lnRef>
+          <a:fillRef idx="1">
+            <a:schemeClr val="accent1"/>
+          </a:fillRef>
+          <a:effectRef idx="0">
+            <a:schemeClr val="accent1"/>
+          </a:effectRef>
+          <a:fontRef idx="minor">
+            <a:schemeClr val="lt1"/>
+          </a:fontRef>
+        </p:style>
+        <p:txBody>
+          <a:bodyPr rtlCol="0" anchor="ctr"/>
+          <a:lstStyle/>
+          <a:p>
+            <a:pPr algn="ctr"/>
+            <a:endParaRPr lang="sv-SE"/>
+          </a:p>
+        </p:txBody>
+      </p:sp>
+      <p:sp>
+        <p:nvSpPr>
+          <p:cNvPr id="14" name="Rectangle 13"/>
+          <p:cNvSpPr/>
+          <p:nvPr/>
+        </p:nvSpPr>
+        <p:spPr>
+          <a:xfrm>
+            <a:off x="5211364" y="3857641"/>
+            <a:ext cx="3429000" cy="1149331"/>
+          </a:xfrm>
+          <a:prstGeom prst="rect">
+            <a:avLst/>
+          </a:prstGeom>
+          <a:noFill/>
+          <a:ln w="25400" cmpd="sng">
+            <a:solidFill>
+              <a:schemeClr val="accent1">
+                <a:lumMod val="60000"/>
+                <a:lumOff val="40000"/>
+              </a:schemeClr>
+            </a:solidFill>
+          </a:ln>
+        </p:spPr>
+        <p:style>
+          <a:lnRef idx="2">
+            <a:schemeClr val="accent1">
+              <a:shade val="50000"/>
+            </a:schemeClr>
+          </a:lnRef>
+          <a:fillRef idx="1">
+            <a:schemeClr val="accent1"/>
+          </a:fillRef>
+          <a:effectRef idx="0">
+            <a:schemeClr val="accent1"/>
+          </a:effectRef>
+          <a:fontRef idx="minor">
+            <a:schemeClr val="lt1"/>
+          </a:fontRef>
+        </p:style>
+        <p:txBody>
+          <a:bodyPr rtlCol="0" anchor="ctr"/>
+          <a:lstStyle/>
+          <a:p>
+            <a:pPr algn="ctr"/>
+            <a:endParaRPr lang="sv-SE"/>
+          </a:p>
+        </p:txBody>
+      </p:sp>
+      <p:sp>
+        <p:nvSpPr>
+          <p:cNvPr id="15" name="Rectangle 14"/>
+          <p:cNvSpPr/>
+          <p:nvPr/>
+        </p:nvSpPr>
+        <p:spPr>
+          <a:xfrm>
+            <a:off x="5261926" y="3908238"/>
+            <a:ext cx="1346906" cy="1053546"/>
+          </a:xfrm>
+          <a:prstGeom prst="rect">
+            <a:avLst/>
+          </a:prstGeom>
+          <a:noFill/>
+          <a:ln w="25400" cmpd="sng">
+            <a:solidFill>
+              <a:schemeClr val="accent1">
+                <a:lumMod val="60000"/>
+                <a:lumOff val="40000"/>
+              </a:schemeClr>
+            </a:solidFill>
+          </a:ln>
+        </p:spPr>
+        <p:style>
+          <a:lnRef idx="2">
+            <a:schemeClr val="accent1">
+              <a:shade val="50000"/>
+            </a:schemeClr>
+          </a:lnRef>
+          <a:fillRef idx="1">
+            <a:schemeClr val="accent1"/>
+          </a:fillRef>
+          <a:effectRef idx="0">
+            <a:schemeClr val="accent1"/>
+          </a:effectRef>
+          <a:fontRef idx="minor">
+            <a:schemeClr val="lt1"/>
+          </a:fontRef>
+        </p:style>
+        <p:txBody>
+          <a:bodyPr rtlCol="0" anchor="ctr"/>
+          <a:lstStyle/>
+          <a:p>
+            <a:pPr algn="ctr"/>
+            <a:endParaRPr lang="sv-SE"/>
+          </a:p>
+        </p:txBody>
+      </p:sp>
+      <p:sp>
+        <p:nvSpPr>
+          <p:cNvPr id="16" name="Rectangle 15"/>
+          <p:cNvSpPr/>
+          <p:nvPr/>
+        </p:nvSpPr>
+        <p:spPr>
+          <a:xfrm>
+            <a:off x="7251442" y="3908238"/>
+            <a:ext cx="1346906" cy="1053546"/>
+          </a:xfrm>
+          <a:prstGeom prst="rect">
+            <a:avLst/>
+          </a:prstGeom>
+          <a:noFill/>
+          <a:ln w="25400" cmpd="sng">
+            <a:solidFill>
+              <a:schemeClr val="accent1">
+                <a:lumMod val="60000"/>
+                <a:lumOff val="40000"/>
+              </a:schemeClr>
+            </a:solidFill>
+          </a:ln>
+        </p:spPr>
+        <p:style>
+          <a:lnRef idx="2">
+            <a:schemeClr val="accent1">
+              <a:shade val="50000"/>
+            </a:schemeClr>
+          </a:lnRef>
+          <a:fillRef idx="1">
+            <a:schemeClr val="accent1"/>
+          </a:fillRef>
+          <a:effectRef idx="0">
+            <a:schemeClr val="accent1"/>
+          </a:effectRef>
+          <a:fontRef idx="minor">
+            <a:schemeClr val="lt1"/>
+          </a:fontRef>
+        </p:style>
+        <p:txBody>
+          <a:bodyPr rtlCol="0" anchor="ctr"/>
+          <a:lstStyle/>
+          <a:p>
+            <a:pPr algn="ctr"/>
+            <a:endParaRPr lang="sv-SE"/>
+          </a:p>
+        </p:txBody>
+      </p:sp>
+      <p:sp>
+        <p:nvSpPr>
+          <p:cNvPr id="17" name="Right Arrow 16"/>
+          <p:cNvSpPr/>
+          <p:nvPr/>
+        </p:nvSpPr>
+        <p:spPr>
+          <a:xfrm>
+            <a:off x="6760587" y="4265917"/>
+            <a:ext cx="330553" cy="229032"/>
+          </a:xfrm>
+          <a:prstGeom prst="rightArrow">
+            <a:avLst/>
+          </a:prstGeom>
+          <a:solidFill>
+            <a:schemeClr val="accent1">
+              <a:lumMod val="60000"/>
+              <a:lumOff val="40000"/>
+            </a:schemeClr>
+          </a:solidFill>
+          <a:ln w="25400" cmpd="sng">
+            <a:solidFill>
+              <a:schemeClr val="accent1">
+                <a:lumMod val="60000"/>
+                <a:lumOff val="40000"/>
+              </a:schemeClr>
+            </a:solidFill>
+          </a:ln>
+        </p:spPr>
+        <p:style>
+          <a:lnRef idx="2">
+            <a:schemeClr val="accent1">
+              <a:shade val="50000"/>
+            </a:schemeClr>
+          </a:lnRef>
+          <a:fillRef idx="1">
+            <a:schemeClr val="accent1"/>
+          </a:fillRef>
+          <a:effectRef idx="0">
+            <a:schemeClr val="accent1"/>
+          </a:effectRef>
+          <a:fontRef idx="minor">
+            <a:schemeClr val="lt1"/>
+          </a:fontRef>
+        </p:style>
+        <p:txBody>
+          <a:bodyPr rtlCol="0" anchor="ctr"/>
+          <a:lstStyle/>
+          <a:p>
+            <a:pPr algn="ctr"/>
+            <a:endParaRPr lang="sv-SE"/>
+          </a:p>
+        </p:txBody>
+      </p:sp>
+      <p:sp>
+        <p:nvSpPr>
+          <p:cNvPr id="18" name="Rectangle 17"/>
+          <p:cNvSpPr/>
+          <p:nvPr/>
+        </p:nvSpPr>
+        <p:spPr>
+          <a:xfrm>
+            <a:off x="5489065" y="4182343"/>
+            <a:ext cx="439209" cy="687788"/>
+          </a:xfrm>
+          <a:prstGeom prst="rect">
+            <a:avLst/>
+          </a:prstGeom>
+          <a:gradFill flip="none" rotWithShape="1">
+            <a:gsLst>
+              <a:gs pos="0">
+                <a:schemeClr val="accent1">
+                  <a:lumMod val="75000"/>
+                </a:schemeClr>
+              </a:gs>
+              <a:gs pos="100000">
+                <a:schemeClr val="bg2">
+                  <a:lumMod val="50000"/>
+                </a:schemeClr>
+              </a:gs>
+            </a:gsLst>
+            <a:lin ang="8100000" scaled="1"/>
+            <a:tileRect/>
+          </a:gradFill>
+          <a:ln w="19050" cmpd="sng">
+            <a:solidFill>
+              <a:schemeClr val="accent1">
+                <a:lumMod val="60000"/>
+                <a:lumOff val="40000"/>
+              </a:schemeClr>
+            </a:solidFill>
+          </a:ln>
+        </p:spPr>
+        <p:style>
+          <a:lnRef idx="2">
+            <a:schemeClr val="accent1">
+              <a:shade val="50000"/>
+            </a:schemeClr>
+          </a:lnRef>
+          <a:fillRef idx="1">
+            <a:schemeClr val="accent1"/>
+          </a:fillRef>
+          <a:effectRef idx="0">
+            <a:schemeClr val="accent1"/>
+          </a:effectRef>
+          <a:fontRef idx="minor">
+            <a:schemeClr val="lt1"/>
+          </a:fontRef>
+        </p:style>
+        <p:txBody>
+          <a:bodyPr rtlCol="0" anchor="ctr"/>
+          <a:lstStyle/>
+          <a:p>
+            <a:pPr algn="ctr"/>
+            <a:endParaRPr lang="sv-SE"/>
+          </a:p>
+        </p:txBody>
+      </p:sp>
+      <p:sp>
+        <p:nvSpPr>
+          <p:cNvPr id="21" name="Rectangle 20"/>
+          <p:cNvSpPr/>
+          <p:nvPr/>
+        </p:nvSpPr>
+        <p:spPr>
+          <a:xfrm>
+            <a:off x="6055936" y="3980027"/>
+            <a:ext cx="452701" cy="687788"/>
+          </a:xfrm>
+          <a:prstGeom prst="rect">
+            <a:avLst/>
+          </a:prstGeom>
+          <a:gradFill flip="none" rotWithShape="1">
+            <a:gsLst>
+              <a:gs pos="0">
+                <a:schemeClr val="accent1">
+                  <a:lumMod val="75000"/>
+                </a:schemeClr>
+              </a:gs>
+              <a:gs pos="100000">
+                <a:schemeClr val="bg2">
+                  <a:lumMod val="50000"/>
+                </a:schemeClr>
+              </a:gs>
+            </a:gsLst>
+            <a:lin ang="8100000" scaled="1"/>
+            <a:tileRect/>
+          </a:gradFill>
+          <a:ln w="19050" cmpd="sng">
+            <a:solidFill>
+              <a:schemeClr val="accent1">
+                <a:lumMod val="60000"/>
+                <a:lumOff val="40000"/>
+              </a:schemeClr>
+            </a:solidFill>
+          </a:ln>
+        </p:spPr>
+        <p:style>
+          <a:lnRef idx="2">
+            <a:schemeClr val="accent1">
+              <a:shade val="50000"/>
+            </a:schemeClr>
+          </a:lnRef>
+          <a:fillRef idx="1">
+            <a:schemeClr val="accent1"/>
+          </a:fillRef>
+          <a:effectRef idx="0">
+            <a:schemeClr val="accent1"/>
+          </a:effectRef>
+          <a:fontRef idx="minor">
+            <a:schemeClr val="lt1"/>
+          </a:fontRef>
+        </p:style>
+        <p:txBody>
+          <a:bodyPr rtlCol="0" anchor="ctr"/>
+          <a:lstStyle/>
+          <a:p>
+            <a:pPr algn="ctr"/>
+            <a:endParaRPr lang="sv-SE"/>
+          </a:p>
+        </p:txBody>
+      </p:sp>
+      <p:sp>
+        <p:nvSpPr>
+          <p:cNvPr id="23" name="Rectangle 22"/>
+          <p:cNvSpPr/>
+          <p:nvPr/>
+        </p:nvSpPr>
+        <p:spPr>
+          <a:xfrm>
+            <a:off x="7944923" y="3965653"/>
+            <a:ext cx="452701" cy="687788"/>
+          </a:xfrm>
+          <a:prstGeom prst="rect">
+            <a:avLst/>
+          </a:prstGeom>
+          <a:noFill/>
+          <a:ln w="19050" cmpd="sng">
+            <a:solidFill>
+              <a:schemeClr val="accent1">
+                <a:lumMod val="60000"/>
+                <a:lumOff val="40000"/>
+              </a:schemeClr>
+            </a:solidFill>
+            <a:prstDash val="sysDash"/>
+          </a:ln>
+        </p:spPr>
+        <p:style>
+          <a:lnRef idx="2">
+            <a:schemeClr val="accent1">
+              <a:shade val="50000"/>
+            </a:schemeClr>
+          </a:lnRef>
+          <a:fillRef idx="1">
+            <a:schemeClr val="accent1"/>
+          </a:fillRef>
+          <a:effectRef idx="0">
+            <a:schemeClr val="accent1"/>
+          </a:effectRef>
+          <a:fontRef idx="minor">
+            <a:schemeClr val="lt1"/>
+          </a:fontRef>
+        </p:style>
+        <p:txBody>
+          <a:bodyPr rtlCol="0" anchor="ctr"/>
+          <a:lstStyle/>
+          <a:p>
+            <a:pPr algn="ctr"/>
+            <a:endParaRPr lang="sv-SE"/>
+          </a:p>
+        </p:txBody>
+      </p:sp>
+      <p:sp>
+        <p:nvSpPr>
+          <p:cNvPr id="22" name="Rectangle 21"/>
+          <p:cNvSpPr/>
+          <p:nvPr/>
+        </p:nvSpPr>
+        <p:spPr>
+          <a:xfrm>
+            <a:off x="7388592" y="4182343"/>
+            <a:ext cx="439209" cy="687788"/>
+          </a:xfrm>
+          <a:prstGeom prst="rect">
+            <a:avLst/>
+          </a:prstGeom>
+          <a:noFill/>
+          <a:ln w="19050" cmpd="sng">
+            <a:solidFill>
+              <a:schemeClr val="accent1">
+                <a:lumMod val="60000"/>
+                <a:lumOff val="40000"/>
+              </a:schemeClr>
+            </a:solidFill>
+            <a:prstDash val="sysDash"/>
+          </a:ln>
+        </p:spPr>
+        <p:style>
+          <a:lnRef idx="2">
+            <a:schemeClr val="accent1">
+              <a:shade val="50000"/>
+            </a:schemeClr>
+          </a:lnRef>
+          <a:fillRef idx="1">
+            <a:schemeClr val="accent1"/>
+          </a:fillRef>
+          <a:effectRef idx="0">
+            <a:schemeClr val="accent1"/>
+          </a:effectRef>
+          <a:fontRef idx="minor">
+            <a:schemeClr val="lt1"/>
+          </a:fontRef>
+        </p:style>
+        <p:txBody>
+          <a:bodyPr rtlCol="0" anchor="ctr"/>
+          <a:lstStyle/>
+          <a:p>
+            <a:pPr algn="ctr"/>
+            <a:endParaRPr lang="sv-SE"/>
+          </a:p>
+        </p:txBody>
+      </p:sp>
+      <p:sp>
+        <p:nvSpPr>
+          <p:cNvPr id="25" name="Rectangle 24"/>
+          <p:cNvSpPr/>
+          <p:nvPr/>
+        </p:nvSpPr>
+        <p:spPr>
+          <a:xfrm>
+            <a:off x="5631306" y="4012398"/>
+            <a:ext cx="770996" cy="805706"/>
+          </a:xfrm>
+          <a:prstGeom prst="rect">
+            <a:avLst/>
+          </a:prstGeom>
+          <a:noFill/>
+          <a:ln w="19050" cmpd="sng">
+            <a:solidFill>
+              <a:schemeClr val="accent1">
+                <a:lumMod val="60000"/>
+                <a:lumOff val="40000"/>
+              </a:schemeClr>
+            </a:solidFill>
+            <a:prstDash val="sysDash"/>
+          </a:ln>
+        </p:spPr>
+        <p:style>
+          <a:lnRef idx="2">
+            <a:schemeClr val="accent1">
+              <a:shade val="50000"/>
+            </a:schemeClr>
+          </a:lnRef>
+          <a:fillRef idx="1">
+            <a:schemeClr val="accent1"/>
+          </a:fillRef>
+          <a:effectRef idx="0">
+            <a:schemeClr val="accent1"/>
+          </a:effectRef>
+          <a:fontRef idx="minor">
+            <a:schemeClr val="lt1"/>
+          </a:fontRef>
+        </p:style>
+        <p:txBody>
+          <a:bodyPr rtlCol="0" anchor="ctr"/>
+          <a:lstStyle/>
+          <a:p>
+            <a:pPr algn="ctr"/>
+            <a:endParaRPr lang="sv-SE"/>
+          </a:p>
+        </p:txBody>
+      </p:sp>
+      <p:sp>
+        <p:nvSpPr>
+          <p:cNvPr id="26" name="Rectangle 25"/>
+          <p:cNvSpPr/>
+          <p:nvPr/>
+        </p:nvSpPr>
+        <p:spPr>
+          <a:xfrm>
+            <a:off x="922913" y="4020923"/>
+            <a:ext cx="770996" cy="818744"/>
+          </a:xfrm>
+          <a:prstGeom prst="rect">
+            <a:avLst/>
+          </a:prstGeom>
+          <a:gradFill flip="none" rotWithShape="1">
+            <a:gsLst>
+              <a:gs pos="0">
+                <a:schemeClr val="accent1">
+                  <a:lumMod val="75000"/>
+                </a:schemeClr>
+              </a:gs>
+              <a:gs pos="100000">
+                <a:schemeClr val="bg2">
+                  <a:lumMod val="50000"/>
+                </a:schemeClr>
+              </a:gs>
+            </a:gsLst>
+            <a:lin ang="8100000" scaled="1"/>
+            <a:tileRect/>
+          </a:gradFill>
+          <a:ln w="19050" cmpd="sng">
+            <a:solidFill>
+              <a:schemeClr val="accent1">
+                <a:lumMod val="60000"/>
+                <a:lumOff val="40000"/>
+              </a:schemeClr>
+            </a:solidFill>
+            <a:prstDash val="solid"/>
+          </a:ln>
+        </p:spPr>
+        <p:style>
+          <a:lnRef idx="2">
+            <a:schemeClr val="accent1">
+              <a:shade val="50000"/>
+            </a:schemeClr>
+          </a:lnRef>
+          <a:fillRef idx="1">
+            <a:schemeClr val="accent1"/>
+          </a:fillRef>
+          <a:effectRef idx="0">
+            <a:schemeClr val="accent1"/>
+          </a:effectRef>
+          <a:fontRef idx="minor">
+            <a:schemeClr val="lt1"/>
+          </a:fontRef>
+        </p:style>
+        <p:txBody>
+          <a:bodyPr rtlCol="0" anchor="ctr"/>
+          <a:lstStyle/>
+          <a:p>
+            <a:pPr algn="ctr"/>
+            <a:endParaRPr lang="sv-SE"/>
+          </a:p>
+        </p:txBody>
+      </p:sp>
+      <p:sp>
+        <p:nvSpPr>
+          <p:cNvPr id="27" name="Rectangle 26"/>
+          <p:cNvSpPr/>
+          <p:nvPr/>
+        </p:nvSpPr>
+        <p:spPr>
+          <a:xfrm>
+            <a:off x="609599" y="3874808"/>
+            <a:ext cx="3429000" cy="1149331"/>
+          </a:xfrm>
+          <a:prstGeom prst="rect">
+            <a:avLst/>
+          </a:prstGeom>
+          <a:noFill/>
+          <a:ln w="25400" cmpd="sng">
+            <a:solidFill>
+              <a:schemeClr val="accent1">
+                <a:lumMod val="60000"/>
+                <a:lumOff val="40000"/>
+              </a:schemeClr>
+            </a:solidFill>
+          </a:ln>
+        </p:spPr>
+        <p:style>
+          <a:lnRef idx="2">
+            <a:schemeClr val="accent1">
+              <a:shade val="50000"/>
+            </a:schemeClr>
+          </a:lnRef>
+          <a:fillRef idx="1">
+            <a:schemeClr val="accent1"/>
+          </a:fillRef>
+          <a:effectRef idx="0">
+            <a:schemeClr val="accent1"/>
+          </a:effectRef>
+          <a:fontRef idx="minor">
+            <a:schemeClr val="lt1"/>
+          </a:fontRef>
+        </p:style>
+        <p:txBody>
+          <a:bodyPr rtlCol="0" anchor="ctr"/>
+          <a:lstStyle/>
+          <a:p>
+            <a:pPr algn="ctr"/>
+            <a:endParaRPr lang="sv-SE"/>
+          </a:p>
+        </p:txBody>
+      </p:sp>
+      <p:sp>
+        <p:nvSpPr>
+          <p:cNvPr id="28" name="Rectangle 27"/>
+          <p:cNvSpPr/>
+          <p:nvPr/>
+        </p:nvSpPr>
+        <p:spPr>
+          <a:xfrm>
+            <a:off x="2644399" y="3925405"/>
+            <a:ext cx="1346906" cy="1053546"/>
+          </a:xfrm>
+          <a:prstGeom prst="rect">
+            <a:avLst/>
+          </a:prstGeom>
+          <a:noFill/>
+          <a:ln w="25400" cmpd="sng">
+            <a:solidFill>
+              <a:schemeClr val="accent1">
+                <a:lumMod val="60000"/>
+                <a:lumOff val="40000"/>
+              </a:schemeClr>
+            </a:solidFill>
+          </a:ln>
+        </p:spPr>
+        <p:style>
+          <a:lnRef idx="2">
+            <a:schemeClr val="accent1">
+              <a:shade val="50000"/>
+            </a:schemeClr>
+          </a:lnRef>
+          <a:fillRef idx="1">
+            <a:schemeClr val="accent1"/>
+          </a:fillRef>
+          <a:effectRef idx="0">
+            <a:schemeClr val="accent1"/>
+          </a:effectRef>
+          <a:fontRef idx="minor">
+            <a:schemeClr val="lt1"/>
+          </a:fontRef>
+        </p:style>
+        <p:txBody>
+          <a:bodyPr rtlCol="0" anchor="ctr"/>
+          <a:lstStyle/>
+          <a:p>
+            <a:pPr algn="ctr"/>
+            <a:endParaRPr lang="sv-SE"/>
+          </a:p>
+        </p:txBody>
+      </p:sp>
+      <p:sp>
+        <p:nvSpPr>
+          <p:cNvPr id="29" name="Rectangle 28"/>
+          <p:cNvSpPr/>
+          <p:nvPr/>
+        </p:nvSpPr>
+        <p:spPr>
+          <a:xfrm>
+            <a:off x="660162" y="3923464"/>
+            <a:ext cx="1346906" cy="1053546"/>
+          </a:xfrm>
+          <a:prstGeom prst="rect">
+            <a:avLst/>
+          </a:prstGeom>
+          <a:noFill/>
+          <a:ln w="25400" cmpd="sng">
+            <a:solidFill>
+              <a:schemeClr val="accent1">
+                <a:lumMod val="60000"/>
+                <a:lumOff val="40000"/>
+              </a:schemeClr>
+            </a:solidFill>
+          </a:ln>
+        </p:spPr>
+        <p:style>
+          <a:lnRef idx="2">
+            <a:schemeClr val="accent1">
+              <a:shade val="50000"/>
+            </a:schemeClr>
+          </a:lnRef>
+          <a:fillRef idx="1">
+            <a:schemeClr val="accent1"/>
+          </a:fillRef>
+          <a:effectRef idx="0">
+            <a:schemeClr val="accent1"/>
+          </a:effectRef>
+          <a:fontRef idx="minor">
+            <a:schemeClr val="lt1"/>
+          </a:fontRef>
+        </p:style>
+        <p:txBody>
+          <a:bodyPr rtlCol="0" anchor="ctr"/>
+          <a:lstStyle/>
+          <a:p>
+            <a:pPr algn="ctr"/>
+            <a:endParaRPr lang="sv-SE"/>
+          </a:p>
+        </p:txBody>
+      </p:sp>
+      <p:sp>
+        <p:nvSpPr>
+          <p:cNvPr id="30" name="Right Arrow 29"/>
+          <p:cNvSpPr/>
+          <p:nvPr/>
+        </p:nvSpPr>
+        <p:spPr>
+          <a:xfrm>
+            <a:off x="2158822" y="4283084"/>
+            <a:ext cx="330553" cy="229032"/>
+          </a:xfrm>
+          <a:prstGeom prst="rightArrow">
+            <a:avLst/>
+          </a:prstGeom>
+          <a:solidFill>
+            <a:schemeClr val="accent1">
+              <a:lumMod val="60000"/>
+              <a:lumOff val="40000"/>
+            </a:schemeClr>
+          </a:solidFill>
+          <a:ln w="25400" cmpd="sng">
+            <a:solidFill>
+              <a:schemeClr val="accent1">
+                <a:lumMod val="60000"/>
+                <a:lumOff val="40000"/>
+              </a:schemeClr>
+            </a:solidFill>
+          </a:ln>
+        </p:spPr>
+        <p:style>
+          <a:lnRef idx="2">
+            <a:schemeClr val="accent1">
+              <a:shade val="50000"/>
+            </a:schemeClr>
+          </a:lnRef>
+          <a:fillRef idx="1">
+            <a:schemeClr val="accent1"/>
+          </a:fillRef>
+          <a:effectRef idx="0">
+            <a:schemeClr val="accent1"/>
+          </a:effectRef>
+          <a:fontRef idx="minor">
+            <a:schemeClr val="lt1"/>
+          </a:fontRef>
+        </p:style>
+        <p:txBody>
+          <a:bodyPr rtlCol="0" anchor="ctr"/>
+          <a:lstStyle/>
+          <a:p>
+            <a:pPr algn="ctr"/>
+            <a:endParaRPr lang="sv-SE"/>
+          </a:p>
+        </p:txBody>
+      </p:sp>
+      <p:sp>
+        <p:nvSpPr>
+          <p:cNvPr id="31" name="Rectangle 30"/>
+          <p:cNvSpPr/>
+          <p:nvPr/>
+        </p:nvSpPr>
+        <p:spPr>
+          <a:xfrm>
+            <a:off x="2871538" y="4561761"/>
+            <a:ext cx="439209" cy="345414"/>
+          </a:xfrm>
+          <a:prstGeom prst="rect">
+            <a:avLst/>
+          </a:prstGeom>
+          <a:gradFill flip="none" rotWithShape="1">
+            <a:gsLst>
+              <a:gs pos="0">
+                <a:schemeClr val="accent1">
+                  <a:lumMod val="75000"/>
+                </a:schemeClr>
+              </a:gs>
+              <a:gs pos="100000">
+                <a:schemeClr val="bg2">
+                  <a:lumMod val="50000"/>
+                </a:schemeClr>
+              </a:gs>
+            </a:gsLst>
+            <a:lin ang="8100000" scaled="1"/>
+            <a:tileRect/>
+          </a:gradFill>
+          <a:ln w="19050" cmpd="sng">
+            <a:solidFill>
+              <a:schemeClr val="accent1">
+                <a:lumMod val="60000"/>
+                <a:lumOff val="40000"/>
+              </a:schemeClr>
+            </a:solidFill>
+          </a:ln>
+        </p:spPr>
+        <p:style>
+          <a:lnRef idx="2">
+            <a:schemeClr val="accent1">
+              <a:shade val="50000"/>
+            </a:schemeClr>
+          </a:lnRef>
+          <a:fillRef idx="1">
+            <a:schemeClr val="accent1"/>
+          </a:fillRef>
+          <a:effectRef idx="0">
+            <a:schemeClr val="accent1"/>
+          </a:effectRef>
+          <a:fontRef idx="minor">
+            <a:schemeClr val="lt1"/>
+          </a:fontRef>
+        </p:style>
+        <p:txBody>
+          <a:bodyPr rtlCol="0" anchor="ctr"/>
+          <a:lstStyle/>
+          <a:p>
+            <a:pPr algn="ctr"/>
+            <a:endParaRPr lang="sv-SE"/>
+          </a:p>
+        </p:txBody>
+      </p:sp>
+      <p:sp>
+        <p:nvSpPr>
+          <p:cNvPr id="32" name="Rectangle 31"/>
+          <p:cNvSpPr/>
+          <p:nvPr/>
+        </p:nvSpPr>
+        <p:spPr>
+          <a:xfrm>
+            <a:off x="3438409" y="3997194"/>
+            <a:ext cx="452701" cy="687788"/>
+          </a:xfrm>
+          <a:prstGeom prst="rect">
+            <a:avLst/>
+          </a:prstGeom>
+          <a:gradFill flip="none" rotWithShape="1">
+            <a:gsLst>
+              <a:gs pos="0">
+                <a:schemeClr val="accent1">
+                  <a:lumMod val="75000"/>
+                </a:schemeClr>
+              </a:gs>
+              <a:gs pos="100000">
+                <a:schemeClr val="bg2">
+                  <a:lumMod val="50000"/>
+                </a:schemeClr>
+              </a:gs>
+            </a:gsLst>
+            <a:lin ang="8100000" scaled="1"/>
+            <a:tileRect/>
+          </a:gradFill>
+          <a:ln w="19050" cmpd="sng">
+            <a:solidFill>
+              <a:schemeClr val="accent1">
+                <a:lumMod val="60000"/>
+                <a:lumOff val="40000"/>
+              </a:schemeClr>
+            </a:solidFill>
+          </a:ln>
+        </p:spPr>
+        <p:style>
+          <a:lnRef idx="2">
+            <a:schemeClr val="accent1">
+              <a:shade val="50000"/>
+            </a:schemeClr>
+          </a:lnRef>
+          <a:fillRef idx="1">
+            <a:schemeClr val="accent1"/>
+          </a:fillRef>
+          <a:effectRef idx="0">
+            <a:schemeClr val="accent1"/>
+          </a:effectRef>
+          <a:fontRef idx="minor">
+            <a:schemeClr val="lt1"/>
+          </a:fontRef>
+        </p:style>
+        <p:txBody>
+          <a:bodyPr rtlCol="0" anchor="ctr"/>
+          <a:lstStyle/>
+          <a:p>
+            <a:pPr algn="ctr"/>
+            <a:endParaRPr lang="sv-SE"/>
+          </a:p>
+        </p:txBody>
+      </p:sp>
+      <p:sp>
+        <p:nvSpPr>
+          <p:cNvPr id="33" name="Rectangle 32"/>
+          <p:cNvSpPr/>
+          <p:nvPr/>
+        </p:nvSpPr>
+        <p:spPr>
+          <a:xfrm>
+            <a:off x="1353643" y="3989425"/>
+            <a:ext cx="452701" cy="687788"/>
+          </a:xfrm>
+          <a:prstGeom prst="rect">
+            <a:avLst/>
+          </a:prstGeom>
+          <a:noFill/>
+          <a:ln w="19050" cmpd="sng">
+            <a:solidFill>
+              <a:schemeClr val="accent1">
+                <a:lumMod val="60000"/>
+                <a:lumOff val="40000"/>
+              </a:schemeClr>
+            </a:solidFill>
+            <a:prstDash val="sysDash"/>
+          </a:ln>
+        </p:spPr>
+        <p:style>
+          <a:lnRef idx="2">
+            <a:schemeClr val="accent1">
+              <a:shade val="50000"/>
+            </a:schemeClr>
+          </a:lnRef>
+          <a:fillRef idx="1">
+            <a:schemeClr val="accent1"/>
+          </a:fillRef>
+          <a:effectRef idx="0">
+            <a:schemeClr val="accent1"/>
+          </a:effectRef>
+          <a:fontRef idx="minor">
+            <a:schemeClr val="lt1"/>
+          </a:fontRef>
+        </p:style>
+        <p:txBody>
+          <a:bodyPr rtlCol="0" anchor="ctr"/>
+          <a:lstStyle/>
+          <a:p>
+            <a:pPr algn="ctr"/>
+            <a:endParaRPr lang="sv-SE"/>
+          </a:p>
+        </p:txBody>
+      </p:sp>
+      <p:sp>
+        <p:nvSpPr>
+          <p:cNvPr id="34" name="Rectangle 33"/>
+          <p:cNvSpPr/>
+          <p:nvPr/>
+        </p:nvSpPr>
+        <p:spPr>
+          <a:xfrm>
+            <a:off x="797312" y="4561427"/>
+            <a:ext cx="439209" cy="343894"/>
+          </a:xfrm>
+          <a:prstGeom prst="rect">
+            <a:avLst/>
+          </a:prstGeom>
+          <a:noFill/>
+          <a:ln w="19050" cmpd="sng">
+            <a:solidFill>
+              <a:schemeClr val="accent1">
+                <a:lumMod val="60000"/>
+                <a:lumOff val="40000"/>
+              </a:schemeClr>
+            </a:solidFill>
+            <a:prstDash val="sysDash"/>
+          </a:ln>
+        </p:spPr>
+        <p:style>
+          <a:lnRef idx="2">
+            <a:schemeClr val="accent1">
+              <a:shade val="50000"/>
+            </a:schemeClr>
+          </a:lnRef>
+          <a:fillRef idx="1">
+            <a:schemeClr val="accent1"/>
+          </a:fillRef>
+          <a:effectRef idx="0">
+            <a:schemeClr val="accent1"/>
+          </a:effectRef>
+          <a:fontRef idx="minor">
+            <a:schemeClr val="lt1"/>
+          </a:fontRef>
+        </p:style>
+        <p:txBody>
+          <a:bodyPr rtlCol="0" anchor="ctr"/>
+          <a:lstStyle/>
+          <a:p>
+            <a:pPr algn="ctr"/>
+            <a:endParaRPr lang="sv-SE"/>
+          </a:p>
+        </p:txBody>
+      </p:sp>
+      <p:sp>
+        <p:nvSpPr>
+          <p:cNvPr id="35" name="Rectangle 34"/>
+          <p:cNvSpPr/>
+          <p:nvPr/>
+        </p:nvSpPr>
+        <p:spPr>
+          <a:xfrm>
+            <a:off x="3013779" y="4029565"/>
+            <a:ext cx="770996" cy="805706"/>
+          </a:xfrm>
+          <a:prstGeom prst="rect">
+            <a:avLst/>
+          </a:prstGeom>
+          <a:noFill/>
+          <a:ln w="19050" cmpd="sng">
+            <a:solidFill>
+              <a:schemeClr val="accent1">
+                <a:lumMod val="60000"/>
+                <a:lumOff val="40000"/>
+              </a:schemeClr>
+            </a:solidFill>
+            <a:prstDash val="sysDash"/>
+          </a:ln>
+        </p:spPr>
+        <p:style>
+          <a:lnRef idx="2">
+            <a:schemeClr val="accent1">
+              <a:shade val="50000"/>
+            </a:schemeClr>
+          </a:lnRef>
+          <a:fillRef idx="1">
+            <a:schemeClr val="accent1"/>
+          </a:fillRef>
+          <a:effectRef idx="0">
+            <a:schemeClr val="accent1"/>
+          </a:effectRef>
+          <a:fontRef idx="minor">
+            <a:schemeClr val="lt1"/>
+          </a:fontRef>
+        </p:style>
+        <p:txBody>
+          <a:bodyPr rtlCol="0" anchor="ctr"/>
+          <a:lstStyle/>
+          <a:p>
+            <a:pPr algn="ctr"/>
+            <a:endParaRPr lang="sv-SE"/>
+          </a:p>
+        </p:txBody>
+      </p:sp>
+      <p:sp>
+        <p:nvSpPr>
+          <p:cNvPr id="37" name="Rectangle 36"/>
+          <p:cNvSpPr/>
+          <p:nvPr/>
+        </p:nvSpPr>
+        <p:spPr>
+          <a:xfrm>
+            <a:off x="609600" y="5495296"/>
+            <a:ext cx="3429000" cy="1149331"/>
+          </a:xfrm>
+          <a:prstGeom prst="rect">
+            <a:avLst/>
+          </a:prstGeom>
+          <a:noFill/>
+          <a:ln w="25400" cmpd="sng">
+            <a:solidFill>
+              <a:schemeClr val="accent1">
+                <a:lumMod val="60000"/>
+                <a:lumOff val="40000"/>
+              </a:schemeClr>
+            </a:solidFill>
+          </a:ln>
+        </p:spPr>
+        <p:style>
+          <a:lnRef idx="2">
+            <a:schemeClr val="accent1">
+              <a:shade val="50000"/>
+            </a:schemeClr>
+          </a:lnRef>
+          <a:fillRef idx="1">
+            <a:schemeClr val="accent1"/>
+          </a:fillRef>
+          <a:effectRef idx="0">
+            <a:schemeClr val="accent1"/>
+          </a:effectRef>
+          <a:fontRef idx="minor">
+            <a:schemeClr val="lt1"/>
+          </a:fontRef>
+        </p:style>
+        <p:txBody>
+          <a:bodyPr rtlCol="0" anchor="ctr"/>
+          <a:lstStyle/>
+          <a:p>
+            <a:pPr algn="ctr"/>
+            <a:endParaRPr lang="sv-SE"/>
+          </a:p>
+        </p:txBody>
+      </p:sp>
+      <p:sp>
+        <p:nvSpPr>
+          <p:cNvPr id="38" name="Rectangle 37"/>
+          <p:cNvSpPr/>
+          <p:nvPr/>
+        </p:nvSpPr>
+        <p:spPr>
+          <a:xfrm>
+            <a:off x="660162" y="5545893"/>
+            <a:ext cx="1346906" cy="1053546"/>
+          </a:xfrm>
+          <a:prstGeom prst="rect">
+            <a:avLst/>
+          </a:prstGeom>
+          <a:noFill/>
+          <a:ln w="25400" cmpd="sng">
+            <a:solidFill>
+              <a:schemeClr val="accent1">
+                <a:lumMod val="60000"/>
+                <a:lumOff val="40000"/>
+              </a:schemeClr>
+            </a:solidFill>
+          </a:ln>
+        </p:spPr>
+        <p:style>
+          <a:lnRef idx="2">
+            <a:schemeClr val="accent1">
+              <a:shade val="50000"/>
+            </a:schemeClr>
+          </a:lnRef>
+          <a:fillRef idx="1">
+            <a:schemeClr val="accent1"/>
+          </a:fillRef>
+          <a:effectRef idx="0">
+            <a:schemeClr val="accent1"/>
+          </a:effectRef>
+          <a:fontRef idx="minor">
+            <a:schemeClr val="lt1"/>
+          </a:fontRef>
+        </p:style>
+        <p:txBody>
+          <a:bodyPr rtlCol="0" anchor="ctr"/>
+          <a:lstStyle/>
+          <a:p>
+            <a:pPr algn="ctr"/>
+            <a:endParaRPr lang="sv-SE"/>
+          </a:p>
+        </p:txBody>
+      </p:sp>
+      <p:sp>
+        <p:nvSpPr>
+          <p:cNvPr id="39" name="Rectangle 38"/>
+          <p:cNvSpPr/>
+          <p:nvPr/>
+        </p:nvSpPr>
+        <p:spPr>
+          <a:xfrm>
+            <a:off x="2649678" y="5545893"/>
+            <a:ext cx="1346906" cy="1053546"/>
+          </a:xfrm>
+          <a:prstGeom prst="rect">
+            <a:avLst/>
+          </a:prstGeom>
+          <a:noFill/>
+          <a:ln w="25400" cmpd="sng">
+            <a:solidFill>
+              <a:schemeClr val="accent1">
+                <a:lumMod val="60000"/>
+                <a:lumOff val="40000"/>
+              </a:schemeClr>
+            </a:solidFill>
+          </a:ln>
+        </p:spPr>
+        <p:style>
+          <a:lnRef idx="2">
+            <a:schemeClr val="accent1">
+              <a:shade val="50000"/>
+            </a:schemeClr>
+          </a:lnRef>
+          <a:fillRef idx="1">
+            <a:schemeClr val="accent1"/>
+          </a:fillRef>
+          <a:effectRef idx="0">
+            <a:schemeClr val="accent1"/>
+          </a:effectRef>
+          <a:fontRef idx="minor">
+            <a:schemeClr val="lt1"/>
+          </a:fontRef>
+        </p:style>
+        <p:txBody>
+          <a:bodyPr rtlCol="0" anchor="ctr"/>
+          <a:lstStyle/>
+          <a:p>
+            <a:pPr algn="ctr"/>
+            <a:endParaRPr lang="sv-SE"/>
+          </a:p>
+        </p:txBody>
+      </p:sp>
+      <p:sp>
+        <p:nvSpPr>
+          <p:cNvPr id="40" name="Right Arrow 39"/>
+          <p:cNvSpPr/>
+          <p:nvPr/>
+        </p:nvSpPr>
+        <p:spPr>
+          <a:xfrm>
+            <a:off x="2158823" y="5903572"/>
+            <a:ext cx="330553" cy="229032"/>
+          </a:xfrm>
+          <a:prstGeom prst="rightArrow">
+            <a:avLst/>
+          </a:prstGeom>
+          <a:solidFill>
+            <a:schemeClr val="accent1">
+              <a:lumMod val="60000"/>
+              <a:lumOff val="40000"/>
+            </a:schemeClr>
+          </a:solidFill>
+          <a:ln w="25400" cmpd="sng">
+            <a:solidFill>
+              <a:schemeClr val="accent1">
+                <a:lumMod val="60000"/>
+                <a:lumOff val="40000"/>
+              </a:schemeClr>
+            </a:solidFill>
+          </a:ln>
+        </p:spPr>
+        <p:style>
+          <a:lnRef idx="2">
+            <a:schemeClr val="accent1">
+              <a:shade val="50000"/>
+            </a:schemeClr>
+          </a:lnRef>
+          <a:fillRef idx="1">
+            <a:schemeClr val="accent1"/>
+          </a:fillRef>
+          <a:effectRef idx="0">
+            <a:schemeClr val="accent1"/>
+          </a:effectRef>
+          <a:fontRef idx="minor">
+            <a:schemeClr val="lt1"/>
+          </a:fontRef>
+        </p:style>
+        <p:txBody>
+          <a:bodyPr rtlCol="0" anchor="ctr"/>
+          <a:lstStyle/>
+          <a:p>
+            <a:pPr algn="ctr"/>
+            <a:endParaRPr lang="sv-SE"/>
+          </a:p>
+        </p:txBody>
+      </p:sp>
+      <p:sp>
+        <p:nvSpPr>
+          <p:cNvPr id="41" name="Rectangle 40"/>
+          <p:cNvSpPr/>
+          <p:nvPr/>
+        </p:nvSpPr>
+        <p:spPr>
+          <a:xfrm>
+            <a:off x="1114010" y="5697143"/>
+            <a:ext cx="439209" cy="687788"/>
+          </a:xfrm>
+          <a:prstGeom prst="rect">
+            <a:avLst/>
+          </a:prstGeom>
+          <a:gradFill flip="none" rotWithShape="1">
+            <a:gsLst>
+              <a:gs pos="0">
+                <a:schemeClr val="accent1">
+                  <a:lumMod val="75000"/>
+                </a:schemeClr>
+              </a:gs>
+              <a:gs pos="100000">
+                <a:schemeClr val="bg2">
+                  <a:lumMod val="50000"/>
+                </a:schemeClr>
+              </a:gs>
+            </a:gsLst>
+            <a:lin ang="8100000" scaled="1"/>
+            <a:tileRect/>
+          </a:gradFill>
+          <a:ln w="19050" cmpd="sng">
+            <a:solidFill>
+              <a:schemeClr val="accent1">
+                <a:lumMod val="60000"/>
+                <a:lumOff val="40000"/>
+              </a:schemeClr>
+            </a:solidFill>
+          </a:ln>
+        </p:spPr>
+        <p:style>
+          <a:lnRef idx="2">
+            <a:schemeClr val="accent1">
+              <a:shade val="50000"/>
+            </a:schemeClr>
+          </a:lnRef>
+          <a:fillRef idx="1">
+            <a:schemeClr val="accent1"/>
+          </a:fillRef>
+          <a:effectRef idx="0">
+            <a:schemeClr val="accent1"/>
+          </a:effectRef>
+          <a:fontRef idx="minor">
+            <a:schemeClr val="lt1"/>
+          </a:fontRef>
+        </p:style>
+        <p:txBody>
+          <a:bodyPr rtlCol="0" anchor="ctr"/>
+          <a:lstStyle/>
+          <a:p>
+            <a:pPr algn="ctr"/>
+            <a:endParaRPr lang="sv-SE"/>
+          </a:p>
+        </p:txBody>
+      </p:sp>
+      <p:sp>
+        <p:nvSpPr>
+          <p:cNvPr id="43" name="Rectangle 42"/>
+          <p:cNvSpPr/>
+          <p:nvPr/>
+        </p:nvSpPr>
+        <p:spPr>
+          <a:xfrm>
+            <a:off x="3111111" y="5697143"/>
+            <a:ext cx="439209" cy="687788"/>
+          </a:xfrm>
+          <a:prstGeom prst="rect">
+            <a:avLst/>
+          </a:prstGeom>
+          <a:noFill/>
+          <a:ln w="19050" cmpd="sng">
+            <a:solidFill>
+              <a:schemeClr val="accent1">
+                <a:lumMod val="60000"/>
+                <a:lumOff val="40000"/>
+              </a:schemeClr>
+            </a:solidFill>
+            <a:prstDash val="sysDash"/>
+          </a:ln>
+        </p:spPr>
+        <p:style>
+          <a:lnRef idx="2">
+            <a:schemeClr val="accent1">
+              <a:shade val="50000"/>
+            </a:schemeClr>
+          </a:lnRef>
+          <a:fillRef idx="1">
+            <a:schemeClr val="accent1"/>
+          </a:fillRef>
+          <a:effectRef idx="0">
+            <a:schemeClr val="accent1"/>
+          </a:effectRef>
+          <a:fontRef idx="minor">
+            <a:schemeClr val="lt1"/>
+          </a:fontRef>
+        </p:style>
+        <p:txBody>
+          <a:bodyPr rtlCol="0" anchor="ctr"/>
+          <a:lstStyle/>
+          <a:p>
+            <a:pPr algn="ctr"/>
+            <a:endParaRPr lang="sv-SE"/>
+          </a:p>
+        </p:txBody>
+      </p:sp>
+      <p:sp>
+        <p:nvSpPr>
+          <p:cNvPr id="44" name="Rectangle 43"/>
+          <p:cNvSpPr/>
+          <p:nvPr/>
+        </p:nvSpPr>
+        <p:spPr>
+          <a:xfrm>
+            <a:off x="8031478" y="2329893"/>
+            <a:ext cx="439209" cy="687788"/>
+          </a:xfrm>
+          <a:prstGeom prst="rect">
+            <a:avLst/>
+          </a:prstGeom>
+          <a:gradFill flip="none" rotWithShape="1">
+            <a:gsLst>
+              <a:gs pos="0">
+                <a:schemeClr val="accent1">
+                  <a:lumMod val="75000"/>
+                </a:schemeClr>
+              </a:gs>
+              <a:gs pos="100000">
+                <a:schemeClr val="bg2">
+                  <a:lumMod val="50000"/>
+                </a:schemeClr>
+              </a:gs>
+            </a:gsLst>
+            <a:lin ang="8100000" scaled="1"/>
+            <a:tileRect/>
+          </a:gradFill>
+          <a:ln w="19050" cmpd="sng">
+            <a:solidFill>
+              <a:schemeClr val="accent1">
+                <a:lumMod val="60000"/>
+                <a:lumOff val="40000"/>
+              </a:schemeClr>
+            </a:solidFill>
+          </a:ln>
+        </p:spPr>
+        <p:style>
+          <a:lnRef idx="2">
+            <a:schemeClr val="accent1">
+              <a:shade val="50000"/>
+            </a:schemeClr>
+          </a:lnRef>
+          <a:fillRef idx="1">
+            <a:schemeClr val="accent1"/>
+          </a:fillRef>
+          <a:effectRef idx="0">
+            <a:schemeClr val="accent1"/>
+          </a:effectRef>
+          <a:fontRef idx="minor">
+            <a:schemeClr val="lt1"/>
+          </a:fontRef>
+        </p:style>
+        <p:txBody>
+          <a:bodyPr rtlCol="0" anchor="ctr"/>
+          <a:lstStyle/>
+          <a:p>
+            <a:pPr algn="ctr"/>
+            <a:endParaRPr lang="sv-SE"/>
+          </a:p>
+        </p:txBody>
+      </p:sp>
+      <p:sp>
+        <p:nvSpPr>
+          <p:cNvPr id="45" name="Rectangle 44"/>
+          <p:cNvSpPr/>
+          <p:nvPr/>
+        </p:nvSpPr>
+        <p:spPr>
+          <a:xfrm>
+            <a:off x="5211363" y="2207507"/>
+            <a:ext cx="3429000" cy="1149331"/>
+          </a:xfrm>
+          <a:prstGeom prst="rect">
+            <a:avLst/>
+          </a:prstGeom>
+          <a:noFill/>
+          <a:ln w="25400" cmpd="sng">
+            <a:solidFill>
+              <a:schemeClr val="accent1">
+                <a:lumMod val="60000"/>
+                <a:lumOff val="40000"/>
+              </a:schemeClr>
+            </a:solidFill>
+          </a:ln>
+        </p:spPr>
+        <p:style>
+          <a:lnRef idx="2">
+            <a:schemeClr val="accent1">
+              <a:shade val="50000"/>
+            </a:schemeClr>
+          </a:lnRef>
+          <a:fillRef idx="1">
+            <a:schemeClr val="accent1"/>
+          </a:fillRef>
+          <a:effectRef idx="0">
+            <a:schemeClr val="accent1"/>
+          </a:effectRef>
+          <a:fontRef idx="minor">
+            <a:schemeClr val="lt1"/>
+          </a:fontRef>
+        </p:style>
+        <p:txBody>
+          <a:bodyPr rtlCol="0" anchor="ctr"/>
+          <a:lstStyle/>
+          <a:p>
+            <a:pPr algn="ctr"/>
+            <a:endParaRPr lang="sv-SE"/>
+          </a:p>
+        </p:txBody>
+      </p:sp>
+      <p:sp>
+        <p:nvSpPr>
+          <p:cNvPr id="46" name="Rectangle 45"/>
+          <p:cNvSpPr/>
+          <p:nvPr/>
+        </p:nvSpPr>
+        <p:spPr>
+          <a:xfrm>
+            <a:off x="5261925" y="2258104"/>
+            <a:ext cx="1346906" cy="1053546"/>
+          </a:xfrm>
+          <a:prstGeom prst="rect">
+            <a:avLst/>
+          </a:prstGeom>
+          <a:noFill/>
+          <a:ln w="25400" cmpd="sng">
+            <a:solidFill>
+              <a:schemeClr val="accent1">
+                <a:lumMod val="60000"/>
+                <a:lumOff val="40000"/>
+              </a:schemeClr>
+            </a:solidFill>
+          </a:ln>
+        </p:spPr>
+        <p:style>
+          <a:lnRef idx="2">
+            <a:schemeClr val="accent1">
+              <a:shade val="50000"/>
+            </a:schemeClr>
+          </a:lnRef>
+          <a:fillRef idx="1">
+            <a:schemeClr val="accent1"/>
+          </a:fillRef>
+          <a:effectRef idx="0">
+            <a:schemeClr val="accent1"/>
+          </a:effectRef>
+          <a:fontRef idx="minor">
+            <a:schemeClr val="lt1"/>
+          </a:fontRef>
+        </p:style>
+        <p:txBody>
+          <a:bodyPr rtlCol="0" anchor="ctr"/>
+          <a:lstStyle/>
+          <a:p>
+            <a:pPr algn="ctr"/>
+            <a:endParaRPr lang="sv-SE"/>
+          </a:p>
+        </p:txBody>
+      </p:sp>
+      <p:sp>
+        <p:nvSpPr>
+          <p:cNvPr id="47" name="Rectangle 46"/>
+          <p:cNvSpPr/>
+          <p:nvPr/>
+        </p:nvSpPr>
+        <p:spPr>
+          <a:xfrm>
+            <a:off x="7251441" y="2258104"/>
+            <a:ext cx="1346906" cy="1053546"/>
+          </a:xfrm>
+          <a:prstGeom prst="rect">
+            <a:avLst/>
+          </a:prstGeom>
+          <a:noFill/>
+          <a:ln w="25400" cmpd="sng">
+            <a:solidFill>
+              <a:schemeClr val="accent1">
+                <a:lumMod val="60000"/>
+                <a:lumOff val="40000"/>
+              </a:schemeClr>
+            </a:solidFill>
+          </a:ln>
+        </p:spPr>
+        <p:style>
+          <a:lnRef idx="2">
+            <a:schemeClr val="accent1">
+              <a:shade val="50000"/>
+            </a:schemeClr>
+          </a:lnRef>
+          <a:fillRef idx="1">
+            <a:schemeClr val="accent1"/>
+          </a:fillRef>
+          <a:effectRef idx="0">
+            <a:schemeClr val="accent1"/>
+          </a:effectRef>
+          <a:fontRef idx="minor">
+            <a:schemeClr val="lt1"/>
+          </a:fontRef>
+        </p:style>
+        <p:txBody>
+          <a:bodyPr rtlCol="0" anchor="ctr"/>
+          <a:lstStyle/>
+          <a:p>
+            <a:pPr algn="ctr"/>
+            <a:endParaRPr lang="sv-SE"/>
+          </a:p>
+        </p:txBody>
+      </p:sp>
+      <p:sp>
+        <p:nvSpPr>
+          <p:cNvPr id="48" name="Right Arrow 47"/>
+          <p:cNvSpPr/>
+          <p:nvPr/>
+        </p:nvSpPr>
+        <p:spPr>
+          <a:xfrm>
+            <a:off x="6760586" y="2615783"/>
+            <a:ext cx="330553" cy="229032"/>
+          </a:xfrm>
+          <a:prstGeom prst="rightArrow">
+            <a:avLst/>
+          </a:prstGeom>
+          <a:solidFill>
+            <a:schemeClr val="accent1">
+              <a:lumMod val="60000"/>
+              <a:lumOff val="40000"/>
+            </a:schemeClr>
+          </a:solidFill>
+          <a:ln w="25400" cmpd="sng">
+            <a:solidFill>
+              <a:schemeClr val="accent1">
+                <a:lumMod val="60000"/>
+                <a:lumOff val="40000"/>
+              </a:schemeClr>
+            </a:solidFill>
+          </a:ln>
+        </p:spPr>
+        <p:style>
+          <a:lnRef idx="2">
+            <a:schemeClr val="accent1">
+              <a:shade val="50000"/>
+            </a:schemeClr>
+          </a:lnRef>
+          <a:fillRef idx="1">
+            <a:schemeClr val="accent1"/>
+          </a:fillRef>
+          <a:effectRef idx="0">
+            <a:schemeClr val="accent1"/>
+          </a:effectRef>
+          <a:fontRef idx="minor">
+            <a:schemeClr val="lt1"/>
+          </a:fontRef>
+        </p:style>
+        <p:txBody>
+          <a:bodyPr rtlCol="0" anchor="ctr"/>
+          <a:lstStyle/>
+          <a:p>
+            <a:pPr algn="ctr"/>
+            <a:endParaRPr lang="sv-SE"/>
+          </a:p>
+        </p:txBody>
+      </p:sp>
+      <p:sp>
+        <p:nvSpPr>
+          <p:cNvPr id="49" name="Rectangle 48"/>
+          <p:cNvSpPr/>
+          <p:nvPr/>
+        </p:nvSpPr>
+        <p:spPr>
+          <a:xfrm>
+            <a:off x="5411701" y="2532210"/>
+            <a:ext cx="439209" cy="687788"/>
+          </a:xfrm>
+          <a:prstGeom prst="rect">
+            <a:avLst/>
+          </a:prstGeom>
+          <a:gradFill flip="none" rotWithShape="1">
+            <a:gsLst>
+              <a:gs pos="0">
+                <a:schemeClr val="accent1">
+                  <a:lumMod val="75000"/>
+                </a:schemeClr>
+              </a:gs>
+              <a:gs pos="100000">
+                <a:schemeClr val="bg2">
+                  <a:lumMod val="50000"/>
+                </a:schemeClr>
+              </a:gs>
+            </a:gsLst>
+            <a:lin ang="8100000" scaled="1"/>
+            <a:tileRect/>
+          </a:gradFill>
+          <a:ln w="19050" cmpd="sng">
+            <a:solidFill>
+              <a:schemeClr val="accent1">
+                <a:lumMod val="60000"/>
+                <a:lumOff val="40000"/>
+              </a:schemeClr>
+            </a:solidFill>
+          </a:ln>
+        </p:spPr>
+        <p:style>
+          <a:lnRef idx="2">
+            <a:schemeClr val="accent1">
+              <a:shade val="50000"/>
+            </a:schemeClr>
+          </a:lnRef>
+          <a:fillRef idx="1">
+            <a:schemeClr val="accent1"/>
+          </a:fillRef>
+          <a:effectRef idx="0">
+            <a:schemeClr val="accent1"/>
+          </a:effectRef>
+          <a:fontRef idx="minor">
+            <a:schemeClr val="lt1"/>
+          </a:fontRef>
+        </p:style>
+        <p:txBody>
+          <a:bodyPr rtlCol="0" anchor="ctr"/>
+          <a:lstStyle/>
+          <a:p>
+            <a:pPr algn="ctr"/>
+            <a:endParaRPr lang="sv-SE"/>
+          </a:p>
+        </p:txBody>
+      </p:sp>
+      <p:sp>
+        <p:nvSpPr>
+          <p:cNvPr id="50" name="Rectangle 49"/>
+          <p:cNvSpPr/>
+          <p:nvPr/>
+        </p:nvSpPr>
+        <p:spPr>
+          <a:xfrm>
+            <a:off x="6016804" y="2330068"/>
+            <a:ext cx="439209" cy="687788"/>
+          </a:xfrm>
+          <a:prstGeom prst="rect">
+            <a:avLst/>
+          </a:prstGeom>
+          <a:noFill/>
+          <a:ln w="19050" cmpd="sng">
+            <a:solidFill>
+              <a:schemeClr val="accent1">
+                <a:lumMod val="60000"/>
+                <a:lumOff val="40000"/>
+              </a:schemeClr>
+            </a:solidFill>
+            <a:prstDash val="sysDash"/>
+          </a:ln>
+        </p:spPr>
+        <p:style>
+          <a:lnRef idx="2">
+            <a:schemeClr val="accent1">
+              <a:shade val="50000"/>
+            </a:schemeClr>
+          </a:lnRef>
+          <a:fillRef idx="1">
+            <a:schemeClr val="accent1"/>
+          </a:fillRef>
+          <a:effectRef idx="0">
+            <a:schemeClr val="accent1"/>
+          </a:effectRef>
+          <a:fontRef idx="minor">
+            <a:schemeClr val="lt1"/>
+          </a:fontRef>
+        </p:style>
+        <p:txBody>
+          <a:bodyPr rtlCol="0" anchor="ctr"/>
+          <a:lstStyle/>
+          <a:p>
+            <a:pPr algn="ctr"/>
+            <a:endParaRPr lang="sv-SE"/>
+          </a:p>
+        </p:txBody>
+      </p:sp>
+      <p:sp>
+        <p:nvSpPr>
+          <p:cNvPr id="51" name="Rectangle 50"/>
+          <p:cNvSpPr/>
+          <p:nvPr/>
+        </p:nvSpPr>
+        <p:spPr>
+          <a:xfrm>
+            <a:off x="7388591" y="2530611"/>
+            <a:ext cx="439209" cy="687788"/>
+          </a:xfrm>
+          <a:prstGeom prst="rect">
+            <a:avLst/>
+          </a:prstGeom>
+          <a:noFill/>
+          <a:ln w="19050" cmpd="sng">
+            <a:solidFill>
+              <a:schemeClr val="accent1">
+                <a:lumMod val="60000"/>
+                <a:lumOff val="40000"/>
+              </a:schemeClr>
+            </a:solidFill>
+            <a:prstDash val="sysDash"/>
+          </a:ln>
+        </p:spPr>
+        <p:style>
+          <a:lnRef idx="2">
+            <a:schemeClr val="accent1">
+              <a:shade val="50000"/>
+            </a:schemeClr>
+          </a:lnRef>
+          <a:fillRef idx="1">
+            <a:schemeClr val="accent1"/>
+          </a:fillRef>
+          <a:effectRef idx="0">
+            <a:schemeClr val="accent1"/>
+          </a:effectRef>
+          <a:fontRef idx="minor">
+            <a:schemeClr val="lt1"/>
+          </a:fontRef>
+        </p:style>
+        <p:txBody>
+          <a:bodyPr rtlCol="0" anchor="ctr"/>
+          <a:lstStyle/>
+          <a:p>
+            <a:pPr algn="ctr"/>
+            <a:endParaRPr lang="sv-SE"/>
+          </a:p>
+        </p:txBody>
+      </p:sp>
+      <p:sp>
+        <p:nvSpPr>
+          <p:cNvPr id="52" name="Rectangle 51"/>
+          <p:cNvSpPr/>
+          <p:nvPr/>
+        </p:nvSpPr>
+        <p:spPr>
+          <a:xfrm>
+            <a:off x="5211362" y="5516389"/>
+            <a:ext cx="3429000" cy="1149331"/>
+          </a:xfrm>
+          <a:prstGeom prst="rect">
+            <a:avLst/>
+          </a:prstGeom>
+          <a:noFill/>
+          <a:ln w="25400" cmpd="sng">
+            <a:solidFill>
+              <a:schemeClr val="accent1">
+                <a:lumMod val="60000"/>
+                <a:lumOff val="40000"/>
+              </a:schemeClr>
+            </a:solidFill>
+          </a:ln>
+        </p:spPr>
+        <p:style>
+          <a:lnRef idx="2">
+            <a:schemeClr val="accent1">
+              <a:shade val="50000"/>
+            </a:schemeClr>
+          </a:lnRef>
+          <a:fillRef idx="1">
+            <a:schemeClr val="accent1"/>
+          </a:fillRef>
+          <a:effectRef idx="0">
+            <a:schemeClr val="accent1"/>
+          </a:effectRef>
+          <a:fontRef idx="minor">
+            <a:schemeClr val="lt1"/>
+          </a:fontRef>
+        </p:style>
+        <p:txBody>
+          <a:bodyPr rtlCol="0" anchor="ctr"/>
+          <a:lstStyle/>
+          <a:p>
+            <a:pPr algn="ctr"/>
+            <a:endParaRPr lang="sv-SE"/>
+          </a:p>
+        </p:txBody>
+      </p:sp>
+      <p:sp>
+        <p:nvSpPr>
+          <p:cNvPr id="53" name="Rectangle 52"/>
+          <p:cNvSpPr/>
+          <p:nvPr/>
+        </p:nvSpPr>
+        <p:spPr>
+          <a:xfrm>
+            <a:off x="5261924" y="5566986"/>
+            <a:ext cx="1346906" cy="1053546"/>
+          </a:xfrm>
+          <a:prstGeom prst="rect">
+            <a:avLst/>
+          </a:prstGeom>
+          <a:noFill/>
+          <a:ln w="25400" cmpd="sng">
+            <a:solidFill>
+              <a:schemeClr val="accent1">
+                <a:lumMod val="60000"/>
+                <a:lumOff val="40000"/>
+              </a:schemeClr>
+            </a:solidFill>
+          </a:ln>
+        </p:spPr>
+        <p:style>
+          <a:lnRef idx="2">
+            <a:schemeClr val="accent1">
+              <a:shade val="50000"/>
+            </a:schemeClr>
+          </a:lnRef>
+          <a:fillRef idx="1">
+            <a:schemeClr val="accent1"/>
+          </a:fillRef>
+          <a:effectRef idx="0">
+            <a:schemeClr val="accent1"/>
+          </a:effectRef>
+          <a:fontRef idx="minor">
+            <a:schemeClr val="lt1"/>
+          </a:fontRef>
+        </p:style>
+        <p:txBody>
+          <a:bodyPr rtlCol="0" anchor="ctr"/>
+          <a:lstStyle/>
+          <a:p>
+            <a:pPr algn="ctr"/>
+            <a:endParaRPr lang="sv-SE"/>
+          </a:p>
+        </p:txBody>
+      </p:sp>
+      <p:sp>
+        <p:nvSpPr>
+          <p:cNvPr id="54" name="Rectangle 53"/>
+          <p:cNvSpPr/>
+          <p:nvPr/>
+        </p:nvSpPr>
+        <p:spPr>
+          <a:xfrm>
+            <a:off x="7251440" y="5566986"/>
+            <a:ext cx="1346906" cy="1053546"/>
+          </a:xfrm>
+          <a:prstGeom prst="rect">
+            <a:avLst/>
+          </a:prstGeom>
+          <a:noFill/>
+          <a:ln w="25400" cmpd="sng">
+            <a:solidFill>
+              <a:schemeClr val="accent1">
+                <a:lumMod val="60000"/>
+                <a:lumOff val="40000"/>
+              </a:schemeClr>
+            </a:solidFill>
+          </a:ln>
+        </p:spPr>
+        <p:style>
+          <a:lnRef idx="2">
+            <a:schemeClr val="accent1">
+              <a:shade val="50000"/>
+            </a:schemeClr>
+          </a:lnRef>
+          <a:fillRef idx="1">
+            <a:schemeClr val="accent1"/>
+          </a:fillRef>
+          <a:effectRef idx="0">
+            <a:schemeClr val="accent1"/>
+          </a:effectRef>
+          <a:fontRef idx="minor">
+            <a:schemeClr val="lt1"/>
+          </a:fontRef>
+        </p:style>
+        <p:txBody>
+          <a:bodyPr rtlCol="0" anchor="ctr"/>
+          <a:lstStyle/>
+          <a:p>
+            <a:pPr algn="ctr"/>
+            <a:endParaRPr lang="sv-SE"/>
+          </a:p>
+        </p:txBody>
+      </p:sp>
+      <p:sp>
+        <p:nvSpPr>
+          <p:cNvPr id="55" name="Right Arrow 54"/>
+          <p:cNvSpPr/>
+          <p:nvPr/>
+        </p:nvSpPr>
+        <p:spPr>
+          <a:xfrm>
+            <a:off x="6760585" y="5924665"/>
+            <a:ext cx="330553" cy="229032"/>
+          </a:xfrm>
+          <a:prstGeom prst="rightArrow">
+            <a:avLst/>
+          </a:prstGeom>
+          <a:solidFill>
+            <a:schemeClr val="accent1">
+              <a:lumMod val="60000"/>
+              <a:lumOff val="40000"/>
+            </a:schemeClr>
+          </a:solidFill>
+          <a:ln w="25400" cmpd="sng">
+            <a:solidFill>
+              <a:schemeClr val="accent1">
+                <a:lumMod val="60000"/>
+                <a:lumOff val="40000"/>
+              </a:schemeClr>
+            </a:solidFill>
+          </a:ln>
+        </p:spPr>
+        <p:style>
+          <a:lnRef idx="2">
+            <a:schemeClr val="accent1">
+              <a:shade val="50000"/>
+            </a:schemeClr>
+          </a:lnRef>
+          <a:fillRef idx="1">
+            <a:schemeClr val="accent1"/>
+          </a:fillRef>
+          <a:effectRef idx="0">
+            <a:schemeClr val="accent1"/>
+          </a:effectRef>
+          <a:fontRef idx="minor">
+            <a:schemeClr val="lt1"/>
+          </a:fontRef>
+        </p:style>
+        <p:txBody>
+          <a:bodyPr rtlCol="0" anchor="ctr"/>
+          <a:lstStyle/>
+          <a:p>
+            <a:pPr algn="ctr"/>
+            <a:endParaRPr lang="sv-SE"/>
+          </a:p>
+        </p:txBody>
+      </p:sp>
+      <p:sp>
+        <p:nvSpPr>
+          <p:cNvPr id="56" name="Rectangle 55"/>
+          <p:cNvSpPr/>
+          <p:nvPr/>
+        </p:nvSpPr>
+        <p:spPr>
+          <a:xfrm>
+            <a:off x="7732064" y="5717740"/>
+            <a:ext cx="439209" cy="687788"/>
+          </a:xfrm>
+          <a:prstGeom prst="rect">
+            <a:avLst/>
+          </a:prstGeom>
+          <a:gradFill flip="none" rotWithShape="1">
+            <a:gsLst>
+              <a:gs pos="0">
+                <a:schemeClr val="accent1">
+                  <a:lumMod val="75000"/>
+                </a:schemeClr>
+              </a:gs>
+              <a:gs pos="100000">
+                <a:schemeClr val="bg2">
+                  <a:lumMod val="50000"/>
+                </a:schemeClr>
+              </a:gs>
+            </a:gsLst>
+            <a:lin ang="8100000" scaled="1"/>
+            <a:tileRect/>
+          </a:gradFill>
+          <a:ln w="19050" cmpd="sng">
+            <a:solidFill>
+              <a:schemeClr val="accent1">
+                <a:lumMod val="60000"/>
+                <a:lumOff val="40000"/>
+              </a:schemeClr>
+            </a:solidFill>
+          </a:ln>
+        </p:spPr>
+        <p:style>
+          <a:lnRef idx="2">
+            <a:schemeClr val="accent1">
+              <a:shade val="50000"/>
+            </a:schemeClr>
+          </a:lnRef>
+          <a:fillRef idx="1">
+            <a:schemeClr val="accent1"/>
+          </a:fillRef>
+          <a:effectRef idx="0">
+            <a:schemeClr val="accent1"/>
+          </a:effectRef>
+          <a:fontRef idx="minor">
+            <a:schemeClr val="lt1"/>
+          </a:fontRef>
+        </p:style>
+        <p:txBody>
+          <a:bodyPr rtlCol="0" anchor="ctr"/>
+          <a:lstStyle/>
+          <a:p>
+            <a:pPr algn="ctr"/>
+            <a:endParaRPr lang="sv-SE"/>
+          </a:p>
+        </p:txBody>
+      </p:sp>
+      <p:sp>
+        <p:nvSpPr>
+          <p:cNvPr id="58" name="Rectangle 57"/>
+          <p:cNvSpPr/>
+          <p:nvPr/>
+        </p:nvSpPr>
+        <p:spPr>
+          <a:xfrm>
+            <a:off x="5700422" y="5720177"/>
+            <a:ext cx="439209" cy="687788"/>
+          </a:xfrm>
+          <a:prstGeom prst="rect">
+            <a:avLst/>
+          </a:prstGeom>
+          <a:noFill/>
+          <a:ln w="19050" cmpd="sng">
+            <a:solidFill>
+              <a:schemeClr val="accent1">
+                <a:lumMod val="60000"/>
+                <a:lumOff val="40000"/>
+              </a:schemeClr>
+            </a:solidFill>
+            <a:prstDash val="sysDash"/>
+          </a:ln>
+        </p:spPr>
+        <p:style>
+          <a:lnRef idx="2">
+            <a:schemeClr val="accent1">
+              <a:shade val="50000"/>
+            </a:schemeClr>
+          </a:lnRef>
+          <a:fillRef idx="1">
+            <a:schemeClr val="accent1"/>
+          </a:fillRef>
+          <a:effectRef idx="0">
+            <a:schemeClr val="accent1"/>
+          </a:effectRef>
+          <a:fontRef idx="minor">
+            <a:schemeClr val="lt1"/>
+          </a:fontRef>
+        </p:style>
+        <p:txBody>
+          <a:bodyPr rtlCol="0" anchor="ctr"/>
+          <a:lstStyle/>
+          <a:p>
+            <a:pPr algn="ctr"/>
+            <a:endParaRPr lang="sv-SE"/>
+          </a:p>
+        </p:txBody>
+      </p:sp>
+      <p:sp>
+        <p:nvSpPr>
+          <p:cNvPr id="59" name="TextBox 58"/>
+          <p:cNvSpPr txBox="1"/>
+          <p:nvPr/>
+        </p:nvSpPr>
+        <p:spPr>
+          <a:xfrm>
+            <a:off x="609600" y="1824571"/>
+            <a:ext cx="3429000" cy="369332"/>
+          </a:xfrm>
+          <a:prstGeom prst="rect">
+            <a:avLst/>
+          </a:prstGeom>
+          <a:noFill/>
+        </p:spPr>
+        <p:txBody>
+          <a:bodyPr wrap="square" rtlCol="0">
+            <a:spAutoFit/>
+          </a:bodyPr>
+          <a:lstStyle/>
+          <a:p>
+            <a:pPr algn="ctr"/>
             <a:r>
               <a:rPr lang="sv-SE" dirty="0" smtClean="0"/>
-              <a:t>Mer av den stora koden, kanske en stor flowchart </a:t>
+              <a:t>Overlapping move</a:t>
             </a:r>
             <a:endParaRPr lang="sv-SE" dirty="0"/>
+          </a:p>
+        </p:txBody>
+      </p:sp>
+      <p:sp>
+        <p:nvSpPr>
+          <p:cNvPr id="60" name="TextBox 59"/>
+          <p:cNvSpPr txBox="1"/>
+          <p:nvPr/>
+        </p:nvSpPr>
+        <p:spPr>
+          <a:xfrm>
+            <a:off x="5211362" y="1821083"/>
+            <a:ext cx="3429000" cy="369332"/>
+          </a:xfrm>
+          <a:prstGeom prst="rect">
+            <a:avLst/>
+          </a:prstGeom>
+          <a:noFill/>
+        </p:spPr>
+        <p:txBody>
+          <a:bodyPr wrap="square" rtlCol="0">
+            <a:spAutoFit/>
+          </a:bodyPr>
+          <a:lstStyle/>
+          <a:p>
+            <a:pPr algn="ctr"/>
+            <a:r>
+              <a:rPr lang="sv-SE" dirty="0" smtClean="0"/>
+              <a:t>Non-overlapping move</a:t>
+            </a:r>
+            <a:endParaRPr lang="sv-SE" dirty="0"/>
+          </a:p>
+        </p:txBody>
+      </p:sp>
+      <p:sp>
+        <p:nvSpPr>
+          <p:cNvPr id="61" name="TextBox 60"/>
+          <p:cNvSpPr txBox="1"/>
+          <p:nvPr/>
+        </p:nvSpPr>
+        <p:spPr>
+          <a:xfrm>
+            <a:off x="609600" y="3491596"/>
+            <a:ext cx="3429000" cy="369332"/>
+          </a:xfrm>
+          <a:prstGeom prst="rect">
+            <a:avLst/>
+          </a:prstGeom>
+          <a:noFill/>
+        </p:spPr>
+        <p:txBody>
+          <a:bodyPr wrap="square" rtlCol="0">
+            <a:spAutoFit/>
+          </a:bodyPr>
+          <a:lstStyle/>
+          <a:p>
+            <a:pPr algn="ctr"/>
+            <a:r>
+              <a:rPr lang="sv-SE" dirty="0" smtClean="0"/>
+              <a:t>Parent split</a:t>
+            </a:r>
+            <a:endParaRPr lang="sv-SE" dirty="0"/>
+          </a:p>
+        </p:txBody>
+      </p:sp>
+      <p:sp>
+        <p:nvSpPr>
+          <p:cNvPr id="62" name="TextBox 61"/>
+          <p:cNvSpPr txBox="1"/>
+          <p:nvPr/>
+        </p:nvSpPr>
+        <p:spPr>
+          <a:xfrm>
+            <a:off x="660162" y="5094918"/>
+            <a:ext cx="3378438" cy="369332"/>
+          </a:xfrm>
+          <a:prstGeom prst="rect">
+            <a:avLst/>
+          </a:prstGeom>
+          <a:noFill/>
+        </p:spPr>
+        <p:txBody>
+          <a:bodyPr wrap="square" rtlCol="0">
+            <a:spAutoFit/>
+          </a:bodyPr>
+          <a:lstStyle/>
+          <a:p>
+            <a:pPr algn="ctr"/>
+            <a:r>
+              <a:rPr lang="sv-SE" dirty="0" smtClean="0"/>
+              <a:t>Lost</a:t>
+            </a:r>
+            <a:endParaRPr lang="sv-SE" dirty="0"/>
+          </a:p>
+        </p:txBody>
+      </p:sp>
+      <p:sp>
+        <p:nvSpPr>
+          <p:cNvPr id="63" name="TextBox 62"/>
+          <p:cNvSpPr txBox="1"/>
+          <p:nvPr/>
+        </p:nvSpPr>
+        <p:spPr>
+          <a:xfrm>
+            <a:off x="5211362" y="5131022"/>
+            <a:ext cx="3429002" cy="369332"/>
+          </a:xfrm>
+          <a:prstGeom prst="rect">
+            <a:avLst/>
+          </a:prstGeom>
+          <a:noFill/>
+        </p:spPr>
+        <p:txBody>
+          <a:bodyPr wrap="square" rtlCol="0">
+            <a:spAutoFit/>
+          </a:bodyPr>
+          <a:lstStyle/>
+          <a:p>
+            <a:pPr algn="ctr"/>
+            <a:r>
+              <a:rPr lang="sv-SE" dirty="0" smtClean="0"/>
+              <a:t>Discovered</a:t>
+            </a:r>
+            <a:endParaRPr lang="sv-SE" dirty="0"/>
+          </a:p>
+        </p:txBody>
+      </p:sp>
+      <p:sp>
+        <p:nvSpPr>
+          <p:cNvPr id="64" name="TextBox 63"/>
+          <p:cNvSpPr txBox="1"/>
+          <p:nvPr/>
+        </p:nvSpPr>
+        <p:spPr>
+          <a:xfrm>
+            <a:off x="5211362" y="3479562"/>
+            <a:ext cx="3429002" cy="369332"/>
+          </a:xfrm>
+          <a:prstGeom prst="rect">
+            <a:avLst/>
+          </a:prstGeom>
+          <a:noFill/>
+        </p:spPr>
+        <p:txBody>
+          <a:bodyPr wrap="square" rtlCol="0">
+            <a:spAutoFit/>
+          </a:bodyPr>
+          <a:lstStyle/>
+          <a:p>
+            <a:pPr algn="ctr"/>
+            <a:r>
+              <a:rPr lang="sv-SE" dirty="0" smtClean="0"/>
+              <a:t>Sibling merge</a:t>
+            </a:r>
+            <a:endParaRPr lang="sv-SE" dirty="0"/>
+          </a:p>
+        </p:txBody>
+      </p:sp>
+      <p:sp>
+        <p:nvSpPr>
+          <p:cNvPr id="65" name="Oval 64"/>
+          <p:cNvSpPr/>
+          <p:nvPr/>
+        </p:nvSpPr>
+        <p:spPr>
+          <a:xfrm>
+            <a:off x="431926" y="2016099"/>
+            <a:ext cx="319755" cy="319755"/>
+          </a:xfrm>
+          <a:prstGeom prst="ellipse">
+            <a:avLst/>
+          </a:prstGeom>
+          <a:scene3d>
+            <a:camera prst="orthographicFront"/>
+            <a:lightRig rig="threePt" dir="t"/>
+          </a:scene3d>
+          <a:sp3d>
+            <a:bevelT prst="relaxedInset"/>
+          </a:sp3d>
+        </p:spPr>
+        <p:style>
+          <a:lnRef idx="1">
+            <a:schemeClr val="accent1"/>
+          </a:lnRef>
+          <a:fillRef idx="3">
+            <a:schemeClr val="accent1"/>
+          </a:fillRef>
+          <a:effectRef idx="2">
+            <a:schemeClr val="accent1"/>
+          </a:effectRef>
+          <a:fontRef idx="minor">
+            <a:schemeClr val="lt1"/>
+          </a:fontRef>
+        </p:style>
+        <p:txBody>
+          <a:bodyPr rtlCol="0" anchor="ctr"/>
+          <a:lstStyle/>
+          <a:p>
+            <a:pPr algn="ctr"/>
+            <a:r>
+              <a:rPr lang="sv-SE" sz="2000" b="1" dirty="0" smtClean="0">
+                <a:latin typeface="Aharoni" pitchFamily="2" charset="-79"/>
+                <a:cs typeface="Aharoni" pitchFamily="2" charset="-79"/>
+              </a:rPr>
+              <a:t>1</a:t>
+            </a:r>
+            <a:endParaRPr lang="sv-SE" sz="2000" b="1" dirty="0">
+              <a:latin typeface="Aharoni" pitchFamily="2" charset="-79"/>
+              <a:cs typeface="Aharoni" pitchFamily="2" charset="-79"/>
+            </a:endParaRPr>
+          </a:p>
+        </p:txBody>
+      </p:sp>
+      <p:sp>
+        <p:nvSpPr>
+          <p:cNvPr id="66" name="Oval 65"/>
+          <p:cNvSpPr/>
+          <p:nvPr/>
+        </p:nvSpPr>
+        <p:spPr>
+          <a:xfrm>
+            <a:off x="5055459" y="1999006"/>
+            <a:ext cx="319755" cy="319755"/>
+          </a:xfrm>
+          <a:prstGeom prst="ellipse">
+            <a:avLst/>
+          </a:prstGeom>
+          <a:scene3d>
+            <a:camera prst="orthographicFront"/>
+            <a:lightRig rig="threePt" dir="t"/>
+          </a:scene3d>
+          <a:sp3d>
+            <a:bevelT prst="relaxedInset"/>
+          </a:sp3d>
+        </p:spPr>
+        <p:style>
+          <a:lnRef idx="1">
+            <a:schemeClr val="accent1"/>
+          </a:lnRef>
+          <a:fillRef idx="3">
+            <a:schemeClr val="accent1"/>
+          </a:fillRef>
+          <a:effectRef idx="2">
+            <a:schemeClr val="accent1"/>
+          </a:effectRef>
+          <a:fontRef idx="minor">
+            <a:schemeClr val="lt1"/>
+          </a:fontRef>
+        </p:style>
+        <p:txBody>
+          <a:bodyPr rtlCol="0" anchor="ctr"/>
+          <a:lstStyle/>
+          <a:p>
+            <a:pPr algn="ctr"/>
+            <a:r>
+              <a:rPr lang="sv-SE" sz="2000" b="1" dirty="0" smtClean="0">
+                <a:latin typeface="Aharoni" pitchFamily="2" charset="-79"/>
+                <a:cs typeface="Aharoni" pitchFamily="2" charset="-79"/>
+              </a:rPr>
+              <a:t>2</a:t>
+            </a:r>
+            <a:endParaRPr lang="sv-SE" sz="2000" b="1" dirty="0">
+              <a:latin typeface="Aharoni" pitchFamily="2" charset="-79"/>
+              <a:cs typeface="Aharoni" pitchFamily="2" charset="-79"/>
+            </a:endParaRPr>
+          </a:p>
+        </p:txBody>
+      </p:sp>
+      <p:sp>
+        <p:nvSpPr>
+          <p:cNvPr id="67" name="Oval 66"/>
+          <p:cNvSpPr/>
+          <p:nvPr/>
+        </p:nvSpPr>
+        <p:spPr>
+          <a:xfrm>
+            <a:off x="5025340" y="3675802"/>
+            <a:ext cx="319755" cy="319755"/>
+          </a:xfrm>
+          <a:prstGeom prst="ellipse">
+            <a:avLst/>
+          </a:prstGeom>
+          <a:scene3d>
+            <a:camera prst="orthographicFront"/>
+            <a:lightRig rig="threePt" dir="t"/>
+          </a:scene3d>
+          <a:sp3d>
+            <a:bevelT prst="relaxedInset"/>
+          </a:sp3d>
+        </p:spPr>
+        <p:style>
+          <a:lnRef idx="1">
+            <a:schemeClr val="accent1"/>
+          </a:lnRef>
+          <a:fillRef idx="3">
+            <a:schemeClr val="accent1"/>
+          </a:fillRef>
+          <a:effectRef idx="2">
+            <a:schemeClr val="accent1"/>
+          </a:effectRef>
+          <a:fontRef idx="minor">
+            <a:schemeClr val="lt1"/>
+          </a:fontRef>
+        </p:style>
+        <p:txBody>
+          <a:bodyPr rtlCol="0" anchor="ctr"/>
+          <a:lstStyle/>
+          <a:p>
+            <a:pPr algn="ctr"/>
+            <a:r>
+              <a:rPr lang="sv-SE" sz="2000" b="1" dirty="0" smtClean="0">
+                <a:latin typeface="Aharoni" pitchFamily="2" charset="-79"/>
+                <a:cs typeface="Aharoni" pitchFamily="2" charset="-79"/>
+              </a:rPr>
+              <a:t>4</a:t>
+            </a:r>
+            <a:endParaRPr lang="sv-SE" sz="2000" b="1" dirty="0">
+              <a:latin typeface="Aharoni" pitchFamily="2" charset="-79"/>
+              <a:cs typeface="Aharoni" pitchFamily="2" charset="-79"/>
+            </a:endParaRPr>
+          </a:p>
+        </p:txBody>
+      </p:sp>
+      <p:sp>
+        <p:nvSpPr>
+          <p:cNvPr id="68" name="Oval 67"/>
+          <p:cNvSpPr/>
+          <p:nvPr/>
+        </p:nvSpPr>
+        <p:spPr>
+          <a:xfrm>
+            <a:off x="5038367" y="5319045"/>
+            <a:ext cx="319755" cy="319755"/>
+          </a:xfrm>
+          <a:prstGeom prst="ellipse">
+            <a:avLst/>
+          </a:prstGeom>
+          <a:scene3d>
+            <a:camera prst="orthographicFront"/>
+            <a:lightRig rig="threePt" dir="t"/>
+          </a:scene3d>
+          <a:sp3d>
+            <a:bevelT prst="relaxedInset"/>
+          </a:sp3d>
+        </p:spPr>
+        <p:style>
+          <a:lnRef idx="1">
+            <a:schemeClr val="accent1"/>
+          </a:lnRef>
+          <a:fillRef idx="3">
+            <a:schemeClr val="accent1"/>
+          </a:fillRef>
+          <a:effectRef idx="2">
+            <a:schemeClr val="accent1"/>
+          </a:effectRef>
+          <a:fontRef idx="minor">
+            <a:schemeClr val="lt1"/>
+          </a:fontRef>
+        </p:style>
+        <p:txBody>
+          <a:bodyPr rtlCol="0" anchor="ctr"/>
+          <a:lstStyle/>
+          <a:p>
+            <a:pPr algn="ctr"/>
+            <a:r>
+              <a:rPr lang="sv-SE" sz="2000" b="1" dirty="0" smtClean="0">
+                <a:latin typeface="Aharoni" pitchFamily="2" charset="-79"/>
+                <a:cs typeface="Aharoni" pitchFamily="2" charset="-79"/>
+              </a:rPr>
+              <a:t>6</a:t>
+            </a:r>
+            <a:endParaRPr lang="sv-SE" sz="2000" b="1" dirty="0">
+              <a:latin typeface="Aharoni" pitchFamily="2" charset="-79"/>
+              <a:cs typeface="Aharoni" pitchFamily="2" charset="-79"/>
+            </a:endParaRPr>
+          </a:p>
+        </p:txBody>
+      </p:sp>
+      <p:sp>
+        <p:nvSpPr>
+          <p:cNvPr id="69" name="Oval 68"/>
+          <p:cNvSpPr/>
+          <p:nvPr/>
+        </p:nvSpPr>
+        <p:spPr>
+          <a:xfrm>
+            <a:off x="423380" y="3695203"/>
+            <a:ext cx="319755" cy="319755"/>
+          </a:xfrm>
+          <a:prstGeom prst="ellipse">
+            <a:avLst/>
+          </a:prstGeom>
+          <a:scene3d>
+            <a:camera prst="orthographicFront"/>
+            <a:lightRig rig="threePt" dir="t"/>
+          </a:scene3d>
+          <a:sp3d>
+            <a:bevelT prst="relaxedInset"/>
+          </a:sp3d>
+        </p:spPr>
+        <p:style>
+          <a:lnRef idx="1">
+            <a:schemeClr val="accent1"/>
+          </a:lnRef>
+          <a:fillRef idx="3">
+            <a:schemeClr val="accent1"/>
+          </a:fillRef>
+          <a:effectRef idx="2">
+            <a:schemeClr val="accent1"/>
+          </a:effectRef>
+          <a:fontRef idx="minor">
+            <a:schemeClr val="lt1"/>
+          </a:fontRef>
+        </p:style>
+        <p:txBody>
+          <a:bodyPr rtlCol="0" anchor="ctr"/>
+          <a:lstStyle/>
+          <a:p>
+            <a:pPr algn="ctr"/>
+            <a:r>
+              <a:rPr lang="sv-SE" sz="2000" b="1" dirty="0" smtClean="0">
+                <a:latin typeface="Aharoni" pitchFamily="2" charset="-79"/>
+                <a:cs typeface="Aharoni" pitchFamily="2" charset="-79"/>
+              </a:rPr>
+              <a:t>3</a:t>
+            </a:r>
+            <a:endParaRPr lang="sv-SE" sz="2000" b="1" dirty="0">
+              <a:latin typeface="Aharoni" pitchFamily="2" charset="-79"/>
+              <a:cs typeface="Aharoni" pitchFamily="2" charset="-79"/>
+            </a:endParaRPr>
+          </a:p>
+        </p:txBody>
+      </p:sp>
+      <p:sp>
+        <p:nvSpPr>
+          <p:cNvPr id="70" name="Oval 69"/>
+          <p:cNvSpPr/>
+          <p:nvPr/>
+        </p:nvSpPr>
+        <p:spPr>
+          <a:xfrm>
+            <a:off x="414834" y="5316607"/>
+            <a:ext cx="319755" cy="319755"/>
+          </a:xfrm>
+          <a:prstGeom prst="ellipse">
+            <a:avLst/>
+          </a:prstGeom>
+          <a:scene3d>
+            <a:camera prst="orthographicFront"/>
+            <a:lightRig rig="threePt" dir="t"/>
+          </a:scene3d>
+          <a:sp3d>
+            <a:bevelT prst="relaxedInset"/>
+          </a:sp3d>
+        </p:spPr>
+        <p:style>
+          <a:lnRef idx="1">
+            <a:schemeClr val="accent1"/>
+          </a:lnRef>
+          <a:fillRef idx="3">
+            <a:schemeClr val="accent1"/>
+          </a:fillRef>
+          <a:effectRef idx="2">
+            <a:schemeClr val="accent1"/>
+          </a:effectRef>
+          <a:fontRef idx="minor">
+            <a:schemeClr val="lt1"/>
+          </a:fontRef>
+        </p:style>
+        <p:txBody>
+          <a:bodyPr rtlCol="0" anchor="ctr"/>
+          <a:lstStyle/>
+          <a:p>
+            <a:pPr algn="ctr"/>
+            <a:r>
+              <a:rPr lang="sv-SE" sz="2000" b="1" dirty="0" smtClean="0">
+                <a:latin typeface="Aharoni" pitchFamily="2" charset="-79"/>
+                <a:cs typeface="Aharoni" pitchFamily="2" charset="-79"/>
+              </a:rPr>
+              <a:t>5</a:t>
+            </a:r>
+            <a:endParaRPr lang="sv-SE" sz="2000" b="1" dirty="0">
+              <a:latin typeface="Aharoni" pitchFamily="2" charset="-79"/>
+              <a:cs typeface="Aharoni" pitchFamily="2" charset="-79"/>
+            </a:endParaRPr>
           </a:p>
         </p:txBody>
       </p:sp>
@@ -6278,100 +9415,52 @@
           <a:lstStyle/>
           <a:p>
             <a:r>
-              <a:rPr lang="en-US" dirty="0" err="1" smtClean="0"/>
-              <a:t>Kalman</a:t>
-            </a:r>
-            <a:r>
-              <a:rPr lang="en-US" dirty="0" smtClean="0"/>
-              <a:t> Prediction</a:t>
-            </a:r>
-            <a:endParaRPr lang="en-US" dirty="0"/>
-          </a:p>
-        </p:txBody>
-      </p:sp>
-      <p:sp>
-        <p:nvSpPr>
-          <p:cNvPr id="3" name="Content Placeholder 2"/>
-          <p:cNvSpPr>
-            <a:spLocks noGrp="1"/>
-          </p:cNvSpPr>
+              <a:rPr lang="sv-SE" dirty="0" smtClean="0"/>
+              <a:t>Occlusion handling</a:t>
+            </a:r>
+            <a:endParaRPr lang="sv-SE" dirty="0"/>
+          </a:p>
+        </p:txBody>
+      </p:sp>
+      <p:pic>
+        <p:nvPicPr>
+          <p:cNvPr id="4" name="Content Placeholder 3"/>
+          <p:cNvPicPr>
+            <a:picLocks noGrp="1" noChangeAspect="1"/>
+          </p:cNvPicPr>
           <p:nvPr>
             <p:ph idx="1"/>
           </p:nvPr>
-        </p:nvSpPr>
-        <p:spPr/>
-        <p:txBody>
-          <a:bodyPr/>
-          <a:lstStyle/>
-          <a:p>
-            <a:r>
-              <a:rPr lang="sv-SE" dirty="0" smtClean="0"/>
-              <a:t>Why Kalman?</a:t>
-            </a:r>
-          </a:p>
-          <a:p>
-            <a:endParaRPr lang="sv-SE" dirty="0" smtClean="0"/>
-          </a:p>
-          <a:p>
-            <a:r>
-              <a:rPr lang="sv-SE" dirty="0" smtClean="0"/>
-              <a:t>How Kalman?</a:t>
-            </a:r>
-          </a:p>
-          <a:p>
-            <a:pPr lvl="1"/>
-            <a:r>
-              <a:rPr lang="sv-SE" dirty="0" smtClean="0"/>
-              <a:t>Two phases</a:t>
-            </a:r>
-          </a:p>
-          <a:p>
-            <a:pPr lvl="2"/>
-            <a:r>
-              <a:rPr lang="sv-SE" dirty="0" smtClean="0"/>
-              <a:t>Measurement Update</a:t>
-            </a:r>
-          </a:p>
-          <a:p>
-            <a:pPr lvl="2"/>
-            <a:r>
-              <a:rPr lang="sv-SE" dirty="0" smtClean="0"/>
-              <a:t>Time Update</a:t>
-            </a:r>
-          </a:p>
-          <a:p>
-            <a:endParaRPr lang="sv-SE" dirty="0"/>
-          </a:p>
-          <a:p>
-            <a:r>
-              <a:rPr lang="sv-SE" dirty="0" smtClean="0"/>
-              <a:t>Difficulties</a:t>
-            </a:r>
-          </a:p>
-          <a:p>
-            <a:pPr lvl="1"/>
-            <a:r>
-              <a:rPr lang="sv-SE" dirty="0" smtClean="0"/>
-              <a:t>Smoothing</a:t>
-            </a:r>
-          </a:p>
-          <a:p>
-            <a:endParaRPr lang="sv-SE" dirty="0"/>
-          </a:p>
-        </p:txBody>
-      </p:sp>
+        </p:nvPicPr>
+        <p:blipFill>
+          <a:blip r:embed="rId2">
+            <a:extLst>
+              <a:ext uri="{28A0092B-C50C-407E-A947-70E740481C1C}">
+                <a14:useLocalDpi xmlns:a14="http://schemas.microsoft.com/office/drawing/2010/main" val="0"/>
+              </a:ext>
+            </a:extLst>
+          </a:blip>
+          <a:stretch>
+            <a:fillRect/>
+          </a:stretch>
+        </p:blipFill>
+        <p:spPr>
+          <a:xfrm>
+            <a:off x="457200" y="1926293"/>
+            <a:ext cx="8229600" cy="4323038"/>
+          </a:xfrm>
+        </p:spPr>
+      </p:pic>
     </p:spTree>
+    <p:extLst>
+      <p:ext uri="{BB962C8B-B14F-4D97-AF65-F5344CB8AC3E}">
+        <p14:creationId xmlns:p14="http://schemas.microsoft.com/office/powerpoint/2010/main" val="3127134249"/>
+      </p:ext>
+    </p:extLst>
   </p:cSld>
   <p:clrMapOvr>
     <a:masterClrMapping/>
   </p:clrMapOvr>
-  <p:timing>
-    <p:tnLst>
-      <p:par>
-        <p:cTn id="1" dur="indefinite" restart="never" nodeType="tmRoot"/>
-      </p:par>
-    </p:tnLst>
-  </p:timing>
 </p:sld>
 </file>
 
@@ -6408,6 +9497,242 @@
           <a:lstStyle/>
           <a:p>
             <a:r>
+              <a:rPr lang="sv-SE" dirty="0" smtClean="0"/>
+              <a:t>Identification - Improvements</a:t>
+            </a:r>
+            <a:endParaRPr lang="sv-SE" dirty="0"/>
+          </a:p>
+        </p:txBody>
+      </p:sp>
+      <p:sp>
+        <p:nvSpPr>
+          <p:cNvPr id="3" name="Content Placeholder 2"/>
+          <p:cNvSpPr>
+            <a:spLocks noGrp="1"/>
+          </p:cNvSpPr>
+          <p:nvPr>
+            <p:ph idx="1"/>
+          </p:nvPr>
+        </p:nvSpPr>
+        <p:spPr/>
+        <p:txBody>
+          <a:bodyPr/>
+          <a:lstStyle/>
+          <a:p>
+            <a:r>
+              <a:rPr lang="sv-SE" dirty="0" smtClean="0"/>
+              <a:t>Assumes all passed objects are ”real”</a:t>
+            </a:r>
+          </a:p>
+          <a:p>
+            <a:pPr lvl="1"/>
+            <a:r>
+              <a:rPr lang="sv-SE" dirty="0" smtClean="0"/>
+              <a:t>Large objects tends to collect lost heads, feets...</a:t>
+            </a:r>
+          </a:p>
+          <a:p>
+            <a:pPr lvl="1"/>
+            <a:r>
+              <a:rPr lang="sv-SE" dirty="0" smtClean="0"/>
+              <a:t>Width and Height should not change too fast...</a:t>
+            </a:r>
+          </a:p>
+          <a:p>
+            <a:pPr lvl="1"/>
+            <a:r>
+              <a:rPr lang="sv-SE" dirty="0" smtClean="0"/>
+              <a:t>The error function isn’t tuned at all: a change in width,height should probably impact more.</a:t>
+            </a:r>
+          </a:p>
+          <a:p>
+            <a:pPr lvl="1"/>
+            <a:endParaRPr lang="sv-SE" dirty="0" smtClean="0"/>
+          </a:p>
+          <a:p>
+            <a:endParaRPr lang="sv-SE" dirty="0" smtClean="0"/>
+          </a:p>
+          <a:p>
+            <a:endParaRPr lang="sv-SE" dirty="0"/>
+          </a:p>
+        </p:txBody>
+      </p:sp>
+    </p:spTree>
+    <p:extLst>
+      <p:ext uri="{BB962C8B-B14F-4D97-AF65-F5344CB8AC3E}">
+        <p14:creationId xmlns:p14="http://schemas.microsoft.com/office/powerpoint/2010/main" val="3851194483"/>
+      </p:ext>
+    </p:extLst>
+  </p:cSld>
+  <p:clrMapOvr>
+    <a:masterClrMapping/>
+  </p:clrMapOvr>
+</p:sld>
+</file>
+
+<file path=ppt/slides/slide17.xml><?xml version="1.0" encoding="utf-8"?>
+<p:sld xmlns:a="http://schemas.openxmlformats.org/drawingml/2006/main" xmlns:r="http://schemas.openxmlformats.org/officeDocument/2006/relationships" xmlns:p="http://schemas.openxmlformats.org/presentationml/2006/main">
+  <p:cSld>
+    <p:spTree>
+      <p:nvGrpSpPr>
+        <p:cNvPr id="1" name=""/>
+        <p:cNvGrpSpPr/>
+        <p:nvPr/>
+      </p:nvGrpSpPr>
+      <p:grpSpPr>
+        <a:xfrm>
+          <a:off x="0" y="0"/>
+          <a:ext cx="0" cy="0"/>
+          <a:chOff x="0" y="0"/>
+          <a:chExt cx="0" cy="0"/>
+        </a:xfrm>
+      </p:grpSpPr>
+      <p:sp>
+        <p:nvSpPr>
+          <p:cNvPr id="2" name="Title 1"/>
+          <p:cNvSpPr>
+            <a:spLocks noGrp="1"/>
+          </p:cNvSpPr>
+          <p:nvPr>
+            <p:ph type="title"/>
+          </p:nvPr>
+        </p:nvSpPr>
+        <p:spPr/>
+        <p:txBody>
+          <a:bodyPr/>
+          <a:lstStyle/>
+          <a:p>
+            <a:r>
+              <a:rPr lang="en-US" dirty="0" err="1" smtClean="0"/>
+              <a:t>Kalman</a:t>
+            </a:r>
+            <a:r>
+              <a:rPr lang="en-US" dirty="0" smtClean="0"/>
+              <a:t> Prediction</a:t>
+            </a:r>
+            <a:endParaRPr lang="en-US" dirty="0"/>
+          </a:p>
+        </p:txBody>
+      </p:sp>
+      <p:sp>
+        <p:nvSpPr>
+          <p:cNvPr id="3" name="Content Placeholder 2"/>
+          <p:cNvSpPr>
+            <a:spLocks noGrp="1"/>
+          </p:cNvSpPr>
+          <p:nvPr>
+            <p:ph idx="1"/>
+          </p:nvPr>
+        </p:nvSpPr>
+        <p:spPr/>
+        <p:txBody>
+          <a:bodyPr/>
+          <a:lstStyle/>
+          <a:p>
+            <a:r>
+              <a:rPr lang="sv-SE" dirty="0" smtClean="0"/>
+              <a:t>Why Kalman?</a:t>
+            </a:r>
+          </a:p>
+          <a:p>
+            <a:endParaRPr lang="sv-SE" dirty="0" smtClean="0"/>
+          </a:p>
+          <a:p>
+            <a:r>
+              <a:rPr lang="sv-SE" dirty="0" smtClean="0"/>
+              <a:t>How Kalman?</a:t>
+            </a:r>
+          </a:p>
+          <a:p>
+            <a:pPr lvl="1"/>
+            <a:r>
+              <a:rPr lang="sv-SE" dirty="0" smtClean="0"/>
+              <a:t>Two phases</a:t>
+            </a:r>
+          </a:p>
+          <a:p>
+            <a:pPr lvl="2"/>
+            <a:r>
+              <a:rPr lang="sv-SE" dirty="0" smtClean="0"/>
+              <a:t>Measurement Update</a:t>
+            </a:r>
+          </a:p>
+          <a:p>
+            <a:pPr lvl="2"/>
+            <a:r>
+              <a:rPr lang="sv-SE" dirty="0" smtClean="0"/>
+              <a:t>Time Update</a:t>
+            </a:r>
+          </a:p>
+          <a:p>
+            <a:endParaRPr lang="sv-SE" dirty="0"/>
+          </a:p>
+          <a:p>
+            <a:r>
+              <a:rPr lang="sv-SE" dirty="0" smtClean="0"/>
+              <a:t>Difficulties</a:t>
+            </a:r>
+          </a:p>
+          <a:p>
+            <a:pPr lvl="1"/>
+            <a:r>
+              <a:rPr lang="sv-SE" dirty="0" smtClean="0"/>
+              <a:t>Smoothing</a:t>
+            </a:r>
+          </a:p>
+          <a:p>
+            <a:endParaRPr lang="sv-SE" dirty="0"/>
+          </a:p>
+        </p:txBody>
+      </p:sp>
+    </p:spTree>
+  </p:cSld>
+  <p:clrMapOvr>
+    <a:masterClrMapping/>
+  </p:clrMapOvr>
+  <p:timing>
+    <p:tnLst>
+      <p:par>
+        <p:cTn id="1" dur="indefinite" restart="never" nodeType="tmRoot"/>
+      </p:par>
+    </p:tnLst>
+  </p:timing>
+</p:sld>
+</file>
+
+<file path=ppt/slides/slide18.xml><?xml version="1.0" encoding="utf-8"?>
+<p:sld xmlns:a="http://schemas.openxmlformats.org/drawingml/2006/main" xmlns:r="http://schemas.openxmlformats.org/officeDocument/2006/relationships" xmlns:p="http://schemas.openxmlformats.org/presentationml/2006/main">
+  <p:cSld>
+    <p:spTree>
+      <p:nvGrpSpPr>
+        <p:cNvPr id="1" name=""/>
+        <p:cNvGrpSpPr/>
+        <p:nvPr/>
+      </p:nvGrpSpPr>
+      <p:grpSpPr>
+        <a:xfrm>
+          <a:off x="0" y="0"/>
+          <a:ext cx="0" cy="0"/>
+          <a:chOff x="0" y="0"/>
+          <a:chExt cx="0" cy="0"/>
+        </a:xfrm>
+      </p:grpSpPr>
+      <p:sp>
+        <p:nvSpPr>
+          <p:cNvPr id="2" name="Title 1"/>
+          <p:cNvSpPr>
+            <a:spLocks noGrp="1"/>
+          </p:cNvSpPr>
+          <p:nvPr>
+            <p:ph type="title"/>
+          </p:nvPr>
+        </p:nvSpPr>
+        <p:spPr/>
+        <p:txBody>
+          <a:bodyPr/>
+          <a:lstStyle/>
+          <a:p>
+            <a:r>
               <a:rPr lang="en-US" dirty="0" smtClean="0"/>
               <a:t>Evaluation</a:t>
             </a:r>
@@ -6415,8 +9740,8 @@
           </a:p>
         </p:txBody>
       </p:sp>
-      <mc:AlternateContent xmlns:mc="http://schemas.openxmlformats.org/markup-compatibility/2006">
-        <mc:Choice xmlns:a14="http://schemas.microsoft.com/office/drawing/2010/main" xmlns="" Requires="a14">
+      <mc:AlternateContent xmlns:mc="http://schemas.openxmlformats.org/markup-compatibility/2006" xmlns:a14="http://schemas.microsoft.com/office/drawing/2010/main">
+        <mc:Choice Requires="a14">
           <p:sp>
             <p:nvSpPr>
               <p:cNvPr id="3" name="Content Placeholder 2"/>
@@ -6641,7 +9966,7 @@
             </p:txBody>
           </p:sp>
         </mc:Choice>
-        <mc:Fallback>
+        <mc:Fallback xmlns="">
           <p:sp>
             <p:nvSpPr>
               <p:cNvPr id="3" name="Content Placeholder 2"/>
@@ -6690,202 +10015,6 @@
 </p:sld>
 </file>
 
-<file path=ppt/slides/slide17.xml><?xml version="1.0" encoding="utf-8"?>
-<p:sld xmlns:a="http://schemas.openxmlformats.org/drawingml/2006/main" xmlns:r="http://schemas.openxmlformats.org/officeDocument/2006/relationships" xmlns:p="http://schemas.openxmlformats.org/presentationml/2006/main">
-  <p:cSld>
-    <p:spTree>
-      <p:nvGrpSpPr>
-        <p:cNvPr id="1" name=""/>
-        <p:cNvGrpSpPr/>
-        <p:nvPr/>
-      </p:nvGrpSpPr>
-      <p:grpSpPr>
-        <a:xfrm>
-          <a:off x="0" y="0"/>
-          <a:ext cx="0" cy="0"/>
-          <a:chOff x="0" y="0"/>
-          <a:chExt cx="0" cy="0"/>
-        </a:xfrm>
-      </p:grpSpPr>
-      <p:sp>
-        <p:nvSpPr>
-          <p:cNvPr id="2" name="Title 1"/>
-          <p:cNvSpPr>
-            <a:spLocks noGrp="1"/>
-          </p:cNvSpPr>
-          <p:nvPr>
-            <p:ph type="title"/>
-          </p:nvPr>
-        </p:nvSpPr>
-        <p:spPr/>
-        <p:txBody>
-          <a:bodyPr/>
-          <a:lstStyle/>
-          <a:p>
-            <a:r>
-              <a:rPr lang="en-US" dirty="0" smtClean="0"/>
-              <a:t>Results</a:t>
-            </a:r>
-            <a:endParaRPr lang="en-US" dirty="0"/>
-          </a:p>
-        </p:txBody>
-      </p:sp>
-      <p:sp>
-        <p:nvSpPr>
-          <p:cNvPr id="3" name="Content Placeholder 2"/>
-          <p:cNvSpPr>
-            <a:spLocks noGrp="1"/>
-          </p:cNvSpPr>
-          <p:nvPr>
-            <p:ph idx="1"/>
-          </p:nvPr>
-        </p:nvSpPr>
-        <p:spPr/>
-        <p:txBody>
-          <a:bodyPr/>
-          <a:lstStyle/>
-          <a:p>
-            <a:r>
-              <a:rPr lang="sv-SE" dirty="0" smtClean="0"/>
-              <a:t>Lol pwnage</a:t>
-            </a:r>
-            <a:endParaRPr lang="sv-SE" dirty="0"/>
-          </a:p>
-        </p:txBody>
-      </p:sp>
-    </p:spTree>
-  </p:cSld>
-  <p:clrMapOvr>
-    <a:masterClrMapping/>
-  </p:clrMapOvr>
-  <p:timing>
-    <p:tnLst>
-      <p:par>
-        <p:cTn id="1" dur="indefinite" restart="never" nodeType="tmRoot"/>
-      </p:par>
-    </p:tnLst>
-  </p:timing>
-</p:sld>
-</file>
-
-<file path=ppt/slides/slide18.xml><?xml version="1.0" encoding="utf-8"?>
-<p:sld xmlns:a="http://schemas.openxmlformats.org/drawingml/2006/main" xmlns:r="http://schemas.openxmlformats.org/officeDocument/2006/relationships" xmlns:p="http://schemas.openxmlformats.org/presentationml/2006/main">
-  <p:cSld>
-    <p:spTree>
-      <p:nvGrpSpPr>
-        <p:cNvPr id="1" name=""/>
-        <p:cNvGrpSpPr/>
-        <p:nvPr/>
-      </p:nvGrpSpPr>
-      <p:grpSpPr>
-        <a:xfrm>
-          <a:off x="0" y="0"/>
-          <a:ext cx="0" cy="0"/>
-          <a:chOff x="0" y="0"/>
-          <a:chExt cx="0" cy="0"/>
-        </a:xfrm>
-      </p:grpSpPr>
-      <p:sp>
-        <p:nvSpPr>
-          <p:cNvPr id="2" name="Title 1"/>
-          <p:cNvSpPr>
-            <a:spLocks noGrp="1"/>
-          </p:cNvSpPr>
-          <p:nvPr>
-            <p:ph type="title"/>
-          </p:nvPr>
-        </p:nvSpPr>
-        <p:spPr/>
-        <p:txBody>
-          <a:bodyPr/>
-          <a:lstStyle/>
-          <a:p>
-            <a:r>
-              <a:rPr lang="en-US" dirty="0" smtClean="0"/>
-              <a:t>Design</a:t>
-            </a:r>
-            <a:endParaRPr lang="en-US" dirty="0"/>
-          </a:p>
-        </p:txBody>
-      </p:sp>
-      <p:sp>
-        <p:nvSpPr>
-          <p:cNvPr id="3" name="Content Placeholder 2"/>
-          <p:cNvSpPr>
-            <a:spLocks noGrp="1"/>
-          </p:cNvSpPr>
-          <p:nvPr>
-            <p:ph idx="1"/>
-          </p:nvPr>
-        </p:nvSpPr>
-        <p:spPr/>
-        <p:txBody>
-          <a:bodyPr/>
-          <a:lstStyle/>
-          <a:p>
-            <a:r>
-              <a:rPr lang="en-US" dirty="0" err="1" smtClean="0"/>
-              <a:t>Lampor</a:t>
-            </a:r>
-            <a:endParaRPr lang="en-US" dirty="0" smtClean="0"/>
-          </a:p>
-          <a:p>
-            <a:pPr lvl="1"/>
-            <a:r>
-              <a:rPr lang="en-US" dirty="0" err="1" smtClean="0"/>
-              <a:t>Visar</a:t>
-            </a:r>
-            <a:r>
-              <a:rPr lang="en-US" dirty="0" smtClean="0"/>
-              <a:t> </a:t>
-            </a:r>
-            <a:r>
-              <a:rPr lang="en-US" dirty="0" err="1" smtClean="0"/>
-              <a:t>vägval</a:t>
-            </a:r>
-            <a:endParaRPr lang="en-US" dirty="0"/>
-          </a:p>
-        </p:txBody>
-      </p:sp>
-      <p:pic>
-        <p:nvPicPr>
-          <p:cNvPr id="5" name="Picture 4" descr="Lampa allah.JPG"/>
-          <p:cNvPicPr>
-            <a:picLocks noChangeAspect="1"/>
-          </p:cNvPicPr>
-          <p:nvPr/>
-        </p:nvPicPr>
-        <p:blipFill>
-          <a:blip r:embed="rId2" cstate="print"/>
-          <a:stretch>
-            <a:fillRect/>
-          </a:stretch>
-        </p:blipFill>
-        <p:spPr>
-          <a:xfrm>
-            <a:off x="685800" y="3200400"/>
-            <a:ext cx="7867650" cy="2676525"/>
-          </a:xfrm>
-          <a:prstGeom prst="rect">
-            <a:avLst/>
-          </a:prstGeom>
-        </p:spPr>
-      </p:pic>
-    </p:spTree>
-  </p:cSld>
-  <p:clrMapOvr>
-    <a:masterClrMapping/>
-  </p:clrMapOvr>
-  <p:timing>
-    <p:tnLst>
-      <p:par>
-        <p:cTn id="1" dur="indefinite" restart="never" nodeType="tmRoot"/>
-      </p:par>
-    </p:tnLst>
-  </p:timing>
-</p:sld>
-</file>
-
 <file path=ppt/slides/slide19.xml><?xml version="1.0" encoding="utf-8"?>
 <p:sld xmlns:a="http://schemas.openxmlformats.org/drawingml/2006/main" xmlns:r="http://schemas.openxmlformats.org/officeDocument/2006/relationships" xmlns:p="http://schemas.openxmlformats.org/presentationml/2006/main">
   <p:cSld>
@@ -6915,26 +10044,12 @@
         </p:nvSpPr>
         <p:spPr/>
         <p:txBody>
-          <a:bodyPr>
-            <a:normAutofit/>
-          </a:bodyPr>
-          <a:lstStyle/>
-          <a:p>
-            <a:r>
-              <a:rPr lang="en-US" dirty="0" err="1" smtClean="0"/>
-              <a:t>Varför</a:t>
-            </a:r>
+          <a:bodyPr/>
+          <a:lstStyle/>
+          <a:p>
             <a:r>
               <a:rPr lang="en-US" dirty="0" smtClean="0"/>
-              <a:t> “</a:t>
-            </a:r>
-            <a:r>
-              <a:rPr lang="en-US" dirty="0" err="1" smtClean="0"/>
-              <a:t>Bulan</a:t>
-            </a:r>
-            <a:r>
-              <a:rPr lang="en-US" dirty="0" smtClean="0"/>
-              <a:t>”?</a:t>
+              <a:t>Results</a:t>
             </a:r>
             <a:endParaRPr lang="en-US" dirty="0"/>
           </a:p>
@@ -6956,94 +10071,10 @@
           <a:lstStyle/>
           <a:p>
             <a:r>
-              <a:rPr lang="en-US" dirty="0" err="1" smtClean="0"/>
-              <a:t>Autonom</a:t>
-            </a:r>
-            <a:r>
-              <a:rPr lang="en-US" dirty="0" smtClean="0"/>
-              <a:t> </a:t>
-            </a:r>
-            <a:r>
-              <a:rPr lang="en-US" dirty="0" err="1" smtClean="0"/>
-              <a:t>upplockning</a:t>
-            </a:r>
-            <a:endParaRPr lang="en-US" dirty="0" smtClean="0"/>
-          </a:p>
-          <a:p>
-            <a:r>
-              <a:rPr lang="en-US" dirty="0" err="1" smtClean="0"/>
-              <a:t>Snyggt</a:t>
-            </a:r>
-            <a:r>
-              <a:rPr lang="en-US" dirty="0" smtClean="0"/>
-              <a:t> </a:t>
-            </a:r>
-            <a:r>
-              <a:rPr lang="en-US" dirty="0" err="1" smtClean="0"/>
-              <a:t>och</a:t>
-            </a:r>
-            <a:r>
-              <a:rPr lang="en-US" dirty="0" smtClean="0"/>
-              <a:t> </a:t>
-            </a:r>
-            <a:r>
-              <a:rPr lang="en-US" dirty="0" err="1" smtClean="0"/>
-              <a:t>tydligt</a:t>
-            </a:r>
-            <a:r>
-              <a:rPr lang="en-US" dirty="0" smtClean="0"/>
-              <a:t> interface</a:t>
-            </a:r>
-          </a:p>
-          <a:p>
-            <a:r>
-              <a:rPr lang="en-US" dirty="0" smtClean="0"/>
-              <a:t>Fail-safe</a:t>
-            </a:r>
-          </a:p>
-          <a:p>
-            <a:r>
-              <a:rPr lang="en-US" dirty="0" err="1" smtClean="0"/>
-              <a:t>Vacker</a:t>
-            </a:r>
-            <a:r>
-              <a:rPr lang="en-US" dirty="0" smtClean="0"/>
-              <a:t> design</a:t>
-            </a:r>
-          </a:p>
-          <a:p>
-            <a:r>
-              <a:rPr lang="en-US" dirty="0" smtClean="0"/>
-              <a:t>Kan </a:t>
-            </a:r>
-            <a:r>
-              <a:rPr lang="en-US" dirty="0" err="1" smtClean="0"/>
-              <a:t>dansa</a:t>
-            </a:r>
-            <a:r>
-              <a:rPr lang="en-US" dirty="0" smtClean="0"/>
-              <a:t> </a:t>
-            </a:r>
-            <a:r>
-              <a:rPr lang="en-US" dirty="0" err="1" smtClean="0"/>
-              <a:t>segerdans</a:t>
-            </a:r>
-            <a:endParaRPr lang="en-US" dirty="0" smtClean="0"/>
-          </a:p>
-          <a:p>
-            <a:pPr>
-              <a:buNone/>
-            </a:pPr>
-            <a:endParaRPr lang="en-US" dirty="0" smtClean="0"/>
-          </a:p>
-          <a:p>
-            <a:endParaRPr lang="en-US" dirty="0" smtClean="0"/>
-          </a:p>
-          <a:p>
-            <a:pPr>
-              <a:buNone/>
-            </a:pPr>
-            <a:endParaRPr lang="en-US" dirty="0"/>
+              <a:rPr lang="sv-SE" dirty="0" smtClean="0"/>
+              <a:t>Lol pwnage</a:t>
+            </a:r>
+            <a:endParaRPr lang="sv-SE" dirty="0"/>
           </a:p>
         </p:txBody>
       </p:sp>
@@ -7197,8 +10228,39 @@
           <a:lstStyle/>
           <a:p>
             <a:r>
+              <a:rPr lang="en-US" dirty="0" smtClean="0"/>
+              <a:t>Design</a:t>
+            </a:r>
+            <a:endParaRPr lang="en-US" dirty="0"/>
+          </a:p>
+        </p:txBody>
+      </p:sp>
+      <p:sp>
+        <p:nvSpPr>
+          <p:cNvPr id="3" name="Content Placeholder 2"/>
+          <p:cNvSpPr>
+            <a:spLocks noGrp="1"/>
+          </p:cNvSpPr>
+          <p:nvPr>
+            <p:ph idx="1"/>
+          </p:nvPr>
+        </p:nvSpPr>
+        <p:spPr/>
+        <p:txBody>
+          <a:bodyPr/>
+          <a:lstStyle/>
+          <a:p>
+            <a:r>
               <a:rPr lang="en-US" dirty="0" err="1" smtClean="0"/>
-              <a:t>Vad</a:t>
+              <a:t>Lampor</a:t>
+            </a:r>
+            <a:endParaRPr lang="en-US" dirty="0" smtClean="0"/>
+          </a:p>
+          <a:p>
+            <a:pPr lvl="1"/>
+            <a:r>
+              <a:rPr lang="en-US" dirty="0" err="1" smtClean="0"/>
+              <a:t>Visar</a:t>
             </a:r>
             <a:r>
               <a:rPr lang="en-US" dirty="0" smtClean="0"/>
@@ -7206,307 +10268,36 @@
             </a:r>
             <a:r>
               <a:rPr lang="en-US" dirty="0" err="1" smtClean="0"/>
-              <a:t>har</a:t>
-            </a:r>
-            <a:r>
-              <a:rPr lang="en-US" dirty="0" smtClean="0"/>
-              <a:t> vi </a:t>
-            </a:r>
-            <a:r>
-              <a:rPr lang="en-US" dirty="0" err="1" smtClean="0"/>
-              <a:t>lärt</a:t>
-            </a:r>
-            <a:r>
-              <a:rPr lang="en-US" dirty="0" smtClean="0"/>
-              <a:t> </a:t>
-            </a:r>
-            <a:r>
-              <a:rPr lang="en-US" dirty="0" err="1" smtClean="0"/>
-              <a:t>oss</a:t>
-            </a:r>
-            <a:r>
-              <a:rPr lang="en-US" dirty="0" smtClean="0"/>
-              <a:t>?</a:t>
+              <a:t>vägval</a:t>
             </a:r>
             <a:endParaRPr lang="en-US" dirty="0"/>
           </a:p>
         </p:txBody>
       </p:sp>
-      <p:sp>
-        <p:nvSpPr>
-          <p:cNvPr id="3" name="Content Placeholder 2"/>
-          <p:cNvSpPr>
-            <a:spLocks noGrp="1"/>
-          </p:cNvSpPr>
-          <p:nvPr>
-            <p:ph idx="1"/>
-          </p:nvPr>
-        </p:nvSpPr>
-        <p:spPr/>
-        <p:txBody>
-          <a:bodyPr/>
-          <a:lstStyle/>
-          <a:p>
-            <a:r>
-              <a:rPr lang="en-US" dirty="0" err="1" smtClean="0"/>
-              <a:t>Det</a:t>
-            </a:r>
-            <a:r>
-              <a:rPr lang="en-US" dirty="0" smtClean="0"/>
-              <a:t> </a:t>
-            </a:r>
-            <a:r>
-              <a:rPr lang="en-US" dirty="0" err="1" smtClean="0"/>
-              <a:t>lönar</a:t>
-            </a:r>
-            <a:r>
-              <a:rPr lang="en-US" dirty="0" smtClean="0"/>
-              <a:t> sig </a:t>
-            </a:r>
-            <a:r>
-              <a:rPr lang="en-US" dirty="0" err="1" smtClean="0"/>
-              <a:t>att</a:t>
-            </a:r>
-            <a:r>
-              <a:rPr lang="en-US" dirty="0" smtClean="0"/>
-              <a:t> </a:t>
-            </a:r>
-            <a:r>
-              <a:rPr lang="en-US" dirty="0" err="1" smtClean="0"/>
-              <a:t>planera</a:t>
-            </a:r>
-            <a:endParaRPr lang="en-US" dirty="0" smtClean="0"/>
-          </a:p>
-          <a:p>
-            <a:r>
-              <a:rPr lang="en-US" dirty="0" err="1" smtClean="0"/>
-              <a:t>Planera</a:t>
-            </a:r>
-            <a:r>
-              <a:rPr lang="en-US" dirty="0" smtClean="0"/>
-              <a:t> </a:t>
-            </a:r>
-            <a:r>
-              <a:rPr lang="en-US" dirty="0" err="1" smtClean="0"/>
-              <a:t>så</a:t>
-            </a:r>
-            <a:r>
-              <a:rPr lang="en-US" dirty="0" smtClean="0"/>
-              <a:t> </a:t>
-            </a:r>
-            <a:r>
-              <a:rPr lang="en-US" dirty="0" err="1" smtClean="0"/>
-              <a:t>att</a:t>
-            </a:r>
-            <a:r>
-              <a:rPr lang="en-US" dirty="0" smtClean="0"/>
-              <a:t> </a:t>
-            </a:r>
-            <a:r>
-              <a:rPr lang="en-US" dirty="0" err="1" smtClean="0"/>
-              <a:t>flaskhalsar</a:t>
-            </a:r>
-            <a:r>
-              <a:rPr lang="en-US" dirty="0" smtClean="0"/>
-              <a:t> </a:t>
-            </a:r>
-            <a:r>
-              <a:rPr lang="en-US" dirty="0" err="1" smtClean="0"/>
-              <a:t>undviks</a:t>
-            </a:r>
-            <a:endParaRPr lang="en-US" dirty="0" smtClean="0"/>
-          </a:p>
-          <a:p>
-            <a:r>
-              <a:rPr lang="en-US" dirty="0" err="1" smtClean="0"/>
-              <a:t>Jobba</a:t>
-            </a:r>
-            <a:r>
-              <a:rPr lang="en-US" dirty="0" smtClean="0"/>
-              <a:t> </a:t>
-            </a:r>
-            <a:r>
-              <a:rPr lang="en-US" dirty="0" err="1" smtClean="0"/>
-              <a:t>så</a:t>
-            </a:r>
-            <a:r>
-              <a:rPr lang="en-US" dirty="0" smtClean="0"/>
-              <a:t> </a:t>
-            </a:r>
-            <a:r>
-              <a:rPr lang="en-US" dirty="0" err="1" smtClean="0"/>
-              <a:t>parallellt</a:t>
-            </a:r>
-            <a:r>
-              <a:rPr lang="en-US" dirty="0" smtClean="0"/>
-              <a:t> </a:t>
-            </a:r>
-            <a:r>
-              <a:rPr lang="en-US" dirty="0" err="1" smtClean="0"/>
-              <a:t>det</a:t>
-            </a:r>
-            <a:r>
-              <a:rPr lang="en-US" dirty="0" smtClean="0"/>
-              <a:t> </a:t>
-            </a:r>
-            <a:r>
-              <a:rPr lang="en-US" dirty="0" err="1" smtClean="0"/>
-              <a:t>går</a:t>
-            </a:r>
-            <a:r>
-              <a:rPr lang="en-US" dirty="0" smtClean="0"/>
-              <a:t> I </a:t>
-            </a:r>
-            <a:r>
-              <a:rPr lang="en-US" dirty="0" err="1" smtClean="0"/>
-              <a:t>början</a:t>
-            </a:r>
-            <a:r>
-              <a:rPr lang="en-US" dirty="0" smtClean="0"/>
-              <a:t> </a:t>
-            </a:r>
-          </a:p>
-          <a:p>
-            <a:r>
-              <a:rPr lang="en-US" dirty="0" err="1" smtClean="0"/>
-              <a:t>Lagom</a:t>
-            </a:r>
-            <a:r>
-              <a:rPr lang="en-US" dirty="0" smtClean="0"/>
-              <a:t> </a:t>
-            </a:r>
-            <a:r>
-              <a:rPr lang="en-US" dirty="0" err="1" smtClean="0"/>
-              <a:t>långa</a:t>
-            </a:r>
-            <a:r>
-              <a:rPr lang="en-US" dirty="0" smtClean="0"/>
-              <a:t> </a:t>
-            </a:r>
-            <a:r>
-              <a:rPr lang="en-US" dirty="0" err="1" smtClean="0"/>
-              <a:t>arbetspass</a:t>
-            </a:r>
-            <a:endParaRPr lang="en-US" dirty="0" smtClean="0"/>
-          </a:p>
-          <a:p>
-            <a:r>
-              <a:rPr lang="en-US" dirty="0" smtClean="0"/>
-              <a:t> </a:t>
-            </a:r>
-            <a:r>
-              <a:rPr lang="en-US" dirty="0" err="1" smtClean="0"/>
-              <a:t>Vira</a:t>
-            </a:r>
-            <a:r>
-              <a:rPr lang="en-US" dirty="0" smtClean="0"/>
-              <a:t> </a:t>
-            </a:r>
-            <a:r>
-              <a:rPr lang="en-US" dirty="0" err="1" smtClean="0"/>
-              <a:t>ordentligt</a:t>
-            </a:r>
-            <a:endParaRPr lang="en-US" dirty="0" smtClean="0"/>
-          </a:p>
-          <a:p>
-            <a:r>
-              <a:rPr lang="en-US" dirty="0" err="1" smtClean="0"/>
-              <a:t>Skriv</a:t>
-            </a:r>
-            <a:r>
-              <a:rPr lang="en-US" dirty="0" smtClean="0"/>
-              <a:t> </a:t>
-            </a:r>
-            <a:r>
-              <a:rPr lang="en-US" dirty="0" err="1" smtClean="0"/>
-              <a:t>ordentlig</a:t>
-            </a:r>
-            <a:r>
-              <a:rPr lang="en-US" dirty="0" smtClean="0"/>
-              <a:t> </a:t>
-            </a:r>
-            <a:r>
-              <a:rPr lang="en-US" dirty="0" err="1" smtClean="0"/>
-              <a:t>kod</a:t>
-            </a:r>
-            <a:endParaRPr lang="en-US" dirty="0" smtClean="0"/>
-          </a:p>
-          <a:p>
-            <a:r>
-              <a:rPr lang="en-US" dirty="0" err="1" smtClean="0"/>
-              <a:t>Inse</a:t>
-            </a:r>
-            <a:r>
-              <a:rPr lang="en-US" dirty="0" smtClean="0"/>
-              <a:t> </a:t>
-            </a:r>
-            <a:r>
-              <a:rPr lang="en-US" dirty="0" err="1" smtClean="0"/>
-              <a:t>att</a:t>
-            </a:r>
-            <a:r>
-              <a:rPr lang="en-US" dirty="0" smtClean="0"/>
-              <a:t> </a:t>
-            </a:r>
-            <a:r>
-              <a:rPr lang="en-US" dirty="0" err="1" smtClean="0"/>
-              <a:t>idéer</a:t>
-            </a:r>
-            <a:r>
-              <a:rPr lang="en-US" dirty="0" smtClean="0"/>
-              <a:t> </a:t>
-            </a:r>
-            <a:r>
-              <a:rPr lang="en-US" dirty="0" err="1" smtClean="0"/>
-              <a:t>kan</a:t>
-            </a:r>
-            <a:r>
-              <a:rPr lang="en-US" dirty="0" smtClean="0"/>
-              <a:t> </a:t>
-            </a:r>
-            <a:r>
-              <a:rPr lang="en-US" dirty="0" err="1" smtClean="0"/>
-              <a:t>behöva</a:t>
-            </a:r>
-            <a:r>
-              <a:rPr lang="en-US" dirty="0" smtClean="0"/>
-              <a:t> </a:t>
-            </a:r>
-            <a:r>
-              <a:rPr lang="en-US" dirty="0" err="1" smtClean="0"/>
-              <a:t>ändras</a:t>
-            </a:r>
-            <a:r>
-              <a:rPr lang="en-US" dirty="0" smtClean="0"/>
-              <a:t> </a:t>
-            </a:r>
-            <a:r>
-              <a:rPr lang="en-US" dirty="0" err="1" smtClean="0"/>
-              <a:t>även</a:t>
-            </a:r>
-            <a:r>
-              <a:rPr lang="en-US" dirty="0" smtClean="0"/>
-              <a:t> </a:t>
-            </a:r>
-            <a:r>
-              <a:rPr lang="en-US" dirty="0" err="1" smtClean="0"/>
-              <a:t>om</a:t>
-            </a:r>
-            <a:r>
-              <a:rPr lang="en-US" dirty="0" smtClean="0"/>
-              <a:t> de </a:t>
-            </a:r>
-            <a:r>
-              <a:rPr lang="en-US" dirty="0" err="1" smtClean="0"/>
-              <a:t>verkar</a:t>
-            </a:r>
-            <a:r>
-              <a:rPr lang="en-US" dirty="0" smtClean="0"/>
-              <a:t> bra</a:t>
-            </a:r>
-          </a:p>
-        </p:txBody>
-      </p:sp>
+      <p:pic>
+        <p:nvPicPr>
+          <p:cNvPr id="5" name="Picture 4" descr="Lampa allah.JPG"/>
+          <p:cNvPicPr>
+            <a:picLocks noChangeAspect="1"/>
+          </p:cNvPicPr>
+          <p:nvPr/>
+        </p:nvPicPr>
+        <p:blipFill>
+          <a:blip r:embed="rId2" cstate="print"/>
+          <a:stretch>
+            <a:fillRect/>
+          </a:stretch>
+        </p:blipFill>
+        <p:spPr>
+          <a:xfrm>
+            <a:off x="685800" y="3200400"/>
+            <a:ext cx="7867650" cy="2676525"/>
+          </a:xfrm>
+          <a:prstGeom prst="rect">
+            <a:avLst/>
+          </a:prstGeom>
+        </p:spPr>
+      </p:pic>
     </p:spTree>
   </p:cSld>
   <p:clrMapOvr>
@@ -7541,6 +10332,540 @@
       </p:grpSpPr>
       <p:sp>
         <p:nvSpPr>
+          <p:cNvPr id="2" name="Title 1"/>
+          <p:cNvSpPr>
+            <a:spLocks noGrp="1"/>
+          </p:cNvSpPr>
+          <p:nvPr>
+            <p:ph type="title"/>
+          </p:nvPr>
+        </p:nvSpPr>
+        <p:spPr/>
+        <p:txBody>
+          <a:bodyPr>
+            <a:normAutofit/>
+          </a:bodyPr>
+          <a:lstStyle/>
+          <a:p>
+            <a:r>
+              <a:rPr lang="en-US" dirty="0" err="1" smtClean="0"/>
+              <a:t>Varför</a:t>
+            </a:r>
+            <a:r>
+              <a:rPr lang="en-US" dirty="0" smtClean="0"/>
+              <a:t> “</a:t>
+            </a:r>
+            <a:r>
+              <a:rPr lang="en-US" dirty="0" err="1" smtClean="0"/>
+              <a:t>Bulan</a:t>
+            </a:r>
+            <a:r>
+              <a:rPr lang="en-US" dirty="0" smtClean="0"/>
+              <a:t>”?</a:t>
+            </a:r>
+            <a:endParaRPr lang="en-US" dirty="0"/>
+          </a:p>
+        </p:txBody>
+      </p:sp>
+      <p:sp>
+        <p:nvSpPr>
+          <p:cNvPr id="3" name="Content Placeholder 2"/>
+          <p:cNvSpPr>
+            <a:spLocks noGrp="1"/>
+          </p:cNvSpPr>
+          <p:nvPr>
+            <p:ph idx="1"/>
+          </p:nvPr>
+        </p:nvSpPr>
+        <p:spPr/>
+        <p:txBody>
+          <a:bodyPr/>
+          <a:lstStyle/>
+          <a:p>
+            <a:r>
+              <a:rPr lang="en-US" dirty="0" err="1" smtClean="0"/>
+              <a:t>Autonom</a:t>
+            </a:r>
+            <a:r>
+              <a:rPr lang="en-US" dirty="0" smtClean="0"/>
+              <a:t> </a:t>
+            </a:r>
+            <a:r>
+              <a:rPr lang="en-US" dirty="0" err="1" smtClean="0"/>
+              <a:t>upplockning</a:t>
+            </a:r>
+            <a:endParaRPr lang="en-US" dirty="0" smtClean="0"/>
+          </a:p>
+          <a:p>
+            <a:r>
+              <a:rPr lang="en-US" dirty="0" err="1" smtClean="0"/>
+              <a:t>Snyggt</a:t>
+            </a:r>
+            <a:r>
+              <a:rPr lang="en-US" dirty="0" smtClean="0"/>
+              <a:t> </a:t>
+            </a:r>
+            <a:r>
+              <a:rPr lang="en-US" dirty="0" err="1" smtClean="0"/>
+              <a:t>och</a:t>
+            </a:r>
+            <a:r>
+              <a:rPr lang="en-US" dirty="0" smtClean="0"/>
+              <a:t> </a:t>
+            </a:r>
+            <a:r>
+              <a:rPr lang="en-US" dirty="0" err="1" smtClean="0"/>
+              <a:t>tydligt</a:t>
+            </a:r>
+            <a:r>
+              <a:rPr lang="en-US" dirty="0" smtClean="0"/>
+              <a:t> interface</a:t>
+            </a:r>
+          </a:p>
+          <a:p>
+            <a:r>
+              <a:rPr lang="en-US" dirty="0" smtClean="0"/>
+              <a:t>Fail-safe</a:t>
+            </a:r>
+          </a:p>
+          <a:p>
+            <a:r>
+              <a:rPr lang="en-US" dirty="0" err="1" smtClean="0"/>
+              <a:t>Vacker</a:t>
+            </a:r>
+            <a:r>
+              <a:rPr lang="en-US" dirty="0" smtClean="0"/>
+              <a:t> design</a:t>
+            </a:r>
+          </a:p>
+          <a:p>
+            <a:r>
+              <a:rPr lang="en-US" dirty="0" smtClean="0"/>
+              <a:t>Kan </a:t>
+            </a:r>
+            <a:r>
+              <a:rPr lang="en-US" dirty="0" err="1" smtClean="0"/>
+              <a:t>dansa</a:t>
+            </a:r>
+            <a:r>
+              <a:rPr lang="en-US" dirty="0" smtClean="0"/>
+              <a:t> </a:t>
+            </a:r>
+            <a:r>
+              <a:rPr lang="en-US" dirty="0" err="1" smtClean="0"/>
+              <a:t>segerdans</a:t>
+            </a:r>
+            <a:endParaRPr lang="en-US" dirty="0" smtClean="0"/>
+          </a:p>
+          <a:p>
+            <a:pPr>
+              <a:buNone/>
+            </a:pPr>
+            <a:endParaRPr lang="en-US" dirty="0" smtClean="0"/>
+          </a:p>
+          <a:p>
+            <a:endParaRPr lang="en-US" dirty="0" smtClean="0"/>
+          </a:p>
+          <a:p>
+            <a:pPr>
+              <a:buNone/>
+            </a:pPr>
+            <a:endParaRPr lang="en-US" dirty="0"/>
+          </a:p>
+        </p:txBody>
+      </p:sp>
+    </p:spTree>
+  </p:cSld>
+  <p:clrMapOvr>
+    <a:masterClrMapping/>
+  </p:clrMapOvr>
+  <p:timing>
+    <p:tnLst>
+      <p:par>
+        <p:cTn id="1" dur="indefinite" restart="never" nodeType="tmRoot"/>
+      </p:par>
+    </p:tnLst>
+  </p:timing>
+</p:sld>
+</file>
+
+<file path=ppt/slides/slide22.xml><?xml version="1.0" encoding="utf-8"?>
+<p:sld xmlns:a="http://schemas.openxmlformats.org/drawingml/2006/main" xmlns:r="http://schemas.openxmlformats.org/officeDocument/2006/relationships" xmlns:p="http://schemas.openxmlformats.org/presentationml/2006/main">
+  <p:cSld>
+    <p:spTree>
+      <p:nvGrpSpPr>
+        <p:cNvPr id="1" name=""/>
+        <p:cNvGrpSpPr/>
+        <p:nvPr/>
+      </p:nvGrpSpPr>
+      <p:grpSpPr>
+        <a:xfrm>
+          <a:off x="0" y="0"/>
+          <a:ext cx="0" cy="0"/>
+          <a:chOff x="0" y="0"/>
+          <a:chExt cx="0" cy="0"/>
+        </a:xfrm>
+      </p:grpSpPr>
+      <p:sp>
+        <p:nvSpPr>
+          <p:cNvPr id="2" name="Title 1"/>
+          <p:cNvSpPr>
+            <a:spLocks noGrp="1"/>
+          </p:cNvSpPr>
+          <p:nvPr>
+            <p:ph type="title"/>
+          </p:nvPr>
+        </p:nvSpPr>
+        <p:spPr/>
+        <p:txBody>
+          <a:bodyPr/>
+          <a:lstStyle/>
+          <a:p>
+            <a:r>
+              <a:rPr lang="en-US" dirty="0" err="1" smtClean="0"/>
+              <a:t>Vad</a:t>
+            </a:r>
+            <a:r>
+              <a:rPr lang="en-US" dirty="0" smtClean="0"/>
+              <a:t> </a:t>
+            </a:r>
+            <a:r>
+              <a:rPr lang="en-US" dirty="0" err="1" smtClean="0"/>
+              <a:t>har</a:t>
+            </a:r>
+            <a:r>
+              <a:rPr lang="en-US" dirty="0" smtClean="0"/>
+              <a:t> vi </a:t>
+            </a:r>
+            <a:r>
+              <a:rPr lang="en-US" dirty="0" err="1" smtClean="0"/>
+              <a:t>lärt</a:t>
+            </a:r>
+            <a:r>
+              <a:rPr lang="en-US" dirty="0" smtClean="0"/>
+              <a:t> </a:t>
+            </a:r>
+            <a:r>
+              <a:rPr lang="en-US" dirty="0" err="1" smtClean="0"/>
+              <a:t>oss</a:t>
+            </a:r>
+            <a:r>
+              <a:rPr lang="en-US" dirty="0" smtClean="0"/>
+              <a:t>?</a:t>
+            </a:r>
+            <a:endParaRPr lang="en-US" dirty="0"/>
+          </a:p>
+        </p:txBody>
+      </p:sp>
+      <p:sp>
+        <p:nvSpPr>
+          <p:cNvPr id="3" name="Content Placeholder 2"/>
+          <p:cNvSpPr>
+            <a:spLocks noGrp="1"/>
+          </p:cNvSpPr>
+          <p:nvPr>
+            <p:ph idx="1"/>
+          </p:nvPr>
+        </p:nvSpPr>
+        <p:spPr/>
+        <p:txBody>
+          <a:bodyPr/>
+          <a:lstStyle/>
+          <a:p>
+            <a:r>
+              <a:rPr lang="en-US" dirty="0" err="1" smtClean="0"/>
+              <a:t>Det</a:t>
+            </a:r>
+            <a:r>
+              <a:rPr lang="en-US" dirty="0" smtClean="0"/>
+              <a:t> </a:t>
+            </a:r>
+            <a:r>
+              <a:rPr lang="en-US" dirty="0" err="1" smtClean="0"/>
+              <a:t>lönar</a:t>
+            </a:r>
+            <a:r>
+              <a:rPr lang="en-US" dirty="0" smtClean="0"/>
+              <a:t> sig </a:t>
+            </a:r>
+            <a:r>
+              <a:rPr lang="en-US" dirty="0" err="1" smtClean="0"/>
+              <a:t>att</a:t>
+            </a:r>
+            <a:r>
+              <a:rPr lang="en-US" dirty="0" smtClean="0"/>
+              <a:t> </a:t>
+            </a:r>
+            <a:r>
+              <a:rPr lang="en-US" dirty="0" err="1" smtClean="0"/>
+              <a:t>planera</a:t>
+            </a:r>
+            <a:endParaRPr lang="en-US" dirty="0" smtClean="0"/>
+          </a:p>
+          <a:p>
+            <a:r>
+              <a:rPr lang="en-US" dirty="0" err="1" smtClean="0"/>
+              <a:t>Planera</a:t>
+            </a:r>
+            <a:r>
+              <a:rPr lang="en-US" dirty="0" smtClean="0"/>
+              <a:t> </a:t>
+            </a:r>
+            <a:r>
+              <a:rPr lang="en-US" dirty="0" err="1" smtClean="0"/>
+              <a:t>så</a:t>
+            </a:r>
+            <a:r>
+              <a:rPr lang="en-US" dirty="0" smtClean="0"/>
+              <a:t> </a:t>
+            </a:r>
+            <a:r>
+              <a:rPr lang="en-US" dirty="0" err="1" smtClean="0"/>
+              <a:t>att</a:t>
+            </a:r>
+            <a:r>
+              <a:rPr lang="en-US" dirty="0" smtClean="0"/>
+              <a:t> </a:t>
+            </a:r>
+            <a:r>
+              <a:rPr lang="en-US" dirty="0" err="1" smtClean="0"/>
+              <a:t>flaskhalsar</a:t>
+            </a:r>
+            <a:r>
+              <a:rPr lang="en-US" dirty="0" smtClean="0"/>
+              <a:t> </a:t>
+            </a:r>
+            <a:r>
+              <a:rPr lang="en-US" dirty="0" err="1" smtClean="0"/>
+              <a:t>undviks</a:t>
+            </a:r>
+            <a:endParaRPr lang="en-US" dirty="0" smtClean="0"/>
+          </a:p>
+          <a:p>
+            <a:r>
+              <a:rPr lang="en-US" dirty="0" err="1" smtClean="0"/>
+              <a:t>Jobba</a:t>
+            </a:r>
+            <a:r>
+              <a:rPr lang="en-US" dirty="0" smtClean="0"/>
+              <a:t> </a:t>
+            </a:r>
+            <a:r>
+              <a:rPr lang="en-US" dirty="0" err="1" smtClean="0"/>
+              <a:t>så</a:t>
+            </a:r>
+            <a:r>
+              <a:rPr lang="en-US" dirty="0" smtClean="0"/>
+              <a:t> </a:t>
+            </a:r>
+            <a:r>
+              <a:rPr lang="en-US" dirty="0" err="1" smtClean="0"/>
+              <a:t>parallellt</a:t>
+            </a:r>
+            <a:r>
+              <a:rPr lang="en-US" dirty="0" smtClean="0"/>
+              <a:t> </a:t>
+            </a:r>
+            <a:r>
+              <a:rPr lang="en-US" dirty="0" err="1" smtClean="0"/>
+              <a:t>det</a:t>
+            </a:r>
+            <a:r>
+              <a:rPr lang="en-US" dirty="0" smtClean="0"/>
+              <a:t> </a:t>
+            </a:r>
+            <a:r>
+              <a:rPr lang="en-US" dirty="0" err="1" smtClean="0"/>
+              <a:t>går</a:t>
+            </a:r>
+            <a:r>
+              <a:rPr lang="en-US" dirty="0" smtClean="0"/>
+              <a:t> I </a:t>
+            </a:r>
+            <a:r>
+              <a:rPr lang="en-US" dirty="0" err="1" smtClean="0"/>
+              <a:t>början</a:t>
+            </a:r>
+            <a:r>
+              <a:rPr lang="en-US" dirty="0" smtClean="0"/>
+              <a:t> </a:t>
+            </a:r>
+          </a:p>
+          <a:p>
+            <a:r>
+              <a:rPr lang="en-US" dirty="0" err="1" smtClean="0"/>
+              <a:t>Lagom</a:t>
+            </a:r>
+            <a:r>
+              <a:rPr lang="en-US" dirty="0" smtClean="0"/>
+              <a:t> </a:t>
+            </a:r>
+            <a:r>
+              <a:rPr lang="en-US" dirty="0" err="1" smtClean="0"/>
+              <a:t>långa</a:t>
+            </a:r>
+            <a:r>
+              <a:rPr lang="en-US" dirty="0" smtClean="0"/>
+              <a:t> </a:t>
+            </a:r>
+            <a:r>
+              <a:rPr lang="en-US" dirty="0" err="1" smtClean="0"/>
+              <a:t>arbetspass</a:t>
+            </a:r>
+            <a:endParaRPr lang="en-US" dirty="0" smtClean="0"/>
+          </a:p>
+          <a:p>
+            <a:r>
+              <a:rPr lang="en-US" dirty="0" smtClean="0"/>
+              <a:t> </a:t>
+            </a:r>
+            <a:r>
+              <a:rPr lang="en-US" dirty="0" err="1" smtClean="0"/>
+              <a:t>Vira</a:t>
+            </a:r>
+            <a:r>
+              <a:rPr lang="en-US" dirty="0" smtClean="0"/>
+              <a:t> </a:t>
+            </a:r>
+            <a:r>
+              <a:rPr lang="en-US" dirty="0" err="1" smtClean="0"/>
+              <a:t>ordentligt</a:t>
+            </a:r>
+            <a:endParaRPr lang="en-US" dirty="0" smtClean="0"/>
+          </a:p>
+          <a:p>
+            <a:r>
+              <a:rPr lang="en-US" dirty="0" err="1" smtClean="0"/>
+              <a:t>Skriv</a:t>
+            </a:r>
+            <a:r>
+              <a:rPr lang="en-US" dirty="0" smtClean="0"/>
+              <a:t> </a:t>
+            </a:r>
+            <a:r>
+              <a:rPr lang="en-US" dirty="0" err="1" smtClean="0"/>
+              <a:t>ordentlig</a:t>
+            </a:r>
+            <a:r>
+              <a:rPr lang="en-US" dirty="0" smtClean="0"/>
+              <a:t> </a:t>
+            </a:r>
+            <a:r>
+              <a:rPr lang="en-US" dirty="0" err="1" smtClean="0"/>
+              <a:t>kod</a:t>
+            </a:r>
+            <a:endParaRPr lang="en-US" dirty="0" smtClean="0"/>
+          </a:p>
+          <a:p>
+            <a:r>
+              <a:rPr lang="en-US" dirty="0" err="1" smtClean="0"/>
+              <a:t>Inse</a:t>
+            </a:r>
+            <a:r>
+              <a:rPr lang="en-US" dirty="0" smtClean="0"/>
+              <a:t> </a:t>
+            </a:r>
+            <a:r>
+              <a:rPr lang="en-US" dirty="0" err="1" smtClean="0"/>
+              <a:t>att</a:t>
+            </a:r>
+            <a:r>
+              <a:rPr lang="en-US" dirty="0" smtClean="0"/>
+              <a:t> </a:t>
+            </a:r>
+            <a:r>
+              <a:rPr lang="en-US" dirty="0" err="1" smtClean="0"/>
+              <a:t>idéer</a:t>
+            </a:r>
+            <a:r>
+              <a:rPr lang="en-US" dirty="0" smtClean="0"/>
+              <a:t> </a:t>
+            </a:r>
+            <a:r>
+              <a:rPr lang="en-US" dirty="0" err="1" smtClean="0"/>
+              <a:t>kan</a:t>
+            </a:r>
+            <a:r>
+              <a:rPr lang="en-US" dirty="0" smtClean="0"/>
+              <a:t> </a:t>
+            </a:r>
+            <a:r>
+              <a:rPr lang="en-US" dirty="0" err="1" smtClean="0"/>
+              <a:t>behöva</a:t>
+            </a:r>
+            <a:r>
+              <a:rPr lang="en-US" dirty="0" smtClean="0"/>
+              <a:t> </a:t>
+            </a:r>
+            <a:r>
+              <a:rPr lang="en-US" dirty="0" err="1" smtClean="0"/>
+              <a:t>ändras</a:t>
+            </a:r>
+            <a:r>
+              <a:rPr lang="en-US" dirty="0" smtClean="0"/>
+              <a:t> </a:t>
+            </a:r>
+            <a:r>
+              <a:rPr lang="en-US" dirty="0" err="1" smtClean="0"/>
+              <a:t>även</a:t>
+            </a:r>
+            <a:r>
+              <a:rPr lang="en-US" dirty="0" smtClean="0"/>
+              <a:t> </a:t>
+            </a:r>
+            <a:r>
+              <a:rPr lang="en-US" dirty="0" err="1" smtClean="0"/>
+              <a:t>om</a:t>
+            </a:r>
+            <a:r>
+              <a:rPr lang="en-US" dirty="0" smtClean="0"/>
+              <a:t> de </a:t>
+            </a:r>
+            <a:r>
+              <a:rPr lang="en-US" dirty="0" err="1" smtClean="0"/>
+              <a:t>verkar</a:t>
+            </a:r>
+            <a:r>
+              <a:rPr lang="en-US" dirty="0" smtClean="0"/>
+              <a:t> bra</a:t>
+            </a:r>
+          </a:p>
+        </p:txBody>
+      </p:sp>
+    </p:spTree>
+  </p:cSld>
+  <p:clrMapOvr>
+    <a:masterClrMapping/>
+  </p:clrMapOvr>
+  <p:timing>
+    <p:tnLst>
+      <p:par>
+        <p:cTn id="1" dur="indefinite" restart="never" nodeType="tmRoot"/>
+      </p:par>
+    </p:tnLst>
+  </p:timing>
+</p:sld>
+</file>
+
+<file path=ppt/slides/slide23.xml><?xml version="1.0" encoding="utf-8"?>
+<p:sld xmlns:a="http://schemas.openxmlformats.org/drawingml/2006/main" xmlns:r="http://schemas.openxmlformats.org/officeDocument/2006/relationships" xmlns:p="http://schemas.openxmlformats.org/presentationml/2006/main">
+  <p:cSld>
+    <p:spTree>
+      <p:nvGrpSpPr>
+        <p:cNvPr id="1" name=""/>
+        <p:cNvGrpSpPr/>
+        <p:nvPr/>
+      </p:nvGrpSpPr>
+      <p:grpSpPr>
+        <a:xfrm>
+          <a:off x="0" y="0"/>
+          <a:ext cx="0" cy="0"/>
+          <a:chOff x="0" y="0"/>
+          <a:chExt cx="0" cy="0"/>
+        </a:xfrm>
+      </p:grpSpPr>
+      <p:sp>
+        <p:nvSpPr>
           <p:cNvPr id="5" name="Subtitle 4"/>
           <p:cNvSpPr>
             <a:spLocks noGrp="1"/>
@@ -7746,7 +11071,7 @@
           <a:blip r:embed="rId3" cstate="print">
             <a:extLst>
               <a:ext uri="{28A0092B-C50C-407E-A947-70E740481C1C}">
-                <a14:useLocalDpi xmlns:a14="http://schemas.microsoft.com/office/drawing/2010/main" xmlns="" val="0"/>
+                <a14:useLocalDpi xmlns:a14="http://schemas.microsoft.com/office/drawing/2010/main" val="0"/>
               </a:ext>
             </a:extLst>
           </a:blip>
@@ -7770,14 +11095,14 @@
           <a:effectLst/>
           <a:extLst>
             <a:ext uri="{909E8E84-426E-40DD-AFC4-6F175D3DCCD1}">
-              <a14:hiddenFill xmlns:a14="http://schemas.microsoft.com/office/drawing/2010/main" xmlns="">
+              <a14:hiddenFill xmlns:a14="http://schemas.microsoft.com/office/drawing/2010/main">
                 <a:solidFill>
                   <a:schemeClr val="accent1"/>
                 </a:solidFill>
               </a14:hiddenFill>
             </a:ext>
             <a:ext uri="{91240B29-F687-4F45-9708-019B960494DF}">
-              <a14:hiddenLine xmlns:a14="http://schemas.microsoft.com/office/drawing/2010/main" xmlns="" w="9525">
+              <a14:hiddenLine xmlns:a14="http://schemas.microsoft.com/office/drawing/2010/main" w="9525">
                 <a:solidFill>
                   <a:schemeClr val="tx1"/>
                 </a:solidFill>
@@ -7787,7 +11112,7 @@
               </a14:hiddenLine>
             </a:ext>
             <a:ext uri="{AF507438-7753-43E0-B8FC-AC1667EBCBE1}">
-              <a14:hiddenEffects xmlns:a14="http://schemas.microsoft.com/office/drawing/2010/main" xmlns="">
+              <a14:hiddenEffects xmlns:a14="http://schemas.microsoft.com/office/drawing/2010/main">
                 <a:effectLst>
                   <a:outerShdw dist="35921" dir="2700000" algn="ctr" rotWithShape="0">
                     <a:schemeClr val="bg2"/>
@@ -7978,11 +11303,7 @@
           <a:p>
             <a:r>
               <a:rPr lang="en-US" dirty="0" smtClean="0"/>
-              <a:t>Uses a mixture of Gaussian model described by Wood</a:t>
-            </a:r>
-            <a:r>
-              <a:rPr lang="en-US" dirty="0" smtClean="0"/>
-              <a:t>.</a:t>
+              <a:t>Uses a mixture of Gaussian model described by Wood.</a:t>
             </a:r>
           </a:p>
           <a:p>
@@ -8062,11 +11383,7 @@
           <a:p>
             <a:r>
               <a:rPr lang="en-US" dirty="0" smtClean="0"/>
-              <a:t>Background </a:t>
-            </a:r>
-            <a:r>
-              <a:rPr lang="en-US" dirty="0" smtClean="0"/>
-              <a:t>Modeling problems</a:t>
+              <a:t>Background Modeling problems</a:t>
             </a:r>
             <a:endParaRPr lang="en-US" dirty="0"/>
           </a:p>
@@ -8157,11 +11474,7 @@
             </a:r>
             <a:r>
               <a:rPr lang="sv-SE" dirty="0" smtClean="0"/>
-              <a:t> steps</a:t>
-            </a:r>
-            <a:r>
-              <a:rPr lang="sv-SE" dirty="0" smtClean="0"/>
-              <a:t>.</a:t>
+              <a:t> steps.</a:t>
             </a:r>
           </a:p>
           <a:p>
@@ -8443,7 +11756,7 @@
           <a:blip r:embed="rId2" cstate="print">
             <a:extLst>
               <a:ext uri="{28A0092B-C50C-407E-A947-70E740481C1C}">
-                <a14:useLocalDpi xmlns:a14="http://schemas.microsoft.com/office/drawing/2010/main" xmlns="" val="0"/>
+                <a14:useLocalDpi xmlns:a14="http://schemas.microsoft.com/office/drawing/2010/main" val="0"/>
               </a:ext>
             </a:extLst>
           </a:blip>
@@ -8463,7 +11776,7 @@
           <a:noFill/>
           <a:extLst>
             <a:ext uri="{909E8E84-426E-40DD-AFC4-6F175D3DCCD1}">
-              <a14:hiddenFill xmlns:a14="http://schemas.microsoft.com/office/drawing/2010/main" xmlns="">
+              <a14:hiddenFill xmlns:a14="http://schemas.microsoft.com/office/drawing/2010/main">
                 <a:solidFill>
                   <a:srgbClr val="FFFFFF"/>
                 </a:solidFill>
@@ -8554,7 +11867,7 @@
           <a:blip r:embed="rId2" cstate="print">
             <a:extLst>
               <a:ext uri="{28A0092B-C50C-407E-A947-70E740481C1C}">
-                <a14:useLocalDpi xmlns:a14="http://schemas.microsoft.com/office/drawing/2010/main" xmlns="" val="0"/>
+                <a14:useLocalDpi xmlns:a14="http://schemas.microsoft.com/office/drawing/2010/main" val="0"/>
               </a:ext>
             </a:extLst>
           </a:blip>
@@ -8574,7 +11887,7 @@
           <a:noFill/>
           <a:extLst>
             <a:ext uri="{909E8E84-426E-40DD-AFC4-6F175D3DCCD1}">
-              <a14:hiddenFill xmlns:a14="http://schemas.microsoft.com/office/drawing/2010/main" xmlns="">
+              <a14:hiddenFill xmlns:a14="http://schemas.microsoft.com/office/drawing/2010/main">
                 <a:solidFill>
                   <a:srgbClr val="FFFFFF"/>
                 </a:solidFill>
@@ -8586,7 +11899,7 @@
     </p:spTree>
     <p:extLst>
       <p:ext uri="{BB962C8B-B14F-4D97-AF65-F5344CB8AC3E}">
-        <p14:creationId xmlns:p14="http://schemas.microsoft.com/office/powerpoint/2010/main" xmlns="" val="869843183"/>
+        <p14:creationId xmlns:p14="http://schemas.microsoft.com/office/powerpoint/2010/main" val="869843183"/>
       </p:ext>
     </p:extLst>
   </p:cSld>

--- a/Documentation/TSBB15prez.pptx
+++ b/Documentation/TSBB15prez.pptx
@@ -5,10 +5,10 @@
     <p:sldMasterId id="2147483684" r:id="rId1"/>
   </p:sldMasterIdLst>
   <p:notesMasterIdLst>
-    <p:notesMasterId r:id="rId25"/>
+    <p:notesMasterId r:id="rId26"/>
   </p:notesMasterIdLst>
   <p:handoutMasterIdLst>
-    <p:handoutMasterId r:id="rId26"/>
+    <p:handoutMasterId r:id="rId27"/>
   </p:handoutMasterIdLst>
   <p:sldIdLst>
     <p:sldId id="256" r:id="rId2"/>
@@ -24,16 +24,17 @@
     <p:sldId id="291" r:id="rId12"/>
     <p:sldId id="273" r:id="rId13"/>
     <p:sldId id="275" r:id="rId14"/>
-    <p:sldId id="276" r:id="rId15"/>
-    <p:sldId id="294" r:id="rId16"/>
-    <p:sldId id="293" r:id="rId17"/>
-    <p:sldId id="277" r:id="rId18"/>
-    <p:sldId id="278" r:id="rId19"/>
-    <p:sldId id="279" r:id="rId20"/>
-    <p:sldId id="280" r:id="rId21"/>
-    <p:sldId id="261" r:id="rId22"/>
-    <p:sldId id="286" r:id="rId23"/>
-    <p:sldId id="258" r:id="rId24"/>
+    <p:sldId id="295" r:id="rId15"/>
+    <p:sldId id="276" r:id="rId16"/>
+    <p:sldId id="294" r:id="rId17"/>
+    <p:sldId id="293" r:id="rId18"/>
+    <p:sldId id="277" r:id="rId19"/>
+    <p:sldId id="278" r:id="rId20"/>
+    <p:sldId id="279" r:id="rId21"/>
+    <p:sldId id="280" r:id="rId22"/>
+    <p:sldId id="261" r:id="rId23"/>
+    <p:sldId id="286" r:id="rId24"/>
+    <p:sldId id="258" r:id="rId25"/>
   </p:sldIdLst>
   <p:sldSz cx="9144000" cy="6858000" type="screen4x3"/>
   <p:notesSz cx="6858000" cy="9144000"/>
@@ -150,6 +151,7 @@
             <p14:sldId id="291"/>
             <p14:sldId id="273"/>
             <p14:sldId id="275"/>
+            <p14:sldId id="295"/>
             <p14:sldId id="276"/>
             <p14:sldId id="294"/>
             <p14:sldId id="293"/>
@@ -251,7 +253,7 @@
             <a:fld id="{2D3CB711-9C12-4B13-9C7A-61DE322E86FC}" type="datetimeFigureOut">
               <a:rPr lang="sv-SE" smtClean="0"/>
               <a:pPr/>
-              <a:t>2013-04-08</a:t>
+              <a:t>2013-04-09</a:t>
             </a:fld>
             <a:endParaRPr lang="sv-SE"/>
           </a:p>
@@ -417,7 +419,7 @@
           <a:p>
             <a:fld id="{3D88544D-189B-42AA-99C2-D77A007B2558}" type="datetimeFigureOut">
               <a:rPr lang="sv-SE" smtClean="0"/>
-              <a:t>2013-04-08</a:t>
+              <a:t>2013-04-09</a:t>
             </a:fld>
             <a:endParaRPr lang="sv-SE"/>
           </a:p>
@@ -2047,7 +2049,7 @@
             <a:fld id="{8C5ACF3F-8D59-47DC-851F-E1BB6DFB0347}" type="datetimeFigureOut">
               <a:rPr lang="en-US" smtClean="0"/>
               <a:pPr/>
-              <a:t>4/8/2013</a:t>
+              <a:t>4/9/2013</a:t>
             </a:fld>
             <a:endParaRPr lang="en-US"/>
           </a:p>
@@ -2272,7 +2274,7 @@
             <a:fld id="{8C5ACF3F-8D59-47DC-851F-E1BB6DFB0347}" type="datetimeFigureOut">
               <a:rPr lang="en-US" smtClean="0"/>
               <a:pPr/>
-              <a:t>4/8/2013</a:t>
+              <a:t>4/9/2013</a:t>
             </a:fld>
             <a:endParaRPr lang="en-US"/>
           </a:p>
@@ -2554,7 +2556,7 @@
             <a:fld id="{8C5ACF3F-8D59-47DC-851F-E1BB6DFB0347}" type="datetimeFigureOut">
               <a:rPr lang="en-US" smtClean="0"/>
               <a:pPr/>
-              <a:t>4/8/2013</a:t>
+              <a:t>4/9/2013</a:t>
             </a:fld>
             <a:endParaRPr lang="en-US"/>
           </a:p>
@@ -2735,7 +2737,7 @@
             <a:fld id="{8C5ACF3F-8D59-47DC-851F-E1BB6DFB0347}" type="datetimeFigureOut">
               <a:rPr lang="en-US" smtClean="0"/>
               <a:pPr/>
-              <a:t>4/8/2013</a:t>
+              <a:t>4/9/2013</a:t>
             </a:fld>
             <a:endParaRPr lang="en-US"/>
           </a:p>
@@ -3090,7 +3092,7 @@
             <a:fld id="{8C5ACF3F-8D59-47DC-851F-E1BB6DFB0347}" type="datetimeFigureOut">
               <a:rPr lang="en-US" smtClean="0"/>
               <a:pPr/>
-              <a:t>4/8/2013</a:t>
+              <a:t>4/9/2013</a:t>
             </a:fld>
             <a:endParaRPr lang="en-US"/>
           </a:p>
@@ -3379,7 +3381,7 @@
             <a:fld id="{8C5ACF3F-8D59-47DC-851F-E1BB6DFB0347}" type="datetimeFigureOut">
               <a:rPr lang="en-US" smtClean="0"/>
               <a:pPr/>
-              <a:t>4/8/2013</a:t>
+              <a:t>4/9/2013</a:t>
             </a:fld>
             <a:endParaRPr lang="en-US"/>
           </a:p>
@@ -3803,7 +3805,7 @@
             <a:fld id="{8C5ACF3F-8D59-47DC-851F-E1BB6DFB0347}" type="datetimeFigureOut">
               <a:rPr lang="en-US" smtClean="0"/>
               <a:pPr/>
-              <a:t>4/8/2013</a:t>
+              <a:t>4/9/2013</a:t>
             </a:fld>
             <a:endParaRPr lang="en-US"/>
           </a:p>
@@ -3920,7 +3922,7 @@
             <a:fld id="{8C5ACF3F-8D59-47DC-851F-E1BB6DFB0347}" type="datetimeFigureOut">
               <a:rPr lang="en-US" smtClean="0"/>
               <a:pPr/>
-              <a:t>4/8/2013</a:t>
+              <a:t>4/9/2013</a:t>
             </a:fld>
             <a:endParaRPr lang="en-US"/>
           </a:p>
@@ -4012,7 +4014,7 @@
             <a:fld id="{8C5ACF3F-8D59-47DC-851F-E1BB6DFB0347}" type="datetimeFigureOut">
               <a:rPr lang="en-US" smtClean="0"/>
               <a:pPr/>
-              <a:t>4/8/2013</a:t>
+              <a:t>4/9/2013</a:t>
             </a:fld>
             <a:endParaRPr lang="en-US"/>
           </a:p>
@@ -4292,7 +4294,7 @@
             <a:fld id="{8C5ACF3F-8D59-47DC-851F-E1BB6DFB0347}" type="datetimeFigureOut">
               <a:rPr lang="en-US" smtClean="0"/>
               <a:pPr/>
-              <a:t>4/8/2013</a:t>
+              <a:t>4/9/2013</a:t>
             </a:fld>
             <a:endParaRPr lang="en-US"/>
           </a:p>
@@ -4655,7 +4657,7 @@
             <a:fld id="{8C5ACF3F-8D59-47DC-851F-E1BB6DFB0347}" type="datetimeFigureOut">
               <a:rPr lang="en-US" smtClean="0"/>
               <a:pPr/>
-              <a:t>4/8/2013</a:t>
+              <a:t>4/9/2013</a:t>
             </a:fld>
             <a:endParaRPr lang="en-US"/>
           </a:p>
@@ -5111,7 +5113,7 @@
             <a:fld id="{8C5ACF3F-8D59-47DC-851F-E1BB6DFB0347}" type="datetimeFigureOut">
               <a:rPr lang="en-US" smtClean="0"/>
               <a:pPr/>
-              <a:t>4/8/2013</a:t>
+              <a:t>4/9/2013</a:t>
             </a:fld>
             <a:endParaRPr lang="en-US"/>
           </a:p>
@@ -6163,7 +6165,43 @@
               <a:rPr lang="en-US" dirty="0" smtClean="0"/>
               <a:t>Objectives</a:t>
             </a:r>
-            <a:endParaRPr lang="en-US" dirty="0" smtClean="0"/>
+          </a:p>
+          <a:p>
+            <a:pPr lvl="1"/>
+            <a:r>
+              <a:rPr lang="en-US" dirty="0"/>
+              <a:t>Correlate previous objects with current </a:t>
+            </a:r>
+            <a:r>
+              <a:rPr lang="en-US" dirty="0" smtClean="0"/>
+              <a:t>objects</a:t>
+            </a:r>
+          </a:p>
+          <a:p>
+            <a:pPr lvl="1"/>
+            <a:r>
+              <a:rPr lang="en-US" dirty="0"/>
+              <a:t>Handle occlusion</a:t>
+            </a:r>
+          </a:p>
+          <a:p>
+            <a:pPr lvl="2"/>
+            <a:r>
+              <a:rPr lang="en-US" dirty="0"/>
+              <a:t>Objects &lt;-&gt; Objects</a:t>
+            </a:r>
+          </a:p>
+          <a:p>
+            <a:pPr lvl="2"/>
+            <a:r>
+              <a:rPr lang="en-US" dirty="0"/>
+              <a:t>Objects &lt;-&gt; </a:t>
+            </a:r>
+            <a:r>
+              <a:rPr lang="en-US" dirty="0" smtClean="0"/>
+              <a:t>Background</a:t>
+            </a:r>
+            <a:endParaRPr lang="en-US" dirty="0"/>
           </a:p>
           <a:p>
             <a:pPr lvl="1"/>
@@ -6171,48 +6209,18 @@
               <a:rPr lang="en-US" dirty="0" smtClean="0"/>
               <a:t>Assign unique ID’s to new objects</a:t>
             </a:r>
+            <a:endParaRPr lang="en-US" dirty="0"/>
           </a:p>
           <a:p>
             <a:pPr lvl="1"/>
             <a:r>
+              <a:rPr lang="en-US" dirty="0"/>
+              <a:t>Forget objects that leave the </a:t>
+            </a:r>
+            <a:r>
               <a:rPr lang="en-US" dirty="0" smtClean="0"/>
-              <a:t>Judge if an object is new or not</a:t>
-            </a:r>
-          </a:p>
-          <a:p>
-            <a:pPr lvl="1"/>
-            <a:r>
-              <a:rPr lang="en-US" dirty="0" smtClean="0"/>
-              <a:t>Handle occlusion</a:t>
-            </a:r>
-          </a:p>
-          <a:p>
-            <a:pPr lvl="2"/>
-            <a:r>
-              <a:rPr lang="en-US" dirty="0" smtClean="0"/>
-              <a:t>Objects &lt;-&gt; Objects</a:t>
-            </a:r>
-          </a:p>
-          <a:p>
-            <a:pPr lvl="2"/>
-            <a:r>
-              <a:rPr lang="en-US" dirty="0" smtClean="0"/>
-              <a:t>Objects &lt;-&gt; Background</a:t>
-            </a:r>
-          </a:p>
-          <a:p>
-            <a:pPr lvl="1"/>
-            <a:r>
-              <a:rPr lang="en-US" dirty="0" smtClean="0"/>
-              <a:t>Forget objects that leav</a:t>
-            </a:r>
-            <a:r>
-              <a:rPr lang="en-US" dirty="0" smtClean="0"/>
-              <a:t>e the screen</a:t>
-            </a:r>
-            <a:endParaRPr lang="en-US" dirty="0" smtClean="0"/>
-          </a:p>
-          <a:p>
+              <a:t>screen</a:t>
+            </a:r>
             <a:endParaRPr lang="en-US" dirty="0" smtClean="0"/>
           </a:p>
           <a:p>
@@ -6236,6 +6244,682 @@
 </file>
 
 <file path=ppt/slides/slide14.xml><?xml version="1.0" encoding="utf-8"?>
+<p:sld xmlns:a="http://schemas.openxmlformats.org/drawingml/2006/main" xmlns:r="http://schemas.openxmlformats.org/officeDocument/2006/relationships" xmlns:p="http://schemas.openxmlformats.org/presentationml/2006/main">
+  <p:cSld>
+    <p:spTree>
+      <p:nvGrpSpPr>
+        <p:cNvPr id="1" name=""/>
+        <p:cNvGrpSpPr/>
+        <p:nvPr/>
+      </p:nvGrpSpPr>
+      <p:grpSpPr>
+        <a:xfrm>
+          <a:off x="0" y="0"/>
+          <a:ext cx="0" cy="0"/>
+          <a:chOff x="0" y="0"/>
+          <a:chExt cx="0" cy="0"/>
+        </a:xfrm>
+      </p:grpSpPr>
+      <p:sp>
+        <p:nvSpPr>
+          <p:cNvPr id="2" name="Title 1"/>
+          <p:cNvSpPr>
+            <a:spLocks noGrp="1"/>
+          </p:cNvSpPr>
+          <p:nvPr>
+            <p:ph type="title"/>
+          </p:nvPr>
+        </p:nvSpPr>
+        <p:spPr/>
+        <p:txBody>
+          <a:bodyPr/>
+          <a:lstStyle/>
+          <a:p>
+            <a:r>
+              <a:rPr lang="sv-SE" dirty="0" smtClean="0"/>
+              <a:t>Identification – Error measure</a:t>
+            </a:r>
+            <a:endParaRPr lang="sv-SE" dirty="0"/>
+          </a:p>
+        </p:txBody>
+      </p:sp>
+      <mc:AlternateContent xmlns:mc="http://schemas.openxmlformats.org/markup-compatibility/2006">
+        <mc:Choice xmlns:a14="http://schemas.microsoft.com/office/drawing/2010/main" Requires="a14">
+          <p:sp>
+            <p:nvSpPr>
+              <p:cNvPr id="3" name="Content Placeholder 2"/>
+              <p:cNvSpPr>
+                <a:spLocks noGrp="1"/>
+              </p:cNvSpPr>
+              <p:nvPr>
+                <p:ph idx="1"/>
+              </p:nvPr>
+            </p:nvSpPr>
+            <p:spPr/>
+            <p:txBody>
+              <a:bodyPr/>
+              <a:lstStyle/>
+              <a:p>
+                <a:r>
+                  <a:rPr lang="sv-SE" dirty="0" smtClean="0"/>
+                  <a:t>A measure of how similar two objects are.</a:t>
+                </a:r>
+              </a:p>
+              <a:p>
+                <a:r>
+                  <a:rPr lang="sv-SE" dirty="0" smtClean="0"/>
+                  <a:t>A measure of how probable it is that two objects are the same.</a:t>
+                </a:r>
+              </a:p>
+              <a:p>
+                <a:endParaRPr lang="sv-SE" dirty="0"/>
+              </a:p>
+              <a:p>
+                <a14:m>
+                  <m:oMath xmlns:m="http://schemas.openxmlformats.org/officeDocument/2006/math">
+                    <m:sSup>
+                      <m:sSupPr>
+                        <m:ctrlPr>
+                          <a:rPr lang="sv-SE" sz="1500" b="0" i="1" smtClean="0">
+                            <a:latin typeface="Cambria Math"/>
+                          </a:rPr>
+                        </m:ctrlPr>
+                      </m:sSupPr>
+                      <m:e>
+                        <m:r>
+                          <a:rPr lang="sv-SE" sz="1500" b="0" i="1" smtClean="0">
+                            <a:latin typeface="Cambria Math"/>
+                          </a:rPr>
+                          <m:t>𝜖</m:t>
+                        </m:r>
+                        <m:r>
+                          <a:rPr lang="sv-SE" sz="1500" b="0" i="1" smtClean="0">
+                            <a:latin typeface="Cambria Math"/>
+                          </a:rPr>
+                          <m:t>=</m:t>
+                        </m:r>
+                        <m:d>
+                          <m:dPr>
+                            <m:ctrlPr>
+                              <a:rPr lang="sv-SE" sz="1500" i="1" smtClean="0">
+                                <a:latin typeface="Cambria Math"/>
+                              </a:rPr>
+                            </m:ctrlPr>
+                          </m:dPr>
+                          <m:e>
+                            <m:sSub>
+                              <m:sSubPr>
+                                <m:ctrlPr>
+                                  <a:rPr lang="sv-SE" sz="1500" b="0" i="1" smtClean="0">
+                                    <a:latin typeface="Cambria Math"/>
+                                  </a:rPr>
+                                </m:ctrlPr>
+                              </m:sSubPr>
+                              <m:e>
+                                <m:r>
+                                  <a:rPr lang="sv-SE" sz="1500" b="0" i="1" smtClean="0">
+                                    <a:latin typeface="Cambria Math"/>
+                                  </a:rPr>
+                                  <m:t>𝑥</m:t>
+                                </m:r>
+                              </m:e>
+                              <m:sub>
+                                <m:r>
+                                  <a:rPr lang="sv-SE" sz="1500" b="0" i="1" smtClean="0">
+                                    <a:latin typeface="Cambria Math"/>
+                                  </a:rPr>
+                                  <m:t>1</m:t>
+                                </m:r>
+                              </m:sub>
+                            </m:sSub>
+                            <m:r>
+                              <a:rPr lang="sv-SE" sz="1500" b="0" i="1" smtClean="0">
+                                <a:latin typeface="Cambria Math"/>
+                              </a:rPr>
+                              <m:t>−</m:t>
+                            </m:r>
+                            <m:sSub>
+                              <m:sSubPr>
+                                <m:ctrlPr>
+                                  <a:rPr lang="sv-SE" sz="1500" b="0" i="1" smtClean="0">
+                                    <a:latin typeface="Cambria Math"/>
+                                  </a:rPr>
+                                </m:ctrlPr>
+                              </m:sSubPr>
+                              <m:e>
+                                <m:r>
+                                  <a:rPr lang="sv-SE" sz="1500" b="0" i="1" smtClean="0">
+                                    <a:latin typeface="Cambria Math"/>
+                                  </a:rPr>
+                                  <m:t>𝑥</m:t>
+                                </m:r>
+                              </m:e>
+                              <m:sub>
+                                <m:r>
+                                  <a:rPr lang="sv-SE" sz="1500" b="0" i="1" smtClean="0">
+                                    <a:latin typeface="Cambria Math"/>
+                                  </a:rPr>
+                                  <m:t>2</m:t>
+                                </m:r>
+                              </m:sub>
+                            </m:sSub>
+                            <m:r>
+                              <a:rPr lang="sv-SE" sz="1500" b="0" i="1" smtClean="0">
+                                <a:latin typeface="Cambria Math"/>
+                              </a:rPr>
+                              <m:t>−</m:t>
+                            </m:r>
+                            <m:r>
+                              <a:rPr lang="sv-SE" sz="1500" b="0" i="1" smtClean="0">
+                                <a:latin typeface="Cambria Math"/>
+                                <a:ea typeface="Cambria Math"/>
+                              </a:rPr>
+                              <m:t>𝜕</m:t>
+                            </m:r>
+                            <m:sSub>
+                              <m:sSubPr>
+                                <m:ctrlPr>
+                                  <a:rPr lang="sv-SE" sz="1500" b="0" i="1" smtClean="0">
+                                    <a:latin typeface="Cambria Math"/>
+                                    <a:ea typeface="Cambria Math"/>
+                                  </a:rPr>
+                                </m:ctrlPr>
+                              </m:sSubPr>
+                              <m:e>
+                                <m:r>
+                                  <a:rPr lang="sv-SE" sz="1500" b="0" i="1" smtClean="0">
+                                    <a:latin typeface="Cambria Math"/>
+                                    <a:ea typeface="Cambria Math"/>
+                                  </a:rPr>
+                                  <m:t>𝑥</m:t>
+                                </m:r>
+                              </m:e>
+                              <m:sub>
+                                <m:r>
+                                  <a:rPr lang="sv-SE" sz="1500" b="0" i="1" smtClean="0">
+                                    <a:latin typeface="Cambria Math"/>
+                                    <a:ea typeface="Cambria Math"/>
+                                  </a:rPr>
+                                  <m:t>2</m:t>
+                                </m:r>
+                              </m:sub>
+                            </m:sSub>
+                          </m:e>
+                        </m:d>
+                      </m:e>
+                      <m:sup>
+                        <m:r>
+                          <a:rPr lang="sv-SE" sz="1500" b="0" i="1" smtClean="0">
+                            <a:latin typeface="Cambria Math"/>
+                          </a:rPr>
+                          <m:t>2</m:t>
+                        </m:r>
+                      </m:sup>
+                    </m:sSup>
+                    <m:r>
+                      <a:rPr lang="sv-SE" sz="1500" b="0" i="1" smtClean="0">
+                        <a:latin typeface="Cambria Math"/>
+                      </a:rPr>
+                      <m:t>+</m:t>
+                    </m:r>
+                    <m:sSup>
+                      <m:sSupPr>
+                        <m:ctrlPr>
+                          <a:rPr lang="sv-SE" sz="1500" i="1">
+                            <a:latin typeface="Cambria Math"/>
+                          </a:rPr>
+                        </m:ctrlPr>
+                      </m:sSupPr>
+                      <m:e>
+                        <m:d>
+                          <m:dPr>
+                            <m:ctrlPr>
+                              <a:rPr lang="sv-SE" sz="1500" i="1">
+                                <a:latin typeface="Cambria Math"/>
+                              </a:rPr>
+                            </m:ctrlPr>
+                          </m:dPr>
+                          <m:e>
+                            <m:sSub>
+                              <m:sSubPr>
+                                <m:ctrlPr>
+                                  <a:rPr lang="sv-SE" sz="1500" i="1">
+                                    <a:latin typeface="Cambria Math"/>
+                                  </a:rPr>
+                                </m:ctrlPr>
+                              </m:sSubPr>
+                              <m:e>
+                                <m:r>
+                                  <a:rPr lang="sv-SE" sz="1500" b="0" i="1" smtClean="0">
+                                    <a:latin typeface="Cambria Math"/>
+                                  </a:rPr>
+                                  <m:t>𝑦</m:t>
+                                </m:r>
+                              </m:e>
+                              <m:sub>
+                                <m:r>
+                                  <a:rPr lang="sv-SE" sz="1500" i="1">
+                                    <a:latin typeface="Cambria Math"/>
+                                  </a:rPr>
+                                  <m:t>1</m:t>
+                                </m:r>
+                              </m:sub>
+                            </m:sSub>
+                            <m:r>
+                              <a:rPr lang="sv-SE" sz="1500" i="1">
+                                <a:latin typeface="Cambria Math"/>
+                              </a:rPr>
+                              <m:t>−</m:t>
+                            </m:r>
+                            <m:sSub>
+                              <m:sSubPr>
+                                <m:ctrlPr>
+                                  <a:rPr lang="sv-SE" sz="1500" i="1">
+                                    <a:latin typeface="Cambria Math"/>
+                                  </a:rPr>
+                                </m:ctrlPr>
+                              </m:sSubPr>
+                              <m:e>
+                                <m:r>
+                                  <a:rPr lang="sv-SE" sz="1500" b="0" i="1" smtClean="0">
+                                    <a:latin typeface="Cambria Math"/>
+                                  </a:rPr>
+                                  <m:t>𝑦</m:t>
+                                </m:r>
+                              </m:e>
+                              <m:sub>
+                                <m:r>
+                                  <a:rPr lang="sv-SE" sz="1500" i="1">
+                                    <a:latin typeface="Cambria Math"/>
+                                  </a:rPr>
+                                  <m:t>2</m:t>
+                                </m:r>
+                              </m:sub>
+                            </m:sSub>
+                            <m:r>
+                              <a:rPr lang="sv-SE" sz="1500" i="1">
+                                <a:latin typeface="Cambria Math"/>
+                              </a:rPr>
+                              <m:t>−</m:t>
+                            </m:r>
+                            <m:r>
+                              <a:rPr lang="sv-SE" sz="1500" i="1">
+                                <a:latin typeface="Cambria Math"/>
+                                <a:ea typeface="Cambria Math"/>
+                              </a:rPr>
+                              <m:t>𝜕</m:t>
+                            </m:r>
+                            <m:sSub>
+                              <m:sSubPr>
+                                <m:ctrlPr>
+                                  <a:rPr lang="sv-SE" sz="1500" i="1">
+                                    <a:latin typeface="Cambria Math"/>
+                                    <a:ea typeface="Cambria Math"/>
+                                  </a:rPr>
+                                </m:ctrlPr>
+                              </m:sSubPr>
+                              <m:e>
+                                <m:r>
+                                  <a:rPr lang="sv-SE" sz="1500" b="0" i="1" smtClean="0">
+                                    <a:latin typeface="Cambria Math"/>
+                                    <a:ea typeface="Cambria Math"/>
+                                  </a:rPr>
+                                  <m:t>𝑦</m:t>
+                                </m:r>
+                              </m:e>
+                              <m:sub>
+                                <m:r>
+                                  <a:rPr lang="sv-SE" sz="1500" i="1">
+                                    <a:latin typeface="Cambria Math"/>
+                                    <a:ea typeface="Cambria Math"/>
+                                  </a:rPr>
+                                  <m:t>2</m:t>
+                                </m:r>
+                              </m:sub>
+                            </m:sSub>
+                          </m:e>
+                        </m:d>
+                      </m:e>
+                      <m:sup>
+                        <m:r>
+                          <a:rPr lang="sv-SE" sz="1500" i="1">
+                            <a:latin typeface="Cambria Math"/>
+                          </a:rPr>
+                          <m:t>2</m:t>
+                        </m:r>
+                      </m:sup>
+                    </m:sSup>
+                    <m:r>
+                      <a:rPr lang="sv-SE" sz="1500" b="0" i="1" smtClean="0">
+                        <a:latin typeface="Cambria Math"/>
+                      </a:rPr>
+                      <m:t>+</m:t>
+                    </m:r>
+                    <m:sSup>
+                      <m:sSupPr>
+                        <m:ctrlPr>
+                          <a:rPr lang="sv-SE" sz="1500" b="0" i="1" smtClean="0">
+                            <a:latin typeface="Cambria Math"/>
+                          </a:rPr>
+                        </m:ctrlPr>
+                      </m:sSupPr>
+                      <m:e>
+                        <m:d>
+                          <m:dPr>
+                            <m:ctrlPr>
+                              <a:rPr lang="sv-SE" sz="1500" b="0" i="1" smtClean="0">
+                                <a:latin typeface="Cambria Math"/>
+                              </a:rPr>
+                            </m:ctrlPr>
+                          </m:dPr>
+                          <m:e>
+                            <m:d>
+                              <m:dPr>
+                                <m:begChr m:val="|"/>
+                                <m:endChr m:val="|"/>
+                                <m:ctrlPr>
+                                  <a:rPr lang="sv-SE" sz="1500" b="0" i="1" smtClean="0">
+                                    <a:latin typeface="Cambria Math"/>
+                                  </a:rPr>
+                                </m:ctrlPr>
+                              </m:dPr>
+                              <m:e>
+                                <m:r>
+                                  <a:rPr lang="sv-SE" sz="1500" b="0" i="1" smtClean="0">
+                                    <a:latin typeface="Cambria Math"/>
+                                  </a:rPr>
+                                  <m:t>𝑤𝑖𝑑𝑡</m:t>
+                                </m:r>
+                                <m:sSub>
+                                  <m:sSubPr>
+                                    <m:ctrlPr>
+                                      <a:rPr lang="sv-SE" sz="1500" b="0" i="1" smtClean="0">
+                                        <a:latin typeface="Cambria Math"/>
+                                      </a:rPr>
+                                    </m:ctrlPr>
+                                  </m:sSubPr>
+                                  <m:e>
+                                    <m:r>
+                                      <a:rPr lang="sv-SE" sz="1500" b="0" i="1" smtClean="0">
+                                        <a:latin typeface="Cambria Math"/>
+                                      </a:rPr>
+                                      <m:t>h</m:t>
+                                    </m:r>
+                                  </m:e>
+                                  <m:sub>
+                                    <m:r>
+                                      <a:rPr lang="sv-SE" sz="1500" b="0" i="1" smtClean="0">
+                                        <a:latin typeface="Cambria Math"/>
+                                      </a:rPr>
+                                      <m:t>1</m:t>
+                                    </m:r>
+                                  </m:sub>
+                                </m:sSub>
+                                <m:r>
+                                  <a:rPr lang="sv-SE" sz="1500" b="0" i="1" smtClean="0">
+                                    <a:latin typeface="Cambria Math"/>
+                                  </a:rPr>
+                                  <m:t>−</m:t>
+                                </m:r>
+                                <m:r>
+                                  <a:rPr lang="sv-SE" sz="1500" b="0" i="1" smtClean="0">
+                                    <a:latin typeface="Cambria Math"/>
+                                  </a:rPr>
+                                  <m:t>𝑤𝑖𝑑h</m:t>
+                                </m:r>
+                                <m:sSub>
+                                  <m:sSubPr>
+                                    <m:ctrlPr>
+                                      <a:rPr lang="sv-SE" sz="1500" b="0" i="1" smtClean="0">
+                                        <a:latin typeface="Cambria Math"/>
+                                      </a:rPr>
+                                    </m:ctrlPr>
+                                  </m:sSubPr>
+                                  <m:e>
+                                    <m:r>
+                                      <a:rPr lang="sv-SE" sz="1500" b="0" i="1" smtClean="0">
+                                        <a:latin typeface="Cambria Math"/>
+                                      </a:rPr>
+                                      <m:t>𝑡</m:t>
+                                    </m:r>
+                                  </m:e>
+                                  <m:sub>
+                                    <m:r>
+                                      <a:rPr lang="sv-SE" sz="1500" b="0" i="1" smtClean="0">
+                                        <a:latin typeface="Cambria Math"/>
+                                      </a:rPr>
+                                      <m:t>2</m:t>
+                                    </m:r>
+                                  </m:sub>
+                                </m:sSub>
+                              </m:e>
+                            </m:d>
+                            <m:r>
+                              <a:rPr lang="sv-SE" sz="1500" b="0" i="1" smtClean="0">
+                                <a:latin typeface="Cambria Math"/>
+                              </a:rPr>
+                              <m:t>+|</m:t>
+                            </m:r>
+                            <m:r>
+                              <a:rPr lang="sv-SE" sz="1500" b="0" i="1" smtClean="0">
+                                <a:latin typeface="Cambria Math"/>
+                              </a:rPr>
+                              <m:t>h𝑒𝑖𝑔h</m:t>
+                            </m:r>
+                            <m:sSub>
+                              <m:sSubPr>
+                                <m:ctrlPr>
+                                  <a:rPr lang="sv-SE" sz="1500" b="0" i="1" smtClean="0">
+                                    <a:latin typeface="Cambria Math"/>
+                                  </a:rPr>
+                                </m:ctrlPr>
+                              </m:sSubPr>
+                              <m:e>
+                                <m:r>
+                                  <a:rPr lang="sv-SE" sz="1500" b="0" i="1" smtClean="0">
+                                    <a:latin typeface="Cambria Math"/>
+                                  </a:rPr>
+                                  <m:t>𝑡</m:t>
+                                </m:r>
+                              </m:e>
+                              <m:sub>
+                                <m:r>
+                                  <a:rPr lang="sv-SE" sz="1500" b="0" i="1" smtClean="0">
+                                    <a:latin typeface="Cambria Math"/>
+                                  </a:rPr>
+                                  <m:t>1</m:t>
+                                </m:r>
+                              </m:sub>
+                            </m:sSub>
+                            <m:r>
+                              <a:rPr lang="sv-SE" sz="1500" b="0" i="1" smtClean="0">
+                                <a:latin typeface="Cambria Math"/>
+                              </a:rPr>
+                              <m:t>−</m:t>
+                            </m:r>
+                            <m:r>
+                              <a:rPr lang="sv-SE" sz="1500" b="0" i="1" smtClean="0">
+                                <a:latin typeface="Cambria Math"/>
+                              </a:rPr>
+                              <m:t>h𝑒𝑖𝑔h</m:t>
+                            </m:r>
+                            <m:sSub>
+                              <m:sSubPr>
+                                <m:ctrlPr>
+                                  <a:rPr lang="sv-SE" sz="1500" b="0" i="1" smtClean="0">
+                                    <a:latin typeface="Cambria Math"/>
+                                  </a:rPr>
+                                </m:ctrlPr>
+                              </m:sSubPr>
+                              <m:e>
+                                <m:r>
+                                  <a:rPr lang="sv-SE" sz="1500" b="0" i="1" smtClean="0">
+                                    <a:latin typeface="Cambria Math"/>
+                                  </a:rPr>
+                                  <m:t>𝑡</m:t>
+                                </m:r>
+                              </m:e>
+                              <m:sub>
+                                <m:r>
+                                  <a:rPr lang="sv-SE" sz="1500" b="0" i="1" smtClean="0">
+                                    <a:latin typeface="Cambria Math"/>
+                                  </a:rPr>
+                                  <m:t>2</m:t>
+                                </m:r>
+                              </m:sub>
+                            </m:sSub>
+                            <m:r>
+                              <a:rPr lang="sv-SE" sz="1500" b="0" i="1" smtClean="0">
+                                <a:latin typeface="Cambria Math"/>
+                              </a:rPr>
+                              <m:t>|</m:t>
+                            </m:r>
+                          </m:e>
+                        </m:d>
+                      </m:e>
+                      <m:sup>
+                        <m:r>
+                          <a:rPr lang="sv-SE" sz="1500" b="0" i="1" smtClean="0">
+                            <a:latin typeface="Cambria Math"/>
+                          </a:rPr>
+                          <m:t>2</m:t>
+                        </m:r>
+                      </m:sup>
+                    </m:sSup>
+                  </m:oMath>
+                </a14:m>
+                <a:endParaRPr lang="sv-SE" sz="1500" dirty="0" smtClean="0"/>
+              </a:p>
+              <a:p>
+                <a:endParaRPr lang="sv-SE" sz="1600" dirty="0"/>
+              </a:p>
+              <a:p>
+                <a:endParaRPr lang="sv-SE" sz="1500" dirty="0" smtClean="0"/>
+              </a:p>
+              <a:p>
+                <a:endParaRPr lang="sv-SE" sz="1500" dirty="0"/>
+              </a:p>
+              <a:p>
+                <a:endParaRPr lang="sv-SE" dirty="0"/>
+              </a:p>
+              <a:p>
+                <a:r>
+                  <a:rPr lang="sv-SE" dirty="0" smtClean="0"/>
+                  <a:t>Discards outliers</a:t>
+                </a:r>
+                <a:endParaRPr lang="sv-SE" dirty="0"/>
+              </a:p>
+            </p:txBody>
+          </p:sp>
+        </mc:Choice>
+        <mc:Fallback>
+          <p:sp>
+            <p:nvSpPr>
+              <p:cNvPr id="3" name="Content Placeholder 2"/>
+              <p:cNvSpPr>
+                <a:spLocks noGrp="1" noRot="1" noChangeAspect="1" noMove="1" noResize="1" noEditPoints="1" noAdjustHandles="1" noChangeArrowheads="1" noChangeShapeType="1" noTextEdit="1"/>
+              </p:cNvSpPr>
+              <p:nvPr>
+                <p:ph idx="1"/>
+              </p:nvPr>
+            </p:nvSpPr>
+            <p:spPr>
+              <a:blipFill rotWithShape="1">
+                <a:blip r:embed="rId2"/>
+                <a:stretch>
+                  <a:fillRect t="-659"/>
+                </a:stretch>
+              </a:blipFill>
+            </p:spPr>
+            <p:txBody>
+              <a:bodyPr/>
+              <a:lstStyle/>
+              <a:p>
+                <a:r>
+                  <a:rPr lang="sv-SE">
+                    <a:noFill/>
+                  </a:rPr>
+                  <a:t> </a:t>
+                </a:r>
+              </a:p>
+            </p:txBody>
+          </p:sp>
+        </mc:Fallback>
+      </mc:AlternateContent>
+      <p:sp>
+        <p:nvSpPr>
+          <p:cNvPr id="5" name="TextBox 4"/>
+          <p:cNvSpPr txBox="1"/>
+          <p:nvPr/>
+        </p:nvSpPr>
+        <p:spPr>
+          <a:xfrm>
+            <a:off x="1414629" y="4240354"/>
+            <a:ext cx="2741456" cy="369332"/>
+          </a:xfrm>
+          <a:prstGeom prst="rect">
+            <a:avLst/>
+          </a:prstGeom>
+          <a:noFill/>
+        </p:spPr>
+        <p:txBody>
+          <a:bodyPr wrap="none" rtlCol="0">
+            <a:spAutoFit/>
+          </a:bodyPr>
+          <a:lstStyle/>
+          <a:p>
+            <a:r>
+              <a:rPr lang="sv-SE" dirty="0" smtClean="0"/>
+              <a:t>Squared euclidian distance</a:t>
+            </a:r>
+            <a:endParaRPr lang="sv-SE" dirty="0"/>
+          </a:p>
+        </p:txBody>
+      </p:sp>
+      <p:sp>
+        <p:nvSpPr>
+          <p:cNvPr id="6" name="TextBox 5"/>
+          <p:cNvSpPr txBox="1"/>
+          <p:nvPr/>
+        </p:nvSpPr>
+        <p:spPr>
+          <a:xfrm>
+            <a:off x="5181600" y="4240354"/>
+            <a:ext cx="2408032" cy="369332"/>
+          </a:xfrm>
+          <a:prstGeom prst="rect">
+            <a:avLst/>
+          </a:prstGeom>
+          <a:noFill/>
+        </p:spPr>
+        <p:txBody>
+          <a:bodyPr wrap="none" rtlCol="0">
+            <a:spAutoFit/>
+          </a:bodyPr>
+          <a:lstStyle/>
+          <a:p>
+            <a:r>
+              <a:rPr lang="sv-SE" dirty="0" smtClean="0"/>
+              <a:t>Squared size difference</a:t>
+            </a:r>
+            <a:endParaRPr lang="sv-SE" dirty="0"/>
+          </a:p>
+        </p:txBody>
+      </p:sp>
+    </p:spTree>
+    <p:extLst>
+      <p:ext uri="{BB962C8B-B14F-4D97-AF65-F5344CB8AC3E}">
+        <p14:creationId xmlns:p14="http://schemas.microsoft.com/office/powerpoint/2010/main" val="4184595684"/>
+      </p:ext>
+    </p:extLst>
+  </p:cSld>
+  <p:clrMapOvr>
+    <a:masterClrMapping/>
+  </p:clrMapOvr>
+</p:sld>
+</file>
+
+<file path=ppt/slides/slide15.xml><?xml version="1.0" encoding="utf-8"?>
 <p:sld xmlns:a="http://schemas.openxmlformats.org/drawingml/2006/main" xmlns:r="http://schemas.openxmlformats.org/officeDocument/2006/relationships" xmlns:p="http://schemas.openxmlformats.org/presentationml/2006/main">
   <p:cSld>
     <p:spTree>
@@ -6398,7 +7082,7 @@
           <a:p>
             <a:r>
               <a:rPr lang="en-US" dirty="0" smtClean="0"/>
-              <a:t>Occlusion handling</a:t>
+              <a:t>Identification - Occlusion</a:t>
             </a:r>
             <a:endParaRPr lang="en-US" dirty="0"/>
           </a:p>
@@ -9382,7 +10066,7 @@
 </p:sld>
 </file>
 
-<file path=ppt/slides/slide15.xml><?xml version="1.0" encoding="utf-8"?>
+<file path=ppt/slides/slide16.xml><?xml version="1.0" encoding="utf-8"?>
 <p:sld xmlns:a="http://schemas.openxmlformats.org/drawingml/2006/main" xmlns:r="http://schemas.openxmlformats.org/officeDocument/2006/relationships" xmlns:p="http://schemas.openxmlformats.org/presentationml/2006/main">
   <p:cSld>
     <p:spTree>
@@ -9416,7 +10100,7 @@
           <a:p>
             <a:r>
               <a:rPr lang="sv-SE" dirty="0" smtClean="0"/>
-              <a:t>Occlusion handling</a:t>
+              <a:t>Identification – Occlusion</a:t>
             </a:r>
             <a:endParaRPr lang="sv-SE" dirty="0"/>
           </a:p>
@@ -9464,112 +10148,6 @@
 </p:sld>
 </file>
 
-<file path=ppt/slides/slide16.xml><?xml version="1.0" encoding="utf-8"?>
-<p:sld xmlns:a="http://schemas.openxmlformats.org/drawingml/2006/main" xmlns:r="http://schemas.openxmlformats.org/officeDocument/2006/relationships" xmlns:p="http://schemas.openxmlformats.org/presentationml/2006/main">
-  <p:cSld>
-    <p:spTree>
-      <p:nvGrpSpPr>
-        <p:cNvPr id="1" name=""/>
-        <p:cNvGrpSpPr/>
-        <p:nvPr/>
-      </p:nvGrpSpPr>
-      <p:grpSpPr>
-        <a:xfrm>
-          <a:off x="0" y="0"/>
-          <a:ext cx="0" cy="0"/>
-          <a:chOff x="0" y="0"/>
-          <a:chExt cx="0" cy="0"/>
-        </a:xfrm>
-      </p:grpSpPr>
-      <p:sp>
-        <p:nvSpPr>
-          <p:cNvPr id="2" name="Title 1"/>
-          <p:cNvSpPr>
-            <a:spLocks noGrp="1"/>
-          </p:cNvSpPr>
-          <p:nvPr>
-            <p:ph type="title"/>
-          </p:nvPr>
-        </p:nvSpPr>
-        <p:spPr/>
-        <p:txBody>
-          <a:bodyPr/>
-          <a:lstStyle/>
-          <a:p>
-            <a:r>
-              <a:rPr lang="sv-SE" dirty="0" smtClean="0"/>
-              <a:t>Identification - Improvements</a:t>
-            </a:r>
-            <a:endParaRPr lang="sv-SE" dirty="0"/>
-          </a:p>
-        </p:txBody>
-      </p:sp>
-      <p:sp>
-        <p:nvSpPr>
-          <p:cNvPr id="3" name="Content Placeholder 2"/>
-          <p:cNvSpPr>
-            <a:spLocks noGrp="1"/>
-          </p:cNvSpPr>
-          <p:nvPr>
-            <p:ph idx="1"/>
-          </p:nvPr>
-        </p:nvSpPr>
-        <p:spPr/>
-        <p:txBody>
-          <a:bodyPr/>
-          <a:lstStyle/>
-          <a:p>
-            <a:r>
-              <a:rPr lang="sv-SE" dirty="0" smtClean="0"/>
-              <a:t>Assumes all passed objects are ”real”</a:t>
-            </a:r>
-          </a:p>
-          <a:p>
-            <a:pPr lvl="1"/>
-            <a:r>
-              <a:rPr lang="sv-SE" dirty="0" smtClean="0"/>
-              <a:t>Large objects tends to collect lost heads, feets...</a:t>
-            </a:r>
-          </a:p>
-          <a:p>
-            <a:pPr lvl="1"/>
-            <a:r>
-              <a:rPr lang="sv-SE" dirty="0" smtClean="0"/>
-              <a:t>Width and Height should not change too fast...</a:t>
-            </a:r>
-          </a:p>
-          <a:p>
-            <a:pPr lvl="1"/>
-            <a:r>
-              <a:rPr lang="sv-SE" dirty="0" smtClean="0"/>
-              <a:t>The error function isn’t tuned at all: a change in width,height should probably impact more.</a:t>
-            </a:r>
-          </a:p>
-          <a:p>
-            <a:pPr lvl="1"/>
-            <a:endParaRPr lang="sv-SE" dirty="0" smtClean="0"/>
-          </a:p>
-          <a:p>
-            <a:endParaRPr lang="sv-SE" dirty="0" smtClean="0"/>
-          </a:p>
-          <a:p>
-            <a:endParaRPr lang="sv-SE" dirty="0"/>
-          </a:p>
-        </p:txBody>
-      </p:sp>
-    </p:spTree>
-    <p:extLst>
-      <p:ext uri="{BB962C8B-B14F-4D97-AF65-F5344CB8AC3E}">
-        <p14:creationId xmlns:p14="http://schemas.microsoft.com/office/powerpoint/2010/main" val="3851194483"/>
-      </p:ext>
-    </p:extLst>
-  </p:cSld>
-  <p:clrMapOvr>
-    <a:masterClrMapping/>
-  </p:clrMapOvr>
-</p:sld>
-</file>
-
 <file path=ppt/slides/slide17.xml><?xml version="1.0" encoding="utf-8"?>
 <p:sld xmlns:a="http://schemas.openxmlformats.org/drawingml/2006/main" xmlns:r="http://schemas.openxmlformats.org/officeDocument/2006/relationships" xmlns:p="http://schemas.openxmlformats.org/presentationml/2006/main">
   <p:cSld>
@@ -9603,6 +10181,124 @@
           <a:lstStyle/>
           <a:p>
             <a:r>
+              <a:rPr lang="sv-SE" dirty="0" smtClean="0"/>
+              <a:t>Identification - Improvements</a:t>
+            </a:r>
+            <a:endParaRPr lang="sv-SE" dirty="0"/>
+          </a:p>
+        </p:txBody>
+      </p:sp>
+      <p:sp>
+        <p:nvSpPr>
+          <p:cNvPr id="3" name="Content Placeholder 2"/>
+          <p:cNvSpPr>
+            <a:spLocks noGrp="1"/>
+          </p:cNvSpPr>
+          <p:nvPr>
+            <p:ph idx="1"/>
+          </p:nvPr>
+        </p:nvSpPr>
+        <p:spPr/>
+        <p:txBody>
+          <a:bodyPr/>
+          <a:lstStyle/>
+          <a:p>
+            <a:r>
+              <a:rPr lang="sv-SE" dirty="0" smtClean="0"/>
+              <a:t>Assumes all passed objects are ”real”</a:t>
+            </a:r>
+          </a:p>
+          <a:p>
+            <a:pPr lvl="1"/>
+            <a:r>
+              <a:rPr lang="sv-SE" dirty="0" smtClean="0"/>
+              <a:t>Large objects tends to collect lost heads, feets...</a:t>
+            </a:r>
+          </a:p>
+          <a:p>
+            <a:pPr lvl="1"/>
+            <a:r>
+              <a:rPr lang="sv-SE" dirty="0" smtClean="0"/>
+              <a:t>Width and Height should not change too fast...</a:t>
+            </a:r>
+          </a:p>
+          <a:p>
+            <a:pPr lvl="1"/>
+            <a:r>
+              <a:rPr lang="sv-SE" dirty="0" smtClean="0"/>
+              <a:t>The error function isn’t tuned at all: a change in width,height should probably impact more.</a:t>
+            </a:r>
+          </a:p>
+          <a:p>
+            <a:pPr lvl="1"/>
+            <a:r>
+              <a:rPr lang="sv-SE" dirty="0" smtClean="0"/>
+              <a:t>Objects should be removed if they have been lost for too long. Use the </a:t>
+            </a:r>
+            <a:r>
+              <a:rPr lang="sv-SE" smtClean="0"/>
+              <a:t>variance estimate from </a:t>
+            </a:r>
+            <a:r>
+              <a:rPr lang="sv-SE" dirty="0" smtClean="0"/>
+              <a:t>the kalman filter?</a:t>
+            </a:r>
+            <a:endParaRPr lang="sv-SE" dirty="0" smtClean="0"/>
+          </a:p>
+          <a:p>
+            <a:endParaRPr lang="sv-SE" dirty="0" smtClean="0"/>
+          </a:p>
+          <a:p>
+            <a:endParaRPr lang="sv-SE" dirty="0"/>
+          </a:p>
+        </p:txBody>
+      </p:sp>
+    </p:spTree>
+    <p:extLst>
+      <p:ext uri="{BB962C8B-B14F-4D97-AF65-F5344CB8AC3E}">
+        <p14:creationId xmlns:p14="http://schemas.microsoft.com/office/powerpoint/2010/main" val="3851194483"/>
+      </p:ext>
+    </p:extLst>
+  </p:cSld>
+  <p:clrMapOvr>
+    <a:masterClrMapping/>
+  </p:clrMapOvr>
+</p:sld>
+</file>
+
+<file path=ppt/slides/slide18.xml><?xml version="1.0" encoding="utf-8"?>
+<p:sld xmlns:a="http://schemas.openxmlformats.org/drawingml/2006/main" xmlns:r="http://schemas.openxmlformats.org/officeDocument/2006/relationships" xmlns:p="http://schemas.openxmlformats.org/presentationml/2006/main">
+  <p:cSld>
+    <p:spTree>
+      <p:nvGrpSpPr>
+        <p:cNvPr id="1" name=""/>
+        <p:cNvGrpSpPr/>
+        <p:nvPr/>
+      </p:nvGrpSpPr>
+      <p:grpSpPr>
+        <a:xfrm>
+          <a:off x="0" y="0"/>
+          <a:ext cx="0" cy="0"/>
+          <a:chOff x="0" y="0"/>
+          <a:chExt cx="0" cy="0"/>
+        </a:xfrm>
+      </p:grpSpPr>
+      <p:sp>
+        <p:nvSpPr>
+          <p:cNvPr id="2" name="Title 1"/>
+          <p:cNvSpPr>
+            <a:spLocks noGrp="1"/>
+          </p:cNvSpPr>
+          <p:nvPr>
+            <p:ph type="title"/>
+          </p:nvPr>
+        </p:nvSpPr>
+        <p:spPr/>
+        <p:txBody>
+          <a:bodyPr/>
+          <a:lstStyle/>
+          <a:p>
+            <a:r>
               <a:rPr lang="en-US" dirty="0" err="1" smtClean="0"/>
               <a:t>Kalman</a:t>
             </a:r>
@@ -9700,7 +10396,7 @@
 </p:sld>
 </file>
 
-<file path=ppt/slides/slide18.xml><?xml version="1.0" encoding="utf-8"?>
+<file path=ppt/slides/slide19.xml><?xml version="1.0" encoding="utf-8"?>
 <p:sld xmlns:a="http://schemas.openxmlformats.org/drawingml/2006/main" xmlns:r="http://schemas.openxmlformats.org/officeDocument/2006/relationships" xmlns:p="http://schemas.openxmlformats.org/presentationml/2006/main">
   <p:cSld>
     <p:spTree>
@@ -10015,84 +10711,6 @@
 </p:sld>
 </file>
 
-<file path=ppt/slides/slide19.xml><?xml version="1.0" encoding="utf-8"?>
-<p:sld xmlns:a="http://schemas.openxmlformats.org/drawingml/2006/main" xmlns:r="http://schemas.openxmlformats.org/officeDocument/2006/relationships" xmlns:p="http://schemas.openxmlformats.org/presentationml/2006/main">
-  <p:cSld>
-    <p:spTree>
-      <p:nvGrpSpPr>
-        <p:cNvPr id="1" name=""/>
-        <p:cNvGrpSpPr/>
-        <p:nvPr/>
-      </p:nvGrpSpPr>
-      <p:grpSpPr>
-        <a:xfrm>
-          <a:off x="0" y="0"/>
-          <a:ext cx="0" cy="0"/>
-          <a:chOff x="0" y="0"/>
-          <a:chExt cx="0" cy="0"/>
-        </a:xfrm>
-      </p:grpSpPr>
-      <p:sp>
-        <p:nvSpPr>
-          <p:cNvPr id="2" name="Title 1"/>
-          <p:cNvSpPr>
-            <a:spLocks noGrp="1"/>
-          </p:cNvSpPr>
-          <p:nvPr>
-            <p:ph type="title"/>
-          </p:nvPr>
-        </p:nvSpPr>
-        <p:spPr/>
-        <p:txBody>
-          <a:bodyPr/>
-          <a:lstStyle/>
-          <a:p>
-            <a:r>
-              <a:rPr lang="en-US" dirty="0" smtClean="0"/>
-              <a:t>Results</a:t>
-            </a:r>
-            <a:endParaRPr lang="en-US" dirty="0"/>
-          </a:p>
-        </p:txBody>
-      </p:sp>
-      <p:sp>
-        <p:nvSpPr>
-          <p:cNvPr id="3" name="Content Placeholder 2"/>
-          <p:cNvSpPr>
-            <a:spLocks noGrp="1"/>
-          </p:cNvSpPr>
-          <p:nvPr>
-            <p:ph idx="1"/>
-          </p:nvPr>
-        </p:nvSpPr>
-        <p:spPr/>
-        <p:txBody>
-          <a:bodyPr/>
-          <a:lstStyle/>
-          <a:p>
-            <a:r>
-              <a:rPr lang="sv-SE" dirty="0" smtClean="0"/>
-              <a:t>Lol pwnage</a:t>
-            </a:r>
-            <a:endParaRPr lang="sv-SE" dirty="0"/>
-          </a:p>
-        </p:txBody>
-      </p:sp>
-    </p:spTree>
-  </p:cSld>
-  <p:clrMapOvr>
-    <a:masterClrMapping/>
-  </p:clrMapOvr>
-  <p:timing>
-    <p:tnLst>
-      <p:par>
-        <p:cTn id="1" dur="indefinite" restart="never" nodeType="tmRoot"/>
-      </p:par>
-    </p:tnLst>
-  </p:timing>
-</p:sld>
-</file>
-
 <file path=ppt/slides/slide2.xml><?xml version="1.0" encoding="utf-8"?>
 <p:sld xmlns:a="http://schemas.openxmlformats.org/drawingml/2006/main" xmlns:r="http://schemas.openxmlformats.org/officeDocument/2006/relationships" xmlns:p="http://schemas.openxmlformats.org/presentationml/2006/main">
   <p:cSld>
@@ -10229,6 +10847,84 @@
           <a:p>
             <a:r>
               <a:rPr lang="en-US" dirty="0" smtClean="0"/>
+              <a:t>Results</a:t>
+            </a:r>
+            <a:endParaRPr lang="en-US" dirty="0"/>
+          </a:p>
+        </p:txBody>
+      </p:sp>
+      <p:sp>
+        <p:nvSpPr>
+          <p:cNvPr id="3" name="Content Placeholder 2"/>
+          <p:cNvSpPr>
+            <a:spLocks noGrp="1"/>
+          </p:cNvSpPr>
+          <p:nvPr>
+            <p:ph idx="1"/>
+          </p:nvPr>
+        </p:nvSpPr>
+        <p:spPr/>
+        <p:txBody>
+          <a:bodyPr/>
+          <a:lstStyle/>
+          <a:p>
+            <a:r>
+              <a:rPr lang="sv-SE" dirty="0" smtClean="0"/>
+              <a:t>Lol pwnage</a:t>
+            </a:r>
+            <a:endParaRPr lang="sv-SE" dirty="0"/>
+          </a:p>
+        </p:txBody>
+      </p:sp>
+    </p:spTree>
+  </p:cSld>
+  <p:clrMapOvr>
+    <a:masterClrMapping/>
+  </p:clrMapOvr>
+  <p:timing>
+    <p:tnLst>
+      <p:par>
+        <p:cTn id="1" dur="indefinite" restart="never" nodeType="tmRoot"/>
+      </p:par>
+    </p:tnLst>
+  </p:timing>
+</p:sld>
+</file>
+
+<file path=ppt/slides/slide21.xml><?xml version="1.0" encoding="utf-8"?>
+<p:sld xmlns:a="http://schemas.openxmlformats.org/drawingml/2006/main" xmlns:r="http://schemas.openxmlformats.org/officeDocument/2006/relationships" xmlns:p="http://schemas.openxmlformats.org/presentationml/2006/main">
+  <p:cSld>
+    <p:spTree>
+      <p:nvGrpSpPr>
+        <p:cNvPr id="1" name=""/>
+        <p:cNvGrpSpPr/>
+        <p:nvPr/>
+      </p:nvGrpSpPr>
+      <p:grpSpPr>
+        <a:xfrm>
+          <a:off x="0" y="0"/>
+          <a:ext cx="0" cy="0"/>
+          <a:chOff x="0" y="0"/>
+          <a:chExt cx="0" cy="0"/>
+        </a:xfrm>
+      </p:grpSpPr>
+      <p:sp>
+        <p:nvSpPr>
+          <p:cNvPr id="2" name="Title 1"/>
+          <p:cNvSpPr>
+            <a:spLocks noGrp="1"/>
+          </p:cNvSpPr>
+          <p:nvPr>
+            <p:ph type="title"/>
+          </p:nvPr>
+        </p:nvSpPr>
+        <p:spPr/>
+        <p:txBody>
+          <a:bodyPr/>
+          <a:lstStyle/>
+          <a:p>
+            <a:r>
+              <a:rPr lang="en-US" dirty="0" smtClean="0"/>
               <a:t>Design</a:t>
             </a:r>
             <a:endParaRPr lang="en-US" dirty="0"/>
@@ -10313,182 +11009,6 @@
 </p:sld>
 </file>
 
-<file path=ppt/slides/slide21.xml><?xml version="1.0" encoding="utf-8"?>
-<p:sld xmlns:a="http://schemas.openxmlformats.org/drawingml/2006/main" xmlns:r="http://schemas.openxmlformats.org/officeDocument/2006/relationships" xmlns:p="http://schemas.openxmlformats.org/presentationml/2006/main">
-  <p:cSld>
-    <p:spTree>
-      <p:nvGrpSpPr>
-        <p:cNvPr id="1" name=""/>
-        <p:cNvGrpSpPr/>
-        <p:nvPr/>
-      </p:nvGrpSpPr>
-      <p:grpSpPr>
-        <a:xfrm>
-          <a:off x="0" y="0"/>
-          <a:ext cx="0" cy="0"/>
-          <a:chOff x="0" y="0"/>
-          <a:chExt cx="0" cy="0"/>
-        </a:xfrm>
-      </p:grpSpPr>
-      <p:sp>
-        <p:nvSpPr>
-          <p:cNvPr id="2" name="Title 1"/>
-          <p:cNvSpPr>
-            <a:spLocks noGrp="1"/>
-          </p:cNvSpPr>
-          <p:nvPr>
-            <p:ph type="title"/>
-          </p:nvPr>
-        </p:nvSpPr>
-        <p:spPr/>
-        <p:txBody>
-          <a:bodyPr>
-            <a:normAutofit/>
-          </a:bodyPr>
-          <a:lstStyle/>
-          <a:p>
-            <a:r>
-              <a:rPr lang="en-US" dirty="0" err="1" smtClean="0"/>
-              <a:t>Varför</a:t>
-            </a:r>
-            <a:r>
-              <a:rPr lang="en-US" dirty="0" smtClean="0"/>
-              <a:t> “</a:t>
-            </a:r>
-            <a:r>
-              <a:rPr lang="en-US" dirty="0" err="1" smtClean="0"/>
-              <a:t>Bulan</a:t>
-            </a:r>
-            <a:r>
-              <a:rPr lang="en-US" dirty="0" smtClean="0"/>
-              <a:t>”?</a:t>
-            </a:r>
-            <a:endParaRPr lang="en-US" dirty="0"/>
-          </a:p>
-        </p:txBody>
-      </p:sp>
-      <p:sp>
-        <p:nvSpPr>
-          <p:cNvPr id="3" name="Content Placeholder 2"/>
-          <p:cNvSpPr>
-            <a:spLocks noGrp="1"/>
-          </p:cNvSpPr>
-          <p:nvPr>
-            <p:ph idx="1"/>
-          </p:nvPr>
-        </p:nvSpPr>
-        <p:spPr/>
-        <p:txBody>
-          <a:bodyPr/>
-          <a:lstStyle/>
-          <a:p>
-            <a:r>
-              <a:rPr lang="en-US" dirty="0" err="1" smtClean="0"/>
-              <a:t>Autonom</a:t>
-            </a:r>
-            <a:r>
-              <a:rPr lang="en-US" dirty="0" smtClean="0"/>
-              <a:t> </a:t>
-            </a:r>
-            <a:r>
-              <a:rPr lang="en-US" dirty="0" err="1" smtClean="0"/>
-              <a:t>upplockning</a:t>
-            </a:r>
-            <a:endParaRPr lang="en-US" dirty="0" smtClean="0"/>
-          </a:p>
-          <a:p>
-            <a:r>
-              <a:rPr lang="en-US" dirty="0" err="1" smtClean="0"/>
-              <a:t>Snyggt</a:t>
-            </a:r>
-            <a:r>
-              <a:rPr lang="en-US" dirty="0" smtClean="0"/>
-              <a:t> </a:t>
-            </a:r>
-            <a:r>
-              <a:rPr lang="en-US" dirty="0" err="1" smtClean="0"/>
-              <a:t>och</a:t>
-            </a:r>
-            <a:r>
-              <a:rPr lang="en-US" dirty="0" smtClean="0"/>
-              <a:t> </a:t>
-            </a:r>
-            <a:r>
-              <a:rPr lang="en-US" dirty="0" err="1" smtClean="0"/>
-              <a:t>tydligt</a:t>
-            </a:r>
-            <a:r>
-              <a:rPr lang="en-US" dirty="0" smtClean="0"/>
-              <a:t> interface</a:t>
-            </a:r>
-          </a:p>
-          <a:p>
-            <a:r>
-              <a:rPr lang="en-US" dirty="0" smtClean="0"/>
-              <a:t>Fail-safe</a:t>
-            </a:r>
-          </a:p>
-          <a:p>
-            <a:r>
-              <a:rPr lang="en-US" dirty="0" err="1" smtClean="0"/>
-              <a:t>Vacker</a:t>
-            </a:r>
-            <a:r>
-              <a:rPr lang="en-US" dirty="0" smtClean="0"/>
-              <a:t> design</a:t>
-            </a:r>
-          </a:p>
-          <a:p>
-            <a:r>
-              <a:rPr lang="en-US" dirty="0" smtClean="0"/>
-              <a:t>Kan </a:t>
-            </a:r>
-            <a:r>
-              <a:rPr lang="en-US" dirty="0" err="1" smtClean="0"/>
-              <a:t>dansa</a:t>
-            </a:r>
-            <a:r>
-              <a:rPr lang="en-US" dirty="0" smtClean="0"/>
-              <a:t> </a:t>
-            </a:r>
-            <a:r>
-              <a:rPr lang="en-US" dirty="0" err="1" smtClean="0"/>
-              <a:t>segerdans</a:t>
-            </a:r>
-            <a:endParaRPr lang="en-US" dirty="0" smtClean="0"/>
-          </a:p>
-          <a:p>
-            <a:pPr>
-              <a:buNone/>
-            </a:pPr>
-            <a:endParaRPr lang="en-US" dirty="0" smtClean="0"/>
-          </a:p>
-          <a:p>
-            <a:endParaRPr lang="en-US" dirty="0" smtClean="0"/>
-          </a:p>
-          <a:p>
-            <a:pPr>
-              <a:buNone/>
-            </a:pPr>
-            <a:endParaRPr lang="en-US" dirty="0"/>
-          </a:p>
-        </p:txBody>
-      </p:sp>
-    </p:spTree>
-  </p:cSld>
-  <p:clrMapOvr>
-    <a:masterClrMapping/>
-  </p:clrMapOvr>
-  <p:timing>
-    <p:tnLst>
-      <p:par>
-        <p:cTn id="1" dur="indefinite" restart="never" nodeType="tmRoot"/>
-      </p:par>
-    </p:tnLst>
-  </p:timing>
-</p:sld>
-</file>
-
 <file path=ppt/slides/slide22.xml><?xml version="1.0" encoding="utf-8"?>
 <p:sld xmlns:a="http://schemas.openxmlformats.org/drawingml/2006/main" xmlns:r="http://schemas.openxmlformats.org/officeDocument/2006/relationships" xmlns:p="http://schemas.openxmlformats.org/presentationml/2006/main">
   <p:cSld>
@@ -10518,12 +11038,49 @@
         </p:nvSpPr>
         <p:spPr/>
         <p:txBody>
+          <a:bodyPr>
+            <a:normAutofit/>
+          </a:bodyPr>
+          <a:lstStyle/>
+          <a:p>
+            <a:r>
+              <a:rPr lang="en-US" dirty="0" err="1" smtClean="0"/>
+              <a:t>Varför</a:t>
+            </a:r>
+            <a:r>
+              <a:rPr lang="en-US" dirty="0" smtClean="0"/>
+              <a:t> “</a:t>
+            </a:r>
+            <a:r>
+              <a:rPr lang="en-US" dirty="0" err="1" smtClean="0"/>
+              <a:t>Bulan</a:t>
+            </a:r>
+            <a:r>
+              <a:rPr lang="en-US" dirty="0" smtClean="0"/>
+              <a:t>”?</a:t>
+            </a:r>
+            <a:endParaRPr lang="en-US" dirty="0"/>
+          </a:p>
+        </p:txBody>
+      </p:sp>
+      <p:sp>
+        <p:nvSpPr>
+          <p:cNvPr id="3" name="Content Placeholder 2"/>
+          <p:cNvSpPr>
+            <a:spLocks noGrp="1"/>
+          </p:cNvSpPr>
+          <p:nvPr>
+            <p:ph idx="1"/>
+          </p:nvPr>
+        </p:nvSpPr>
+        <p:spPr/>
+        <p:txBody>
           <a:bodyPr/>
           <a:lstStyle/>
           <a:p>
             <a:r>
               <a:rPr lang="en-US" dirty="0" err="1" smtClean="0"/>
-              <a:t>Vad</a:t>
+              <a:t>Autonom</a:t>
             </a:r>
             <a:r>
               <a:rPr lang="en-US" dirty="0" smtClean="0"/>
@@ -10531,15 +11088,14 @@
             </a:r>
             <a:r>
               <a:rPr lang="en-US" dirty="0" err="1" smtClean="0"/>
-              <a:t>har</a:t>
-            </a:r>
-            <a:r>
-              <a:rPr lang="en-US" dirty="0" smtClean="0"/>
-              <a:t> vi </a:t>
-            </a:r>
+              <a:t>upplockning</a:t>
+            </a:r>
+            <a:endParaRPr lang="en-US" dirty="0" smtClean="0"/>
+          </a:p>
+          <a:p>
             <a:r>
               <a:rPr lang="en-US" dirty="0" err="1" smtClean="0"/>
-              <a:t>lärt</a:t>
+              <a:t>Snyggt</a:t>
             </a:r>
             <a:r>
               <a:rPr lang="en-US" dirty="0" smtClean="0"/>
@@ -10547,34 +11103,7 @@
             </a:r>
             <a:r>
               <a:rPr lang="en-US" dirty="0" err="1" smtClean="0"/>
-              <a:t>oss</a:t>
-            </a:r>
-            <a:r>
-              <a:rPr lang="en-US" dirty="0" smtClean="0"/>
-              <a:t>?</a:t>
-            </a:r>
-            <a:endParaRPr lang="en-US" dirty="0"/>
-          </a:p>
-        </p:txBody>
-      </p:sp>
-      <p:sp>
-        <p:nvSpPr>
-          <p:cNvPr id="3" name="Content Placeholder 2"/>
-          <p:cNvSpPr>
-            <a:spLocks noGrp="1"/>
-          </p:cNvSpPr>
-          <p:nvPr>
-            <p:ph idx="1"/>
-          </p:nvPr>
-        </p:nvSpPr>
-        <p:spPr/>
-        <p:txBody>
-          <a:bodyPr/>
-          <a:lstStyle/>
-          <a:p>
-            <a:r>
-              <a:rPr lang="en-US" dirty="0" err="1" smtClean="0"/>
-              <a:t>Det</a:t>
+              <a:t>och</a:t>
             </a:r>
             <a:r>
               <a:rPr lang="en-US" dirty="0" smtClean="0"/>
@@ -10582,15 +11111,37 @@
             </a:r>
             <a:r>
               <a:rPr lang="en-US" dirty="0" err="1" smtClean="0"/>
-              <a:t>lönar</a:t>
+              <a:t>tydligt</a:t>
             </a:r>
             <a:r>
               <a:rPr lang="en-US" dirty="0" smtClean="0"/>
-              <a:t> sig </a:t>
-            </a:r>
+              <a:t> interface</a:t>
+            </a:r>
+          </a:p>
+          <a:p>
+            <a:r>
+              <a:rPr lang="en-US" dirty="0" smtClean="0"/>
+              <a:t>Fail-safe</a:t>
+            </a:r>
+          </a:p>
+          <a:p>
             <a:r>
               <a:rPr lang="en-US" dirty="0" err="1" smtClean="0"/>
-              <a:t>att</a:t>
+              <a:t>Vacker</a:t>
+            </a:r>
+            <a:r>
+              <a:rPr lang="en-US" dirty="0" smtClean="0"/>
+              <a:t> design</a:t>
+            </a:r>
+          </a:p>
+          <a:p>
+            <a:r>
+              <a:rPr lang="en-US" dirty="0" smtClean="0"/>
+              <a:t>Kan </a:t>
+            </a:r>
+            <a:r>
+              <a:rPr lang="en-US" dirty="0" err="1" smtClean="0"/>
+              <a:t>dansa</a:t>
             </a:r>
             <a:r>
               <a:rPr lang="en-US" dirty="0" smtClean="0"/>
@@ -10598,237 +11149,24 @@
             </a:r>
             <a:r>
               <a:rPr lang="en-US" dirty="0" err="1" smtClean="0"/>
-              <a:t>planera</a:t>
+              <a:t>segerdans</a:t>
             </a:r>
             <a:endParaRPr lang="en-US" dirty="0" smtClean="0"/>
           </a:p>
           <a:p>
-            <a:r>
-              <a:rPr lang="en-US" dirty="0" err="1" smtClean="0"/>
-              <a:t>Planera</a:t>
-            </a:r>
-            <a:r>
-              <a:rPr lang="en-US" dirty="0" smtClean="0"/>
-              <a:t> </a:t>
-            </a:r>
-            <a:r>
-              <a:rPr lang="en-US" dirty="0" err="1" smtClean="0"/>
-              <a:t>så</a:t>
-            </a:r>
-            <a:r>
-              <a:rPr lang="en-US" dirty="0" smtClean="0"/>
-              <a:t> </a:t>
-            </a:r>
-            <a:r>
-              <a:rPr lang="en-US" dirty="0" err="1" smtClean="0"/>
-              <a:t>att</a:t>
-            </a:r>
-            <a:r>
-              <a:rPr lang="en-US" dirty="0" smtClean="0"/>
-              <a:t> </a:t>
-            </a:r>
-            <a:r>
-              <a:rPr lang="en-US" dirty="0" err="1" smtClean="0"/>
-              <a:t>flaskhalsar</a:t>
-            </a:r>
-            <a:r>
-              <a:rPr lang="en-US" dirty="0" smtClean="0"/>
-              <a:t> </a:t>
-            </a:r>
-            <a:r>
-              <a:rPr lang="en-US" dirty="0" err="1" smtClean="0"/>
-              <a:t>undviks</a:t>
-            </a:r>
+            <a:pPr>
+              <a:buNone/>
+            </a:pPr>
             <a:endParaRPr lang="en-US" dirty="0" smtClean="0"/>
           </a:p>
           <a:p>
-            <a:r>
-              <a:rPr lang="en-US" dirty="0" err="1" smtClean="0"/>
-              <a:t>Jobba</a:t>
-            </a:r>
-            <a:r>
-              <a:rPr lang="en-US" dirty="0" smtClean="0"/>
-              <a:t> </a:t>
-            </a:r>
-            <a:r>
-              <a:rPr lang="en-US" dirty="0" err="1" smtClean="0"/>
-              <a:t>så</a:t>
-            </a:r>
-            <a:r>
-              <a:rPr lang="en-US" dirty="0" smtClean="0"/>
-              <a:t> </a:t>
-            </a:r>
-            <a:r>
-              <a:rPr lang="en-US" dirty="0" err="1" smtClean="0"/>
-              <a:t>parallellt</a:t>
-            </a:r>
-            <a:r>
-              <a:rPr lang="en-US" dirty="0" smtClean="0"/>
-              <a:t> </a:t>
-            </a:r>
-            <a:r>
-              <a:rPr lang="en-US" dirty="0" err="1" smtClean="0"/>
-              <a:t>det</a:t>
-            </a:r>
-            <a:r>
-              <a:rPr lang="en-US" dirty="0" smtClean="0"/>
-              <a:t> </a:t>
-            </a:r>
-            <a:r>
-              <a:rPr lang="en-US" dirty="0" err="1" smtClean="0"/>
-              <a:t>går</a:t>
-            </a:r>
-            <a:r>
-              <a:rPr lang="en-US" dirty="0" smtClean="0"/>
-              <a:t> I </a:t>
-            </a:r>
-            <a:r>
-              <a:rPr lang="en-US" dirty="0" err="1" smtClean="0"/>
-              <a:t>början</a:t>
-            </a:r>
-            <a:r>
-              <a:rPr lang="en-US" dirty="0" smtClean="0"/>
-              <a:t> </a:t>
-            </a:r>
-          </a:p>
-          <a:p>
-            <a:r>
-              <a:rPr lang="en-US" dirty="0" err="1" smtClean="0"/>
-              <a:t>Lagom</a:t>
-            </a:r>
-            <a:r>
-              <a:rPr lang="en-US" dirty="0" smtClean="0"/>
-              <a:t> </a:t>
-            </a:r>
-            <a:r>
-              <a:rPr lang="en-US" dirty="0" err="1" smtClean="0"/>
-              <a:t>långa</a:t>
-            </a:r>
-            <a:r>
-              <a:rPr lang="en-US" dirty="0" smtClean="0"/>
-              <a:t> </a:t>
-            </a:r>
-            <a:r>
-              <a:rPr lang="en-US" dirty="0" err="1" smtClean="0"/>
-              <a:t>arbetspass</a:t>
-            </a:r>
             <a:endParaRPr lang="en-US" dirty="0" smtClean="0"/>
           </a:p>
           <a:p>
-            <a:r>
-              <a:rPr lang="en-US" dirty="0" smtClean="0"/>
-              <a:t> </a:t>
-            </a:r>
-            <a:r>
-              <a:rPr lang="en-US" dirty="0" err="1" smtClean="0"/>
-              <a:t>Vira</a:t>
-            </a:r>
-            <a:r>
-              <a:rPr lang="en-US" dirty="0" smtClean="0"/>
-              <a:t> </a:t>
-            </a:r>
-            <a:r>
-              <a:rPr lang="en-US" dirty="0" err="1" smtClean="0"/>
-              <a:t>ordentligt</a:t>
-            </a:r>
-            <a:endParaRPr lang="en-US" dirty="0" smtClean="0"/>
-          </a:p>
-          <a:p>
-            <a:r>
-              <a:rPr lang="en-US" dirty="0" err="1" smtClean="0"/>
-              <a:t>Skriv</a:t>
-            </a:r>
-            <a:r>
-              <a:rPr lang="en-US" dirty="0" smtClean="0"/>
-              <a:t> </a:t>
-            </a:r>
-            <a:r>
-              <a:rPr lang="en-US" dirty="0" err="1" smtClean="0"/>
-              <a:t>ordentlig</a:t>
-            </a:r>
-            <a:r>
-              <a:rPr lang="en-US" dirty="0" smtClean="0"/>
-              <a:t> </a:t>
-            </a:r>
-            <a:r>
-              <a:rPr lang="en-US" dirty="0" err="1" smtClean="0"/>
-              <a:t>kod</a:t>
-            </a:r>
-            <a:endParaRPr lang="en-US" dirty="0" smtClean="0"/>
-          </a:p>
-          <a:p>
-            <a:r>
-              <a:rPr lang="en-US" dirty="0" err="1" smtClean="0"/>
-              <a:t>Inse</a:t>
-            </a:r>
-            <a:r>
-              <a:rPr lang="en-US" dirty="0" smtClean="0"/>
-              <a:t> </a:t>
-            </a:r>
-            <a:r>
-              <a:rPr lang="en-US" dirty="0" err="1" smtClean="0"/>
-              <a:t>att</a:t>
-            </a:r>
-            <a:r>
-              <a:rPr lang="en-US" dirty="0" smtClean="0"/>
-              <a:t> </a:t>
-            </a:r>
-            <a:r>
-              <a:rPr lang="en-US" dirty="0" err="1" smtClean="0"/>
-              <a:t>idéer</a:t>
-            </a:r>
-            <a:r>
-              <a:rPr lang="en-US" dirty="0" smtClean="0"/>
-              <a:t> </a:t>
-            </a:r>
-            <a:r>
-              <a:rPr lang="en-US" dirty="0" err="1" smtClean="0"/>
-              <a:t>kan</a:t>
-            </a:r>
-            <a:r>
-              <a:rPr lang="en-US" dirty="0" smtClean="0"/>
-              <a:t> </a:t>
-            </a:r>
-            <a:r>
-              <a:rPr lang="en-US" dirty="0" err="1" smtClean="0"/>
-              <a:t>behöva</a:t>
-            </a:r>
-            <a:r>
-              <a:rPr lang="en-US" dirty="0" smtClean="0"/>
-              <a:t> </a:t>
-            </a:r>
-            <a:r>
-              <a:rPr lang="en-US" dirty="0" err="1" smtClean="0"/>
-              <a:t>ändras</a:t>
-            </a:r>
-            <a:r>
-              <a:rPr lang="en-US" dirty="0" smtClean="0"/>
-              <a:t> </a:t>
-            </a:r>
-            <a:r>
-              <a:rPr lang="en-US" dirty="0" err="1" smtClean="0"/>
-              <a:t>även</a:t>
-            </a:r>
-            <a:r>
-              <a:rPr lang="en-US" dirty="0" smtClean="0"/>
-              <a:t> </a:t>
-            </a:r>
-            <a:r>
-              <a:rPr lang="en-US" dirty="0" err="1" smtClean="0"/>
-              <a:t>om</a:t>
-            </a:r>
-            <a:r>
-              <a:rPr lang="en-US" dirty="0" smtClean="0"/>
-              <a:t> de </a:t>
-            </a:r>
-            <a:r>
-              <a:rPr lang="en-US" dirty="0" err="1" smtClean="0"/>
-              <a:t>verkar</a:t>
-            </a:r>
-            <a:r>
-              <a:rPr lang="en-US" dirty="0" smtClean="0"/>
-              <a:t> bra</a:t>
-            </a:r>
+            <a:pPr>
+              <a:buNone/>
+            </a:pPr>
+            <a:endParaRPr lang="en-US" dirty="0"/>
           </a:p>
         </p:txBody>
       </p:sp>
@@ -10848,6 +11186,364 @@
 </file>
 
 <file path=ppt/slides/slide23.xml><?xml version="1.0" encoding="utf-8"?>
+<p:sld xmlns:a="http://schemas.openxmlformats.org/drawingml/2006/main" xmlns:r="http://schemas.openxmlformats.org/officeDocument/2006/relationships" xmlns:p="http://schemas.openxmlformats.org/presentationml/2006/main">
+  <p:cSld>
+    <p:spTree>
+      <p:nvGrpSpPr>
+        <p:cNvPr id="1" name=""/>
+        <p:cNvGrpSpPr/>
+        <p:nvPr/>
+      </p:nvGrpSpPr>
+      <p:grpSpPr>
+        <a:xfrm>
+          <a:off x="0" y="0"/>
+          <a:ext cx="0" cy="0"/>
+          <a:chOff x="0" y="0"/>
+          <a:chExt cx="0" cy="0"/>
+        </a:xfrm>
+      </p:grpSpPr>
+      <p:sp>
+        <p:nvSpPr>
+          <p:cNvPr id="2" name="Title 1"/>
+          <p:cNvSpPr>
+            <a:spLocks noGrp="1"/>
+          </p:cNvSpPr>
+          <p:nvPr>
+            <p:ph type="title"/>
+          </p:nvPr>
+        </p:nvSpPr>
+        <p:spPr/>
+        <p:txBody>
+          <a:bodyPr/>
+          <a:lstStyle/>
+          <a:p>
+            <a:r>
+              <a:rPr lang="en-US" dirty="0" err="1" smtClean="0"/>
+              <a:t>Vad</a:t>
+            </a:r>
+            <a:r>
+              <a:rPr lang="en-US" dirty="0" smtClean="0"/>
+              <a:t> </a:t>
+            </a:r>
+            <a:r>
+              <a:rPr lang="en-US" dirty="0" err="1" smtClean="0"/>
+              <a:t>har</a:t>
+            </a:r>
+            <a:r>
+              <a:rPr lang="en-US" dirty="0" smtClean="0"/>
+              <a:t> vi </a:t>
+            </a:r>
+            <a:r>
+              <a:rPr lang="en-US" dirty="0" err="1" smtClean="0"/>
+              <a:t>lärt</a:t>
+            </a:r>
+            <a:r>
+              <a:rPr lang="en-US" dirty="0" smtClean="0"/>
+              <a:t> </a:t>
+            </a:r>
+            <a:r>
+              <a:rPr lang="en-US" dirty="0" err="1" smtClean="0"/>
+              <a:t>oss</a:t>
+            </a:r>
+            <a:r>
+              <a:rPr lang="en-US" dirty="0" smtClean="0"/>
+              <a:t>?</a:t>
+            </a:r>
+            <a:endParaRPr lang="en-US" dirty="0"/>
+          </a:p>
+        </p:txBody>
+      </p:sp>
+      <p:sp>
+        <p:nvSpPr>
+          <p:cNvPr id="3" name="Content Placeholder 2"/>
+          <p:cNvSpPr>
+            <a:spLocks noGrp="1"/>
+          </p:cNvSpPr>
+          <p:nvPr>
+            <p:ph idx="1"/>
+          </p:nvPr>
+        </p:nvSpPr>
+        <p:spPr/>
+        <p:txBody>
+          <a:bodyPr/>
+          <a:lstStyle/>
+          <a:p>
+            <a:r>
+              <a:rPr lang="en-US" dirty="0" err="1" smtClean="0"/>
+              <a:t>Det</a:t>
+            </a:r>
+            <a:r>
+              <a:rPr lang="en-US" dirty="0" smtClean="0"/>
+              <a:t> </a:t>
+            </a:r>
+            <a:r>
+              <a:rPr lang="en-US" dirty="0" err="1" smtClean="0"/>
+              <a:t>lönar</a:t>
+            </a:r>
+            <a:r>
+              <a:rPr lang="en-US" dirty="0" smtClean="0"/>
+              <a:t> sig </a:t>
+            </a:r>
+            <a:r>
+              <a:rPr lang="en-US" dirty="0" err="1" smtClean="0"/>
+              <a:t>att</a:t>
+            </a:r>
+            <a:r>
+              <a:rPr lang="en-US" dirty="0" smtClean="0"/>
+              <a:t> </a:t>
+            </a:r>
+            <a:r>
+              <a:rPr lang="en-US" dirty="0" err="1" smtClean="0"/>
+              <a:t>planera</a:t>
+            </a:r>
+            <a:endParaRPr lang="en-US" dirty="0" smtClean="0"/>
+          </a:p>
+          <a:p>
+            <a:r>
+              <a:rPr lang="en-US" dirty="0" err="1" smtClean="0"/>
+              <a:t>Planera</a:t>
+            </a:r>
+            <a:r>
+              <a:rPr lang="en-US" dirty="0" smtClean="0"/>
+              <a:t> </a:t>
+            </a:r>
+            <a:r>
+              <a:rPr lang="en-US" dirty="0" err="1" smtClean="0"/>
+              <a:t>så</a:t>
+            </a:r>
+            <a:r>
+              <a:rPr lang="en-US" dirty="0" smtClean="0"/>
+              <a:t> </a:t>
+            </a:r>
+            <a:r>
+              <a:rPr lang="en-US" dirty="0" err="1" smtClean="0"/>
+              <a:t>att</a:t>
+            </a:r>
+            <a:r>
+              <a:rPr lang="en-US" dirty="0" smtClean="0"/>
+              <a:t> </a:t>
+            </a:r>
+            <a:r>
+              <a:rPr lang="en-US" dirty="0" err="1" smtClean="0"/>
+              <a:t>flaskhalsar</a:t>
+            </a:r>
+            <a:r>
+              <a:rPr lang="en-US" dirty="0" smtClean="0"/>
+              <a:t> </a:t>
+            </a:r>
+            <a:r>
+              <a:rPr lang="en-US" dirty="0" err="1" smtClean="0"/>
+              <a:t>undviks</a:t>
+            </a:r>
+            <a:endParaRPr lang="en-US" dirty="0" smtClean="0"/>
+          </a:p>
+          <a:p>
+            <a:r>
+              <a:rPr lang="en-US" dirty="0" err="1" smtClean="0"/>
+              <a:t>Jobba</a:t>
+            </a:r>
+            <a:r>
+              <a:rPr lang="en-US" dirty="0" smtClean="0"/>
+              <a:t> </a:t>
+            </a:r>
+            <a:r>
+              <a:rPr lang="en-US" dirty="0" err="1" smtClean="0"/>
+              <a:t>så</a:t>
+            </a:r>
+            <a:r>
+              <a:rPr lang="en-US" dirty="0" smtClean="0"/>
+              <a:t> </a:t>
+            </a:r>
+            <a:r>
+              <a:rPr lang="en-US" dirty="0" err="1" smtClean="0"/>
+              <a:t>parallellt</a:t>
+            </a:r>
+            <a:r>
+              <a:rPr lang="en-US" dirty="0" smtClean="0"/>
+              <a:t> </a:t>
+            </a:r>
+            <a:r>
+              <a:rPr lang="en-US" dirty="0" err="1" smtClean="0"/>
+              <a:t>det</a:t>
+            </a:r>
+            <a:r>
+              <a:rPr lang="en-US" dirty="0" smtClean="0"/>
+              <a:t> </a:t>
+            </a:r>
+            <a:r>
+              <a:rPr lang="en-US" dirty="0" err="1" smtClean="0"/>
+              <a:t>går</a:t>
+            </a:r>
+            <a:r>
+              <a:rPr lang="en-US" dirty="0" smtClean="0"/>
+              <a:t> I </a:t>
+            </a:r>
+            <a:r>
+              <a:rPr lang="en-US" dirty="0" err="1" smtClean="0"/>
+              <a:t>början</a:t>
+            </a:r>
+            <a:r>
+              <a:rPr lang="en-US" dirty="0" smtClean="0"/>
+              <a:t> </a:t>
+            </a:r>
+          </a:p>
+          <a:p>
+            <a:r>
+              <a:rPr lang="en-US" dirty="0" err="1" smtClean="0"/>
+              <a:t>Lagom</a:t>
+            </a:r>
+            <a:r>
+              <a:rPr lang="en-US" dirty="0" smtClean="0"/>
+              <a:t> </a:t>
+            </a:r>
+            <a:r>
+              <a:rPr lang="en-US" dirty="0" err="1" smtClean="0"/>
+              <a:t>långa</a:t>
+            </a:r>
+            <a:r>
+              <a:rPr lang="en-US" dirty="0" smtClean="0"/>
+              <a:t> </a:t>
+            </a:r>
+            <a:r>
+              <a:rPr lang="en-US" dirty="0" err="1" smtClean="0"/>
+              <a:t>arbetspass</a:t>
+            </a:r>
+            <a:endParaRPr lang="en-US" dirty="0" smtClean="0"/>
+          </a:p>
+          <a:p>
+            <a:r>
+              <a:rPr lang="en-US" dirty="0" smtClean="0"/>
+              <a:t> </a:t>
+            </a:r>
+            <a:r>
+              <a:rPr lang="en-US" dirty="0" err="1" smtClean="0"/>
+              <a:t>Vira</a:t>
+            </a:r>
+            <a:r>
+              <a:rPr lang="en-US" dirty="0" smtClean="0"/>
+              <a:t> </a:t>
+            </a:r>
+            <a:r>
+              <a:rPr lang="en-US" dirty="0" err="1" smtClean="0"/>
+              <a:t>ordentligt</a:t>
+            </a:r>
+            <a:endParaRPr lang="en-US" dirty="0" smtClean="0"/>
+          </a:p>
+          <a:p>
+            <a:r>
+              <a:rPr lang="en-US" dirty="0" err="1" smtClean="0"/>
+              <a:t>Skriv</a:t>
+            </a:r>
+            <a:r>
+              <a:rPr lang="en-US" dirty="0" smtClean="0"/>
+              <a:t> </a:t>
+            </a:r>
+            <a:r>
+              <a:rPr lang="en-US" dirty="0" err="1" smtClean="0"/>
+              <a:t>ordentlig</a:t>
+            </a:r>
+            <a:r>
+              <a:rPr lang="en-US" dirty="0" smtClean="0"/>
+              <a:t> </a:t>
+            </a:r>
+            <a:r>
+              <a:rPr lang="en-US" dirty="0" err="1" smtClean="0"/>
+              <a:t>kod</a:t>
+            </a:r>
+            <a:endParaRPr lang="en-US" dirty="0" smtClean="0"/>
+          </a:p>
+          <a:p>
+            <a:r>
+              <a:rPr lang="en-US" dirty="0" err="1" smtClean="0"/>
+              <a:t>Inse</a:t>
+            </a:r>
+            <a:r>
+              <a:rPr lang="en-US" dirty="0" smtClean="0"/>
+              <a:t> </a:t>
+            </a:r>
+            <a:r>
+              <a:rPr lang="en-US" dirty="0" err="1" smtClean="0"/>
+              <a:t>att</a:t>
+            </a:r>
+            <a:r>
+              <a:rPr lang="en-US" dirty="0" smtClean="0"/>
+              <a:t> </a:t>
+            </a:r>
+            <a:r>
+              <a:rPr lang="en-US" dirty="0" err="1" smtClean="0"/>
+              <a:t>idéer</a:t>
+            </a:r>
+            <a:r>
+              <a:rPr lang="en-US" dirty="0" smtClean="0"/>
+              <a:t> </a:t>
+            </a:r>
+            <a:r>
+              <a:rPr lang="en-US" dirty="0" err="1" smtClean="0"/>
+              <a:t>kan</a:t>
+            </a:r>
+            <a:r>
+              <a:rPr lang="en-US" dirty="0" smtClean="0"/>
+              <a:t> </a:t>
+            </a:r>
+            <a:r>
+              <a:rPr lang="en-US" dirty="0" err="1" smtClean="0"/>
+              <a:t>behöva</a:t>
+            </a:r>
+            <a:r>
+              <a:rPr lang="en-US" dirty="0" smtClean="0"/>
+              <a:t> </a:t>
+            </a:r>
+            <a:r>
+              <a:rPr lang="en-US" dirty="0" err="1" smtClean="0"/>
+              <a:t>ändras</a:t>
+            </a:r>
+            <a:r>
+              <a:rPr lang="en-US" dirty="0" smtClean="0"/>
+              <a:t> </a:t>
+            </a:r>
+            <a:r>
+              <a:rPr lang="en-US" dirty="0" err="1" smtClean="0"/>
+              <a:t>även</a:t>
+            </a:r>
+            <a:r>
+              <a:rPr lang="en-US" dirty="0" smtClean="0"/>
+              <a:t> </a:t>
+            </a:r>
+            <a:r>
+              <a:rPr lang="en-US" dirty="0" err="1" smtClean="0"/>
+              <a:t>om</a:t>
+            </a:r>
+            <a:r>
+              <a:rPr lang="en-US" dirty="0" smtClean="0"/>
+              <a:t> de </a:t>
+            </a:r>
+            <a:r>
+              <a:rPr lang="en-US" dirty="0" err="1" smtClean="0"/>
+              <a:t>verkar</a:t>
+            </a:r>
+            <a:r>
+              <a:rPr lang="en-US" dirty="0" smtClean="0"/>
+              <a:t> bra</a:t>
+            </a:r>
+          </a:p>
+        </p:txBody>
+      </p:sp>
+    </p:spTree>
+  </p:cSld>
+  <p:clrMapOvr>
+    <a:masterClrMapping/>
+  </p:clrMapOvr>
+  <p:timing>
+    <p:tnLst>
+      <p:par>
+        <p:cTn id="1" dur="indefinite" restart="never" nodeType="tmRoot"/>
+      </p:par>
+    </p:tnLst>
+  </p:timing>
+</p:sld>
+</file>
+
+<file path=ppt/slides/slide24.xml><?xml version="1.0" encoding="utf-8"?>
 <p:sld xmlns:a="http://schemas.openxmlformats.org/drawingml/2006/main" xmlns:r="http://schemas.openxmlformats.org/officeDocument/2006/relationships" xmlns:p="http://schemas.openxmlformats.org/presentationml/2006/main">
   <p:cSld>
     <p:spTree>

--- a/Documentation/TSBB15prez.pptx
+++ b/Documentation/TSBB15prez.pptx
@@ -4,37 +4,31 @@
   <p:sldMasterIdLst>
     <p:sldMasterId id="2147483684" r:id="rId1"/>
   </p:sldMasterIdLst>
-  <p:notesMasterIdLst>
-    <p:notesMasterId r:id="rId26"/>
-  </p:notesMasterIdLst>
   <p:handoutMasterIdLst>
-    <p:handoutMasterId r:id="rId27"/>
+    <p:handoutMasterId r:id="rId23"/>
   </p:handoutMasterIdLst>
   <p:sldIdLst>
     <p:sldId id="256" r:id="rId2"/>
-    <p:sldId id="259" r:id="rId3"/>
-    <p:sldId id="260" r:id="rId4"/>
-    <p:sldId id="271" r:id="rId5"/>
-    <p:sldId id="270" r:id="rId6"/>
-    <p:sldId id="262" r:id="rId7"/>
-    <p:sldId id="272" r:id="rId8"/>
-    <p:sldId id="264" r:id="rId9"/>
-    <p:sldId id="292" r:id="rId10"/>
-    <p:sldId id="269" r:id="rId11"/>
-    <p:sldId id="291" r:id="rId12"/>
-    <p:sldId id="273" r:id="rId13"/>
-    <p:sldId id="275" r:id="rId14"/>
-    <p:sldId id="295" r:id="rId15"/>
-    <p:sldId id="276" r:id="rId16"/>
-    <p:sldId id="294" r:id="rId17"/>
-    <p:sldId id="293" r:id="rId18"/>
-    <p:sldId id="277" r:id="rId19"/>
+    <p:sldId id="260" r:id="rId3"/>
+    <p:sldId id="271" r:id="rId4"/>
+    <p:sldId id="270" r:id="rId5"/>
+    <p:sldId id="262" r:id="rId6"/>
+    <p:sldId id="272" r:id="rId7"/>
+    <p:sldId id="264" r:id="rId8"/>
+    <p:sldId id="292" r:id="rId9"/>
+    <p:sldId id="269" r:id="rId10"/>
+    <p:sldId id="294" r:id="rId11"/>
+    <p:sldId id="273" r:id="rId12"/>
+    <p:sldId id="296" r:id="rId13"/>
+    <p:sldId id="297" r:id="rId14"/>
+    <p:sldId id="298" r:id="rId15"/>
+    <p:sldId id="299" r:id="rId16"/>
+    <p:sldId id="300" r:id="rId17"/>
+    <p:sldId id="277" r:id="rId18"/>
+    <p:sldId id="293" r:id="rId19"/>
     <p:sldId id="278" r:id="rId20"/>
-    <p:sldId id="279" r:id="rId21"/>
-    <p:sldId id="280" r:id="rId22"/>
-    <p:sldId id="261" r:id="rId23"/>
-    <p:sldId id="286" r:id="rId24"/>
-    <p:sldId id="258" r:id="rId25"/>
+    <p:sldId id="295" r:id="rId21"/>
+    <p:sldId id="279" r:id="rId22"/>
   </p:sldIdLst>
   <p:sldSz cx="9144000" cy="6858000" type="screen4x3"/>
   <p:notesSz cx="6858000" cy="9144000"/>
@@ -139,7 +133,6 @@
         <p14:section name="Default Section" id="{6B2E225A-503A-42C3-B852-21DEA826B244}">
           <p14:sldIdLst>
             <p14:sldId id="256"/>
-            <p14:sldId id="259"/>
             <p14:sldId id="260"/>
             <p14:sldId id="271"/>
             <p14:sldId id="270"/>
@@ -148,20 +141,18 @@
             <p14:sldId id="264"/>
             <p14:sldId id="292"/>
             <p14:sldId id="269"/>
-            <p14:sldId id="291"/>
+            <p14:sldId id="294"/>
             <p14:sldId id="273"/>
-            <p14:sldId id="275"/>
+            <p14:sldId id="296"/>
+            <p14:sldId id="297"/>
+            <p14:sldId id="298"/>
+            <p14:sldId id="299"/>
+            <p14:sldId id="300"/>
+            <p14:sldId id="277"/>
+            <p14:sldId id="293"/>
+            <p14:sldId id="278"/>
             <p14:sldId id="295"/>
-            <p14:sldId id="276"/>
-            <p14:sldId id="294"/>
-            <p14:sldId id="293"/>
-            <p14:sldId id="277"/>
-            <p14:sldId id="278"/>
             <p14:sldId id="279"/>
-            <p14:sldId id="280"/>
-            <p14:sldId id="261"/>
-            <p14:sldId id="286"/>
-            <p14:sldId id="258"/>
           </p14:sldIdLst>
         </p14:section>
       </p14:sectionLst>
@@ -252,7 +243,6 @@
           <a:p>
             <a:fld id="{2D3CB711-9C12-4B13-9C7A-61DE322E86FC}" type="datetimeFigureOut">
               <a:rPr lang="sv-SE" smtClean="0"/>
-              <a:pPr/>
               <a:t>2013-04-09</a:t>
             </a:fld>
             <a:endParaRPr lang="sv-SE"/>
@@ -319,7 +309,6 @@
           <a:p>
             <a:fld id="{BC486F0E-EBE3-4D23-8FD1-0946D1A0F1F7}" type="slidenum">
               <a:rPr lang="sv-SE" smtClean="0"/>
-              <a:pPr/>
               <a:t>‹#›</a:t>
             </a:fld>
             <a:endParaRPr lang="sv-SE"/>
@@ -335,1474 +324,6 @@
   </p:cSld>
   <p:clrMap bg1="lt1" tx1="dk1" bg2="lt2" tx2="dk2" accent1="accent1" accent2="accent2" accent3="accent3" accent4="accent4" accent5="accent5" accent6="accent6" hlink="hlink" folHlink="folHlink"/>
 </p:handoutMaster>
-</file>
-
-<file path=ppt/notesMasters/notesMaster1.xml><?xml version="1.0" encoding="utf-8"?>
-<p:notesMaster xmlns:a="http://schemas.openxmlformats.org/drawingml/2006/main" xmlns:r="http://schemas.openxmlformats.org/officeDocument/2006/relationships" xmlns:p="http://schemas.openxmlformats.org/presentationml/2006/main">
-  <p:cSld>
-    <p:bg>
-      <p:bgRef idx="1001">
-        <a:schemeClr val="bg1"/>
-      </p:bgRef>
-    </p:bg>
-    <p:spTree>
-      <p:nvGrpSpPr>
-        <p:cNvPr id="1" name=""/>
-        <p:cNvGrpSpPr/>
-        <p:nvPr/>
-      </p:nvGrpSpPr>
-      <p:grpSpPr>
-        <a:xfrm>
-          <a:off x="0" y="0"/>
-          <a:ext cx="0" cy="0"/>
-          <a:chOff x="0" y="0"/>
-          <a:chExt cx="0" cy="0"/>
-        </a:xfrm>
-      </p:grpSpPr>
-      <p:sp>
-        <p:nvSpPr>
-          <p:cNvPr id="2" name="Header Placeholder 1"/>
-          <p:cNvSpPr>
-            <a:spLocks noGrp="1"/>
-          </p:cNvSpPr>
-          <p:nvPr>
-            <p:ph type="hdr" sz="quarter"/>
-          </p:nvPr>
-        </p:nvSpPr>
-        <p:spPr>
-          <a:xfrm>
-            <a:off x="0" y="0"/>
-            <a:ext cx="2971800" cy="457200"/>
-          </a:xfrm>
-          <a:prstGeom prst="rect">
-            <a:avLst/>
-          </a:prstGeom>
-        </p:spPr>
-        <p:txBody>
-          <a:bodyPr vert="horz" lIns="91440" tIns="45720" rIns="91440" bIns="45720" rtlCol="0"/>
-          <a:lstStyle>
-            <a:lvl1pPr algn="l">
-              <a:defRPr sz="1200"/>
-            </a:lvl1pPr>
-          </a:lstStyle>
-          <a:p>
-            <a:endParaRPr lang="sv-SE"/>
-          </a:p>
-        </p:txBody>
-      </p:sp>
-      <p:sp>
-        <p:nvSpPr>
-          <p:cNvPr id="3" name="Date Placeholder 2"/>
-          <p:cNvSpPr>
-            <a:spLocks noGrp="1"/>
-          </p:cNvSpPr>
-          <p:nvPr>
-            <p:ph type="dt" idx="1"/>
-          </p:nvPr>
-        </p:nvSpPr>
-        <p:spPr>
-          <a:xfrm>
-            <a:off x="3884613" y="0"/>
-            <a:ext cx="2971800" cy="457200"/>
-          </a:xfrm>
-          <a:prstGeom prst="rect">
-            <a:avLst/>
-          </a:prstGeom>
-        </p:spPr>
-        <p:txBody>
-          <a:bodyPr vert="horz" lIns="91440" tIns="45720" rIns="91440" bIns="45720" rtlCol="0"/>
-          <a:lstStyle>
-            <a:lvl1pPr algn="r">
-              <a:defRPr sz="1200"/>
-            </a:lvl1pPr>
-          </a:lstStyle>
-          <a:p>
-            <a:fld id="{3D88544D-189B-42AA-99C2-D77A007B2558}" type="datetimeFigureOut">
-              <a:rPr lang="sv-SE" smtClean="0"/>
-              <a:t>2013-04-09</a:t>
-            </a:fld>
-            <a:endParaRPr lang="sv-SE"/>
-          </a:p>
-        </p:txBody>
-      </p:sp>
-      <p:sp>
-        <p:nvSpPr>
-          <p:cNvPr id="4" name="Slide Image Placeholder 3"/>
-          <p:cNvSpPr>
-            <a:spLocks noGrp="1" noRot="1" noChangeAspect="1"/>
-          </p:cNvSpPr>
-          <p:nvPr>
-            <p:ph type="sldImg" idx="2"/>
-          </p:nvPr>
-        </p:nvSpPr>
-        <p:spPr>
-          <a:xfrm>
-            <a:off x="1143000" y="685800"/>
-            <a:ext cx="4572000" cy="3429000"/>
-          </a:xfrm>
-          <a:prstGeom prst="rect">
-            <a:avLst/>
-          </a:prstGeom>
-          <a:noFill/>
-          <a:ln w="12700">
-            <a:solidFill>
-              <a:prstClr val="black"/>
-            </a:solidFill>
-          </a:ln>
-        </p:spPr>
-        <p:txBody>
-          <a:bodyPr vert="horz" lIns="91440" tIns="45720" rIns="91440" bIns="45720" rtlCol="0" anchor="ctr"/>
-          <a:lstStyle/>
-          <a:p>
-            <a:endParaRPr lang="sv-SE"/>
-          </a:p>
-        </p:txBody>
-      </p:sp>
-      <p:sp>
-        <p:nvSpPr>
-          <p:cNvPr id="5" name="Notes Placeholder 4"/>
-          <p:cNvSpPr>
-            <a:spLocks noGrp="1"/>
-          </p:cNvSpPr>
-          <p:nvPr>
-            <p:ph type="body" sz="quarter" idx="3"/>
-          </p:nvPr>
-        </p:nvSpPr>
-        <p:spPr>
-          <a:xfrm>
-            <a:off x="685800" y="4343400"/>
-            <a:ext cx="5486400" cy="4114800"/>
-          </a:xfrm>
-          <a:prstGeom prst="rect">
-            <a:avLst/>
-          </a:prstGeom>
-        </p:spPr>
-        <p:txBody>
-          <a:bodyPr vert="horz" lIns="91440" tIns="45720" rIns="91440" bIns="45720" rtlCol="0">
-            <a:normAutofit/>
-          </a:bodyPr>
-          <a:lstStyle/>
-          <a:p>
-            <a:pPr lvl="0"/>
-            <a:r>
-              <a:rPr lang="en-US" smtClean="0"/>
-              <a:t>Click to edit Master text styles</a:t>
-            </a:r>
-          </a:p>
-          <a:p>
-            <a:pPr lvl="1"/>
-            <a:r>
-              <a:rPr lang="en-US" smtClean="0"/>
-              <a:t>Second level</a:t>
-            </a:r>
-          </a:p>
-          <a:p>
-            <a:pPr lvl="2"/>
-            <a:r>
-              <a:rPr lang="en-US" smtClean="0"/>
-              <a:t>Third level</a:t>
-            </a:r>
-          </a:p>
-          <a:p>
-            <a:pPr lvl="3"/>
-            <a:r>
-              <a:rPr lang="en-US" smtClean="0"/>
-              <a:t>Fourth level</a:t>
-            </a:r>
-          </a:p>
-          <a:p>
-            <a:pPr lvl="4"/>
-            <a:r>
-              <a:rPr lang="en-US" smtClean="0"/>
-              <a:t>Fifth level</a:t>
-            </a:r>
-            <a:endParaRPr lang="sv-SE"/>
-          </a:p>
-        </p:txBody>
-      </p:sp>
-      <p:sp>
-        <p:nvSpPr>
-          <p:cNvPr id="6" name="Footer Placeholder 5"/>
-          <p:cNvSpPr>
-            <a:spLocks noGrp="1"/>
-          </p:cNvSpPr>
-          <p:nvPr>
-            <p:ph type="ftr" sz="quarter" idx="4"/>
-          </p:nvPr>
-        </p:nvSpPr>
-        <p:spPr>
-          <a:xfrm>
-            <a:off x="0" y="8685213"/>
-            <a:ext cx="2971800" cy="457200"/>
-          </a:xfrm>
-          <a:prstGeom prst="rect">
-            <a:avLst/>
-          </a:prstGeom>
-        </p:spPr>
-        <p:txBody>
-          <a:bodyPr vert="horz" lIns="91440" tIns="45720" rIns="91440" bIns="45720" rtlCol="0" anchor="b"/>
-          <a:lstStyle>
-            <a:lvl1pPr algn="l">
-              <a:defRPr sz="1200"/>
-            </a:lvl1pPr>
-          </a:lstStyle>
-          <a:p>
-            <a:endParaRPr lang="sv-SE"/>
-          </a:p>
-        </p:txBody>
-      </p:sp>
-      <p:sp>
-        <p:nvSpPr>
-          <p:cNvPr id="7" name="Slide Number Placeholder 6"/>
-          <p:cNvSpPr>
-            <a:spLocks noGrp="1"/>
-          </p:cNvSpPr>
-          <p:nvPr>
-            <p:ph type="sldNum" sz="quarter" idx="5"/>
-          </p:nvPr>
-        </p:nvSpPr>
-        <p:spPr>
-          <a:xfrm>
-            <a:off x="3884613" y="8685213"/>
-            <a:ext cx="2971800" cy="457200"/>
-          </a:xfrm>
-          <a:prstGeom prst="rect">
-            <a:avLst/>
-          </a:prstGeom>
-        </p:spPr>
-        <p:txBody>
-          <a:bodyPr vert="horz" lIns="91440" tIns="45720" rIns="91440" bIns="45720" rtlCol="0" anchor="b"/>
-          <a:lstStyle>
-            <a:lvl1pPr algn="r">
-              <a:defRPr sz="1200"/>
-            </a:lvl1pPr>
-          </a:lstStyle>
-          <a:p>
-            <a:fld id="{EE096677-960A-4D89-A544-37B88B173726}" type="slidenum">
-              <a:rPr lang="sv-SE" smtClean="0"/>
-              <a:t>‹#›</a:t>
-            </a:fld>
-            <a:endParaRPr lang="sv-SE"/>
-          </a:p>
-        </p:txBody>
-      </p:sp>
-    </p:spTree>
-    <p:extLst>
-      <p:ext uri="{BB962C8B-B14F-4D97-AF65-F5344CB8AC3E}">
-        <p14:creationId xmlns:p14="http://schemas.microsoft.com/office/powerpoint/2010/main" val="2405052057"/>
-      </p:ext>
-    </p:extLst>
-  </p:cSld>
-  <p:clrMap bg1="lt1" tx1="dk1" bg2="lt2" tx2="dk2" accent1="accent1" accent2="accent2" accent3="accent3" accent4="accent4" accent5="accent5" accent6="accent6" hlink="hlink" folHlink="folHlink"/>
-  <p:notesStyle>
-    <a:lvl1pPr marL="0" algn="l" defTabSz="914400" rtl="0" eaLnBrk="1" latinLnBrk="0" hangingPunct="1">
-      <a:defRPr sz="1200" kern="1200">
-        <a:solidFill>
-          <a:schemeClr val="tx1"/>
-        </a:solidFill>
-        <a:latin typeface="+mn-lt"/>
-        <a:ea typeface="+mn-ea"/>
-        <a:cs typeface="+mn-cs"/>
-      </a:defRPr>
-    </a:lvl1pPr>
-    <a:lvl2pPr marL="457200" algn="l" defTabSz="914400" rtl="0" eaLnBrk="1" latinLnBrk="0" hangingPunct="1">
-      <a:defRPr sz="1200" kern="1200">
-        <a:solidFill>
-          <a:schemeClr val="tx1"/>
-        </a:solidFill>
-        <a:latin typeface="+mn-lt"/>
-        <a:ea typeface="+mn-ea"/>
-        <a:cs typeface="+mn-cs"/>
-      </a:defRPr>
-    </a:lvl2pPr>
-    <a:lvl3pPr marL="914400" algn="l" defTabSz="914400" rtl="0" eaLnBrk="1" latinLnBrk="0" hangingPunct="1">
-      <a:defRPr sz="1200" kern="1200">
-        <a:solidFill>
-          <a:schemeClr val="tx1"/>
-        </a:solidFill>
-        <a:latin typeface="+mn-lt"/>
-        <a:ea typeface="+mn-ea"/>
-        <a:cs typeface="+mn-cs"/>
-      </a:defRPr>
-    </a:lvl3pPr>
-    <a:lvl4pPr marL="1371600" algn="l" defTabSz="914400" rtl="0" eaLnBrk="1" latinLnBrk="0" hangingPunct="1">
-      <a:defRPr sz="1200" kern="1200">
-        <a:solidFill>
-          <a:schemeClr val="tx1"/>
-        </a:solidFill>
-        <a:latin typeface="+mn-lt"/>
-        <a:ea typeface="+mn-ea"/>
-        <a:cs typeface="+mn-cs"/>
-      </a:defRPr>
-    </a:lvl4pPr>
-    <a:lvl5pPr marL="1828800" algn="l" defTabSz="914400" rtl="0" eaLnBrk="1" latinLnBrk="0" hangingPunct="1">
-      <a:defRPr sz="1200" kern="1200">
-        <a:solidFill>
-          <a:schemeClr val="tx1"/>
-        </a:solidFill>
-        <a:latin typeface="+mn-lt"/>
-        <a:ea typeface="+mn-ea"/>
-        <a:cs typeface="+mn-cs"/>
-      </a:defRPr>
-    </a:lvl5pPr>
-    <a:lvl6pPr marL="2286000" algn="l" defTabSz="914400" rtl="0" eaLnBrk="1" latinLnBrk="0" hangingPunct="1">
-      <a:defRPr sz="1200" kern="1200">
-        <a:solidFill>
-          <a:schemeClr val="tx1"/>
-        </a:solidFill>
-        <a:latin typeface="+mn-lt"/>
-        <a:ea typeface="+mn-ea"/>
-        <a:cs typeface="+mn-cs"/>
-      </a:defRPr>
-    </a:lvl6pPr>
-    <a:lvl7pPr marL="2743200" algn="l" defTabSz="914400" rtl="0" eaLnBrk="1" latinLnBrk="0" hangingPunct="1">
-      <a:defRPr sz="1200" kern="1200">
-        <a:solidFill>
-          <a:schemeClr val="tx1"/>
-        </a:solidFill>
-        <a:latin typeface="+mn-lt"/>
-        <a:ea typeface="+mn-ea"/>
-        <a:cs typeface="+mn-cs"/>
-      </a:defRPr>
-    </a:lvl7pPr>
-    <a:lvl8pPr marL="3200400" algn="l" defTabSz="914400" rtl="0" eaLnBrk="1" latinLnBrk="0" hangingPunct="1">
-      <a:defRPr sz="1200" kern="1200">
-        <a:solidFill>
-          <a:schemeClr val="tx1"/>
-        </a:solidFill>
-        <a:latin typeface="+mn-lt"/>
-        <a:ea typeface="+mn-ea"/>
-        <a:cs typeface="+mn-cs"/>
-      </a:defRPr>
-    </a:lvl8pPr>
-    <a:lvl9pPr marL="3657600" algn="l" defTabSz="914400" rtl="0" eaLnBrk="1" latinLnBrk="0" hangingPunct="1">
-      <a:defRPr sz="1200" kern="1200">
-        <a:solidFill>
-          <a:schemeClr val="tx1"/>
-        </a:solidFill>
-        <a:latin typeface="+mn-lt"/>
-        <a:ea typeface="+mn-ea"/>
-        <a:cs typeface="+mn-cs"/>
-      </a:defRPr>
-    </a:lvl9pPr>
-  </p:notesStyle>
-</p:notesMaster>
-</file>
-
-<file path=ppt/notesSlides/notesSlide1.xml><?xml version="1.0" encoding="utf-8"?>
-<p:notes xmlns:a="http://schemas.openxmlformats.org/drawingml/2006/main" xmlns:r="http://schemas.openxmlformats.org/officeDocument/2006/relationships" xmlns:p="http://schemas.openxmlformats.org/presentationml/2006/main">
-  <p:cSld>
-    <p:spTree>
-      <p:nvGrpSpPr>
-        <p:cNvPr id="1" name=""/>
-        <p:cNvGrpSpPr/>
-        <p:nvPr/>
-      </p:nvGrpSpPr>
-      <p:grpSpPr>
-        <a:xfrm>
-          <a:off x="0" y="0"/>
-          <a:ext cx="0" cy="0"/>
-          <a:chOff x="0" y="0"/>
-          <a:chExt cx="0" cy="0"/>
-        </a:xfrm>
-      </p:grpSpPr>
-      <p:sp>
-        <p:nvSpPr>
-          <p:cNvPr id="2" name="Slide Image Placeholder 1"/>
-          <p:cNvSpPr>
-            <a:spLocks noGrp="1" noRot="1" noChangeAspect="1"/>
-          </p:cNvSpPr>
-          <p:nvPr>
-            <p:ph type="sldImg"/>
-          </p:nvPr>
-        </p:nvSpPr>
-        <p:spPr/>
-      </p:sp>
-      <p:sp>
-        <p:nvSpPr>
-          <p:cNvPr id="3" name="Notes Placeholder 2"/>
-          <p:cNvSpPr>
-            <a:spLocks noGrp="1"/>
-          </p:cNvSpPr>
-          <p:nvPr>
-            <p:ph type="body" idx="1"/>
-          </p:nvPr>
-        </p:nvSpPr>
-        <p:spPr/>
-        <p:txBody>
-          <a:bodyPr>
-            <a:normAutofit/>
-          </a:bodyPr>
-          <a:lstStyle/>
-          <a:p>
-            <a:endParaRPr lang="sv-SE"/>
-          </a:p>
-        </p:txBody>
-      </p:sp>
-      <p:sp>
-        <p:nvSpPr>
-          <p:cNvPr id="4" name="Slide Number Placeholder 3"/>
-          <p:cNvSpPr>
-            <a:spLocks noGrp="1"/>
-          </p:cNvSpPr>
-          <p:nvPr>
-            <p:ph type="sldNum" sz="quarter" idx="10"/>
-          </p:nvPr>
-        </p:nvSpPr>
-        <p:spPr/>
-        <p:txBody>
-          <a:bodyPr/>
-          <a:lstStyle/>
-          <a:p>
-            <a:fld id="{EE096677-960A-4D89-A544-37B88B173726}" type="slidenum">
-              <a:rPr lang="sv-SE" smtClean="0"/>
-              <a:t>1</a:t>
-            </a:fld>
-            <a:endParaRPr lang="sv-SE"/>
-          </a:p>
-        </p:txBody>
-      </p:sp>
-    </p:spTree>
-  </p:cSld>
-  <p:clrMapOvr>
-    <a:masterClrMapping/>
-  </p:clrMapOvr>
-</p:notes>
-</file>
-
-<file path=ppt/notesSlides/notesSlide2.xml><?xml version="1.0" encoding="utf-8"?>
-<p:notes xmlns:a="http://schemas.openxmlformats.org/drawingml/2006/main" xmlns:r="http://schemas.openxmlformats.org/officeDocument/2006/relationships" xmlns:p="http://schemas.openxmlformats.org/presentationml/2006/main">
-  <p:cSld>
-    <p:spTree>
-      <p:nvGrpSpPr>
-        <p:cNvPr id="1" name=""/>
-        <p:cNvGrpSpPr/>
-        <p:nvPr/>
-      </p:nvGrpSpPr>
-      <p:grpSpPr>
-        <a:xfrm>
-          <a:off x="0" y="0"/>
-          <a:ext cx="0" cy="0"/>
-          <a:chOff x="0" y="0"/>
-          <a:chExt cx="0" cy="0"/>
-        </a:xfrm>
-      </p:grpSpPr>
-      <p:sp>
-        <p:nvSpPr>
-          <p:cNvPr id="2" name="Slide Image Placeholder 1"/>
-          <p:cNvSpPr>
-            <a:spLocks noGrp="1" noRot="1" noChangeAspect="1"/>
-          </p:cNvSpPr>
-          <p:nvPr>
-            <p:ph type="sldImg"/>
-          </p:nvPr>
-        </p:nvSpPr>
-        <p:spPr/>
-      </p:sp>
-      <p:sp>
-        <p:nvSpPr>
-          <p:cNvPr id="3" name="Notes Placeholder 2"/>
-          <p:cNvSpPr>
-            <a:spLocks noGrp="1"/>
-          </p:cNvSpPr>
-          <p:nvPr>
-            <p:ph type="body" idx="1"/>
-          </p:nvPr>
-        </p:nvSpPr>
-        <p:spPr/>
-        <p:txBody>
-          <a:bodyPr>
-            <a:normAutofit/>
-          </a:bodyPr>
-          <a:lstStyle/>
-          <a:p>
-            <a:endParaRPr lang="sv-SE"/>
-          </a:p>
-        </p:txBody>
-      </p:sp>
-      <p:sp>
-        <p:nvSpPr>
-          <p:cNvPr id="4" name="Slide Number Placeholder 3"/>
-          <p:cNvSpPr>
-            <a:spLocks noGrp="1"/>
-          </p:cNvSpPr>
-          <p:nvPr>
-            <p:ph type="sldNum" sz="quarter" idx="10"/>
-          </p:nvPr>
-        </p:nvSpPr>
-        <p:spPr/>
-        <p:txBody>
-          <a:bodyPr/>
-          <a:lstStyle/>
-          <a:p>
-            <a:fld id="{EE096677-960A-4D89-A544-37B88B173726}" type="slidenum">
-              <a:rPr lang="sv-SE" smtClean="0"/>
-              <a:t>2</a:t>
-            </a:fld>
-            <a:endParaRPr lang="sv-SE"/>
-          </a:p>
-        </p:txBody>
-      </p:sp>
-    </p:spTree>
-  </p:cSld>
-  <p:clrMapOvr>
-    <a:masterClrMapping/>
-  </p:clrMapOvr>
-</p:notes>
-</file>
-
-<file path=ppt/notesSlides/notesSlide3.xml><?xml version="1.0" encoding="utf-8"?>
-<p:notes xmlns:a="http://schemas.openxmlformats.org/drawingml/2006/main" xmlns:r="http://schemas.openxmlformats.org/officeDocument/2006/relationships" xmlns:p="http://schemas.openxmlformats.org/presentationml/2006/main">
-  <p:cSld>
-    <p:spTree>
-      <p:nvGrpSpPr>
-        <p:cNvPr id="1" name=""/>
-        <p:cNvGrpSpPr/>
-        <p:nvPr/>
-      </p:nvGrpSpPr>
-      <p:grpSpPr>
-        <a:xfrm>
-          <a:off x="0" y="0"/>
-          <a:ext cx="0" cy="0"/>
-          <a:chOff x="0" y="0"/>
-          <a:chExt cx="0" cy="0"/>
-        </a:xfrm>
-      </p:grpSpPr>
-      <p:sp>
-        <p:nvSpPr>
-          <p:cNvPr id="2" name="Slide Image Placeholder 1"/>
-          <p:cNvSpPr>
-            <a:spLocks noGrp="1" noRot="1" noChangeAspect="1"/>
-          </p:cNvSpPr>
-          <p:nvPr>
-            <p:ph type="sldImg"/>
-          </p:nvPr>
-        </p:nvSpPr>
-        <p:spPr/>
-      </p:sp>
-      <p:sp>
-        <p:nvSpPr>
-          <p:cNvPr id="3" name="Notes Placeholder 2"/>
-          <p:cNvSpPr>
-            <a:spLocks noGrp="1"/>
-          </p:cNvSpPr>
-          <p:nvPr>
-            <p:ph type="body" idx="1"/>
-          </p:nvPr>
-        </p:nvSpPr>
-        <p:spPr/>
-        <p:txBody>
-          <a:bodyPr>
-            <a:normAutofit/>
-          </a:bodyPr>
-          <a:lstStyle/>
-          <a:p>
-            <a:r>
-              <a:rPr lang="sv-SE" dirty="0" smtClean="0"/>
-              <a:t>The system has a simple </a:t>
-            </a:r>
-            <a:r>
-              <a:rPr lang="sv-SE" dirty="0" err="1" smtClean="0"/>
-              <a:t>structure</a:t>
-            </a:r>
-            <a:r>
-              <a:rPr lang="sv-SE" dirty="0" smtClean="0"/>
-              <a:t> </a:t>
-            </a:r>
-            <a:r>
-              <a:rPr lang="sv-SE" dirty="0" err="1" smtClean="0"/>
-              <a:t>where</a:t>
-            </a:r>
-            <a:r>
-              <a:rPr lang="sv-SE" dirty="0" smtClean="0"/>
-              <a:t> </a:t>
-            </a:r>
-            <a:r>
-              <a:rPr lang="sv-SE" dirty="0" err="1" smtClean="0"/>
-              <a:t>each</a:t>
-            </a:r>
-            <a:r>
-              <a:rPr lang="sv-SE" dirty="0" smtClean="0"/>
-              <a:t> </a:t>
-            </a:r>
-            <a:r>
-              <a:rPr lang="sv-SE" dirty="0" err="1" smtClean="0"/>
-              <a:t>frame</a:t>
-            </a:r>
-            <a:r>
-              <a:rPr lang="sv-SE" dirty="0" smtClean="0"/>
-              <a:t> is stored in a </a:t>
-            </a:r>
-            <a:r>
-              <a:rPr lang="sv-SE" dirty="0" err="1" smtClean="0"/>
-              <a:t>frame</a:t>
-            </a:r>
-            <a:r>
-              <a:rPr lang="sv-SE" dirty="0" smtClean="0"/>
-              <a:t> list,.</a:t>
-            </a:r>
-          </a:p>
-          <a:p>
-            <a:endParaRPr lang="sv-SE" dirty="0" smtClean="0"/>
-          </a:p>
-          <a:p>
-            <a:r>
-              <a:rPr lang="sv-SE" dirty="0" smtClean="0"/>
-              <a:t>The </a:t>
-            </a:r>
-            <a:r>
-              <a:rPr lang="sv-SE" dirty="0" err="1" smtClean="0"/>
-              <a:t>framelist</a:t>
-            </a:r>
-            <a:r>
-              <a:rPr lang="sv-SE" dirty="0" smtClean="0"/>
-              <a:t> </a:t>
-            </a:r>
-            <a:r>
-              <a:rPr lang="sv-SE" dirty="0" err="1" smtClean="0"/>
-              <a:t>then</a:t>
-            </a:r>
-            <a:r>
-              <a:rPr lang="sv-SE" dirty="0" smtClean="0"/>
-              <a:t> gets passed on to </a:t>
-            </a:r>
-            <a:r>
-              <a:rPr lang="sv-SE" dirty="0" err="1" smtClean="0"/>
-              <a:t>each</a:t>
-            </a:r>
-            <a:r>
-              <a:rPr lang="sv-SE" dirty="0" smtClean="0"/>
-              <a:t> </a:t>
-            </a:r>
-            <a:r>
-              <a:rPr lang="sv-SE" dirty="0" err="1" smtClean="0"/>
-              <a:t>module</a:t>
-            </a:r>
-            <a:r>
-              <a:rPr lang="sv-SE" dirty="0" smtClean="0"/>
-              <a:t> .</a:t>
-            </a:r>
-          </a:p>
-          <a:p>
-            <a:endParaRPr lang="sv-SE" dirty="0"/>
-          </a:p>
-          <a:p>
-            <a:r>
-              <a:rPr lang="sv-SE" dirty="0" err="1" smtClean="0"/>
-              <a:t>Once</a:t>
-            </a:r>
-            <a:r>
-              <a:rPr lang="sv-SE" dirty="0" smtClean="0"/>
-              <a:t> a </a:t>
-            </a:r>
-            <a:r>
-              <a:rPr lang="sv-SE" dirty="0" err="1" smtClean="0"/>
-              <a:t>frame</a:t>
-            </a:r>
-            <a:r>
-              <a:rPr lang="sv-SE" dirty="0" smtClean="0"/>
-              <a:t> has </a:t>
-            </a:r>
-            <a:r>
-              <a:rPr lang="sv-SE" dirty="0" err="1" smtClean="0"/>
-              <a:t>been</a:t>
-            </a:r>
-            <a:r>
-              <a:rPr lang="sv-SE" dirty="0" smtClean="0"/>
-              <a:t> </a:t>
-            </a:r>
-            <a:r>
-              <a:rPr lang="sv-SE" dirty="0" err="1" smtClean="0"/>
-              <a:t>completely</a:t>
-            </a:r>
-            <a:r>
-              <a:rPr lang="sv-SE" dirty="0" smtClean="0"/>
-              <a:t> processed it </a:t>
-            </a:r>
-            <a:r>
-              <a:rPr lang="sv-SE" dirty="0" err="1" smtClean="0"/>
-              <a:t>moves</a:t>
-            </a:r>
-            <a:r>
-              <a:rPr lang="sv-SE" dirty="0" smtClean="0"/>
-              <a:t> on to the </a:t>
-            </a:r>
-            <a:r>
-              <a:rPr lang="sv-SE" dirty="0" err="1" smtClean="0"/>
-              <a:t>next</a:t>
-            </a:r>
-            <a:r>
-              <a:rPr lang="sv-SE" dirty="0" smtClean="0"/>
-              <a:t> </a:t>
-            </a:r>
-            <a:r>
-              <a:rPr lang="sv-SE" dirty="0" err="1" smtClean="0"/>
-              <a:t>one</a:t>
-            </a:r>
-            <a:r>
-              <a:rPr lang="sv-SE" dirty="0" smtClean="0"/>
-              <a:t>.</a:t>
-            </a:r>
-          </a:p>
-          <a:p>
-            <a:endParaRPr lang="sv-SE" dirty="0"/>
-          </a:p>
-        </p:txBody>
-      </p:sp>
-      <p:sp>
-        <p:nvSpPr>
-          <p:cNvPr id="4" name="Slide Number Placeholder 3"/>
-          <p:cNvSpPr>
-            <a:spLocks noGrp="1"/>
-          </p:cNvSpPr>
-          <p:nvPr>
-            <p:ph type="sldNum" sz="quarter" idx="10"/>
-          </p:nvPr>
-        </p:nvSpPr>
-        <p:spPr/>
-        <p:txBody>
-          <a:bodyPr/>
-          <a:lstStyle/>
-          <a:p>
-            <a:fld id="{EE096677-960A-4D89-A544-37B88B173726}" type="slidenum">
-              <a:rPr lang="sv-SE" smtClean="0"/>
-              <a:t>3</a:t>
-            </a:fld>
-            <a:endParaRPr lang="sv-SE"/>
-          </a:p>
-        </p:txBody>
-      </p:sp>
-    </p:spTree>
-  </p:cSld>
-  <p:clrMapOvr>
-    <a:masterClrMapping/>
-  </p:clrMapOvr>
-</p:notes>
-</file>
-
-<file path=ppt/notesSlides/notesSlide4.xml><?xml version="1.0" encoding="utf-8"?>
-<p:notes xmlns:a="http://schemas.openxmlformats.org/drawingml/2006/main" xmlns:r="http://schemas.openxmlformats.org/officeDocument/2006/relationships" xmlns:p="http://schemas.openxmlformats.org/presentationml/2006/main">
-  <p:cSld>
-    <p:spTree>
-      <p:nvGrpSpPr>
-        <p:cNvPr id="1" name=""/>
-        <p:cNvGrpSpPr/>
-        <p:nvPr/>
-      </p:nvGrpSpPr>
-      <p:grpSpPr>
-        <a:xfrm>
-          <a:off x="0" y="0"/>
-          <a:ext cx="0" cy="0"/>
-          <a:chOff x="0" y="0"/>
-          <a:chExt cx="0" cy="0"/>
-        </a:xfrm>
-      </p:grpSpPr>
-      <p:sp>
-        <p:nvSpPr>
-          <p:cNvPr id="2" name="Slide Image Placeholder 1"/>
-          <p:cNvSpPr>
-            <a:spLocks noGrp="1" noRot="1" noChangeAspect="1"/>
-          </p:cNvSpPr>
-          <p:nvPr>
-            <p:ph type="sldImg"/>
-          </p:nvPr>
-        </p:nvSpPr>
-        <p:spPr/>
-      </p:sp>
-      <p:sp>
-        <p:nvSpPr>
-          <p:cNvPr id="3" name="Notes Placeholder 2"/>
-          <p:cNvSpPr>
-            <a:spLocks noGrp="1"/>
-          </p:cNvSpPr>
-          <p:nvPr>
-            <p:ph type="body" idx="1"/>
-          </p:nvPr>
-        </p:nvSpPr>
-        <p:spPr/>
-        <p:txBody>
-          <a:bodyPr>
-            <a:normAutofit/>
-          </a:bodyPr>
-          <a:lstStyle/>
-          <a:p>
-            <a:endParaRPr lang="sv-SE" dirty="0"/>
-          </a:p>
-        </p:txBody>
-      </p:sp>
-      <p:sp>
-        <p:nvSpPr>
-          <p:cNvPr id="4" name="Slide Number Placeholder 3"/>
-          <p:cNvSpPr>
-            <a:spLocks noGrp="1"/>
-          </p:cNvSpPr>
-          <p:nvPr>
-            <p:ph type="sldNum" sz="quarter" idx="10"/>
-          </p:nvPr>
-        </p:nvSpPr>
-        <p:spPr/>
-        <p:txBody>
-          <a:bodyPr/>
-          <a:lstStyle/>
-          <a:p>
-            <a:fld id="{EE096677-960A-4D89-A544-37B88B173726}" type="slidenum">
-              <a:rPr lang="sv-SE" smtClean="0"/>
-              <a:t>4</a:t>
-            </a:fld>
-            <a:endParaRPr lang="sv-SE"/>
-          </a:p>
-        </p:txBody>
-      </p:sp>
-    </p:spTree>
-  </p:cSld>
-  <p:clrMapOvr>
-    <a:masterClrMapping/>
-  </p:clrMapOvr>
-</p:notes>
-</file>
-
-<file path=ppt/notesSlides/notesSlide5.xml><?xml version="1.0" encoding="utf-8"?>
-<p:notes xmlns:a="http://schemas.openxmlformats.org/drawingml/2006/main" xmlns:r="http://schemas.openxmlformats.org/officeDocument/2006/relationships" xmlns:p="http://schemas.openxmlformats.org/presentationml/2006/main">
-  <p:cSld>
-    <p:spTree>
-      <p:nvGrpSpPr>
-        <p:cNvPr id="1" name=""/>
-        <p:cNvGrpSpPr/>
-        <p:nvPr/>
-      </p:nvGrpSpPr>
-      <p:grpSpPr>
-        <a:xfrm>
-          <a:off x="0" y="0"/>
-          <a:ext cx="0" cy="0"/>
-          <a:chOff x="0" y="0"/>
-          <a:chExt cx="0" cy="0"/>
-        </a:xfrm>
-      </p:grpSpPr>
-      <p:sp>
-        <p:nvSpPr>
-          <p:cNvPr id="2" name="Slide Image Placeholder 1"/>
-          <p:cNvSpPr>
-            <a:spLocks noGrp="1" noRot="1" noChangeAspect="1"/>
-          </p:cNvSpPr>
-          <p:nvPr>
-            <p:ph type="sldImg"/>
-          </p:nvPr>
-        </p:nvSpPr>
-        <p:spPr/>
-      </p:sp>
-      <p:sp>
-        <p:nvSpPr>
-          <p:cNvPr id="3" name="Notes Placeholder 2"/>
-          <p:cNvSpPr>
-            <a:spLocks noGrp="1"/>
-          </p:cNvSpPr>
-          <p:nvPr>
-            <p:ph type="body" idx="1"/>
-          </p:nvPr>
-        </p:nvSpPr>
-        <p:spPr/>
-        <p:txBody>
-          <a:bodyPr>
-            <a:normAutofit/>
-          </a:bodyPr>
-          <a:lstStyle/>
-          <a:p>
-            <a:r>
-              <a:rPr lang="sv-SE" dirty="0" err="1" smtClean="0"/>
-              <a:t>Use</a:t>
-            </a:r>
-            <a:r>
-              <a:rPr lang="sv-SE" dirty="0" smtClean="0"/>
-              <a:t> </a:t>
-            </a:r>
-            <a:r>
-              <a:rPr lang="sv-SE" dirty="0" err="1" smtClean="0"/>
-              <a:t>mixture</a:t>
-            </a:r>
-            <a:r>
-              <a:rPr lang="sv-SE" dirty="0" smtClean="0"/>
-              <a:t> of </a:t>
-            </a:r>
-            <a:r>
-              <a:rPr lang="sv-SE" dirty="0" err="1" smtClean="0"/>
-              <a:t>gaussians</a:t>
-            </a:r>
-            <a:r>
-              <a:rPr lang="sv-SE" dirty="0" smtClean="0"/>
-              <a:t> </a:t>
-            </a:r>
-            <a:r>
-              <a:rPr lang="sv-SE" dirty="0" err="1" smtClean="0"/>
-              <a:t>model</a:t>
-            </a:r>
-            <a:r>
-              <a:rPr lang="sv-SE" dirty="0" smtClean="0"/>
-              <a:t>  for the </a:t>
-            </a:r>
-            <a:r>
-              <a:rPr lang="sv-SE" dirty="0" err="1" smtClean="0"/>
-              <a:t>background</a:t>
-            </a:r>
-            <a:r>
-              <a:rPr lang="sv-SE" dirty="0" smtClean="0"/>
-              <a:t>, </a:t>
-            </a:r>
-            <a:r>
-              <a:rPr lang="sv-SE" dirty="0" err="1" smtClean="0"/>
-              <a:t>described</a:t>
-            </a:r>
-            <a:r>
-              <a:rPr lang="sv-SE" dirty="0" smtClean="0"/>
-              <a:t> by Wood…</a:t>
-            </a:r>
-          </a:p>
-          <a:p>
-            <a:endParaRPr lang="sv-SE" dirty="0" smtClean="0"/>
-          </a:p>
-          <a:p>
-            <a:r>
-              <a:rPr lang="sv-SE" dirty="0" smtClean="0"/>
-              <a:t>First </a:t>
-            </a:r>
-            <a:r>
-              <a:rPr lang="sv-SE" dirty="0" err="1" smtClean="0"/>
-              <a:t>updates</a:t>
-            </a:r>
-            <a:r>
-              <a:rPr lang="sv-SE" dirty="0" smtClean="0"/>
-              <a:t> the </a:t>
-            </a:r>
-            <a:r>
-              <a:rPr lang="sv-SE" dirty="0" err="1" smtClean="0"/>
-              <a:t>model</a:t>
-            </a:r>
-            <a:r>
-              <a:rPr lang="sv-SE" dirty="0" smtClean="0"/>
-              <a:t>, </a:t>
-            </a:r>
-            <a:r>
-              <a:rPr lang="sv-SE" dirty="0" err="1" smtClean="0"/>
-              <a:t>using</a:t>
-            </a:r>
-            <a:r>
-              <a:rPr lang="sv-SE" dirty="0" smtClean="0"/>
-              <a:t> the </a:t>
-            </a:r>
-            <a:r>
-              <a:rPr lang="sv-SE" dirty="0" err="1" smtClean="0"/>
-              <a:t>incoming</a:t>
-            </a:r>
-            <a:r>
-              <a:rPr lang="sv-SE" dirty="0" smtClean="0"/>
-              <a:t> image, </a:t>
-            </a:r>
-            <a:r>
-              <a:rPr lang="sv-SE" dirty="0" err="1" smtClean="0"/>
-              <a:t>compares</a:t>
-            </a:r>
-            <a:r>
-              <a:rPr lang="sv-SE" dirty="0" smtClean="0"/>
-              <a:t> </a:t>
-            </a:r>
-            <a:r>
-              <a:rPr lang="sv-SE" dirty="0" err="1" smtClean="0"/>
-              <a:t>each</a:t>
-            </a:r>
-            <a:r>
-              <a:rPr lang="sv-SE" dirty="0" smtClean="0"/>
-              <a:t> pixel in the </a:t>
-            </a:r>
-            <a:r>
-              <a:rPr lang="sv-SE" dirty="0" err="1" smtClean="0"/>
-              <a:t>incoming</a:t>
-            </a:r>
-            <a:r>
-              <a:rPr lang="sv-SE" dirty="0" smtClean="0"/>
-              <a:t> image with the </a:t>
-            </a:r>
-            <a:r>
-              <a:rPr lang="sv-SE" dirty="0" err="1" smtClean="0"/>
-              <a:t>current</a:t>
-            </a:r>
-            <a:r>
-              <a:rPr lang="sv-SE" dirty="0" smtClean="0"/>
-              <a:t> </a:t>
-            </a:r>
-            <a:r>
-              <a:rPr lang="sv-SE" dirty="0" err="1" smtClean="0"/>
-              <a:t>model</a:t>
-            </a:r>
-            <a:r>
-              <a:rPr lang="sv-SE" dirty="0" smtClean="0"/>
-              <a:t>,.</a:t>
-            </a:r>
-            <a:endParaRPr lang="sv-SE" dirty="0"/>
-          </a:p>
-          <a:p>
-            <a:endParaRPr lang="sv-SE" dirty="0" smtClean="0"/>
-          </a:p>
-          <a:p>
-            <a:r>
-              <a:rPr lang="sv-SE" dirty="0" err="1" smtClean="0"/>
-              <a:t>Sufficently</a:t>
-            </a:r>
-            <a:r>
-              <a:rPr lang="sv-SE" dirty="0" smtClean="0"/>
-              <a:t> </a:t>
-            </a:r>
-            <a:r>
-              <a:rPr lang="sv-SE" dirty="0" err="1" smtClean="0"/>
-              <a:t>adaptable</a:t>
-            </a:r>
-            <a:r>
-              <a:rPr lang="sv-SE" dirty="0" smtClean="0"/>
-              <a:t> to </a:t>
-            </a:r>
-            <a:r>
-              <a:rPr lang="sv-SE" dirty="0" err="1" smtClean="0"/>
-              <a:t>handle</a:t>
-            </a:r>
-            <a:r>
-              <a:rPr lang="sv-SE" dirty="0" smtClean="0"/>
-              <a:t> simple </a:t>
-            </a:r>
-            <a:r>
-              <a:rPr lang="sv-SE" dirty="0" err="1" smtClean="0"/>
-              <a:t>outdoor</a:t>
-            </a:r>
-            <a:r>
-              <a:rPr lang="sv-SE" dirty="0" smtClean="0"/>
-              <a:t>  </a:t>
-            </a:r>
-            <a:r>
-              <a:rPr lang="sv-SE" dirty="0" err="1" smtClean="0"/>
-              <a:t>sequences</a:t>
-            </a:r>
-            <a:r>
-              <a:rPr lang="sv-SE" dirty="0" smtClean="0"/>
-              <a:t>.</a:t>
-            </a:r>
-            <a:endParaRPr lang="sv-SE" dirty="0"/>
-          </a:p>
-          <a:p>
-            <a:endParaRPr lang="sv-SE" dirty="0" smtClean="0"/>
-          </a:p>
-          <a:p>
-            <a:r>
-              <a:rPr lang="sv-SE" dirty="0" err="1" smtClean="0"/>
-              <a:t>Generates</a:t>
-            </a:r>
-            <a:r>
-              <a:rPr lang="sv-SE" dirty="0" smtClean="0"/>
-              <a:t> a </a:t>
-            </a:r>
-            <a:r>
-              <a:rPr lang="sv-SE" dirty="0" err="1" smtClean="0"/>
-              <a:t>most</a:t>
-            </a:r>
-            <a:r>
-              <a:rPr lang="sv-SE" dirty="0" smtClean="0"/>
-              <a:t> </a:t>
-            </a:r>
-            <a:r>
-              <a:rPr lang="sv-SE" dirty="0" err="1" smtClean="0"/>
-              <a:t>likely</a:t>
-            </a:r>
-            <a:r>
-              <a:rPr lang="sv-SE" dirty="0" smtClean="0"/>
-              <a:t> </a:t>
-            </a:r>
-            <a:r>
-              <a:rPr lang="sv-SE" dirty="0" err="1" smtClean="0"/>
-              <a:t>background</a:t>
-            </a:r>
-            <a:r>
-              <a:rPr lang="sv-SE" dirty="0" smtClean="0"/>
-              <a:t> image for the </a:t>
-            </a:r>
-            <a:r>
-              <a:rPr lang="sv-SE" dirty="0" err="1" smtClean="0"/>
-              <a:t>shadow</a:t>
-            </a:r>
-            <a:r>
-              <a:rPr lang="sv-SE" dirty="0" smtClean="0"/>
-              <a:t> removal to </a:t>
-            </a:r>
-            <a:r>
-              <a:rPr lang="sv-SE" dirty="0" err="1" smtClean="0"/>
-              <a:t>use</a:t>
-            </a:r>
-            <a:r>
-              <a:rPr lang="sv-SE" dirty="0" smtClean="0"/>
-              <a:t>.</a:t>
-            </a:r>
-            <a:endParaRPr lang="sv-SE" dirty="0"/>
-          </a:p>
-        </p:txBody>
-      </p:sp>
-      <p:sp>
-        <p:nvSpPr>
-          <p:cNvPr id="4" name="Slide Number Placeholder 3"/>
-          <p:cNvSpPr>
-            <a:spLocks noGrp="1"/>
-          </p:cNvSpPr>
-          <p:nvPr>
-            <p:ph type="sldNum" sz="quarter" idx="10"/>
-          </p:nvPr>
-        </p:nvSpPr>
-        <p:spPr/>
-        <p:txBody>
-          <a:bodyPr/>
-          <a:lstStyle/>
-          <a:p>
-            <a:fld id="{EE096677-960A-4D89-A544-37B88B173726}" type="slidenum">
-              <a:rPr lang="sv-SE" smtClean="0"/>
-              <a:t>5</a:t>
-            </a:fld>
-            <a:endParaRPr lang="sv-SE"/>
-          </a:p>
-        </p:txBody>
-      </p:sp>
-    </p:spTree>
-  </p:cSld>
-  <p:clrMapOvr>
-    <a:masterClrMapping/>
-  </p:clrMapOvr>
-</p:notes>
-</file>
-
-<file path=ppt/notesSlides/notesSlide6.xml><?xml version="1.0" encoding="utf-8"?>
-<p:notes xmlns:a="http://schemas.openxmlformats.org/drawingml/2006/main" xmlns:r="http://schemas.openxmlformats.org/officeDocument/2006/relationships" xmlns:p="http://schemas.openxmlformats.org/presentationml/2006/main">
-  <p:cSld>
-    <p:spTree>
-      <p:nvGrpSpPr>
-        <p:cNvPr id="1" name=""/>
-        <p:cNvGrpSpPr/>
-        <p:nvPr/>
-      </p:nvGrpSpPr>
-      <p:grpSpPr>
-        <a:xfrm>
-          <a:off x="0" y="0"/>
-          <a:ext cx="0" cy="0"/>
-          <a:chOff x="0" y="0"/>
-          <a:chExt cx="0" cy="0"/>
-        </a:xfrm>
-      </p:grpSpPr>
-      <p:sp>
-        <p:nvSpPr>
-          <p:cNvPr id="2" name="Slide Image Placeholder 1"/>
-          <p:cNvSpPr>
-            <a:spLocks noGrp="1" noRot="1" noChangeAspect="1"/>
-          </p:cNvSpPr>
-          <p:nvPr>
-            <p:ph type="sldImg"/>
-          </p:nvPr>
-        </p:nvSpPr>
-        <p:spPr/>
-      </p:sp>
-      <p:sp>
-        <p:nvSpPr>
-          <p:cNvPr id="3" name="Notes Placeholder 2"/>
-          <p:cNvSpPr>
-            <a:spLocks noGrp="1"/>
-          </p:cNvSpPr>
-          <p:nvPr>
-            <p:ph type="body" idx="1"/>
-          </p:nvPr>
-        </p:nvSpPr>
-        <p:spPr/>
-        <p:txBody>
-          <a:bodyPr>
-            <a:normAutofit/>
-          </a:bodyPr>
-          <a:lstStyle/>
-          <a:p>
-            <a:r>
-              <a:rPr lang="sv-SE" dirty="0" smtClean="0"/>
-              <a:t>The </a:t>
-            </a:r>
-            <a:r>
-              <a:rPr lang="sv-SE" dirty="0" err="1" smtClean="0"/>
-              <a:t>model</a:t>
-            </a:r>
-            <a:r>
-              <a:rPr lang="sv-SE" dirty="0" smtClean="0"/>
-              <a:t> </a:t>
-            </a:r>
-            <a:r>
-              <a:rPr lang="sv-SE" dirty="0" err="1" smtClean="0"/>
-              <a:t>contains</a:t>
-            </a:r>
-            <a:r>
-              <a:rPr lang="sv-SE" dirty="0" smtClean="0"/>
-              <a:t> lots of </a:t>
-            </a:r>
-            <a:r>
-              <a:rPr lang="sv-SE" dirty="0" err="1" smtClean="0"/>
-              <a:t>isolated</a:t>
-            </a:r>
-            <a:r>
-              <a:rPr lang="sv-SE" dirty="0" smtClean="0"/>
-              <a:t> pixels </a:t>
-            </a:r>
-            <a:r>
-              <a:rPr lang="sv-SE" dirty="0" err="1" smtClean="0"/>
-              <a:t>falsely</a:t>
-            </a:r>
-            <a:r>
-              <a:rPr lang="sv-SE" dirty="0" smtClean="0"/>
-              <a:t> marked as </a:t>
-            </a:r>
-            <a:r>
-              <a:rPr lang="sv-SE" dirty="0" err="1" smtClean="0"/>
-              <a:t>background</a:t>
-            </a:r>
-            <a:r>
-              <a:rPr lang="sv-SE" dirty="0" smtClean="0"/>
-              <a:t>.</a:t>
-            </a:r>
-          </a:p>
-          <a:p>
-            <a:r>
-              <a:rPr lang="sv-SE" dirty="0" smtClean="0"/>
-              <a:t>Handled later by the </a:t>
-            </a:r>
-            <a:r>
-              <a:rPr lang="sv-SE" dirty="0" err="1" smtClean="0"/>
-              <a:t>foreground</a:t>
-            </a:r>
-            <a:r>
-              <a:rPr lang="sv-SE" dirty="0" smtClean="0"/>
-              <a:t> </a:t>
-            </a:r>
-            <a:r>
-              <a:rPr lang="sv-SE" dirty="0" err="1" smtClean="0"/>
-              <a:t>segmentation</a:t>
-            </a:r>
-            <a:r>
-              <a:rPr lang="sv-SE" dirty="0" smtClean="0"/>
-              <a:t>.</a:t>
-            </a:r>
-          </a:p>
-          <a:p>
-            <a:endParaRPr lang="sv-SE" dirty="0"/>
-          </a:p>
-          <a:p>
-            <a:r>
-              <a:rPr lang="sv-SE" dirty="0" err="1" smtClean="0"/>
-              <a:t>Updating</a:t>
-            </a:r>
-            <a:r>
-              <a:rPr lang="sv-SE" dirty="0" smtClean="0"/>
-              <a:t> the </a:t>
-            </a:r>
-            <a:r>
-              <a:rPr lang="sv-SE" dirty="0" err="1" smtClean="0"/>
-              <a:t>background</a:t>
-            </a:r>
-            <a:r>
-              <a:rPr lang="sv-SE" dirty="0" smtClean="0"/>
-              <a:t> </a:t>
-            </a:r>
-            <a:r>
-              <a:rPr lang="sv-SE" dirty="0" err="1" smtClean="0"/>
-              <a:t>model</a:t>
-            </a:r>
-            <a:r>
-              <a:rPr lang="sv-SE" dirty="0" smtClean="0"/>
-              <a:t> is slow, so </a:t>
-            </a:r>
-            <a:r>
-              <a:rPr lang="sv-SE" dirty="0" err="1" smtClean="0"/>
-              <a:t>possibly</a:t>
-            </a:r>
-            <a:r>
-              <a:rPr lang="sv-SE" dirty="0" smtClean="0"/>
-              <a:t> </a:t>
-            </a:r>
-            <a:r>
-              <a:rPr lang="sv-SE" dirty="0" err="1" smtClean="0"/>
-              <a:t>avoid</a:t>
-            </a:r>
-            <a:r>
-              <a:rPr lang="sv-SE" dirty="0" smtClean="0"/>
-              <a:t> </a:t>
-            </a:r>
-            <a:r>
-              <a:rPr lang="sv-SE" dirty="0" err="1" smtClean="0"/>
-              <a:t>doing</a:t>
-            </a:r>
-            <a:r>
-              <a:rPr lang="sv-SE" dirty="0" smtClean="0"/>
-              <a:t> it </a:t>
-            </a:r>
-            <a:r>
-              <a:rPr lang="sv-SE" dirty="0" err="1" smtClean="0"/>
-              <a:t>every</a:t>
-            </a:r>
-            <a:r>
-              <a:rPr lang="sv-SE" dirty="0" smtClean="0"/>
-              <a:t> </a:t>
-            </a:r>
-            <a:r>
-              <a:rPr lang="sv-SE" dirty="0" err="1" smtClean="0"/>
-              <a:t>frame</a:t>
-            </a:r>
-            <a:r>
-              <a:rPr lang="sv-SE" dirty="0" smtClean="0"/>
-              <a:t>.</a:t>
-            </a:r>
-          </a:p>
-          <a:p>
-            <a:endParaRPr lang="sv-SE" dirty="0" smtClean="0"/>
-          </a:p>
-          <a:p>
-            <a:r>
-              <a:rPr lang="sv-SE" dirty="0" err="1" smtClean="0"/>
-              <a:t>Large</a:t>
-            </a:r>
-            <a:r>
-              <a:rPr lang="sv-SE" dirty="0" smtClean="0"/>
-              <a:t> </a:t>
-            </a:r>
-            <a:r>
-              <a:rPr lang="sv-SE" dirty="0" err="1" smtClean="0"/>
-              <a:t>number</a:t>
-            </a:r>
-            <a:r>
-              <a:rPr lang="sv-SE" dirty="0" smtClean="0"/>
-              <a:t> of </a:t>
-            </a:r>
-            <a:r>
-              <a:rPr lang="sv-SE" dirty="0" err="1" smtClean="0"/>
-              <a:t>paramaters</a:t>
-            </a:r>
-            <a:r>
-              <a:rPr lang="sv-SE" dirty="0" smtClean="0"/>
-              <a:t> to </a:t>
-            </a:r>
-            <a:r>
-              <a:rPr lang="sv-SE" dirty="0" err="1" smtClean="0"/>
-              <a:t>tune</a:t>
-            </a:r>
-            <a:r>
-              <a:rPr lang="sv-SE" dirty="0" smtClean="0"/>
-              <a:t>.</a:t>
-            </a:r>
-            <a:endParaRPr lang="sv-SE" dirty="0"/>
-          </a:p>
-        </p:txBody>
-      </p:sp>
-      <p:sp>
-        <p:nvSpPr>
-          <p:cNvPr id="4" name="Slide Number Placeholder 3"/>
-          <p:cNvSpPr>
-            <a:spLocks noGrp="1"/>
-          </p:cNvSpPr>
-          <p:nvPr>
-            <p:ph type="sldNum" sz="quarter" idx="10"/>
-          </p:nvPr>
-        </p:nvSpPr>
-        <p:spPr/>
-        <p:txBody>
-          <a:bodyPr/>
-          <a:lstStyle/>
-          <a:p>
-            <a:fld id="{EE096677-960A-4D89-A544-37B88B173726}" type="slidenum">
-              <a:rPr lang="sv-SE" smtClean="0"/>
-              <a:t>6</a:t>
-            </a:fld>
-            <a:endParaRPr lang="sv-SE"/>
-          </a:p>
-        </p:txBody>
-      </p:sp>
-    </p:spTree>
-  </p:cSld>
-  <p:clrMapOvr>
-    <a:masterClrMapping/>
-  </p:clrMapOvr>
-</p:notes>
-</file>
-
-<file path=ppt/notesSlides/notesSlide7.xml><?xml version="1.0" encoding="utf-8"?>
-<p:notes xmlns:a="http://schemas.openxmlformats.org/drawingml/2006/main" xmlns:r="http://schemas.openxmlformats.org/officeDocument/2006/relationships" xmlns:p="http://schemas.openxmlformats.org/presentationml/2006/main">
-  <p:cSld>
-    <p:spTree>
-      <p:nvGrpSpPr>
-        <p:cNvPr id="1" name=""/>
-        <p:cNvGrpSpPr/>
-        <p:nvPr/>
-      </p:nvGrpSpPr>
-      <p:grpSpPr>
-        <a:xfrm>
-          <a:off x="0" y="0"/>
-          <a:ext cx="0" cy="0"/>
-          <a:chOff x="0" y="0"/>
-          <a:chExt cx="0" cy="0"/>
-        </a:xfrm>
-      </p:grpSpPr>
-      <p:sp>
-        <p:nvSpPr>
-          <p:cNvPr id="2" name="Slide Image Placeholder 1"/>
-          <p:cNvSpPr>
-            <a:spLocks noGrp="1" noRot="1" noChangeAspect="1"/>
-          </p:cNvSpPr>
-          <p:nvPr>
-            <p:ph type="sldImg"/>
-          </p:nvPr>
-        </p:nvSpPr>
-        <p:spPr/>
-      </p:sp>
-      <p:sp>
-        <p:nvSpPr>
-          <p:cNvPr id="3" name="Notes Placeholder 2"/>
-          <p:cNvSpPr>
-            <a:spLocks noGrp="1"/>
-          </p:cNvSpPr>
-          <p:nvPr>
-            <p:ph type="body" idx="1"/>
-          </p:nvPr>
-        </p:nvSpPr>
-        <p:spPr/>
-        <p:txBody>
-          <a:bodyPr>
-            <a:normAutofit/>
-          </a:bodyPr>
-          <a:lstStyle/>
-          <a:p>
-            <a:endParaRPr lang="sv-SE"/>
-          </a:p>
-        </p:txBody>
-      </p:sp>
-      <p:sp>
-        <p:nvSpPr>
-          <p:cNvPr id="4" name="Slide Number Placeholder 3"/>
-          <p:cNvSpPr>
-            <a:spLocks noGrp="1"/>
-          </p:cNvSpPr>
-          <p:nvPr>
-            <p:ph type="sldNum" sz="quarter" idx="10"/>
-          </p:nvPr>
-        </p:nvSpPr>
-        <p:spPr/>
-        <p:txBody>
-          <a:bodyPr/>
-          <a:lstStyle/>
-          <a:p>
-            <a:fld id="{EE096677-960A-4D89-A544-37B88B173726}" type="slidenum">
-              <a:rPr lang="sv-SE" smtClean="0"/>
-              <a:t>7</a:t>
-            </a:fld>
-            <a:endParaRPr lang="sv-SE"/>
-          </a:p>
-        </p:txBody>
-      </p:sp>
-    </p:spTree>
-  </p:cSld>
-  <p:clrMapOvr>
-    <a:masterClrMapping/>
-  </p:clrMapOvr>
-</p:notes>
 </file>
 
 <file path=ppt/slideLayouts/slideLayout1.xml><?xml version="1.0" encoding="utf-8"?>
@@ -5591,7 +4112,7 @@
           <p:nvPr/>
         </p:nvPicPr>
         <p:blipFill>
-          <a:blip r:embed="rId3" cstate="print">
+          <a:blip r:embed="rId2">
             <a:extLst>
               <a:ext uri="{28A0092B-C50C-407E-A947-70E740481C1C}">
                 <a14:useLocalDpi xmlns:a14="http://schemas.microsoft.com/office/drawing/2010/main" val="0"/>
@@ -5672,7 +4193,7 @@
           <a:p>
             <a:r>
               <a:rPr lang="en-US" dirty="0" smtClean="0"/>
-              <a:t>Noise Removal</a:t>
+              <a:t>Region labeling</a:t>
             </a:r>
             <a:endParaRPr lang="en-US" dirty="0"/>
           </a:p>
@@ -5690,79 +4211,50 @@
         </p:nvSpPr>
         <p:spPr/>
         <p:txBody>
-          <a:bodyPr/>
-          <a:lstStyle/>
-          <a:p>
+          <a:bodyPr>
+            <a:normAutofit/>
+          </a:bodyPr>
+          <a:lstStyle/>
+          <a:p>
+            <a:r>
+              <a:rPr lang="en-US" i="1" dirty="0" smtClean="0"/>
+              <a:t>Object</a:t>
+            </a:r>
             <a:r>
               <a:rPr lang="en-US" dirty="0" smtClean="0"/>
-              <a:t>First approach: “Distance filtering”</a:t>
-            </a:r>
-            <a:endParaRPr lang="en-US" dirty="0"/>
+              <a:t> creation</a:t>
+            </a:r>
+            <a:endParaRPr lang="en-US" i="1" dirty="0"/>
           </a:p>
           <a:p>
             <a:pPr lvl="1"/>
             <a:r>
               <a:rPr lang="en-US" dirty="0" smtClean="0"/>
-              <a:t>Throw away foreground regions not thick enough</a:t>
+              <a:t>Find remaining contours</a:t>
             </a:r>
           </a:p>
           <a:p>
             <a:pPr lvl="1"/>
             <a:r>
               <a:rPr lang="en-US" dirty="0" smtClean="0"/>
-              <a:t>Good performance</a:t>
+              <a:t>Create bounding boxes</a:t>
             </a:r>
           </a:p>
           <a:p>
             <a:pPr lvl="1"/>
             <a:r>
               <a:rPr lang="en-US" dirty="0" smtClean="0"/>
-              <a:t>Slow?</a:t>
-            </a:r>
-          </a:p>
-          <a:p>
-            <a:r>
-              <a:rPr lang="en-US" dirty="0" smtClean="0"/>
-              <a:t>Second approach: Erode/Dilate</a:t>
-            </a:r>
-          </a:p>
-          <a:p>
-            <a:pPr lvl="1"/>
-            <a:r>
-              <a:rPr lang="en-US" dirty="0" smtClean="0"/>
-              <a:t>Lower performance</a:t>
-            </a:r>
-          </a:p>
-          <a:p>
-            <a:pPr lvl="1"/>
-            <a:r>
-              <a:rPr lang="en-US" dirty="0" smtClean="0"/>
-              <a:t>Faster?</a:t>
-            </a:r>
-          </a:p>
-          <a:p>
-            <a:r>
-              <a:rPr lang="en-US" dirty="0" smtClean="0"/>
-              <a:t>Which one to choose?</a:t>
-            </a:r>
-            <a:endParaRPr lang="en-US" dirty="0"/>
-          </a:p>
-          <a:p>
-            <a:pPr marL="384048" lvl="2" indent="0">
-              <a:spcBef>
-                <a:spcPts val="0"/>
-              </a:spcBef>
-              <a:buClr>
-                <a:schemeClr val="accent1"/>
-              </a:buClr>
-              <a:buSzPct val="80000"/>
-              <a:buNone/>
-            </a:pPr>
-            <a:endParaRPr lang="en-US" dirty="0"/>
+              <a:t>Calculate positions</a:t>
+            </a:r>
           </a:p>
         </p:txBody>
       </p:sp>
     </p:spTree>
+    <p:extLst>
+      <p:ext uri="{BB962C8B-B14F-4D97-AF65-F5344CB8AC3E}">
+        <p14:creationId xmlns:p14="http://schemas.microsoft.com/office/powerpoint/2010/main" val="3075658481"/>
+      </p:ext>
+    </p:extLst>
   </p:cSld>
   <p:clrMapOvr>
     <a:masterClrMapping/>
@@ -5810,143 +4302,6 @@
           <a:lstStyle/>
           <a:p>
             <a:r>
-              <a:rPr lang="en-US" dirty="0"/>
-              <a:t>Noise Removal</a:t>
-            </a:r>
-            <a:endParaRPr lang="sv-SE" dirty="0"/>
-          </a:p>
-        </p:txBody>
-      </p:sp>
-      <p:sp>
-        <p:nvSpPr>
-          <p:cNvPr id="3" name="Content Placeholder 2"/>
-          <p:cNvSpPr>
-            <a:spLocks noGrp="1"/>
-          </p:cNvSpPr>
-          <p:nvPr>
-            <p:ph idx="1"/>
-          </p:nvPr>
-        </p:nvSpPr>
-        <p:spPr/>
-        <p:txBody>
-          <a:bodyPr/>
-          <a:lstStyle/>
-          <a:p>
-            <a:r>
-              <a:rPr lang="sv-SE" dirty="0" smtClean="0"/>
-              <a:t>Distance filtering!</a:t>
-            </a:r>
-          </a:p>
-          <a:p>
-            <a:pPr lvl="1"/>
-            <a:r>
-              <a:rPr lang="sv-SE" dirty="0" smtClean="0"/>
-              <a:t>Not slow at all on the real data</a:t>
-            </a:r>
-          </a:p>
-          <a:p>
-            <a:pPr lvl="1"/>
-            <a:r>
-              <a:rPr lang="sv-SE" dirty="0" smtClean="0"/>
-              <a:t>Very few false positives.</a:t>
-            </a:r>
-          </a:p>
-          <a:p>
-            <a:r>
-              <a:rPr lang="sv-SE" dirty="0" smtClean="0"/>
-              <a:t>Implementation</a:t>
-            </a:r>
-          </a:p>
-          <a:p>
-            <a:pPr lvl="1"/>
-            <a:r>
-              <a:rPr lang="sv-SE" i="1" dirty="0" smtClean="0"/>
-              <a:t>cv::findContours, cv::pointPolygonTest</a:t>
-            </a:r>
-          </a:p>
-          <a:p>
-            <a:pPr lvl="1"/>
-            <a:r>
-              <a:rPr lang="sv-SE" dirty="0" smtClean="0"/>
-              <a:t>Iterate over bounding rectangle</a:t>
-            </a:r>
-          </a:p>
-          <a:p>
-            <a:pPr lvl="1"/>
-            <a:r>
-              <a:rPr lang="sv-SE" dirty="0" smtClean="0"/>
-              <a:t>Measure distance inside contour only</a:t>
-            </a:r>
-          </a:p>
-          <a:p>
-            <a:r>
-              <a:rPr lang="sv-SE" dirty="0" smtClean="0"/>
-              <a:t>Final touch: some morphological dilate</a:t>
-            </a:r>
-          </a:p>
-          <a:p>
-            <a:pPr lvl="1"/>
-            <a:endParaRPr lang="sv-SE" i="1" dirty="0" smtClean="0"/>
-          </a:p>
-          <a:p>
-            <a:pPr lvl="1"/>
-            <a:endParaRPr lang="sv-SE" dirty="0" smtClean="0"/>
-          </a:p>
-        </p:txBody>
-      </p:sp>
-    </p:spTree>
-    <p:extLst>
-      <p:ext uri="{BB962C8B-B14F-4D97-AF65-F5344CB8AC3E}">
-        <p14:creationId xmlns:p14="http://schemas.microsoft.com/office/powerpoint/2010/main" val="1676491376"/>
-      </p:ext>
-    </p:extLst>
-  </p:cSld>
-  <p:clrMapOvr>
-    <a:masterClrMapping/>
-  </p:clrMapOvr>
-  <p:timing>
-    <p:tnLst>
-      <p:par>
-        <p:cTn id="1" dur="indefinite" restart="never" nodeType="tmRoot"/>
-      </p:par>
-    </p:tnLst>
-  </p:timing>
-</p:sld>
-</file>
-
-<file path=ppt/slides/slide12.xml><?xml version="1.0" encoding="utf-8"?>
-<p:sld xmlns:a="http://schemas.openxmlformats.org/drawingml/2006/main" xmlns:r="http://schemas.openxmlformats.org/officeDocument/2006/relationships" xmlns:p="http://schemas.openxmlformats.org/presentationml/2006/main">
-  <p:cSld>
-    <p:spTree>
-      <p:nvGrpSpPr>
-        <p:cNvPr id="1" name=""/>
-        <p:cNvGrpSpPr/>
-        <p:nvPr/>
-      </p:nvGrpSpPr>
-      <p:grpSpPr>
-        <a:xfrm>
-          <a:off x="0" y="0"/>
-          <a:ext cx="0" cy="0"/>
-          <a:chOff x="0" y="0"/>
-          <a:chExt cx="0" cy="0"/>
-        </a:xfrm>
-      </p:grpSpPr>
-      <p:sp>
-        <p:nvSpPr>
-          <p:cNvPr id="2" name="Title 1"/>
-          <p:cNvSpPr>
-            <a:spLocks noGrp="1"/>
-          </p:cNvSpPr>
-          <p:nvPr>
-            <p:ph type="title"/>
-          </p:nvPr>
-        </p:nvSpPr>
-        <p:spPr/>
-        <p:txBody>
-          <a:bodyPr/>
-          <a:lstStyle/>
-          <a:p>
-            <a:r>
               <a:rPr lang="en-US" dirty="0" smtClean="0"/>
               <a:t>Object Detection</a:t>
             </a:r>
@@ -6029,7 +4384,7 @@
           <p:nvPr/>
         </p:nvPicPr>
         <p:blipFill>
-          <a:blip r:embed="rId2" cstate="print">
+          <a:blip r:embed="rId2">
             <a:extLst>
               <a:ext uri="{28A0092B-C50C-407E-A947-70E740481C1C}">
                 <a14:useLocalDpi xmlns:a14="http://schemas.microsoft.com/office/drawing/2010/main" val="0"/>
@@ -6099,6 +4454,154 @@
 </p:sld>
 </file>
 
+<file path=ppt/slides/slide12.xml><?xml version="1.0" encoding="utf-8"?>
+<p:sld xmlns:a="http://schemas.openxmlformats.org/drawingml/2006/main" xmlns:r="http://schemas.openxmlformats.org/officeDocument/2006/relationships" xmlns:p="http://schemas.openxmlformats.org/presentationml/2006/main">
+  <p:cSld>
+    <p:spTree>
+      <p:nvGrpSpPr>
+        <p:cNvPr id="1" name=""/>
+        <p:cNvGrpSpPr/>
+        <p:nvPr/>
+      </p:nvGrpSpPr>
+      <p:grpSpPr>
+        <a:xfrm>
+          <a:off x="0" y="0"/>
+          <a:ext cx="0" cy="0"/>
+          <a:chOff x="0" y="0"/>
+          <a:chExt cx="0" cy="0"/>
+        </a:xfrm>
+      </p:grpSpPr>
+      <p:sp>
+        <p:nvSpPr>
+          <p:cNvPr id="2" name="Title 1"/>
+          <p:cNvSpPr>
+            <a:spLocks noGrp="1"/>
+          </p:cNvSpPr>
+          <p:nvPr>
+            <p:ph type="title"/>
+          </p:nvPr>
+        </p:nvSpPr>
+        <p:spPr/>
+        <p:txBody>
+          <a:bodyPr/>
+          <a:lstStyle/>
+          <a:p>
+            <a:r>
+              <a:rPr lang="en-US" dirty="0" smtClean="0"/>
+              <a:t>Identification</a:t>
+            </a:r>
+            <a:endParaRPr lang="en-US" dirty="0"/>
+          </a:p>
+        </p:txBody>
+      </p:sp>
+      <p:sp>
+        <p:nvSpPr>
+          <p:cNvPr id="5" name="Content Placeholder 2"/>
+          <p:cNvSpPr>
+            <a:spLocks noGrp="1"/>
+          </p:cNvSpPr>
+          <p:nvPr>
+            <p:ph idx="1"/>
+          </p:nvPr>
+        </p:nvSpPr>
+        <p:spPr>
+          <a:xfrm>
+            <a:off x="457200" y="1775191"/>
+            <a:ext cx="8229600" cy="4625609"/>
+          </a:xfrm>
+        </p:spPr>
+        <p:txBody>
+          <a:bodyPr>
+            <a:normAutofit/>
+          </a:bodyPr>
+          <a:lstStyle/>
+          <a:p>
+            <a:r>
+              <a:rPr lang="en-US" dirty="0" smtClean="0"/>
+              <a:t>Objectives</a:t>
+            </a:r>
+          </a:p>
+          <a:p>
+            <a:pPr lvl="1"/>
+            <a:r>
+              <a:rPr lang="en-US" dirty="0"/>
+              <a:t>Correlate previous objects with current </a:t>
+            </a:r>
+            <a:r>
+              <a:rPr lang="en-US" dirty="0" smtClean="0"/>
+              <a:t>objects</a:t>
+            </a:r>
+          </a:p>
+          <a:p>
+            <a:pPr lvl="1"/>
+            <a:r>
+              <a:rPr lang="en-US" dirty="0"/>
+              <a:t>Handle occlusion</a:t>
+            </a:r>
+          </a:p>
+          <a:p>
+            <a:pPr lvl="2"/>
+            <a:r>
+              <a:rPr lang="en-US" dirty="0"/>
+              <a:t>Objects &lt;-&gt; Objects</a:t>
+            </a:r>
+          </a:p>
+          <a:p>
+            <a:pPr lvl="2"/>
+            <a:r>
+              <a:rPr lang="en-US" dirty="0"/>
+              <a:t>Objects &lt;-&gt; </a:t>
+            </a:r>
+            <a:r>
+              <a:rPr lang="en-US" dirty="0" smtClean="0"/>
+              <a:t>Background</a:t>
+            </a:r>
+            <a:endParaRPr lang="en-US" dirty="0"/>
+          </a:p>
+          <a:p>
+            <a:pPr lvl="1"/>
+            <a:r>
+              <a:rPr lang="en-US" dirty="0" smtClean="0"/>
+              <a:t>Assign unique ID’s to new objects</a:t>
+            </a:r>
+            <a:endParaRPr lang="en-US" dirty="0"/>
+          </a:p>
+          <a:p>
+            <a:pPr lvl="1"/>
+            <a:r>
+              <a:rPr lang="en-US" dirty="0"/>
+              <a:t>Forget objects that leave the </a:t>
+            </a:r>
+            <a:r>
+              <a:rPr lang="en-US" dirty="0" smtClean="0"/>
+              <a:t>screen</a:t>
+            </a:r>
+          </a:p>
+          <a:p>
+            <a:endParaRPr lang="en-US" dirty="0"/>
+          </a:p>
+        </p:txBody>
+      </p:sp>
+    </p:spTree>
+    <p:extLst>
+      <p:ext uri="{BB962C8B-B14F-4D97-AF65-F5344CB8AC3E}">
+        <p14:creationId xmlns:p14="http://schemas.microsoft.com/office/powerpoint/2010/main" val="2851670682"/>
+      </p:ext>
+    </p:extLst>
+  </p:cSld>
+  <p:clrMapOvr>
+    <a:masterClrMapping/>
+  </p:clrMapOvr>
+  <p:timing>
+    <p:tnLst>
+      <p:par>
+        <p:cTn id="1" dur="indefinite" restart="never" nodeType="tmRoot"/>
+      </p:par>
+    </p:tnLst>
+  </p:timing>
+</p:sld>
+</file>
+
 <file path=ppt/slides/slide13.xml><?xml version="1.0" encoding="utf-8"?>
 <p:sld xmlns:a="http://schemas.openxmlformats.org/drawingml/2006/main" xmlns:r="http://schemas.openxmlformats.org/officeDocument/2006/relationships" xmlns:p="http://schemas.openxmlformats.org/presentationml/2006/main">
   <p:cSld>
@@ -6132,150 +4635,6 @@
           <a:lstStyle/>
           <a:p>
             <a:r>
-              <a:rPr lang="en-US" dirty="0" smtClean="0"/>
-              <a:t>Identification</a:t>
-            </a:r>
-            <a:endParaRPr lang="en-US" dirty="0"/>
-          </a:p>
-        </p:txBody>
-      </p:sp>
-      <p:sp>
-        <p:nvSpPr>
-          <p:cNvPr id="5" name="Content Placeholder 2"/>
-          <p:cNvSpPr>
-            <a:spLocks noGrp="1"/>
-          </p:cNvSpPr>
-          <p:nvPr>
-            <p:ph idx="1"/>
-          </p:nvPr>
-        </p:nvSpPr>
-        <p:spPr>
-          <a:xfrm>
-            <a:off x="457200" y="1775191"/>
-            <a:ext cx="8229600" cy="4625609"/>
-          </a:xfrm>
-        </p:spPr>
-        <p:txBody>
-          <a:bodyPr>
-            <a:normAutofit/>
-          </a:bodyPr>
-          <a:lstStyle/>
-          <a:p>
-            <a:r>
-              <a:rPr lang="en-US" dirty="0" smtClean="0"/>
-              <a:t>Objectives</a:t>
-            </a:r>
-          </a:p>
-          <a:p>
-            <a:pPr lvl="1"/>
-            <a:r>
-              <a:rPr lang="en-US" dirty="0"/>
-              <a:t>Correlate previous objects with current </a:t>
-            </a:r>
-            <a:r>
-              <a:rPr lang="en-US" dirty="0" smtClean="0"/>
-              <a:t>objects</a:t>
-            </a:r>
-          </a:p>
-          <a:p>
-            <a:pPr lvl="1"/>
-            <a:r>
-              <a:rPr lang="en-US" dirty="0"/>
-              <a:t>Handle occlusion</a:t>
-            </a:r>
-          </a:p>
-          <a:p>
-            <a:pPr lvl="2"/>
-            <a:r>
-              <a:rPr lang="en-US" dirty="0"/>
-              <a:t>Objects &lt;-&gt; Objects</a:t>
-            </a:r>
-          </a:p>
-          <a:p>
-            <a:pPr lvl="2"/>
-            <a:r>
-              <a:rPr lang="en-US" dirty="0"/>
-              <a:t>Objects &lt;-&gt; </a:t>
-            </a:r>
-            <a:r>
-              <a:rPr lang="en-US" dirty="0" smtClean="0"/>
-              <a:t>Background</a:t>
-            </a:r>
-            <a:endParaRPr lang="en-US" dirty="0"/>
-          </a:p>
-          <a:p>
-            <a:pPr lvl="1"/>
-            <a:r>
-              <a:rPr lang="en-US" dirty="0" smtClean="0"/>
-              <a:t>Assign unique ID’s to new objects</a:t>
-            </a:r>
-            <a:endParaRPr lang="en-US" dirty="0"/>
-          </a:p>
-          <a:p>
-            <a:pPr lvl="1"/>
-            <a:r>
-              <a:rPr lang="en-US" dirty="0"/>
-              <a:t>Forget objects that leave the </a:t>
-            </a:r>
-            <a:r>
-              <a:rPr lang="en-US" dirty="0" smtClean="0"/>
-              <a:t>screen</a:t>
-            </a:r>
-            <a:endParaRPr lang="en-US" dirty="0" smtClean="0"/>
-          </a:p>
-          <a:p>
-            <a:endParaRPr lang="en-US" dirty="0"/>
-          </a:p>
-        </p:txBody>
-      </p:sp>
-    </p:spTree>
-  </p:cSld>
-  <p:clrMapOvr>
-    <a:masterClrMapping/>
-  </p:clrMapOvr>
-  <p:timing>
-    <p:tnLst>
-      <p:par>
-        <p:cTn id="1" dur="indefinite" restart="never" nodeType="tmRoot"/>
-      </p:par>
-    </p:tnLst>
-  </p:timing>
-</p:sld>
-</file>
-
-<file path=ppt/slides/slide14.xml><?xml version="1.0" encoding="utf-8"?>
-<p:sld xmlns:a="http://schemas.openxmlformats.org/drawingml/2006/main" xmlns:r="http://schemas.openxmlformats.org/officeDocument/2006/relationships" xmlns:p="http://schemas.openxmlformats.org/presentationml/2006/main">
-  <p:cSld>
-    <p:spTree>
-      <p:nvGrpSpPr>
-        <p:cNvPr id="1" name=""/>
-        <p:cNvGrpSpPr/>
-        <p:nvPr/>
-      </p:nvGrpSpPr>
-      <p:grpSpPr>
-        <a:xfrm>
-          <a:off x="0" y="0"/>
-          <a:ext cx="0" cy="0"/>
-          <a:chOff x="0" y="0"/>
-          <a:chExt cx="0" cy="0"/>
-        </a:xfrm>
-      </p:grpSpPr>
-      <p:sp>
-        <p:nvSpPr>
-          <p:cNvPr id="2" name="Title 1"/>
-          <p:cNvSpPr>
-            <a:spLocks noGrp="1"/>
-          </p:cNvSpPr>
-          <p:nvPr>
-            <p:ph type="title"/>
-          </p:nvPr>
-        </p:nvSpPr>
-        <p:spPr/>
-        <p:txBody>
-          <a:bodyPr/>
-          <a:lstStyle/>
-          <a:p>
-            <a:r>
               <a:rPr lang="sv-SE" dirty="0" smtClean="0"/>
               <a:t>Identification – Error measure</a:t>
             </a:r>
@@ -6283,8 +4642,8 @@
           </a:p>
         </p:txBody>
       </p:sp>
-      <mc:AlternateContent xmlns:mc="http://schemas.openxmlformats.org/markup-compatibility/2006">
-        <mc:Choice xmlns:a14="http://schemas.microsoft.com/office/drawing/2010/main" Requires="a14">
+      <mc:AlternateContent xmlns:mc="http://schemas.openxmlformats.org/markup-compatibility/2006" xmlns:a14="http://schemas.microsoft.com/office/drawing/2010/main">
+        <mc:Choice Requires="a14">
           <p:sp>
             <p:nvSpPr>
               <p:cNvPr id="3" name="Content Placeholder 2"/>
@@ -6812,7 +5171,7 @@
             </p:txBody>
           </p:sp>
         </mc:Choice>
-        <mc:Fallback>
+        <mc:Fallback xmlns="">
           <p:sp>
             <p:nvSpPr>
               <p:cNvPr id="3" name="Content Placeholder 2"/>
@@ -6909,17 +5268,24 @@
     </p:spTree>
     <p:extLst>
       <p:ext uri="{BB962C8B-B14F-4D97-AF65-F5344CB8AC3E}">
-        <p14:creationId xmlns:p14="http://schemas.microsoft.com/office/powerpoint/2010/main" val="4184595684"/>
+        <p14:creationId xmlns:p14="http://schemas.microsoft.com/office/powerpoint/2010/main" val="386963649"/>
       </p:ext>
     </p:extLst>
   </p:cSld>
   <p:clrMapOvr>
     <a:masterClrMapping/>
   </p:clrMapOvr>
+  <p:timing>
+    <p:tnLst>
+      <p:par>
+        <p:cTn id="1" dur="indefinite" restart="never" nodeType="tmRoot"/>
+      </p:par>
+    </p:tnLst>
+  </p:timing>
 </p:sld>
 </file>
 
-<file path=ppt/slides/slide15.xml><?xml version="1.0" encoding="utf-8"?>
+<file path=ppt/slides/slide14.xml><?xml version="1.0" encoding="utf-8"?>
 <p:sld xmlns:a="http://schemas.openxmlformats.org/drawingml/2006/main" xmlns:r="http://schemas.openxmlformats.org/officeDocument/2006/relationships" xmlns:p="http://schemas.openxmlformats.org/presentationml/2006/main">
   <p:cSld>
     <p:spTree>
@@ -10052,6 +8418,100 @@
         </p:txBody>
       </p:sp>
     </p:spTree>
+    <p:extLst>
+      <p:ext uri="{BB962C8B-B14F-4D97-AF65-F5344CB8AC3E}">
+        <p14:creationId xmlns:p14="http://schemas.microsoft.com/office/powerpoint/2010/main" val="1079965555"/>
+      </p:ext>
+    </p:extLst>
+  </p:cSld>
+  <p:clrMapOvr>
+    <a:masterClrMapping/>
+  </p:clrMapOvr>
+  <p:timing>
+    <p:tnLst>
+      <p:par>
+        <p:cTn id="1" dur="indefinite" restart="never" nodeType="tmRoot"/>
+      </p:par>
+    </p:tnLst>
+  </p:timing>
+</p:sld>
+</file>
+
+<file path=ppt/slides/slide15.xml><?xml version="1.0" encoding="utf-8"?>
+<p:sld xmlns:a="http://schemas.openxmlformats.org/drawingml/2006/main" xmlns:r="http://schemas.openxmlformats.org/officeDocument/2006/relationships" xmlns:p="http://schemas.openxmlformats.org/presentationml/2006/main">
+  <p:cSld>
+    <p:spTree>
+      <p:nvGrpSpPr>
+        <p:cNvPr id="1" name=""/>
+        <p:cNvGrpSpPr/>
+        <p:nvPr/>
+      </p:nvGrpSpPr>
+      <p:grpSpPr>
+        <a:xfrm>
+          <a:off x="0" y="0"/>
+          <a:ext cx="0" cy="0"/>
+          <a:chOff x="0" y="0"/>
+          <a:chExt cx="0" cy="0"/>
+        </a:xfrm>
+      </p:grpSpPr>
+      <p:sp>
+        <p:nvSpPr>
+          <p:cNvPr id="2" name="Title 1"/>
+          <p:cNvSpPr>
+            <a:spLocks noGrp="1"/>
+          </p:cNvSpPr>
+          <p:nvPr>
+            <p:ph type="title"/>
+          </p:nvPr>
+        </p:nvSpPr>
+        <p:spPr/>
+        <p:txBody>
+          <a:bodyPr/>
+          <a:lstStyle/>
+          <a:p>
+            <a:r>
+              <a:rPr lang="sv-SE" dirty="0" smtClean="0"/>
+              <a:t>Identification – Occlusion</a:t>
+            </a:r>
+            <a:endParaRPr lang="sv-SE" dirty="0"/>
+          </a:p>
+        </p:txBody>
+      </p:sp>
+      <p:pic>
+        <p:nvPicPr>
+          <p:cNvPr id="4" name="Content Placeholder 3"/>
+          <p:cNvPicPr>
+            <a:picLocks noGrp="1" noChangeAspect="1"/>
+          </p:cNvPicPr>
+          <p:nvPr>
+            <p:ph idx="1"/>
+          </p:nvPr>
+        </p:nvPicPr>
+        <p:blipFill>
+          <a:blip r:embed="rId2">
+            <a:extLst>
+              <a:ext uri="{28A0092B-C50C-407E-A947-70E740481C1C}">
+                <a14:useLocalDpi xmlns:a14="http://schemas.microsoft.com/office/drawing/2010/main" val="0"/>
+              </a:ext>
+            </a:extLst>
+          </a:blip>
+          <a:stretch>
+            <a:fillRect/>
+          </a:stretch>
+        </p:blipFill>
+        <p:spPr>
+          <a:xfrm>
+            <a:off x="457200" y="1926293"/>
+            <a:ext cx="8229600" cy="4323038"/>
+          </a:xfrm>
+        </p:spPr>
+      </p:pic>
+    </p:spTree>
+    <p:extLst>
+      <p:ext uri="{BB962C8B-B14F-4D97-AF65-F5344CB8AC3E}">
+        <p14:creationId xmlns:p14="http://schemas.microsoft.com/office/powerpoint/2010/main" val="1768340584"/>
+      </p:ext>
+    </p:extLst>
   </p:cSld>
   <p:clrMapOvr>
     <a:masterClrMapping/>
@@ -10100,51 +8560,93 @@
           <a:p>
             <a:r>
               <a:rPr lang="sv-SE" dirty="0" smtClean="0"/>
-              <a:t>Identification – Occlusion</a:t>
+              <a:t>Identification - Improvements</a:t>
             </a:r>
             <a:endParaRPr lang="sv-SE" dirty="0"/>
           </a:p>
         </p:txBody>
       </p:sp>
-      <p:pic>
-        <p:nvPicPr>
-          <p:cNvPr id="4" name="Content Placeholder 3"/>
-          <p:cNvPicPr>
-            <a:picLocks noGrp="1" noChangeAspect="1"/>
-          </p:cNvPicPr>
+      <p:sp>
+        <p:nvSpPr>
+          <p:cNvPr id="3" name="Content Placeholder 2"/>
+          <p:cNvSpPr>
+            <a:spLocks noGrp="1"/>
+          </p:cNvSpPr>
           <p:nvPr>
             <p:ph idx="1"/>
           </p:nvPr>
-        </p:nvPicPr>
-        <p:blipFill>
-          <a:blip r:embed="rId2">
-            <a:extLst>
-              <a:ext uri="{28A0092B-C50C-407E-A947-70E740481C1C}">
-                <a14:useLocalDpi xmlns:a14="http://schemas.microsoft.com/office/drawing/2010/main" val="0"/>
-              </a:ext>
-            </a:extLst>
-          </a:blip>
-          <a:stretch>
-            <a:fillRect/>
-          </a:stretch>
-        </p:blipFill>
-        <p:spPr>
-          <a:xfrm>
-            <a:off x="457200" y="1926293"/>
-            <a:ext cx="8229600" cy="4323038"/>
-          </a:xfrm>
-        </p:spPr>
-      </p:pic>
+        </p:nvSpPr>
+        <p:spPr/>
+        <p:txBody>
+          <a:bodyPr/>
+          <a:lstStyle/>
+          <a:p>
+            <a:r>
+              <a:rPr lang="sv-SE" dirty="0" smtClean="0"/>
+              <a:t>Assumes all passed objects are ”real”</a:t>
+            </a:r>
+          </a:p>
+          <a:p>
+            <a:pPr lvl="1"/>
+            <a:r>
+              <a:rPr lang="sv-SE" dirty="0" smtClean="0"/>
+              <a:t>Large objects tends to collect lost heads, feets...</a:t>
+            </a:r>
+          </a:p>
+          <a:p>
+            <a:pPr lvl="1"/>
+            <a:r>
+              <a:rPr lang="sv-SE" dirty="0" smtClean="0"/>
+              <a:t>Width and Height should not change too fast...</a:t>
+            </a:r>
+          </a:p>
+          <a:p>
+            <a:pPr lvl="1"/>
+            <a:r>
+              <a:rPr lang="sv-SE" dirty="0" smtClean="0"/>
+              <a:t>The error function isn’t tuned at all: a change in width,height should probably impact more.</a:t>
+            </a:r>
+          </a:p>
+          <a:p>
+            <a:pPr lvl="1"/>
+            <a:r>
+              <a:rPr lang="sv-SE" dirty="0" smtClean="0"/>
+              <a:t>Objects should be removed if they have been lost for too long. Use the </a:t>
+            </a:r>
+            <a:r>
+              <a:rPr lang="sv-SE" smtClean="0"/>
+              <a:t>variance estimate from </a:t>
+            </a:r>
+            <a:r>
+              <a:rPr lang="sv-SE" dirty="0" smtClean="0"/>
+              <a:t>the kalman filter?</a:t>
+            </a:r>
+          </a:p>
+          <a:p>
+            <a:endParaRPr lang="sv-SE" dirty="0" smtClean="0"/>
+          </a:p>
+          <a:p>
+            <a:endParaRPr lang="sv-SE" dirty="0"/>
+          </a:p>
+        </p:txBody>
+      </p:sp>
     </p:spTree>
     <p:extLst>
       <p:ext uri="{BB962C8B-B14F-4D97-AF65-F5344CB8AC3E}">
-        <p14:creationId xmlns:p14="http://schemas.microsoft.com/office/powerpoint/2010/main" val="3127134249"/>
+        <p14:creationId xmlns:p14="http://schemas.microsoft.com/office/powerpoint/2010/main" val="1142515722"/>
       </p:ext>
     </p:extLst>
   </p:cSld>
   <p:clrMapOvr>
     <a:masterClrMapping/>
   </p:clrMapOvr>
+  <p:timing>
+    <p:tnLst>
+      <p:par>
+        <p:cTn id="1" dur="indefinite" restart="never" nodeType="tmRoot"/>
+      </p:par>
+    </p:tnLst>
+  </p:timing>
 </p:sld>
 </file>
 
@@ -10181,10 +8683,10 @@
           <a:lstStyle/>
           <a:p>
             <a:r>
-              <a:rPr lang="sv-SE" dirty="0" smtClean="0"/>
-              <a:t>Identification - Improvements</a:t>
-            </a:r>
-            <a:endParaRPr lang="sv-SE" dirty="0"/>
+              <a:rPr lang="en-US" dirty="0" smtClean="0"/>
+              <a:t>Prediction</a:t>
+            </a:r>
+            <a:endParaRPr lang="en-US" dirty="0"/>
           </a:p>
         </p:txBody>
       </p:sp>
@@ -10205,48 +8707,55 @@
           <a:p>
             <a:r>
               <a:rPr lang="sv-SE" dirty="0" smtClean="0"/>
-              <a:t>Assumes all passed objects are ”real”</a:t>
+              <a:t>Kalman: </a:t>
+            </a:r>
+            <a:r>
+              <a:rPr lang="sv-SE" dirty="0"/>
+              <a:t>T</a:t>
+            </a:r>
+            <a:r>
+              <a:rPr lang="sv-SE" dirty="0" smtClean="0"/>
+              <a:t>he optimal linear predictor</a:t>
+            </a:r>
+          </a:p>
+          <a:p>
+            <a:endParaRPr lang="sv-SE" dirty="0" smtClean="0"/>
+          </a:p>
+          <a:p>
+            <a:r>
+              <a:rPr lang="sv-SE" dirty="0" smtClean="0"/>
+              <a:t>Components</a:t>
             </a:r>
           </a:p>
           <a:p>
             <a:pPr lvl="1"/>
             <a:r>
               <a:rPr lang="sv-SE" dirty="0" smtClean="0"/>
-              <a:t>Large objects tends to collect lost heads, feets...</a:t>
+              <a:t>State-Space Model</a:t>
             </a:r>
           </a:p>
           <a:p>
             <a:pPr lvl="1"/>
             <a:r>
               <a:rPr lang="sv-SE" dirty="0" smtClean="0"/>
-              <a:t>Width and Height should not change too fast...</a:t>
+              <a:t>Covariance Matrices</a:t>
+            </a:r>
+          </a:p>
+          <a:p>
+            <a:endParaRPr lang="sv-SE" dirty="0"/>
+          </a:p>
+          <a:p>
+            <a:r>
+              <a:rPr lang="sv-SE" dirty="0" smtClean="0"/>
+              <a:t>Difficulties</a:t>
             </a:r>
           </a:p>
           <a:p>
             <a:pPr lvl="1"/>
             <a:r>
               <a:rPr lang="sv-SE" dirty="0" smtClean="0"/>
-              <a:t>The error function isn’t tuned at all: a change in width,height should probably impact more.</a:t>
-            </a:r>
-          </a:p>
-          <a:p>
-            <a:pPr lvl="1"/>
-            <a:r>
-              <a:rPr lang="sv-SE" dirty="0" smtClean="0"/>
-              <a:t>Objects should be removed if they have been lost for too long. Use the </a:t>
-            </a:r>
-            <a:r>
-              <a:rPr lang="sv-SE" smtClean="0"/>
-              <a:t>variance estimate from </a:t>
-            </a:r>
-            <a:r>
-              <a:rPr lang="sv-SE" dirty="0" smtClean="0"/>
-              <a:t>the kalman filter?</a:t>
-            </a:r>
-            <a:endParaRPr lang="sv-SE" dirty="0" smtClean="0"/>
-          </a:p>
-          <a:p>
-            <a:endParaRPr lang="sv-SE" dirty="0" smtClean="0"/>
+              <a:t>Smoothing</a:t>
+            </a:r>
           </a:p>
           <a:p>
             <a:endParaRPr lang="sv-SE" dirty="0"/>
@@ -10254,15 +8763,17 @@
         </p:txBody>
       </p:sp>
     </p:spTree>
-    <p:extLst>
-      <p:ext uri="{BB962C8B-B14F-4D97-AF65-F5344CB8AC3E}">
-        <p14:creationId xmlns:p14="http://schemas.microsoft.com/office/powerpoint/2010/main" val="3851194483"/>
-      </p:ext>
-    </p:extLst>
   </p:cSld>
   <p:clrMapOvr>
     <a:masterClrMapping/>
   </p:clrMapOvr>
+  <p:timing>
+    <p:tnLst>
+      <p:par>
+        <p:cTn id="1" dur="indefinite" restart="never" nodeType="tmRoot"/>
+      </p:par>
+    </p:tnLst>
+  </p:timing>
 </p:sld>
 </file>
 
@@ -10299,89 +8810,62 @@
           <a:lstStyle/>
           <a:p>
             <a:r>
-              <a:rPr lang="en-US" dirty="0" err="1" smtClean="0"/>
-              <a:t>Kalman</a:t>
-            </a:r>
-            <a:r>
-              <a:rPr lang="en-US" dirty="0" smtClean="0"/>
-              <a:t> Prediction</a:t>
-            </a:r>
-            <a:endParaRPr lang="en-US" dirty="0"/>
-          </a:p>
-        </p:txBody>
-      </p:sp>
-      <p:sp>
-        <p:nvSpPr>
-          <p:cNvPr id="3" name="Content Placeholder 2"/>
-          <p:cNvSpPr>
-            <a:spLocks noGrp="1"/>
-          </p:cNvSpPr>
+              <a:rPr lang="sv-SE" dirty="0" smtClean="0"/>
+              <a:t>Prediction</a:t>
+            </a:r>
+            <a:endParaRPr lang="en-GB" dirty="0"/>
+          </a:p>
+        </p:txBody>
+      </p:sp>
+      <p:pic>
+        <p:nvPicPr>
+          <p:cNvPr id="1026" name="Picture 2" descr="C:\Users\Alexander\Desktop\Kalmask2.png"/>
+          <p:cNvPicPr>
+            <a:picLocks noGrp="1" noChangeAspect="1" noChangeArrowheads="1"/>
+          </p:cNvPicPr>
           <p:nvPr>
             <p:ph idx="1"/>
           </p:nvPr>
-        </p:nvSpPr>
-        <p:spPr/>
-        <p:txBody>
-          <a:bodyPr/>
-          <a:lstStyle/>
-          <a:p>
-            <a:r>
-              <a:rPr lang="sv-SE" dirty="0" smtClean="0"/>
-              <a:t>Why Kalman?</a:t>
-            </a:r>
-          </a:p>
-          <a:p>
-            <a:endParaRPr lang="sv-SE" dirty="0" smtClean="0"/>
-          </a:p>
-          <a:p>
-            <a:r>
-              <a:rPr lang="sv-SE" dirty="0" smtClean="0"/>
-              <a:t>How Kalman?</a:t>
-            </a:r>
-          </a:p>
-          <a:p>
-            <a:pPr lvl="1"/>
-            <a:r>
-              <a:rPr lang="sv-SE" dirty="0" smtClean="0"/>
-              <a:t>Two phases</a:t>
-            </a:r>
-          </a:p>
-          <a:p>
-            <a:pPr lvl="2"/>
-            <a:r>
-              <a:rPr lang="sv-SE" dirty="0" smtClean="0"/>
-              <a:t>Measurement Update</a:t>
-            </a:r>
-          </a:p>
-          <a:p>
-            <a:pPr lvl="2"/>
-            <a:r>
-              <a:rPr lang="sv-SE" dirty="0" smtClean="0"/>
-              <a:t>Time Update</a:t>
-            </a:r>
-          </a:p>
-          <a:p>
-            <a:endParaRPr lang="sv-SE" dirty="0"/>
-          </a:p>
-          <a:p>
-            <a:r>
-              <a:rPr lang="sv-SE" dirty="0" smtClean="0"/>
-              <a:t>Difficulties</a:t>
-            </a:r>
-          </a:p>
-          <a:p>
-            <a:pPr lvl="1"/>
-            <a:r>
-              <a:rPr lang="sv-SE" dirty="0" smtClean="0"/>
-              <a:t>Smoothing</a:t>
-            </a:r>
-          </a:p>
-          <a:p>
-            <a:endParaRPr lang="sv-SE" dirty="0"/>
-          </a:p>
-        </p:txBody>
-      </p:sp>
+        </p:nvPicPr>
+        <p:blipFill>
+          <a:blip r:embed="rId2">
+            <a:extLst>
+              <a:ext uri="{28A0092B-C50C-407E-A947-70E740481C1C}">
+                <a14:useLocalDpi xmlns:a14="http://schemas.microsoft.com/office/drawing/2010/main" val="0"/>
+              </a:ext>
+            </a:extLst>
+          </a:blip>
+          <a:srcRect/>
+          <a:stretch>
+            <a:fillRect/>
+          </a:stretch>
+        </p:blipFill>
+        <p:spPr bwMode="auto">
+          <a:xfrm>
+            <a:off x="906462" y="2022613"/>
+            <a:ext cx="7331076" cy="4130398"/>
+          </a:xfrm>
+          <a:prstGeom prst="rect">
+            <a:avLst/>
+          </a:prstGeom>
+          <a:noFill/>
+          <a:extLst>
+            <a:ext uri="{909E8E84-426E-40DD-AFC4-6F175D3DCCD1}">
+              <a14:hiddenFill xmlns:a14="http://schemas.microsoft.com/office/drawing/2010/main">
+                <a:solidFill>
+                  <a:srgbClr val="FFFFFF"/>
+                </a:solidFill>
+              </a14:hiddenFill>
+            </a:ext>
+          </a:extLst>
+        </p:spPr>
+      </p:pic>
     </p:spTree>
+    <p:extLst>
+      <p:ext uri="{BB962C8B-B14F-4D97-AF65-F5344CB8AC3E}">
+        <p14:creationId xmlns:p14="http://schemas.microsoft.com/office/powerpoint/2010/main" val="1395924851"/>
+      </p:ext>
+    </p:extLst>
   </p:cSld>
   <p:clrMapOvr>
     <a:masterClrMapping/>
@@ -10457,7 +8941,14 @@
               <a:p>
                 <a:r>
                   <a:rPr lang="en-US" dirty="0" smtClean="0"/>
-                  <a:t>Why MOTA &amp; MOTP?</a:t>
+                  <a:t>MOTA &amp; MOTP</a:t>
+                </a:r>
+              </a:p>
+              <a:p>
+                <a:pPr lvl="1"/>
+                <a:r>
+                  <a:rPr lang="en-US" dirty="0" smtClean="0"/>
+                  <a:t>Easy to understand</a:t>
                 </a:r>
               </a:p>
               <a:p>
@@ -10465,12 +8956,6 @@
                   <a:buNone/>
                 </a:pPr>
                 <a:endParaRPr lang="en-US" dirty="0" smtClean="0"/>
-              </a:p>
-              <a:p>
-                <a:r>
-                  <a:rPr lang="en-US" dirty="0" smtClean="0"/>
-                  <a:t>How MOTA?</a:t>
-                </a:r>
               </a:p>
               <a:p>
                 <a:pPr lvl="1"/>
@@ -10577,12 +9062,6 @@
                 <a:endParaRPr lang="en-US" dirty="0" smtClean="0"/>
               </a:p>
               <a:p>
-                <a:r>
-                  <a:rPr lang="en-US" dirty="0" smtClean="0"/>
-                  <a:t>How MOTP?</a:t>
-                </a:r>
-              </a:p>
-              <a:p>
                 <a:pPr lvl="1"/>
                 <a14:m>
                   <m:oMath xmlns:m="http://schemas.openxmlformats.org/officeDocument/2006/math">
@@ -10649,7 +9128,7 @@
                               <a:rPr lang="sv-SE" b="0" i="1" smtClean="0">
                                 <a:latin typeface="Cambria Math"/>
                               </a:rPr>
-                              <m:t>𝑜𝑏𝑗𝑒𝑐𝑡𝑠</m:t>
+                              <m:t>𝑚𝑎𝑡𝑐h𝑒𝑠</m:t>
                             </m:r>
                           </m:e>
                         </m:nary>
@@ -10675,7 +9154,7 @@
             </p:nvSpPr>
             <p:spPr>
               <a:blipFill rotWithShape="1">
-                <a:blip r:embed="rId2" cstate="print"/>
+                <a:blip r:embed="rId2"/>
                 <a:stretch>
                   <a:fillRect t="-659"/>
                 </a:stretch>
@@ -10745,7 +9224,7 @@
           <a:p>
             <a:r>
               <a:rPr lang="en-US" dirty="0" smtClean="0"/>
-              <a:t>Objectives</a:t>
+              <a:t>Data Structures</a:t>
             </a:r>
             <a:endParaRPr lang="en-US" dirty="0"/>
           </a:p>
@@ -10761,282 +9240,12 @@
             <p:ph idx="1"/>
           </p:nvPr>
         </p:nvSpPr>
-        <p:spPr/>
-        <p:txBody>
-          <a:bodyPr/>
-          <a:lstStyle/>
-          <a:p>
-            <a:r>
-              <a:rPr lang="en-US" dirty="0" smtClean="0"/>
-              <a:t>Create win.</a:t>
-            </a:r>
-            <a:endParaRPr lang="en-US" dirty="0"/>
-          </a:p>
-        </p:txBody>
-      </p:sp>
-      <p:pic>
-        <p:nvPicPr>
-          <p:cNvPr id="5" name="Picture 4" descr="DSCN3919.JPG"/>
-          <p:cNvPicPr>
-            <a:picLocks noChangeAspect="1"/>
-          </p:cNvPicPr>
-          <p:nvPr/>
-        </p:nvPicPr>
-        <p:blipFill>
-          <a:blip r:embed="rId3" cstate="print"/>
-          <a:stretch>
-            <a:fillRect/>
-          </a:stretch>
-        </p:blipFill>
         <p:spPr>
           <a:xfrm>
-            <a:off x="4419600" y="3429000"/>
-            <a:ext cx="4343400" cy="3257550"/>
-          </a:xfrm>
-          <a:prstGeom prst="rect">
-            <a:avLst/>
-          </a:prstGeom>
-        </p:spPr>
-      </p:pic>
-    </p:spTree>
-  </p:cSld>
-  <p:clrMapOvr>
-    <a:masterClrMapping/>
-  </p:clrMapOvr>
-  <p:timing>
-    <p:tnLst>
-      <p:par>
-        <p:cTn id="1" dur="indefinite" restart="never" nodeType="tmRoot"/>
-      </p:par>
-    </p:tnLst>
-  </p:timing>
-</p:sld>
-</file>
-
-<file path=ppt/slides/slide20.xml><?xml version="1.0" encoding="utf-8"?>
-<p:sld xmlns:a="http://schemas.openxmlformats.org/drawingml/2006/main" xmlns:r="http://schemas.openxmlformats.org/officeDocument/2006/relationships" xmlns:p="http://schemas.openxmlformats.org/presentationml/2006/main">
-  <p:cSld>
-    <p:spTree>
-      <p:nvGrpSpPr>
-        <p:cNvPr id="1" name=""/>
-        <p:cNvGrpSpPr/>
-        <p:nvPr/>
-      </p:nvGrpSpPr>
-      <p:grpSpPr>
-        <a:xfrm>
-          <a:off x="0" y="0"/>
-          <a:ext cx="0" cy="0"/>
-          <a:chOff x="0" y="0"/>
-          <a:chExt cx="0" cy="0"/>
-        </a:xfrm>
-      </p:grpSpPr>
-      <p:sp>
-        <p:nvSpPr>
-          <p:cNvPr id="2" name="Title 1"/>
-          <p:cNvSpPr>
-            <a:spLocks noGrp="1"/>
-          </p:cNvSpPr>
-          <p:nvPr>
-            <p:ph type="title"/>
-          </p:nvPr>
-        </p:nvSpPr>
-        <p:spPr/>
-        <p:txBody>
-          <a:bodyPr/>
-          <a:lstStyle/>
-          <a:p>
-            <a:r>
-              <a:rPr lang="en-US" dirty="0" smtClean="0"/>
-              <a:t>Results</a:t>
-            </a:r>
-            <a:endParaRPr lang="en-US" dirty="0"/>
-          </a:p>
-        </p:txBody>
-      </p:sp>
-      <p:sp>
-        <p:nvSpPr>
-          <p:cNvPr id="3" name="Content Placeholder 2"/>
-          <p:cNvSpPr>
-            <a:spLocks noGrp="1"/>
-          </p:cNvSpPr>
-          <p:nvPr>
-            <p:ph idx="1"/>
-          </p:nvPr>
-        </p:nvSpPr>
-        <p:spPr/>
-        <p:txBody>
-          <a:bodyPr/>
-          <a:lstStyle/>
-          <a:p>
-            <a:r>
-              <a:rPr lang="sv-SE" dirty="0" smtClean="0"/>
-              <a:t>Lol pwnage</a:t>
-            </a:r>
-            <a:endParaRPr lang="sv-SE" dirty="0"/>
-          </a:p>
-        </p:txBody>
-      </p:sp>
-    </p:spTree>
-  </p:cSld>
-  <p:clrMapOvr>
-    <a:masterClrMapping/>
-  </p:clrMapOvr>
-  <p:timing>
-    <p:tnLst>
-      <p:par>
-        <p:cTn id="1" dur="indefinite" restart="never" nodeType="tmRoot"/>
-      </p:par>
-    </p:tnLst>
-  </p:timing>
-</p:sld>
-</file>
-
-<file path=ppt/slides/slide21.xml><?xml version="1.0" encoding="utf-8"?>
-<p:sld xmlns:a="http://schemas.openxmlformats.org/drawingml/2006/main" xmlns:r="http://schemas.openxmlformats.org/officeDocument/2006/relationships" xmlns:p="http://schemas.openxmlformats.org/presentationml/2006/main">
-  <p:cSld>
-    <p:spTree>
-      <p:nvGrpSpPr>
-        <p:cNvPr id="1" name=""/>
-        <p:cNvGrpSpPr/>
-        <p:nvPr/>
-      </p:nvGrpSpPr>
-      <p:grpSpPr>
-        <a:xfrm>
-          <a:off x="0" y="0"/>
-          <a:ext cx="0" cy="0"/>
-          <a:chOff x="0" y="0"/>
-          <a:chExt cx="0" cy="0"/>
-        </a:xfrm>
-      </p:grpSpPr>
-      <p:sp>
-        <p:nvSpPr>
-          <p:cNvPr id="2" name="Title 1"/>
-          <p:cNvSpPr>
-            <a:spLocks noGrp="1"/>
-          </p:cNvSpPr>
-          <p:nvPr>
-            <p:ph type="title"/>
-          </p:nvPr>
-        </p:nvSpPr>
-        <p:spPr/>
-        <p:txBody>
-          <a:bodyPr/>
-          <a:lstStyle/>
-          <a:p>
-            <a:r>
-              <a:rPr lang="en-US" dirty="0" smtClean="0"/>
-              <a:t>Design</a:t>
-            </a:r>
-            <a:endParaRPr lang="en-US" dirty="0"/>
-          </a:p>
-        </p:txBody>
-      </p:sp>
-      <p:sp>
-        <p:nvSpPr>
-          <p:cNvPr id="3" name="Content Placeholder 2"/>
-          <p:cNvSpPr>
-            <a:spLocks noGrp="1"/>
-          </p:cNvSpPr>
-          <p:nvPr>
-            <p:ph idx="1"/>
-          </p:nvPr>
-        </p:nvSpPr>
-        <p:spPr/>
-        <p:txBody>
-          <a:bodyPr/>
-          <a:lstStyle/>
-          <a:p>
-            <a:r>
-              <a:rPr lang="en-US" dirty="0" err="1" smtClean="0"/>
-              <a:t>Lampor</a:t>
-            </a:r>
-            <a:endParaRPr lang="en-US" dirty="0" smtClean="0"/>
-          </a:p>
-          <a:p>
-            <a:pPr lvl="1"/>
-            <a:r>
-              <a:rPr lang="en-US" dirty="0" err="1" smtClean="0"/>
-              <a:t>Visar</a:t>
-            </a:r>
-            <a:r>
-              <a:rPr lang="en-US" dirty="0" smtClean="0"/>
-              <a:t> </a:t>
-            </a:r>
-            <a:r>
-              <a:rPr lang="en-US" dirty="0" err="1" smtClean="0"/>
-              <a:t>vägval</a:t>
-            </a:r>
-            <a:endParaRPr lang="en-US" dirty="0"/>
-          </a:p>
-        </p:txBody>
-      </p:sp>
-      <p:pic>
-        <p:nvPicPr>
-          <p:cNvPr id="5" name="Picture 4" descr="Lampa allah.JPG"/>
-          <p:cNvPicPr>
-            <a:picLocks noChangeAspect="1"/>
-          </p:cNvPicPr>
-          <p:nvPr/>
-        </p:nvPicPr>
-        <p:blipFill>
-          <a:blip r:embed="rId2" cstate="print"/>
-          <a:stretch>
-            <a:fillRect/>
-          </a:stretch>
-        </p:blipFill>
-        <p:spPr>
-          <a:xfrm>
-            <a:off x="685800" y="3200400"/>
-            <a:ext cx="7867650" cy="2676525"/>
-          </a:xfrm>
-          <a:prstGeom prst="rect">
-            <a:avLst/>
-          </a:prstGeom>
-        </p:spPr>
-      </p:pic>
-    </p:spTree>
-  </p:cSld>
-  <p:clrMapOvr>
-    <a:masterClrMapping/>
-  </p:clrMapOvr>
-  <p:timing>
-    <p:tnLst>
-      <p:par>
-        <p:cTn id="1" dur="indefinite" restart="never" nodeType="tmRoot"/>
-      </p:par>
-    </p:tnLst>
-  </p:timing>
-</p:sld>
-</file>
-
-<file path=ppt/slides/slide22.xml><?xml version="1.0" encoding="utf-8"?>
-<p:sld xmlns:a="http://schemas.openxmlformats.org/drawingml/2006/main" xmlns:r="http://schemas.openxmlformats.org/officeDocument/2006/relationships" xmlns:p="http://schemas.openxmlformats.org/presentationml/2006/main">
-  <p:cSld>
-    <p:spTree>
-      <p:nvGrpSpPr>
-        <p:cNvPr id="1" name=""/>
-        <p:cNvGrpSpPr/>
-        <p:nvPr/>
-      </p:nvGrpSpPr>
-      <p:grpSpPr>
-        <a:xfrm>
-          <a:off x="0" y="0"/>
-          <a:ext cx="0" cy="0"/>
-          <a:chOff x="0" y="0"/>
-          <a:chExt cx="0" cy="0"/>
-        </a:xfrm>
-      </p:grpSpPr>
-      <p:sp>
-        <p:nvSpPr>
-          <p:cNvPr id="2" name="Title 1"/>
-          <p:cNvSpPr>
-            <a:spLocks noGrp="1"/>
-          </p:cNvSpPr>
-          <p:nvPr>
-            <p:ph type="title"/>
-          </p:nvPr>
-        </p:nvSpPr>
-        <p:spPr/>
+            <a:off x="457200" y="1775191"/>
+            <a:ext cx="8229600" cy="4930409"/>
+          </a:xfrm>
+        </p:spPr>
         <p:txBody>
           <a:bodyPr>
             <a:normAutofit/>
@@ -11044,700 +9253,20 @@
           <a:lstStyle/>
           <a:p>
             <a:r>
-              <a:rPr lang="en-US" dirty="0" err="1" smtClean="0"/>
-              <a:t>Varför</a:t>
-            </a:r>
-            <a:r>
-              <a:rPr lang="en-US" dirty="0" smtClean="0"/>
-              <a:t> “</a:t>
-            </a:r>
-            <a:r>
-              <a:rPr lang="en-US" dirty="0" err="1" smtClean="0"/>
-              <a:t>Bulan</a:t>
-            </a:r>
-            <a:r>
-              <a:rPr lang="en-US" dirty="0" smtClean="0"/>
-              <a:t>”?</a:t>
-            </a:r>
-            <a:endParaRPr lang="en-US" dirty="0"/>
-          </a:p>
-        </p:txBody>
-      </p:sp>
-      <p:sp>
-        <p:nvSpPr>
-          <p:cNvPr id="3" name="Content Placeholder 2"/>
-          <p:cNvSpPr>
-            <a:spLocks noGrp="1"/>
-          </p:cNvSpPr>
-          <p:nvPr>
-            <p:ph idx="1"/>
-          </p:nvPr>
-        </p:nvSpPr>
-        <p:spPr/>
-        <p:txBody>
-          <a:bodyPr/>
-          <a:lstStyle/>
-          <a:p>
-            <a:r>
-              <a:rPr lang="en-US" dirty="0" err="1" smtClean="0"/>
-              <a:t>Autonom</a:t>
-            </a:r>
-            <a:r>
-              <a:rPr lang="en-US" dirty="0" smtClean="0"/>
-              <a:t> </a:t>
-            </a:r>
-            <a:r>
-              <a:rPr lang="en-US" dirty="0" err="1" smtClean="0"/>
-              <a:t>upplockning</a:t>
-            </a:r>
-            <a:endParaRPr lang="en-US" dirty="0" smtClean="0"/>
-          </a:p>
-          <a:p>
-            <a:r>
-              <a:rPr lang="en-US" dirty="0" err="1" smtClean="0"/>
-              <a:t>Snyggt</a:t>
-            </a:r>
-            <a:r>
-              <a:rPr lang="en-US" dirty="0" smtClean="0"/>
-              <a:t> </a:t>
-            </a:r>
-            <a:r>
-              <a:rPr lang="en-US" dirty="0" err="1" smtClean="0"/>
-              <a:t>och</a:t>
-            </a:r>
-            <a:r>
-              <a:rPr lang="en-US" dirty="0" smtClean="0"/>
-              <a:t> </a:t>
-            </a:r>
-            <a:r>
-              <a:rPr lang="en-US" dirty="0" err="1" smtClean="0"/>
-              <a:t>tydligt</a:t>
-            </a:r>
-            <a:r>
-              <a:rPr lang="en-US" dirty="0" smtClean="0"/>
-              <a:t> interface</a:t>
-            </a:r>
-          </a:p>
-          <a:p>
-            <a:r>
-              <a:rPr lang="en-US" dirty="0" smtClean="0"/>
-              <a:t>Fail-safe</a:t>
-            </a:r>
-          </a:p>
-          <a:p>
-            <a:r>
-              <a:rPr lang="en-US" dirty="0" err="1" smtClean="0"/>
-              <a:t>Vacker</a:t>
-            </a:r>
-            <a:r>
-              <a:rPr lang="en-US" dirty="0" smtClean="0"/>
-              <a:t> design</a:t>
-            </a:r>
-          </a:p>
-          <a:p>
-            <a:r>
-              <a:rPr lang="en-US" dirty="0" smtClean="0"/>
-              <a:t>Kan </a:t>
-            </a:r>
-            <a:r>
-              <a:rPr lang="en-US" dirty="0" err="1" smtClean="0"/>
-              <a:t>dansa</a:t>
-            </a:r>
-            <a:r>
-              <a:rPr lang="en-US" dirty="0" smtClean="0"/>
-              <a:t> </a:t>
-            </a:r>
-            <a:r>
-              <a:rPr lang="en-US" dirty="0" err="1" smtClean="0"/>
-              <a:t>segerdans</a:t>
-            </a:r>
-            <a:endParaRPr lang="en-US" dirty="0" smtClean="0"/>
-          </a:p>
-          <a:p>
-            <a:pPr>
-              <a:buNone/>
-            </a:pPr>
-            <a:endParaRPr lang="en-US" dirty="0" smtClean="0"/>
-          </a:p>
-          <a:p>
-            <a:endParaRPr lang="en-US" dirty="0" smtClean="0"/>
-          </a:p>
-          <a:p>
-            <a:pPr>
-              <a:buNone/>
-            </a:pPr>
-            <a:endParaRPr lang="en-US" dirty="0"/>
-          </a:p>
-        </p:txBody>
-      </p:sp>
-    </p:spTree>
-  </p:cSld>
-  <p:clrMapOvr>
-    <a:masterClrMapping/>
-  </p:clrMapOvr>
-  <p:timing>
-    <p:tnLst>
-      <p:par>
-        <p:cTn id="1" dur="indefinite" restart="never" nodeType="tmRoot"/>
-      </p:par>
-    </p:tnLst>
-  </p:timing>
-</p:sld>
-</file>
-
-<file path=ppt/slides/slide23.xml><?xml version="1.0" encoding="utf-8"?>
-<p:sld xmlns:a="http://schemas.openxmlformats.org/drawingml/2006/main" xmlns:r="http://schemas.openxmlformats.org/officeDocument/2006/relationships" xmlns:p="http://schemas.openxmlformats.org/presentationml/2006/main">
-  <p:cSld>
-    <p:spTree>
-      <p:nvGrpSpPr>
-        <p:cNvPr id="1" name=""/>
-        <p:cNvGrpSpPr/>
-        <p:nvPr/>
-      </p:nvGrpSpPr>
-      <p:grpSpPr>
-        <a:xfrm>
-          <a:off x="0" y="0"/>
-          <a:ext cx="0" cy="0"/>
-          <a:chOff x="0" y="0"/>
-          <a:chExt cx="0" cy="0"/>
-        </a:xfrm>
-      </p:grpSpPr>
-      <p:sp>
-        <p:nvSpPr>
-          <p:cNvPr id="2" name="Title 1"/>
-          <p:cNvSpPr>
-            <a:spLocks noGrp="1"/>
-          </p:cNvSpPr>
-          <p:nvPr>
-            <p:ph type="title"/>
-          </p:nvPr>
-        </p:nvSpPr>
-        <p:spPr/>
-        <p:txBody>
-          <a:bodyPr/>
-          <a:lstStyle/>
-          <a:p>
-            <a:r>
-              <a:rPr lang="en-US" dirty="0" err="1" smtClean="0"/>
-              <a:t>Vad</a:t>
-            </a:r>
-            <a:r>
-              <a:rPr lang="en-US" dirty="0" smtClean="0"/>
-              <a:t> </a:t>
-            </a:r>
-            <a:r>
-              <a:rPr lang="en-US" dirty="0" err="1" smtClean="0"/>
-              <a:t>har</a:t>
-            </a:r>
-            <a:r>
-              <a:rPr lang="en-US" dirty="0" smtClean="0"/>
-              <a:t> vi </a:t>
-            </a:r>
-            <a:r>
-              <a:rPr lang="en-US" dirty="0" err="1" smtClean="0"/>
-              <a:t>lärt</a:t>
-            </a:r>
-            <a:r>
-              <a:rPr lang="en-US" dirty="0" smtClean="0"/>
-              <a:t> </a:t>
-            </a:r>
-            <a:r>
-              <a:rPr lang="en-US" dirty="0" err="1" smtClean="0"/>
-              <a:t>oss</a:t>
-            </a:r>
-            <a:r>
-              <a:rPr lang="en-US" dirty="0" smtClean="0"/>
-              <a:t>?</a:t>
-            </a:r>
-            <a:endParaRPr lang="en-US" dirty="0"/>
-          </a:p>
-        </p:txBody>
-      </p:sp>
-      <p:sp>
-        <p:nvSpPr>
-          <p:cNvPr id="3" name="Content Placeholder 2"/>
-          <p:cNvSpPr>
-            <a:spLocks noGrp="1"/>
-          </p:cNvSpPr>
-          <p:nvPr>
-            <p:ph idx="1"/>
-          </p:nvPr>
-        </p:nvSpPr>
-        <p:spPr/>
-        <p:txBody>
-          <a:bodyPr/>
-          <a:lstStyle/>
-          <a:p>
-            <a:r>
-              <a:rPr lang="en-US" dirty="0" err="1" smtClean="0"/>
-              <a:t>Det</a:t>
-            </a:r>
-            <a:r>
-              <a:rPr lang="en-US" dirty="0" smtClean="0"/>
-              <a:t> </a:t>
-            </a:r>
-            <a:r>
-              <a:rPr lang="en-US" dirty="0" err="1" smtClean="0"/>
-              <a:t>lönar</a:t>
-            </a:r>
-            <a:r>
-              <a:rPr lang="en-US" dirty="0" smtClean="0"/>
-              <a:t> sig </a:t>
-            </a:r>
-            <a:r>
-              <a:rPr lang="en-US" dirty="0" err="1" smtClean="0"/>
-              <a:t>att</a:t>
-            </a:r>
-            <a:r>
-              <a:rPr lang="en-US" dirty="0" smtClean="0"/>
-              <a:t> </a:t>
-            </a:r>
-            <a:r>
-              <a:rPr lang="en-US" dirty="0" err="1" smtClean="0"/>
-              <a:t>planera</a:t>
-            </a:r>
-            <a:endParaRPr lang="en-US" dirty="0" smtClean="0"/>
-          </a:p>
-          <a:p>
-            <a:r>
-              <a:rPr lang="en-US" dirty="0" err="1" smtClean="0"/>
-              <a:t>Planera</a:t>
-            </a:r>
-            <a:r>
-              <a:rPr lang="en-US" dirty="0" smtClean="0"/>
-              <a:t> </a:t>
-            </a:r>
-            <a:r>
-              <a:rPr lang="en-US" dirty="0" err="1" smtClean="0"/>
-              <a:t>så</a:t>
-            </a:r>
-            <a:r>
-              <a:rPr lang="en-US" dirty="0" smtClean="0"/>
-              <a:t> </a:t>
-            </a:r>
-            <a:r>
-              <a:rPr lang="en-US" dirty="0" err="1" smtClean="0"/>
-              <a:t>att</a:t>
-            </a:r>
-            <a:r>
-              <a:rPr lang="en-US" dirty="0" smtClean="0"/>
-              <a:t> </a:t>
-            </a:r>
-            <a:r>
-              <a:rPr lang="en-US" dirty="0" err="1" smtClean="0"/>
-              <a:t>flaskhalsar</a:t>
-            </a:r>
-            <a:r>
-              <a:rPr lang="en-US" dirty="0" smtClean="0"/>
-              <a:t> </a:t>
-            </a:r>
-            <a:r>
-              <a:rPr lang="en-US" dirty="0" err="1" smtClean="0"/>
-              <a:t>undviks</a:t>
-            </a:r>
-            <a:endParaRPr lang="en-US" dirty="0" smtClean="0"/>
-          </a:p>
-          <a:p>
-            <a:r>
-              <a:rPr lang="en-US" dirty="0" err="1" smtClean="0"/>
-              <a:t>Jobba</a:t>
-            </a:r>
-            <a:r>
-              <a:rPr lang="en-US" dirty="0" smtClean="0"/>
-              <a:t> </a:t>
-            </a:r>
-            <a:r>
-              <a:rPr lang="en-US" dirty="0" err="1" smtClean="0"/>
-              <a:t>så</a:t>
-            </a:r>
-            <a:r>
-              <a:rPr lang="en-US" dirty="0" smtClean="0"/>
-              <a:t> </a:t>
-            </a:r>
-            <a:r>
-              <a:rPr lang="en-US" dirty="0" err="1" smtClean="0"/>
-              <a:t>parallellt</a:t>
-            </a:r>
-            <a:r>
-              <a:rPr lang="en-US" dirty="0" smtClean="0"/>
-              <a:t> </a:t>
-            </a:r>
-            <a:r>
-              <a:rPr lang="en-US" dirty="0" err="1" smtClean="0"/>
-              <a:t>det</a:t>
-            </a:r>
-            <a:r>
-              <a:rPr lang="en-US" dirty="0" smtClean="0"/>
-              <a:t> </a:t>
-            </a:r>
-            <a:r>
-              <a:rPr lang="en-US" dirty="0" err="1" smtClean="0"/>
-              <a:t>går</a:t>
-            </a:r>
-            <a:r>
-              <a:rPr lang="en-US" dirty="0" smtClean="0"/>
-              <a:t> I </a:t>
-            </a:r>
-            <a:r>
-              <a:rPr lang="en-US" dirty="0" err="1" smtClean="0"/>
-              <a:t>början</a:t>
-            </a:r>
-            <a:r>
-              <a:rPr lang="en-US" dirty="0" smtClean="0"/>
-              <a:t> </a:t>
-            </a:r>
-          </a:p>
-          <a:p>
-            <a:r>
-              <a:rPr lang="en-US" dirty="0" err="1" smtClean="0"/>
-              <a:t>Lagom</a:t>
-            </a:r>
-            <a:r>
-              <a:rPr lang="en-US" dirty="0" smtClean="0"/>
-              <a:t> </a:t>
-            </a:r>
-            <a:r>
-              <a:rPr lang="en-US" dirty="0" err="1" smtClean="0"/>
-              <a:t>långa</a:t>
-            </a:r>
-            <a:r>
-              <a:rPr lang="en-US" dirty="0" smtClean="0"/>
-              <a:t> </a:t>
-            </a:r>
-            <a:r>
-              <a:rPr lang="en-US" dirty="0" err="1" smtClean="0"/>
-              <a:t>arbetspass</a:t>
-            </a:r>
-            <a:endParaRPr lang="en-US" dirty="0" smtClean="0"/>
-          </a:p>
-          <a:p>
-            <a:r>
-              <a:rPr lang="en-US" dirty="0" smtClean="0"/>
-              <a:t> </a:t>
-            </a:r>
-            <a:r>
-              <a:rPr lang="en-US" dirty="0" err="1" smtClean="0"/>
-              <a:t>Vira</a:t>
-            </a:r>
-            <a:r>
-              <a:rPr lang="en-US" dirty="0" smtClean="0"/>
-              <a:t> </a:t>
-            </a:r>
-            <a:r>
-              <a:rPr lang="en-US" dirty="0" err="1" smtClean="0"/>
-              <a:t>ordentligt</a:t>
-            </a:r>
-            <a:endParaRPr lang="en-US" dirty="0" smtClean="0"/>
-          </a:p>
-          <a:p>
-            <a:r>
-              <a:rPr lang="en-US" dirty="0" err="1" smtClean="0"/>
-              <a:t>Skriv</a:t>
-            </a:r>
-            <a:r>
-              <a:rPr lang="en-US" dirty="0" smtClean="0"/>
-              <a:t> </a:t>
-            </a:r>
-            <a:r>
-              <a:rPr lang="en-US" dirty="0" err="1" smtClean="0"/>
-              <a:t>ordentlig</a:t>
-            </a:r>
-            <a:r>
-              <a:rPr lang="en-US" dirty="0" smtClean="0"/>
-              <a:t> </a:t>
-            </a:r>
-            <a:r>
-              <a:rPr lang="en-US" dirty="0" err="1" smtClean="0"/>
-              <a:t>kod</a:t>
-            </a:r>
-            <a:endParaRPr lang="en-US" dirty="0" smtClean="0"/>
-          </a:p>
-          <a:p>
-            <a:r>
-              <a:rPr lang="en-US" dirty="0" err="1" smtClean="0"/>
-              <a:t>Inse</a:t>
-            </a:r>
-            <a:r>
-              <a:rPr lang="en-US" dirty="0" smtClean="0"/>
-              <a:t> </a:t>
-            </a:r>
-            <a:r>
-              <a:rPr lang="en-US" dirty="0" err="1" smtClean="0"/>
-              <a:t>att</a:t>
-            </a:r>
-            <a:r>
-              <a:rPr lang="en-US" dirty="0" smtClean="0"/>
-              <a:t> </a:t>
-            </a:r>
-            <a:r>
-              <a:rPr lang="en-US" dirty="0" err="1" smtClean="0"/>
-              <a:t>idéer</a:t>
-            </a:r>
-            <a:r>
-              <a:rPr lang="en-US" dirty="0" smtClean="0"/>
-              <a:t> </a:t>
-            </a:r>
-            <a:r>
-              <a:rPr lang="en-US" dirty="0" err="1" smtClean="0"/>
-              <a:t>kan</a:t>
-            </a:r>
-            <a:r>
-              <a:rPr lang="en-US" dirty="0" smtClean="0"/>
-              <a:t> </a:t>
-            </a:r>
-            <a:r>
-              <a:rPr lang="en-US" dirty="0" err="1" smtClean="0"/>
-              <a:t>behöva</a:t>
-            </a:r>
-            <a:r>
-              <a:rPr lang="en-US" dirty="0" smtClean="0"/>
-              <a:t> </a:t>
-            </a:r>
-            <a:r>
-              <a:rPr lang="en-US" dirty="0" err="1" smtClean="0"/>
-              <a:t>ändras</a:t>
-            </a:r>
-            <a:r>
-              <a:rPr lang="en-US" dirty="0" smtClean="0"/>
-              <a:t> </a:t>
-            </a:r>
-            <a:r>
-              <a:rPr lang="en-US" dirty="0" err="1" smtClean="0"/>
-              <a:t>även</a:t>
-            </a:r>
-            <a:r>
-              <a:rPr lang="en-US" dirty="0" smtClean="0"/>
-              <a:t> </a:t>
-            </a:r>
-            <a:r>
-              <a:rPr lang="en-US" dirty="0" err="1" smtClean="0"/>
-              <a:t>om</a:t>
-            </a:r>
-            <a:r>
-              <a:rPr lang="en-US" dirty="0" smtClean="0"/>
-              <a:t> de </a:t>
-            </a:r>
-            <a:r>
-              <a:rPr lang="en-US" dirty="0" err="1" smtClean="0"/>
-              <a:t>verkar</a:t>
-            </a:r>
-            <a:r>
-              <a:rPr lang="en-US" dirty="0" smtClean="0"/>
-              <a:t> bra</a:t>
-            </a:r>
-          </a:p>
-        </p:txBody>
-      </p:sp>
-    </p:spTree>
-  </p:cSld>
-  <p:clrMapOvr>
-    <a:masterClrMapping/>
-  </p:clrMapOvr>
-  <p:timing>
-    <p:tnLst>
-      <p:par>
-        <p:cTn id="1" dur="indefinite" restart="never" nodeType="tmRoot"/>
-      </p:par>
-    </p:tnLst>
-  </p:timing>
-</p:sld>
-</file>
-
-<file path=ppt/slides/slide24.xml><?xml version="1.0" encoding="utf-8"?>
-<p:sld xmlns:a="http://schemas.openxmlformats.org/drawingml/2006/main" xmlns:r="http://schemas.openxmlformats.org/officeDocument/2006/relationships" xmlns:p="http://schemas.openxmlformats.org/presentationml/2006/main">
-  <p:cSld>
-    <p:spTree>
-      <p:nvGrpSpPr>
-        <p:cNvPr id="1" name=""/>
-        <p:cNvGrpSpPr/>
-        <p:nvPr/>
-      </p:nvGrpSpPr>
-      <p:grpSpPr>
-        <a:xfrm>
-          <a:off x="0" y="0"/>
-          <a:ext cx="0" cy="0"/>
-          <a:chOff x="0" y="0"/>
-          <a:chExt cx="0" cy="0"/>
-        </a:xfrm>
-      </p:grpSpPr>
-      <p:sp>
-        <p:nvSpPr>
-          <p:cNvPr id="5" name="Subtitle 4"/>
-          <p:cNvSpPr>
-            <a:spLocks noGrp="1"/>
-          </p:cNvSpPr>
-          <p:nvPr>
-            <p:ph type="subTitle" idx="1"/>
-          </p:nvPr>
-        </p:nvSpPr>
-        <p:spPr/>
-        <p:txBody>
-          <a:bodyPr/>
-          <a:lstStyle/>
-          <a:p>
-            <a:endParaRPr lang="en-US"/>
-          </a:p>
-        </p:txBody>
-      </p:sp>
-      <p:pic>
-        <p:nvPicPr>
-          <p:cNvPr id="7" name="Picture 6" descr="Bild 5.JPG"/>
-          <p:cNvPicPr>
-            <a:picLocks noChangeAspect="1"/>
-          </p:cNvPicPr>
-          <p:nvPr/>
-        </p:nvPicPr>
-        <p:blipFill>
-          <a:blip r:embed="rId2" cstate="print"/>
-          <a:stretch>
-            <a:fillRect/>
-          </a:stretch>
-        </p:blipFill>
-        <p:spPr>
-          <a:xfrm>
-            <a:off x="0" y="0"/>
-            <a:ext cx="9144000" cy="6858000"/>
-          </a:xfrm>
-          <a:prstGeom prst="rect">
-            <a:avLst/>
-          </a:prstGeom>
-        </p:spPr>
-      </p:pic>
-      <p:sp>
-        <p:nvSpPr>
-          <p:cNvPr id="8" name="Title 1"/>
-          <p:cNvSpPr>
-            <a:spLocks noGrp="1"/>
-          </p:cNvSpPr>
-          <p:nvPr>
-            <p:ph type="ctrTitle"/>
-          </p:nvPr>
-        </p:nvSpPr>
-        <p:spPr>
-          <a:xfrm>
-            <a:off x="3276600" y="5486400"/>
-            <a:ext cx="2438400" cy="835025"/>
-          </a:xfrm>
-          <a:solidFill>
-            <a:schemeClr val="bg1">
-              <a:lumMod val="65000"/>
-              <a:alpha val="81000"/>
-            </a:schemeClr>
-          </a:solidFill>
-        </p:spPr>
-        <p:txBody>
-          <a:bodyPr>
-            <a:normAutofit/>
-          </a:bodyPr>
-          <a:lstStyle/>
-          <a:p>
-            <a:pPr algn="ctr"/>
-            <a:r>
-              <a:rPr lang="en-US" dirty="0" err="1" smtClean="0"/>
-              <a:t>Frågor</a:t>
-            </a:r>
-            <a:r>
-              <a:rPr lang="en-US" dirty="0" smtClean="0"/>
-              <a:t>?</a:t>
-            </a:r>
-            <a:endParaRPr lang="en-US" sz="3600" dirty="0"/>
-          </a:p>
-        </p:txBody>
-      </p:sp>
-    </p:spTree>
-  </p:cSld>
-  <p:clrMapOvr>
-    <a:masterClrMapping/>
-  </p:clrMapOvr>
-  <p:timing>
-    <p:tnLst>
-      <p:par>
-        <p:cTn id="1" dur="indefinite" restart="never" nodeType="tmRoot"/>
-      </p:par>
-    </p:tnLst>
-  </p:timing>
-</p:sld>
-</file>
-
-<file path=ppt/slides/slide3.xml><?xml version="1.0" encoding="utf-8"?>
-<p:sld xmlns:a="http://schemas.openxmlformats.org/drawingml/2006/main" xmlns:r="http://schemas.openxmlformats.org/officeDocument/2006/relationships" xmlns:p="http://schemas.openxmlformats.org/presentationml/2006/main">
-  <p:cSld>
-    <p:spTree>
-      <p:nvGrpSpPr>
-        <p:cNvPr id="1" name=""/>
-        <p:cNvGrpSpPr/>
-        <p:nvPr/>
-      </p:nvGrpSpPr>
-      <p:grpSpPr>
-        <a:xfrm>
-          <a:off x="0" y="0"/>
-          <a:ext cx="0" cy="0"/>
-          <a:chOff x="0" y="0"/>
-          <a:chExt cx="0" cy="0"/>
-        </a:xfrm>
-      </p:grpSpPr>
-      <p:sp>
-        <p:nvSpPr>
-          <p:cNvPr id="2" name="Title 1"/>
-          <p:cNvSpPr>
-            <a:spLocks noGrp="1"/>
-          </p:cNvSpPr>
-          <p:nvPr>
-            <p:ph type="title"/>
-          </p:nvPr>
-        </p:nvSpPr>
-        <p:spPr/>
-        <p:txBody>
-          <a:bodyPr/>
-          <a:lstStyle/>
-          <a:p>
-            <a:r>
-              <a:rPr lang="en-US" dirty="0" smtClean="0"/>
-              <a:t>Data Structures</a:t>
-            </a:r>
-            <a:endParaRPr lang="en-US" dirty="0"/>
-          </a:p>
-        </p:txBody>
-      </p:sp>
-      <p:sp>
-        <p:nvSpPr>
-          <p:cNvPr id="3" name="Content Placeholder 2"/>
-          <p:cNvSpPr>
-            <a:spLocks noGrp="1"/>
-          </p:cNvSpPr>
-          <p:nvPr>
-            <p:ph idx="1"/>
-          </p:nvPr>
-        </p:nvSpPr>
-        <p:spPr>
-          <a:xfrm>
-            <a:off x="457200" y="1775191"/>
-            <a:ext cx="8229600" cy="4930409"/>
-          </a:xfrm>
-        </p:spPr>
-        <p:txBody>
-          <a:bodyPr>
-            <a:normAutofit/>
-          </a:bodyPr>
-          <a:lstStyle/>
-          <a:p>
-            <a:r>
-              <a:rPr lang="sv-SE" dirty="0" err="1" smtClean="0"/>
+              <a:rPr lang="sv-SE" dirty="0" smtClean="0"/>
+              <a:t>Object</a:t>
+            </a:r>
+          </a:p>
+          <a:p>
+            <a:r>
+              <a:rPr lang="sv-SE" dirty="0" smtClean="0"/>
+              <a:t>Frame</a:t>
+            </a:r>
+          </a:p>
+          <a:p>
+            <a:r>
+              <a:rPr lang="sv-SE" dirty="0" smtClean="0"/>
               <a:t>Framelist</a:t>
-            </a:r>
-            <a:endParaRPr lang="sv-SE" dirty="0" smtClean="0"/>
-          </a:p>
-          <a:p>
-            <a:r>
-              <a:rPr lang="sv-SE" dirty="0" err="1" smtClean="0"/>
-              <a:t>Frame</a:t>
-            </a:r>
-            <a:endParaRPr lang="sv-SE" dirty="0" smtClean="0"/>
-          </a:p>
-          <a:p>
-            <a:r>
-              <a:rPr lang="sv-SE" dirty="0" err="1" smtClean="0"/>
-              <a:t>Object</a:t>
             </a:r>
             <a:endParaRPr lang="en-US" dirty="0" smtClean="0"/>
           </a:p>
@@ -11764,7 +9293,7 @@
           <p:nvPr/>
         </p:nvPicPr>
         <p:blipFill>
-          <a:blip r:embed="rId3" cstate="print">
+          <a:blip r:embed="rId2">
             <a:extLst>
               <a:ext uri="{28A0092B-C50C-407E-A947-70E740481C1C}">
                 <a14:useLocalDpi xmlns:a14="http://schemas.microsoft.com/office/drawing/2010/main" val="0"/>
@@ -11834,6 +9363,344 @@
 </p:sld>
 </file>
 
+<file path=ppt/slides/slide20.xml><?xml version="1.0" encoding="utf-8"?>
+<p:sld xmlns:a="http://schemas.openxmlformats.org/drawingml/2006/main" xmlns:r="http://schemas.openxmlformats.org/officeDocument/2006/relationships" xmlns:p="http://schemas.openxmlformats.org/presentationml/2006/main">
+  <p:cSld>
+    <p:spTree>
+      <p:nvGrpSpPr>
+        <p:cNvPr id="1" name=""/>
+        <p:cNvGrpSpPr/>
+        <p:nvPr/>
+      </p:nvGrpSpPr>
+      <p:grpSpPr>
+        <a:xfrm>
+          <a:off x="0" y="0"/>
+          <a:ext cx="0" cy="0"/>
+          <a:chOff x="0" y="0"/>
+          <a:chExt cx="0" cy="0"/>
+        </a:xfrm>
+      </p:grpSpPr>
+      <p:sp>
+        <p:nvSpPr>
+          <p:cNvPr id="2" name="Title 1"/>
+          <p:cNvSpPr>
+            <a:spLocks noGrp="1"/>
+          </p:cNvSpPr>
+          <p:nvPr>
+            <p:ph type="title"/>
+          </p:nvPr>
+        </p:nvSpPr>
+        <p:spPr/>
+        <p:txBody>
+          <a:bodyPr/>
+          <a:lstStyle/>
+          <a:p>
+            <a:r>
+              <a:rPr lang="sv-SE" dirty="0" smtClean="0"/>
+              <a:t>Evaluation</a:t>
+            </a:r>
+            <a:endParaRPr lang="en-GB" dirty="0"/>
+          </a:p>
+        </p:txBody>
+      </p:sp>
+      <p:sp>
+        <p:nvSpPr>
+          <p:cNvPr id="3" name="Content Placeholder 2"/>
+          <p:cNvSpPr>
+            <a:spLocks noGrp="1"/>
+          </p:cNvSpPr>
+          <p:nvPr>
+            <p:ph idx="1"/>
+          </p:nvPr>
+        </p:nvSpPr>
+        <p:spPr/>
+        <p:txBody>
+          <a:bodyPr/>
+          <a:lstStyle/>
+          <a:p>
+            <a:endParaRPr lang="sv-SE" dirty="0" smtClean="0"/>
+          </a:p>
+          <a:p>
+            <a:r>
+              <a:rPr lang="sv-SE" dirty="0" smtClean="0"/>
+              <a:t>Improvement</a:t>
+            </a:r>
+          </a:p>
+          <a:p>
+            <a:pPr lvl="1"/>
+            <a:r>
+              <a:rPr lang="sv-SE" dirty="0" smtClean="0"/>
+              <a:t>No area evaluation</a:t>
+            </a:r>
+          </a:p>
+          <a:p>
+            <a:pPr lvl="1"/>
+            <a:r>
+              <a:rPr lang="sv-SE" dirty="0" smtClean="0"/>
+              <a:t>Get rid of the threshold</a:t>
+            </a:r>
+          </a:p>
+        </p:txBody>
+      </p:sp>
+    </p:spTree>
+    <p:extLst>
+      <p:ext uri="{BB962C8B-B14F-4D97-AF65-F5344CB8AC3E}">
+        <p14:creationId xmlns:p14="http://schemas.microsoft.com/office/powerpoint/2010/main" val="4007315878"/>
+      </p:ext>
+    </p:extLst>
+  </p:cSld>
+  <p:clrMapOvr>
+    <a:masterClrMapping/>
+  </p:clrMapOvr>
+  <p:timing>
+    <p:tnLst>
+      <p:par>
+        <p:cTn id="1" dur="indefinite" restart="never" nodeType="tmRoot"/>
+      </p:par>
+    </p:tnLst>
+  </p:timing>
+</p:sld>
+</file>
+
+<file path=ppt/slides/slide21.xml><?xml version="1.0" encoding="utf-8"?>
+<p:sld xmlns:a="http://schemas.openxmlformats.org/drawingml/2006/main" xmlns:r="http://schemas.openxmlformats.org/officeDocument/2006/relationships" xmlns:p="http://schemas.openxmlformats.org/presentationml/2006/main">
+  <p:cSld>
+    <p:spTree>
+      <p:nvGrpSpPr>
+        <p:cNvPr id="1" name=""/>
+        <p:cNvGrpSpPr/>
+        <p:nvPr/>
+      </p:nvGrpSpPr>
+      <p:grpSpPr>
+        <a:xfrm>
+          <a:off x="0" y="0"/>
+          <a:ext cx="0" cy="0"/>
+          <a:chOff x="0" y="0"/>
+          <a:chExt cx="0" cy="0"/>
+        </a:xfrm>
+      </p:grpSpPr>
+      <p:sp>
+        <p:nvSpPr>
+          <p:cNvPr id="2" name="Title 1"/>
+          <p:cNvSpPr>
+            <a:spLocks noGrp="1"/>
+          </p:cNvSpPr>
+          <p:nvPr>
+            <p:ph type="title"/>
+          </p:nvPr>
+        </p:nvSpPr>
+        <p:spPr/>
+        <p:txBody>
+          <a:bodyPr/>
+          <a:lstStyle/>
+          <a:p>
+            <a:r>
+              <a:rPr lang="en-US" dirty="0" smtClean="0"/>
+              <a:t>Results</a:t>
+            </a:r>
+            <a:endParaRPr lang="en-US" dirty="0"/>
+          </a:p>
+        </p:txBody>
+      </p:sp>
+      <p:sp>
+        <p:nvSpPr>
+          <p:cNvPr id="3" name="Content Placeholder 2"/>
+          <p:cNvSpPr>
+            <a:spLocks noGrp="1"/>
+          </p:cNvSpPr>
+          <p:nvPr>
+            <p:ph idx="1"/>
+          </p:nvPr>
+        </p:nvSpPr>
+        <p:spPr/>
+        <p:txBody>
+          <a:bodyPr/>
+          <a:lstStyle/>
+          <a:p>
+            <a:pPr marL="118872" indent="0">
+              <a:buNone/>
+            </a:pPr>
+            <a:endParaRPr lang="sv-SE" dirty="0"/>
+          </a:p>
+        </p:txBody>
+      </p:sp>
+      <p:pic>
+        <p:nvPicPr>
+          <p:cNvPr id="2050" name="Picture 2"/>
+          <p:cNvPicPr>
+            <a:picLocks noChangeAspect="1" noChangeArrowheads="1"/>
+          </p:cNvPicPr>
+          <p:nvPr/>
+        </p:nvPicPr>
+        <p:blipFill>
+          <a:blip r:embed="rId2">
+            <a:extLst>
+              <a:ext uri="{28A0092B-C50C-407E-A947-70E740481C1C}">
+                <a14:useLocalDpi xmlns:a14="http://schemas.microsoft.com/office/drawing/2010/main" val="0"/>
+              </a:ext>
+            </a:extLst>
+          </a:blip>
+          <a:srcRect/>
+          <a:stretch>
+            <a:fillRect/>
+          </a:stretch>
+        </p:blipFill>
+        <p:spPr bwMode="auto">
+          <a:xfrm>
+            <a:off x="457200" y="1828800"/>
+            <a:ext cx="8153400" cy="2967733"/>
+          </a:xfrm>
+          <a:prstGeom prst="rect">
+            <a:avLst/>
+          </a:prstGeom>
+          <a:noFill/>
+          <a:ln>
+            <a:noFill/>
+          </a:ln>
+          <a:extLst>
+            <a:ext uri="{909E8E84-426E-40DD-AFC4-6F175D3DCCD1}">
+              <a14:hiddenFill xmlns:a14="http://schemas.microsoft.com/office/drawing/2010/main">
+                <a:solidFill>
+                  <a:schemeClr val="accent1"/>
+                </a:solidFill>
+              </a14:hiddenFill>
+            </a:ext>
+            <a:ext uri="{91240B29-F687-4F45-9708-019B960494DF}">
+              <a14:hiddenLine xmlns:a14="http://schemas.microsoft.com/office/drawing/2010/main" w="9525">
+                <a:solidFill>
+                  <a:schemeClr val="tx1"/>
+                </a:solidFill>
+                <a:miter lim="800000"/>
+                <a:headEnd/>
+                <a:tailEnd/>
+              </a14:hiddenLine>
+            </a:ext>
+          </a:extLst>
+        </p:spPr>
+      </p:pic>
+    </p:spTree>
+  </p:cSld>
+  <p:clrMapOvr>
+    <a:masterClrMapping/>
+  </p:clrMapOvr>
+  <p:timing>
+    <p:tnLst>
+      <p:par>
+        <p:cTn id="1" dur="indefinite" restart="never" nodeType="tmRoot"/>
+      </p:par>
+    </p:tnLst>
+  </p:timing>
+</p:sld>
+</file>
+
+<file path=ppt/slides/slide3.xml><?xml version="1.0" encoding="utf-8"?>
+<p:sld xmlns:a="http://schemas.openxmlformats.org/drawingml/2006/main" xmlns:r="http://schemas.openxmlformats.org/officeDocument/2006/relationships" xmlns:p="http://schemas.openxmlformats.org/presentationml/2006/main">
+  <p:cSld>
+    <p:spTree>
+      <p:nvGrpSpPr>
+        <p:cNvPr id="1" name=""/>
+        <p:cNvGrpSpPr/>
+        <p:nvPr/>
+      </p:nvGrpSpPr>
+      <p:grpSpPr>
+        <a:xfrm>
+          <a:off x="0" y="0"/>
+          <a:ext cx="0" cy="0"/>
+          <a:chOff x="0" y="0"/>
+          <a:chExt cx="0" cy="0"/>
+        </a:xfrm>
+      </p:grpSpPr>
+      <p:sp>
+        <p:nvSpPr>
+          <p:cNvPr id="2" name="Title 1"/>
+          <p:cNvSpPr>
+            <a:spLocks noGrp="1"/>
+          </p:cNvSpPr>
+          <p:nvPr>
+            <p:ph type="title"/>
+          </p:nvPr>
+        </p:nvSpPr>
+        <p:spPr/>
+        <p:txBody>
+          <a:bodyPr/>
+          <a:lstStyle/>
+          <a:p>
+            <a:r>
+              <a:rPr lang="en-US" dirty="0" smtClean="0"/>
+              <a:t>Modules</a:t>
+            </a:r>
+            <a:endParaRPr lang="en-US" dirty="0"/>
+          </a:p>
+        </p:txBody>
+      </p:sp>
+      <p:sp>
+        <p:nvSpPr>
+          <p:cNvPr id="3" name="Content Placeholder 2"/>
+          <p:cNvSpPr>
+            <a:spLocks noGrp="1"/>
+          </p:cNvSpPr>
+          <p:nvPr>
+            <p:ph idx="1"/>
+          </p:nvPr>
+        </p:nvSpPr>
+        <p:spPr/>
+        <p:txBody>
+          <a:bodyPr/>
+          <a:lstStyle/>
+          <a:p>
+            <a:r>
+              <a:rPr lang="en-US" dirty="0" smtClean="0"/>
+              <a:t>Background Modeling – Gustav</a:t>
+            </a:r>
+          </a:p>
+          <a:p>
+            <a:r>
+              <a:rPr lang="en-US" dirty="0" smtClean="0"/>
+              <a:t>Foreground Processing – Martin</a:t>
+            </a:r>
+          </a:p>
+          <a:p>
+            <a:r>
+              <a:rPr lang="en-US" dirty="0" smtClean="0"/>
+              <a:t>Object </a:t>
+            </a:r>
+            <a:r>
+              <a:rPr lang="en-US" dirty="0"/>
+              <a:t>Identification </a:t>
+            </a:r>
+            <a:r>
+              <a:rPr lang="en-US" dirty="0" smtClean="0"/>
+              <a:t>– </a:t>
+            </a:r>
+            <a:r>
+              <a:rPr lang="en-US" dirty="0" err="1" smtClean="0"/>
+              <a:t>Mattias</a:t>
+            </a:r>
+            <a:endParaRPr lang="en-US" dirty="0" smtClean="0"/>
+          </a:p>
+          <a:p>
+            <a:r>
+              <a:rPr lang="en-US" dirty="0" smtClean="0"/>
+              <a:t>Prediction and Evaluation – Alexander</a:t>
+            </a:r>
+          </a:p>
+        </p:txBody>
+      </p:sp>
+    </p:spTree>
+  </p:cSld>
+  <p:clrMapOvr>
+    <a:masterClrMapping/>
+  </p:clrMapOvr>
+  <p:timing>
+    <p:tnLst>
+      <p:par>
+        <p:cTn id="1" dur="indefinite" restart="never" nodeType="tmRoot"/>
+      </p:par>
+    </p:tnLst>
+  </p:timing>
+</p:sld>
+</file>
+
 <file path=ppt/slides/slide4.xml><?xml version="1.0" encoding="utf-8"?>
 <p:sld xmlns:a="http://schemas.openxmlformats.org/drawingml/2006/main" xmlns:r="http://schemas.openxmlformats.org/officeDocument/2006/relationships" xmlns:p="http://schemas.openxmlformats.org/presentationml/2006/main">
   <p:cSld>
@@ -11868,7 +9735,7 @@
           <a:p>
             <a:r>
               <a:rPr lang="en-US" dirty="0" smtClean="0"/>
-              <a:t>Modules</a:t>
+              <a:t>Background Modeling</a:t>
             </a:r>
             <a:endParaRPr lang="en-US" dirty="0"/>
           </a:p>
@@ -11891,39 +9758,26 @@
           <a:p>
             <a:r>
               <a:rPr lang="en-US" dirty="0" smtClean="0"/>
-              <a:t>Background Modeling – Gustav</a:t>
+              <a:t>Uses a mixture of Gaussian model described by Wood.</a:t>
             </a:r>
           </a:p>
           <a:p>
             <a:r>
               <a:rPr lang="en-US" dirty="0" smtClean="0"/>
-              <a:t>Foreground Processing – Martin</a:t>
-            </a:r>
-          </a:p>
-          <a:p>
-            <a:r>
-              <a:rPr lang="en-US" dirty="0" smtClean="0"/>
-              <a:t>Object </a:t>
-            </a:r>
-            <a:r>
-              <a:rPr lang="en-US" dirty="0"/>
-              <a:t>Identification </a:t>
-            </a:r>
-            <a:r>
-              <a:rPr lang="en-US" dirty="0" smtClean="0"/>
-              <a:t>– </a:t>
-            </a:r>
-            <a:r>
-              <a:rPr lang="en-US" dirty="0" err="1" smtClean="0"/>
-              <a:t>Mattias</a:t>
-            </a:r>
+              <a:t>Update procedure is slow... Close to 1 second per update on a larger image.</a:t>
+            </a:r>
+          </a:p>
+          <a:p>
             <a:endParaRPr lang="en-US" dirty="0" smtClean="0"/>
           </a:p>
           <a:p>
-            <a:r>
-              <a:rPr lang="en-US" dirty="0" smtClean="0"/>
-              <a:t>Prediction and Evaluation – Alexander</a:t>
-            </a:r>
+            <a:pPr marL="118872" indent="0">
+              <a:buNone/>
+            </a:pPr>
+            <a:endParaRPr lang="en-US" dirty="0" smtClean="0"/>
+          </a:p>
+          <a:p>
+            <a:endParaRPr lang="en-US" dirty="0"/>
           </a:p>
         </p:txBody>
       </p:sp>
@@ -11994,39 +9848,111 @@
         </p:nvSpPr>
         <p:spPr/>
         <p:txBody>
-          <a:bodyPr/>
-          <a:lstStyle/>
-          <a:p>
-            <a:r>
-              <a:rPr lang="en-US" dirty="0" smtClean="0"/>
-              <a:t>Uses a mixture of Gaussian model described by Wood.</a:t>
-            </a:r>
-          </a:p>
-          <a:p>
-            <a:endParaRPr lang="en-US" dirty="0" smtClean="0"/>
-          </a:p>
-          <a:p>
-            <a:r>
-              <a:rPr lang="en-US" dirty="0" smtClean="0"/>
-              <a:t>Generates a most </a:t>
-            </a:r>
-            <a:r>
-              <a:rPr lang="en-US" smtClean="0"/>
-              <a:t>likely background.</a:t>
-            </a:r>
-            <a:endParaRPr lang="en-US" dirty="0" smtClean="0"/>
-          </a:p>
-          <a:p>
-            <a:endParaRPr lang="en-US" dirty="0" smtClean="0"/>
-          </a:p>
-          <a:p>
-            <a:pPr marL="118872" indent="0">
-              <a:buNone/>
-            </a:pPr>
-            <a:endParaRPr lang="en-US" dirty="0" smtClean="0"/>
-          </a:p>
-          <a:p>
-            <a:endParaRPr lang="en-US" dirty="0"/>
+          <a:bodyPr>
+            <a:normAutofit/>
+          </a:bodyPr>
+          <a:lstStyle/>
+          <a:p>
+            <a:r>
+              <a:rPr lang="sv-SE" dirty="0" err="1" smtClean="0"/>
+              <a:t>Noisy</a:t>
+            </a:r>
+            <a:r>
+              <a:rPr lang="sv-SE" dirty="0" smtClean="0"/>
+              <a:t>, lots </a:t>
+            </a:r>
+            <a:r>
+              <a:rPr lang="sv-SE" dirty="0" err="1" smtClean="0"/>
+              <a:t>of</a:t>
+            </a:r>
+            <a:r>
+              <a:rPr lang="sv-SE" dirty="0" smtClean="0"/>
+              <a:t> </a:t>
+            </a:r>
+            <a:r>
+              <a:rPr lang="sv-SE" dirty="0" err="1" smtClean="0"/>
+              <a:t>false</a:t>
+            </a:r>
+            <a:r>
+              <a:rPr lang="sv-SE" dirty="0" smtClean="0"/>
+              <a:t> positives.</a:t>
+            </a:r>
+          </a:p>
+          <a:p>
+            <a:r>
+              <a:rPr lang="sv-SE" dirty="0" err="1" smtClean="0"/>
+              <a:t>False</a:t>
+            </a:r>
+            <a:r>
+              <a:rPr lang="sv-SE" dirty="0" smtClean="0"/>
+              <a:t> positives </a:t>
+            </a:r>
+            <a:r>
+              <a:rPr lang="sv-SE" dirty="0" err="1" smtClean="0"/>
+              <a:t>are</a:t>
+            </a:r>
+            <a:r>
+              <a:rPr lang="sv-SE" dirty="0" smtClean="0"/>
+              <a:t> </a:t>
+            </a:r>
+            <a:r>
+              <a:rPr lang="sv-SE" dirty="0" err="1" smtClean="0"/>
+              <a:t>mostly</a:t>
+            </a:r>
+            <a:r>
+              <a:rPr lang="sv-SE" dirty="0" smtClean="0"/>
+              <a:t> isolated.</a:t>
+            </a:r>
+          </a:p>
+          <a:p>
+            <a:r>
+              <a:rPr lang="sv-SE" dirty="0" err="1" smtClean="0"/>
+              <a:t>Easy</a:t>
+            </a:r>
+            <a:r>
+              <a:rPr lang="sv-SE" dirty="0" smtClean="0"/>
+              <a:t> </a:t>
+            </a:r>
+            <a:r>
+              <a:rPr lang="sv-SE" dirty="0" err="1" smtClean="0"/>
+              <a:t>to</a:t>
+            </a:r>
+            <a:r>
+              <a:rPr lang="sv-SE" dirty="0" smtClean="0"/>
+              <a:t> </a:t>
+            </a:r>
+            <a:r>
+              <a:rPr lang="sv-SE" dirty="0" err="1" smtClean="0"/>
+              <a:t>handle</a:t>
+            </a:r>
+            <a:r>
+              <a:rPr lang="sv-SE" dirty="0" smtClean="0"/>
+              <a:t> </a:t>
+            </a:r>
+            <a:r>
+              <a:rPr lang="sv-SE" dirty="0" err="1" smtClean="0"/>
+              <a:t>with</a:t>
+            </a:r>
+            <a:r>
+              <a:rPr lang="sv-SE" dirty="0" smtClean="0"/>
+              <a:t> later </a:t>
+            </a:r>
+            <a:r>
+              <a:rPr lang="sv-SE" dirty="0" err="1" smtClean="0"/>
+              <a:t>processing</a:t>
+            </a:r>
+            <a:r>
+              <a:rPr lang="sv-SE" dirty="0" smtClean="0"/>
+              <a:t> </a:t>
+            </a:r>
+            <a:r>
+              <a:rPr lang="sv-SE" smtClean="0"/>
+              <a:t>steps.</a:t>
+            </a:r>
+            <a:endParaRPr lang="sv-SE" dirty="0"/>
+          </a:p>
+          <a:p>
+            <a:endParaRPr lang="sv-SE" dirty="0" smtClean="0"/>
           </a:p>
         </p:txBody>
       </p:sp>
@@ -12079,7 +10005,7 @@
           <a:p>
             <a:r>
               <a:rPr lang="en-US" dirty="0" smtClean="0"/>
-              <a:t>Background Modeling problems</a:t>
+              <a:t>Foreground Processing</a:t>
             </a:r>
             <a:endParaRPr lang="en-US" dirty="0"/>
           </a:p>
@@ -12087,7 +10013,7 @@
       </p:sp>
       <p:sp>
         <p:nvSpPr>
-          <p:cNvPr id="3" name="Content Placeholder 2"/>
+          <p:cNvPr id="5" name="Content Placeholder 2"/>
           <p:cNvSpPr>
             <a:spLocks noGrp="1"/>
           </p:cNvSpPr>
@@ -12102,117 +10028,37 @@
           </a:bodyPr>
           <a:lstStyle/>
           <a:p>
-            <a:pPr>
-              <a:buNone/>
-            </a:pPr>
-            <a:endParaRPr lang="sv-SE" dirty="0" smtClean="0"/>
-          </a:p>
-          <a:p>
-            <a:r>
-              <a:rPr lang="sv-SE" dirty="0" err="1" smtClean="0"/>
-              <a:t>Noisy</a:t>
-            </a:r>
-            <a:r>
-              <a:rPr lang="sv-SE" dirty="0" smtClean="0"/>
-              <a:t>, lots of </a:t>
-            </a:r>
-            <a:r>
-              <a:rPr lang="sv-SE" dirty="0" err="1" smtClean="0"/>
-              <a:t>false</a:t>
-            </a:r>
-            <a:r>
-              <a:rPr lang="sv-SE" dirty="0" smtClean="0"/>
-              <a:t> positives.</a:t>
-            </a:r>
-          </a:p>
-          <a:p>
-            <a:r>
-              <a:rPr lang="sv-SE" dirty="0" err="1" smtClean="0"/>
-              <a:t>False</a:t>
-            </a:r>
-            <a:r>
-              <a:rPr lang="sv-SE" dirty="0" smtClean="0"/>
-              <a:t> positives </a:t>
-            </a:r>
-            <a:r>
-              <a:rPr lang="sv-SE" dirty="0" err="1" smtClean="0"/>
-              <a:t>are</a:t>
-            </a:r>
-            <a:r>
-              <a:rPr lang="sv-SE" dirty="0" smtClean="0"/>
-              <a:t> </a:t>
-            </a:r>
-            <a:r>
-              <a:rPr lang="sv-SE" dirty="0" err="1" smtClean="0"/>
-              <a:t>mostly</a:t>
-            </a:r>
-            <a:r>
-              <a:rPr lang="sv-SE" dirty="0" smtClean="0"/>
-              <a:t> isolated.</a:t>
-            </a:r>
-          </a:p>
-          <a:p>
-            <a:r>
-              <a:rPr lang="sv-SE" dirty="0" smtClean="0"/>
-              <a:t>Easy to </a:t>
-            </a:r>
-            <a:r>
-              <a:rPr lang="sv-SE" dirty="0" err="1" smtClean="0"/>
-              <a:t>handle</a:t>
-            </a:r>
-            <a:r>
-              <a:rPr lang="sv-SE" dirty="0" smtClean="0"/>
-              <a:t> with later </a:t>
-            </a:r>
-            <a:r>
-              <a:rPr lang="sv-SE" dirty="0" err="1" smtClean="0"/>
-              <a:t>processing</a:t>
-            </a:r>
-            <a:r>
-              <a:rPr lang="sv-SE" dirty="0" smtClean="0"/>
-              <a:t> steps.</a:t>
-            </a:r>
-          </a:p>
-          <a:p>
-            <a:endParaRPr lang="sv-SE" dirty="0" smtClean="0"/>
-          </a:p>
-          <a:p>
-            <a:r>
-              <a:rPr lang="sv-SE" dirty="0" err="1" smtClean="0"/>
-              <a:t>Update</a:t>
-            </a:r>
-            <a:r>
-              <a:rPr lang="sv-SE" dirty="0" smtClean="0"/>
-              <a:t> </a:t>
-            </a:r>
-            <a:r>
-              <a:rPr lang="sv-SE" dirty="0" err="1" smtClean="0"/>
-              <a:t>procedure</a:t>
-            </a:r>
-            <a:r>
-              <a:rPr lang="sv-SE" dirty="0" smtClean="0"/>
-              <a:t> is not </a:t>
-            </a:r>
-            <a:r>
-              <a:rPr lang="sv-SE" dirty="0" err="1" smtClean="0"/>
-              <a:t>optimally</a:t>
-            </a:r>
-            <a:r>
-              <a:rPr lang="sv-SE" dirty="0" smtClean="0"/>
-              <a:t> </a:t>
-            </a:r>
-            <a:r>
-              <a:rPr lang="sv-SE" dirty="0" err="1" smtClean="0"/>
-              <a:t>implemented</a:t>
-            </a:r>
-            <a:r>
-              <a:rPr lang="sv-SE" dirty="0" smtClean="0"/>
-              <a:t>.</a:t>
-            </a:r>
-            <a:endParaRPr lang="sv-SE" dirty="0"/>
-          </a:p>
-          <a:p>
-            <a:endParaRPr lang="sv-SE" dirty="0" smtClean="0"/>
+            <a:r>
+              <a:rPr lang="en-US" dirty="0" smtClean="0"/>
+              <a:t>Three main objectives:</a:t>
+            </a:r>
+          </a:p>
+          <a:p>
+            <a:pPr lvl="1"/>
+            <a:r>
+              <a:rPr lang="en-US" dirty="0" smtClean="0"/>
+              <a:t>Suppress shadows</a:t>
+            </a:r>
+          </a:p>
+          <a:p>
+            <a:pPr lvl="1"/>
+            <a:r>
+              <a:rPr lang="en-US" dirty="0" smtClean="0"/>
+              <a:t>Remove noise</a:t>
+            </a:r>
+          </a:p>
+          <a:p>
+            <a:pPr lvl="1"/>
+            <a:r>
+              <a:rPr lang="en-US" dirty="0" smtClean="0"/>
+              <a:t>Detect moving regions</a:t>
+            </a:r>
+          </a:p>
+          <a:p>
+            <a:endParaRPr lang="en-US" dirty="0" smtClean="0"/>
+          </a:p>
+          <a:p>
+            <a:endParaRPr lang="en-US" dirty="0"/>
           </a:p>
         </p:txBody>
       </p:sp>
@@ -12265,7 +10111,7 @@
           <a:p>
             <a:r>
               <a:rPr lang="en-US" dirty="0" smtClean="0"/>
-              <a:t>Foreground Processing</a:t>
+              <a:t>Shadow Suppression</a:t>
             </a:r>
             <a:endParaRPr lang="en-US" dirty="0"/>
           </a:p>
@@ -12273,7 +10119,7 @@
       </p:sp>
       <p:sp>
         <p:nvSpPr>
-          <p:cNvPr id="5" name="Content Placeholder 2"/>
+          <p:cNvPr id="3" name="Content Placeholder 2"/>
           <p:cNvSpPr>
             <a:spLocks noGrp="1"/>
           </p:cNvSpPr>
@@ -12290,38 +10136,129 @@
           <a:p>
             <a:r>
               <a:rPr lang="en-US" dirty="0" smtClean="0"/>
-              <a:t>Three main objectives:</a:t>
-            </a:r>
+              <a:t>Algorithm implemented as described in the master thesis by John Wood.</a:t>
+            </a:r>
+          </a:p>
+          <a:p>
+            <a:r>
+              <a:rPr lang="en-US" dirty="0" smtClean="0"/>
+              <a:t>HSV mapping:</a:t>
+            </a:r>
+            <a:endParaRPr lang="en-US" dirty="0"/>
           </a:p>
           <a:p>
             <a:pPr lvl="1"/>
             <a:r>
               <a:rPr lang="en-US" dirty="0" smtClean="0"/>
-              <a:t>Suppress shadows</a:t>
+              <a:t>Easy to implement</a:t>
             </a:r>
           </a:p>
           <a:p>
             <a:pPr lvl="1"/>
             <a:r>
               <a:rPr lang="en-US" dirty="0" smtClean="0"/>
-              <a:t>Remove noise</a:t>
+              <a:t>Good performance</a:t>
             </a:r>
           </a:p>
           <a:p>
             <a:pPr lvl="1"/>
             <a:r>
               <a:rPr lang="en-US" dirty="0" smtClean="0"/>
-              <a:t>Detect moving regions</a:t>
-            </a:r>
-          </a:p>
-          <a:p>
-            <a:endParaRPr lang="en-US" dirty="0" smtClean="0"/>
-          </a:p>
-          <a:p>
+              <a:t>Few false positives</a:t>
+            </a:r>
             <a:endParaRPr lang="en-US" dirty="0"/>
           </a:p>
-        </p:txBody>
-      </p:sp>
+          <a:p>
+            <a:pPr lvl="1"/>
+            <a:r>
+              <a:rPr lang="en-US" dirty="0" smtClean="0"/>
+              <a:t>Problems with gray areas</a:t>
+            </a:r>
+          </a:p>
+        </p:txBody>
+      </p:sp>
+      <p:pic>
+        <p:nvPicPr>
+          <p:cNvPr id="2050" name="Picture 2" descr="C:\Users\Marsve\Desktop\Kurser\TSBB15\Projekt\Sven\Powerpoint\HSV.png"/>
+          <p:cNvPicPr>
+            <a:picLocks noChangeAspect="1" noChangeArrowheads="1"/>
+          </p:cNvPicPr>
+          <p:nvPr/>
+        </p:nvPicPr>
+        <p:blipFill>
+          <a:blip r:embed="rId2">
+            <a:extLst>
+              <a:ext uri="{28A0092B-C50C-407E-A947-70E740481C1C}">
+                <a14:useLocalDpi xmlns:a14="http://schemas.microsoft.com/office/drawing/2010/main" val="0"/>
+              </a:ext>
+            </a:extLst>
+          </a:blip>
+          <a:srcRect/>
+          <a:stretch>
+            <a:fillRect/>
+          </a:stretch>
+        </p:blipFill>
+        <p:spPr bwMode="auto">
+          <a:xfrm>
+            <a:off x="5853820" y="2971800"/>
+            <a:ext cx="2761116" cy="2778125"/>
+          </a:xfrm>
+          <a:prstGeom prst="rect">
+            <a:avLst/>
+          </a:prstGeom>
+          <a:noFill/>
+          <a:extLst>
+            <a:ext uri="{909E8E84-426E-40DD-AFC4-6F175D3DCCD1}">
+              <a14:hiddenFill xmlns:a14="http://schemas.microsoft.com/office/drawing/2010/main">
+                <a:solidFill>
+                  <a:srgbClr val="FFFFFF"/>
+                </a:solidFill>
+              </a14:hiddenFill>
+            </a:ext>
+          </a:extLst>
+        </p:spPr>
+      </p:pic>
+      <p:pic>
+        <p:nvPicPr>
+          <p:cNvPr id="1026" name="Picture 2" descr="C:\Users\Alexander\Desktop\Imgsource.png"/>
+          <p:cNvPicPr>
+            <a:picLocks noChangeAspect="1" noChangeArrowheads="1"/>
+          </p:cNvPicPr>
+          <p:nvPr/>
+        </p:nvPicPr>
+        <p:blipFill>
+          <a:blip r:embed="rId3">
+            <a:extLst>
+              <a:ext uri="{28A0092B-C50C-407E-A947-70E740481C1C}">
+                <a14:useLocalDpi xmlns:a14="http://schemas.microsoft.com/office/drawing/2010/main" val="0"/>
+              </a:ext>
+            </a:extLst>
+          </a:blip>
+          <a:srcRect/>
+          <a:stretch>
+            <a:fillRect/>
+          </a:stretch>
+        </p:blipFill>
+        <p:spPr bwMode="auto">
+          <a:xfrm>
+            <a:off x="5863628" y="5867400"/>
+            <a:ext cx="2786767" cy="403430"/>
+          </a:xfrm>
+          <a:prstGeom prst="rect">
+            <a:avLst/>
+          </a:prstGeom>
+          <a:noFill/>
+          <a:extLst>
+            <a:ext uri="{909E8E84-426E-40DD-AFC4-6F175D3DCCD1}">
+              <a14:hiddenFill xmlns:a14="http://schemas.microsoft.com/office/drawing/2010/main">
+                <a:solidFill>
+                  <a:srgbClr val="FFFFFF"/>
+                </a:solidFill>
+              </a14:hiddenFill>
+            </a:ext>
+          </a:extLst>
+        </p:spPr>
+      </p:pic>
     </p:spTree>
   </p:cSld>
   <p:clrMapOvr>
@@ -12369,11 +10306,7 @@
           <a:bodyPr/>
           <a:lstStyle/>
           <a:p>
-            <a:r>
-              <a:rPr lang="en-US" dirty="0" smtClean="0"/>
-              <a:t>Shadow Suppression</a:t>
-            </a:r>
-            <a:endParaRPr lang="en-US" dirty="0"/>
+            <a:endParaRPr lang="sv-SE"/>
           </a:p>
         </p:txBody>
       </p:sp>
@@ -12392,64 +10325,20 @@
           <a:bodyPr/>
           <a:lstStyle/>
           <a:p>
-            <a:r>
-              <a:rPr lang="en-US" dirty="0" smtClean="0"/>
-              <a:t>Algorithm implemented as described in the master thesis by John Wood.</a:t>
-            </a:r>
-          </a:p>
-          <a:p>
-            <a:r>
-              <a:rPr lang="en-US" dirty="0" smtClean="0"/>
-              <a:t>HSV mapping:</a:t>
-            </a:r>
-            <a:endParaRPr lang="en-US" dirty="0"/>
-          </a:p>
-          <a:p>
-            <a:pPr lvl="1"/>
-            <a:r>
-              <a:rPr lang="en-US" dirty="0" smtClean="0"/>
-              <a:t>Easy to implement</a:t>
-            </a:r>
-          </a:p>
-          <a:p>
-            <a:pPr lvl="1"/>
-            <a:r>
-              <a:rPr lang="en-US" dirty="0" smtClean="0"/>
-              <a:t>Good performance</a:t>
-            </a:r>
-          </a:p>
-          <a:p>
-            <a:pPr lvl="1"/>
-            <a:r>
-              <a:rPr lang="en-US" dirty="0" smtClean="0"/>
-              <a:t>Few false positives</a:t>
-            </a:r>
-            <a:endParaRPr lang="en-US" dirty="0"/>
-          </a:p>
-          <a:p>
-            <a:endParaRPr lang="en-US" dirty="0" smtClean="0"/>
-          </a:p>
-          <a:p>
-            <a:pPr marL="118872" indent="0">
-              <a:buNone/>
-            </a:pPr>
-            <a:endParaRPr lang="en-US" dirty="0" smtClean="0"/>
-          </a:p>
-          <a:p>
-            <a:endParaRPr lang="en-US" dirty="0" smtClean="0"/>
+            <a:endParaRPr lang="sv-SE"/>
           </a:p>
         </p:txBody>
       </p:sp>
       <p:pic>
         <p:nvPicPr>
-          <p:cNvPr id="2050" name="Picture 2" descr="C:\Users\Marsve\Desktop\Kurser\TSBB15\Projekt\Sven\Powerpoint\HSV.png"/>
+          <p:cNvPr id="4098" name="Picture 2" descr="C:\Users\Marsve\Desktop\Kurser\TSBB15\Projekt\Report Images\Renova 0000 second\Renova0000SecondRaw.png"/>
           <p:cNvPicPr>
-            <a:picLocks noChangeAspect="1" noChangeArrowheads="1"/>
+            <a:picLocks noChangeArrowheads="1"/>
           </p:cNvPicPr>
           <p:nvPr/>
         </p:nvPicPr>
         <p:blipFill>
-          <a:blip r:embed="rId2" cstate="print">
+          <a:blip r:embed="rId2">
             <a:extLst>
               <a:ext uri="{28A0092B-C50C-407E-A947-70E740481C1C}">
                 <a14:useLocalDpi xmlns:a14="http://schemas.microsoft.com/office/drawing/2010/main" val="0"/>
@@ -12463,8 +10352,8 @@
         </p:blipFill>
         <p:spPr bwMode="auto">
           <a:xfrm>
-            <a:off x="5867400" y="3505200"/>
-            <a:ext cx="2761116" cy="2778125"/>
+            <a:off x="-10160" y="0"/>
+            <a:ext cx="9154501" cy="7056000"/>
           </a:xfrm>
           <a:prstGeom prst="rect">
             <a:avLst/>
@@ -12482,6 +10371,11 @@
         </p:spPr>
       </p:pic>
     </p:spTree>
+    <p:extLst>
+      <p:ext uri="{BB962C8B-B14F-4D97-AF65-F5344CB8AC3E}">
+        <p14:creationId xmlns:p14="http://schemas.microsoft.com/office/powerpoint/2010/main" val="869843183"/>
+      </p:ext>
+    </p:extLst>
   </p:cSld>
   <p:clrMapOvr>
     <a:masterClrMapping/>
@@ -12528,7 +10422,11 @@
           <a:bodyPr/>
           <a:lstStyle/>
           <a:p>
-            <a:endParaRPr lang="sv-SE"/>
+            <a:r>
+              <a:rPr lang="en-US" dirty="0" smtClean="0"/>
+              <a:t>Noise Removal</a:t>
+            </a:r>
+            <a:endParaRPr lang="en-US" dirty="0"/>
           </a:p>
         </p:txBody>
       </p:sp>
@@ -12544,60 +10442,79 @@
         </p:nvSpPr>
         <p:spPr/>
         <p:txBody>
-          <a:bodyPr/>
-          <a:lstStyle/>
-          <a:p>
-            <a:endParaRPr lang="sv-SE"/>
-          </a:p>
-        </p:txBody>
-      </p:sp>
-      <p:pic>
-        <p:nvPicPr>
-          <p:cNvPr id="4098" name="Picture 2" descr="C:\Users\Marsve\Desktop\Kurser\TSBB15\Projekt\Report Images\Renova 0000 second\Renova0000SecondRaw.png"/>
-          <p:cNvPicPr>
-            <a:picLocks noChangeAspect="1" noChangeArrowheads="1"/>
-          </p:cNvPicPr>
-          <p:nvPr/>
-        </p:nvPicPr>
-        <p:blipFill>
-          <a:blip r:embed="rId2" cstate="print">
-            <a:extLst>
-              <a:ext uri="{28A0092B-C50C-407E-A947-70E740481C1C}">
-                <a14:useLocalDpi xmlns:a14="http://schemas.microsoft.com/office/drawing/2010/main" val="0"/>
-              </a:ext>
-            </a:extLst>
-          </a:blip>
-          <a:srcRect/>
-          <a:stretch>
-            <a:fillRect/>
-          </a:stretch>
-        </p:blipFill>
-        <p:spPr bwMode="auto">
-          <a:xfrm>
-            <a:off x="-838200" y="-1162703"/>
-            <a:ext cx="9982199" cy="8008003"/>
-          </a:xfrm>
-          <a:prstGeom prst="rect">
-            <a:avLst/>
-          </a:prstGeom>
-          <a:noFill/>
-          <a:extLst>
-            <a:ext uri="{909E8E84-426E-40DD-AFC4-6F175D3DCCD1}">
-              <a14:hiddenFill xmlns:a14="http://schemas.microsoft.com/office/drawing/2010/main">
-                <a:solidFill>
-                  <a:srgbClr val="FFFFFF"/>
-                </a:solidFill>
-              </a14:hiddenFill>
-            </a:ext>
-          </a:extLst>
-        </p:spPr>
-      </p:pic>
+          <a:bodyPr>
+            <a:normAutofit lnSpcReduction="10000"/>
+          </a:bodyPr>
+          <a:lstStyle/>
+          <a:p>
+            <a:r>
+              <a:rPr lang="en-US" dirty="0" smtClean="0"/>
+              <a:t>“Distance filtering”</a:t>
+            </a:r>
+            <a:endParaRPr lang="en-US" dirty="0"/>
+          </a:p>
+          <a:p>
+            <a:pPr lvl="1"/>
+            <a:r>
+              <a:rPr lang="en-US" dirty="0" smtClean="0"/>
+              <a:t>Throw away foreground regions not thick enough</a:t>
+            </a:r>
+          </a:p>
+          <a:p>
+            <a:pPr lvl="1"/>
+            <a:r>
+              <a:rPr lang="en-US" dirty="0" smtClean="0"/>
+              <a:t>Good performance</a:t>
+            </a:r>
+          </a:p>
+          <a:p>
+            <a:pPr lvl="1"/>
+            <a:r>
+              <a:rPr lang="en-US" dirty="0" smtClean="0"/>
+              <a:t>Slow?</a:t>
+            </a:r>
+          </a:p>
+          <a:p>
+            <a:r>
+              <a:rPr lang="sv-SE" dirty="0"/>
+              <a:t>Implementation</a:t>
+            </a:r>
+          </a:p>
+          <a:p>
+            <a:pPr lvl="1"/>
+            <a:r>
+              <a:rPr lang="sv-SE" i="1" dirty="0"/>
+              <a:t>cv::findContours, cv::pointPolygonTest</a:t>
+            </a:r>
+          </a:p>
+          <a:p>
+            <a:pPr lvl="1"/>
+            <a:r>
+              <a:rPr lang="sv-SE" dirty="0"/>
+              <a:t>Iterate over bounding rectangle</a:t>
+            </a:r>
+          </a:p>
+          <a:p>
+            <a:pPr lvl="1"/>
+            <a:r>
+              <a:rPr lang="sv-SE" dirty="0"/>
+              <a:t>Measure distance inside contour only</a:t>
+            </a:r>
+          </a:p>
+          <a:p>
+            <a:r>
+              <a:rPr lang="sv-SE" dirty="0"/>
+              <a:t>Final touch: some morphological </a:t>
+            </a:r>
+            <a:r>
+              <a:rPr lang="sv-SE" dirty="0" smtClean="0"/>
+              <a:t>dilate</a:t>
+            </a:r>
+            <a:endParaRPr lang="sv-SE" dirty="0"/>
+          </a:p>
+        </p:txBody>
+      </p:sp>
     </p:spTree>
-    <p:extLst>
-      <p:ext uri="{BB962C8B-B14F-4D97-AF65-F5344CB8AC3E}">
-        <p14:creationId xmlns:p14="http://schemas.microsoft.com/office/powerpoint/2010/main" val="869843183"/>
-      </p:ext>
-    </p:extLst>
   </p:cSld>
   <p:clrMapOvr>
     <a:masterClrMapping/>
@@ -13176,287 +11093,4 @@
   <a:objectDefaults/>
   <a:extraClrSchemeLst/>
 </a:theme>
-</file>
-
-<file path=ppt/theme/theme3.xml><?xml version="1.0" encoding="utf-8"?>
-<a:theme xmlns:a="http://schemas.openxmlformats.org/drawingml/2006/main" name="Office Theme">
-  <a:themeElements>
-    <a:clrScheme name="Office">
-      <a:dk1>
-        <a:sysClr val="windowText" lastClr="000000"/>
-      </a:dk1>
-      <a:lt1>
-        <a:sysClr val="window" lastClr="FFFFFF"/>
-      </a:lt1>
-      <a:dk2>
-        <a:srgbClr val="1F497D"/>
-      </a:dk2>
-      <a:lt2>
-        <a:srgbClr val="EEECE1"/>
-      </a:lt2>
-      <a:accent1>
-        <a:srgbClr val="4F81BD"/>
-      </a:accent1>
-      <a:accent2>
-        <a:srgbClr val="C0504D"/>
-      </a:accent2>
-      <a:accent3>
-        <a:srgbClr val="9BBB59"/>
-      </a:accent3>
-      <a:accent4>
-        <a:srgbClr val="8064A2"/>
-      </a:accent4>
-      <a:accent5>
-        <a:srgbClr val="4BACC6"/>
-      </a:accent5>
-      <a:accent6>
-        <a:srgbClr val="F79646"/>
-      </a:accent6>
-      <a:hlink>
-        <a:srgbClr val="0000FF"/>
-      </a:hlink>
-      <a:folHlink>
-        <a:srgbClr val="800080"/>
-      </a:folHlink>
-    </a:clrScheme>
-    <a:fontScheme name="Office">
-      <a:majorFont>
-        <a:latin typeface="Calibri"/>
-        <a:ea typeface=""/>
-        <a:cs typeface=""/>
-        <a:font script="Jpan" typeface="ＭＳ Ｐゴシック"/>
-        <a:font script="Hang" typeface="맑은 고딕"/>
-        <a:font script="Hans" typeface="宋体"/>
-        <a:font script="Hant" typeface="新細明體"/>
-        <a:font script="Arab" typeface="Times New Roman"/>
-        <a:font script="Hebr" typeface="Times New Roman"/>
-        <a:font script="Thai" typeface="Angsana New"/>
-        <a:font script="Ethi" typeface="Nyala"/>
-        <a:font script="Beng" typeface="Vrinda"/>
-        <a:font script="Gujr" typeface="Shruti"/>
-        <a:font script="Khmr" typeface="MoolBoran"/>
-        <a:font script="Knda" typeface="Tunga"/>
-        <a:font script="Guru" typeface="Raavi"/>
-        <a:font script="Cans" typeface="Euphemia"/>
-        <a:font script="Cher" typeface="Plantagenet Cherokee"/>
-        <a:font script="Yiii" typeface="Microsoft Yi Baiti"/>
-        <a:font script="Tibt" typeface="Microsoft Himalaya"/>
-        <a:font script="Thaa" typeface="MV Boli"/>
-        <a:font script="Deva" typeface="Mangal"/>
-        <a:font script="Telu" typeface="Gautami"/>
-        <a:font script="Taml" typeface="Latha"/>
-        <a:font script="Syrc" typeface="Estrangelo Edessa"/>
-        <a:font script="Orya" typeface="Kalinga"/>
-        <a:font script="Mlym" typeface="Kartika"/>
-        <a:font script="Laoo" typeface="DokChampa"/>
-        <a:font script="Sinh" typeface="Iskoola Pota"/>
-        <a:font script="Mong" typeface="Mongolian Baiti"/>
-        <a:font script="Viet" typeface="Times New Roman"/>
-        <a:font script="Uigh" typeface="Microsoft Uighur"/>
-      </a:majorFont>
-      <a:minorFont>
-        <a:latin typeface="Calibri"/>
-        <a:ea typeface=""/>
-        <a:cs typeface=""/>
-        <a:font script="Jpan" typeface="ＭＳ Ｐゴシック"/>
-        <a:font script="Hang" typeface="맑은 고딕"/>
-        <a:font script="Hans" typeface="宋体"/>
-        <a:font script="Hant" typeface="新細明體"/>
-        <a:font script="Arab" typeface="Arial"/>
-        <a:font script="Hebr" typeface="Arial"/>
-        <a:font script="Thai" typeface="Cordia New"/>
-        <a:font script="Ethi" typeface="Nyala"/>
-        <a:font script="Beng" typeface="Vrinda"/>
-        <a:font script="Gujr" typeface="Shruti"/>
-        <a:font script="Khmr" typeface="DaunPenh"/>
-        <a:font script="Knda" typeface="Tunga"/>
-        <a:font script="Guru" typeface="Raavi"/>
-        <a:font script="Cans" typeface="Euphemia"/>
-        <a:font script="Cher" typeface="Plantagenet Cherokee"/>
-        <a:font script="Yiii" typeface="Microsoft Yi Baiti"/>
-        <a:font script="Tibt" typeface="Microsoft Himalaya"/>
-        <a:font script="Thaa" typeface="MV Boli"/>
-        <a:font script="Deva" typeface="Mangal"/>
-        <a:font script="Telu" typeface="Gautami"/>
-        <a:font script="Taml" typeface="Latha"/>
-        <a:font script="Syrc" typeface="Estrangelo Edessa"/>
-        <a:font script="Orya" typeface="Kalinga"/>
-        <a:font script="Mlym" typeface="Kartika"/>
-        <a:font script="Laoo" typeface="DokChampa"/>
-        <a:font script="Sinh" typeface="Iskoola Pota"/>
-        <a:font script="Mong" typeface="Mongolian Baiti"/>
-        <a:font script="Viet" typeface="Arial"/>
-        <a:font script="Uigh" typeface="Microsoft Uighur"/>
-      </a:minorFont>
-    </a:fontScheme>
-    <a:fmtScheme name="Office">
-      <a:fillStyleLst>
-        <a:solidFill>
-          <a:schemeClr val="phClr"/>
-        </a:solidFill>
-        <a:gradFill rotWithShape="1">
-          <a:gsLst>
-            <a:gs pos="0">
-              <a:schemeClr val="phClr">
-                <a:tint val="50000"/>
-                <a:satMod val="300000"/>
-              </a:schemeClr>
-            </a:gs>
-            <a:gs pos="35000">
-              <a:schemeClr val="phClr">
-                <a:tint val="37000"/>
-                <a:satMod val="300000"/>
-              </a:schemeClr>
-            </a:gs>
-            <a:gs pos="100000">
-              <a:schemeClr val="phClr">
-                <a:tint val="15000"/>
-                <a:satMod val="350000"/>
-              </a:schemeClr>
-            </a:gs>
-          </a:gsLst>
-          <a:lin ang="16200000" scaled="1"/>
-        </a:gradFill>
-        <a:gradFill rotWithShape="1">
-          <a:gsLst>
-            <a:gs pos="0">
-              <a:schemeClr val="phClr">
-                <a:shade val="51000"/>
-                <a:satMod val="130000"/>
-              </a:schemeClr>
-            </a:gs>
-            <a:gs pos="80000">
-              <a:schemeClr val="phClr">
-                <a:shade val="93000"/>
-                <a:satMod val="130000"/>
-              </a:schemeClr>
-            </a:gs>
-            <a:gs pos="100000">
-              <a:schemeClr val="phClr">
-                <a:shade val="94000"/>
-                <a:satMod val="135000"/>
-              </a:schemeClr>
-            </a:gs>
-          </a:gsLst>
-          <a:lin ang="16200000" scaled="0"/>
-        </a:gradFill>
-      </a:fillStyleLst>
-      <a:lnStyleLst>
-        <a:ln w="9525" cap="flat" cmpd="sng" algn="ctr">
-          <a:solidFill>
-            <a:schemeClr val="phClr">
-              <a:shade val="95000"/>
-              <a:satMod val="105000"/>
-            </a:schemeClr>
-          </a:solidFill>
-          <a:prstDash val="solid"/>
-        </a:ln>
-        <a:ln w="25400" cap="flat" cmpd="sng" algn="ctr">
-          <a:solidFill>
-            <a:schemeClr val="phClr"/>
-          </a:solidFill>
-          <a:prstDash val="solid"/>
-        </a:ln>
-        <a:ln w="38100" cap="flat" cmpd="sng" algn="ctr">
-          <a:solidFill>
-            <a:schemeClr val="phClr"/>
-          </a:solidFill>
-          <a:prstDash val="solid"/>
-        </a:ln>
-      </a:lnStyleLst>
-      <a:effectStyleLst>
-        <a:effectStyle>
-          <a:effectLst>
-            <a:outerShdw blurRad="40000" dist="20000" dir="5400000" rotWithShape="0">
-              <a:srgbClr val="000000">
-                <a:alpha val="38000"/>
-              </a:srgbClr>
-            </a:outerShdw>
-          </a:effectLst>
-        </a:effectStyle>
-        <a:effectStyle>
-          <a:effectLst>
-            <a:outerShdw blurRad="40000" dist="23000" dir="5400000" rotWithShape="0">
-              <a:srgbClr val="000000">
-                <a:alpha val="35000"/>
-              </a:srgbClr>
-            </a:outerShdw>
-          </a:effectLst>
-        </a:effectStyle>
-        <a:effectStyle>
-          <a:effectLst>
-            <a:outerShdw blurRad="40000" dist="23000" dir="5400000" rotWithShape="0">
-              <a:srgbClr val="000000">
-                <a:alpha val="35000"/>
-              </a:srgbClr>
-            </a:outerShdw>
-          </a:effectLst>
-          <a:scene3d>
-            <a:camera prst="orthographicFront">
-              <a:rot lat="0" lon="0" rev="0"/>
-            </a:camera>
-            <a:lightRig rig="threePt" dir="t">
-              <a:rot lat="0" lon="0" rev="1200000"/>
-            </a:lightRig>
-          </a:scene3d>
-          <a:sp3d>
-            <a:bevelT w="63500" h="25400"/>
-          </a:sp3d>
-        </a:effectStyle>
-      </a:effectStyleLst>
-      <a:bgFillStyleLst>
-        <a:solidFill>
-          <a:schemeClr val="phClr"/>
-        </a:solidFill>
-        <a:gradFill rotWithShape="1">
-          <a:gsLst>
-            <a:gs pos="0">
-              <a:schemeClr val="phClr">
-                <a:tint val="40000"/>
-                <a:satMod val="350000"/>
-              </a:schemeClr>
-            </a:gs>
-            <a:gs pos="40000">
-              <a:schemeClr val="phClr">
-                <a:tint val="45000"/>
-                <a:shade val="99000"/>
-                <a:satMod val="350000"/>
-              </a:schemeClr>
-            </a:gs>
-            <a:gs pos="100000">
-              <a:schemeClr val="phClr">
-                <a:shade val="20000"/>
-                <a:satMod val="255000"/>
-              </a:schemeClr>
-            </a:gs>
-          </a:gsLst>
-          <a:path path="circle">
-            <a:fillToRect l="50000" t="-80000" r="50000" b="180000"/>
-          </a:path>
-        </a:gradFill>
-        <a:gradFill rotWithShape="1">
-          <a:gsLst>
-            <a:gs pos="0">
-              <a:schemeClr val="phClr">
-                <a:tint val="80000"/>
-                <a:satMod val="300000"/>
-              </a:schemeClr>
-            </a:gs>
-            <a:gs pos="100000">
-              <a:schemeClr val="phClr">
-                <a:shade val="30000"/>
-                <a:satMod val="200000"/>
-              </a:schemeClr>
-            </a:gs>
-          </a:gsLst>
-          <a:path path="circle">
-            <a:fillToRect l="50000" t="50000" r="50000" b="50000"/>
-          </a:path>
-        </a:gradFill>
-      </a:bgFillStyleLst>
-    </a:fmtScheme>
-  </a:themeElements>
-  <a:objectDefaults/>
-  <a:extraClrSchemeLst/>
-</a:theme>
 </file>